--- a/download/career_introduction.pptx
+++ b/download/career_introduction.pptx
@@ -143,7 +143,7 @@
   </p:defaultTextStyle>
   <p:extLst>
     <p:ext uri="{EFAFB233-063F-42B5-8137-9DF3F51BA10A}">
-      <p15:sldGuideLst xmlns:p15="http://schemas.microsoft.com/office/powerpoint/2012/main" xmlns="">
+      <p15:sldGuideLst xmlns:p15="http://schemas.microsoft.com/office/powerpoint/2012/main">
         <p15:guide id="1" orient="horz" pos="572" userDrawn="1">
           <p15:clr>
             <a:srgbClr val="A4A3A4"/>
@@ -237,7 +237,7 @@
       </p15:sldGuideLst>
     </p:ext>
     <p:ext uri="{2D200454-40CA-4A62-9FC3-DE9A4176ACB9}">
-      <p15:notesGuideLst xmlns:p15="http://schemas.microsoft.com/office/powerpoint/2012/main" xmlns="">
+      <p15:notesGuideLst xmlns:p15="http://schemas.microsoft.com/office/powerpoint/2012/main">
         <p15:guide id="1" orient="horz" pos="3127">
           <p15:clr>
             <a:srgbClr val="A4A3A4"/>
@@ -1121,7 +1121,7 @@
           <a:p>
             <a:fld id="{E0BD39A2-E3B7-4CF3-B6E3-D0DEB28CC5C5}" type="datetimeFigureOut">
               <a:rPr lang="ko-KR" altLang="en-US" smtClean="0"/>
-              <a:t>2019-12-17</a:t>
+              <a:t>2020-07-02</a:t>
             </a:fld>
             <a:endParaRPr lang="ko-KR" altLang="en-US"/>
           </a:p>
@@ -1289,7 +1289,7 @@
           <a:p>
             <a:fld id="{E0BD39A2-E3B7-4CF3-B6E3-D0DEB28CC5C5}" type="datetimeFigureOut">
               <a:rPr lang="ko-KR" altLang="en-US" smtClean="0"/>
-              <a:t>2019-12-17</a:t>
+              <a:t>2020-07-02</a:t>
             </a:fld>
             <a:endParaRPr lang="ko-KR" altLang="en-US"/>
           </a:p>
@@ -1467,7 +1467,7 @@
           <a:p>
             <a:fld id="{E0BD39A2-E3B7-4CF3-B6E3-D0DEB28CC5C5}" type="datetimeFigureOut">
               <a:rPr lang="ko-KR" altLang="en-US" smtClean="0"/>
-              <a:t>2019-12-17</a:t>
+              <a:t>2020-07-02</a:t>
             </a:fld>
             <a:endParaRPr lang="ko-KR" altLang="en-US"/>
           </a:p>
@@ -1897,7 +1897,7 @@
           <a:p>
             <a:fld id="{E0BD39A2-E3B7-4CF3-B6E3-D0DEB28CC5C5}" type="datetimeFigureOut">
               <a:rPr lang="ko-KR" altLang="en-US" smtClean="0"/>
-              <a:t>2019-12-17</a:t>
+              <a:t>2020-07-02</a:t>
             </a:fld>
             <a:endParaRPr lang="ko-KR" altLang="en-US"/>
           </a:p>
@@ -2142,7 +2142,7 @@
           <a:p>
             <a:fld id="{E0BD39A2-E3B7-4CF3-B6E3-D0DEB28CC5C5}" type="datetimeFigureOut">
               <a:rPr lang="ko-KR" altLang="en-US" smtClean="0"/>
-              <a:t>2019-12-17</a:t>
+              <a:t>2020-07-02</a:t>
             </a:fld>
             <a:endParaRPr lang="ko-KR" altLang="en-US"/>
           </a:p>
@@ -2427,7 +2427,7 @@
           <a:p>
             <a:fld id="{E0BD39A2-E3B7-4CF3-B6E3-D0DEB28CC5C5}" type="datetimeFigureOut">
               <a:rPr lang="ko-KR" altLang="en-US" smtClean="0"/>
-              <a:t>2019-12-17</a:t>
+              <a:t>2020-07-02</a:t>
             </a:fld>
             <a:endParaRPr lang="ko-KR" altLang="en-US"/>
           </a:p>
@@ -2846,7 +2846,7 @@
           <a:p>
             <a:fld id="{E0BD39A2-E3B7-4CF3-B6E3-D0DEB28CC5C5}" type="datetimeFigureOut">
               <a:rPr lang="ko-KR" altLang="en-US" smtClean="0"/>
-              <a:t>2019-12-17</a:t>
+              <a:t>2020-07-02</a:t>
             </a:fld>
             <a:endParaRPr lang="ko-KR" altLang="en-US"/>
           </a:p>
@@ -2963,7 +2963,7 @@
           <a:p>
             <a:fld id="{E0BD39A2-E3B7-4CF3-B6E3-D0DEB28CC5C5}" type="datetimeFigureOut">
               <a:rPr lang="ko-KR" altLang="en-US" smtClean="0"/>
-              <a:t>2019-12-17</a:t>
+              <a:t>2020-07-02</a:t>
             </a:fld>
             <a:endParaRPr lang="ko-KR" altLang="en-US"/>
           </a:p>
@@ -3058,7 +3058,7 @@
           <a:p>
             <a:fld id="{E0BD39A2-E3B7-4CF3-B6E3-D0DEB28CC5C5}" type="datetimeFigureOut">
               <a:rPr lang="ko-KR" altLang="en-US" smtClean="0"/>
-              <a:t>2019-12-17</a:t>
+              <a:t>2020-07-02</a:t>
             </a:fld>
             <a:endParaRPr lang="ko-KR" altLang="en-US"/>
           </a:p>
@@ -3333,7 +3333,7 @@
           <a:p>
             <a:fld id="{E0BD39A2-E3B7-4CF3-B6E3-D0DEB28CC5C5}" type="datetimeFigureOut">
               <a:rPr lang="ko-KR" altLang="en-US" smtClean="0"/>
-              <a:t>2019-12-17</a:t>
+              <a:t>2020-07-02</a:t>
             </a:fld>
             <a:endParaRPr lang="ko-KR" altLang="en-US"/>
           </a:p>
@@ -3585,7 +3585,7 @@
           <a:p>
             <a:fld id="{E0BD39A2-E3B7-4CF3-B6E3-D0DEB28CC5C5}" type="datetimeFigureOut">
               <a:rPr lang="ko-KR" altLang="en-US" smtClean="0"/>
-              <a:t>2019-12-17</a:t>
+              <a:t>2020-07-02</a:t>
             </a:fld>
             <a:endParaRPr lang="ko-KR" altLang="en-US"/>
           </a:p>
@@ -3796,7 +3796,7 @@
           <a:p>
             <a:fld id="{E0BD39A2-E3B7-4CF3-B6E3-D0DEB28CC5C5}" type="datetimeFigureOut">
               <a:rPr lang="ko-KR" altLang="en-US" smtClean="0"/>
-              <a:t>2019-12-17</a:t>
+              <a:t>2020-07-02</a:t>
             </a:fld>
             <a:endParaRPr lang="ko-KR" altLang="en-US"/>
           </a:p>
@@ -4464,7 +4464,7 @@
           <p:nvPr>
             <p:extLst>
               <p:ext uri="{D42A27DB-BD31-4B8C-83A1-F6EECF244321}">
-                <p14:modId xmlns:p14="http://schemas.microsoft.com/office/powerpoint/2010/main" val="551460667"/>
+                <p14:modId xmlns:p14="http://schemas.microsoft.com/office/powerpoint/2010/main" val="2770673217"/>
               </p:ext>
             </p:extLst>
           </p:nvPr>
@@ -4478,52 +4478,52 @@
             <a:tbl>
               <a:tblPr/>
               <a:tblGrid>
-                <a:gridCol w="1078168">
+                <a:gridCol w="1209973">
                   <a:extLst>
                     <a:ext uri="{9D8B030D-6E8A-4147-A177-3AD203B41FA5}">
-                      <a16:colId xmlns:a16="http://schemas.microsoft.com/office/drawing/2014/main" xmlns="" val="20000"/>
+                      <a16:colId xmlns="" xmlns:a16="http://schemas.microsoft.com/office/drawing/2014/main" val="20000"/>
                     </a:ext>
                   </a:extLst>
                 </a:gridCol>
-                <a:gridCol w="939113">
+                <a:gridCol w="889686">
                   <a:extLst>
                     <a:ext uri="{9D8B030D-6E8A-4147-A177-3AD203B41FA5}">
-                      <a16:colId xmlns:a16="http://schemas.microsoft.com/office/drawing/2014/main" xmlns="" val="20001"/>
+                      <a16:colId xmlns="" xmlns:a16="http://schemas.microsoft.com/office/drawing/2014/main" val="20001"/>
                     </a:ext>
                   </a:extLst>
                 </a:gridCol>
-                <a:gridCol w="2314833">
+                <a:gridCol w="2273644">
                   <a:extLst>
                     <a:ext uri="{9D8B030D-6E8A-4147-A177-3AD203B41FA5}">
-                      <a16:colId xmlns:a16="http://schemas.microsoft.com/office/drawing/2014/main" xmlns="" val="20002"/>
+                      <a16:colId xmlns="" xmlns:a16="http://schemas.microsoft.com/office/drawing/2014/main" val="20002"/>
                     </a:ext>
                   </a:extLst>
                 </a:gridCol>
-                <a:gridCol w="1285102">
+                <a:gridCol w="1276865">
                   <a:extLst>
                     <a:ext uri="{9D8B030D-6E8A-4147-A177-3AD203B41FA5}">
-                      <a16:colId xmlns:a16="http://schemas.microsoft.com/office/drawing/2014/main" xmlns="" val="20003"/>
+                      <a16:colId xmlns="" xmlns:a16="http://schemas.microsoft.com/office/drawing/2014/main" val="20003"/>
                     </a:ext>
                   </a:extLst>
                 </a:gridCol>
-                <a:gridCol w="724930">
+                <a:gridCol w="724929">
                   <a:extLst>
                     <a:ext uri="{9D8B030D-6E8A-4147-A177-3AD203B41FA5}">
-                      <a16:colId xmlns:a16="http://schemas.microsoft.com/office/drawing/2014/main" xmlns="" val="20004"/>
+                      <a16:colId xmlns="" xmlns:a16="http://schemas.microsoft.com/office/drawing/2014/main" val="20004"/>
                     </a:ext>
                   </a:extLst>
                 </a:gridCol>
-                <a:gridCol w="691978">
+                <a:gridCol w="667265">
                   <a:extLst>
                     <a:ext uri="{9D8B030D-6E8A-4147-A177-3AD203B41FA5}">
-                      <a16:colId xmlns:a16="http://schemas.microsoft.com/office/drawing/2014/main" xmlns="" val="20005"/>
+                      <a16:colId xmlns="" xmlns:a16="http://schemas.microsoft.com/office/drawing/2014/main" val="20005"/>
                     </a:ext>
                   </a:extLst>
                 </a:gridCol>
-                <a:gridCol w="2284799">
+                <a:gridCol w="2276561">
                   <a:extLst>
                     <a:ext uri="{9D8B030D-6E8A-4147-A177-3AD203B41FA5}">
-                      <a16:colId xmlns:a16="http://schemas.microsoft.com/office/drawing/2014/main" xmlns="" val="20006"/>
+                      <a16:colId xmlns="" xmlns:a16="http://schemas.microsoft.com/office/drawing/2014/main" val="20006"/>
                     </a:ext>
                   </a:extLst>
                 </a:gridCol>
@@ -4553,7 +4553,7 @@
                         <a:tabLst/>
                       </a:pPr>
                       <a:r>
-                        <a:rPr kumimoji="1" lang="ko-KR" altLang="en-US" sz="1000" b="1" i="0" u="none" strike="noStrike" cap="none" normalizeH="0" baseline="0" dirty="0">
+                        <a:rPr kumimoji="1" lang="ko-KR" altLang="en-US" sz="1000" b="1" i="0" u="none" strike="noStrike" kern="1200" cap="none" normalizeH="0" baseline="0" dirty="0">
                           <a:ln>
                             <a:noFill/>
                           </a:ln>
@@ -4563,6 +4563,7 @@
                           <a:effectLst/>
                           <a:latin typeface="나눔고딕" pitchFamily="50" charset="-127"/>
                           <a:ea typeface="나눔고딕" pitchFamily="50" charset="-127"/>
+                          <a:cs typeface="+mn-cs"/>
                         </a:rPr>
                         <a:t>소속</a:t>
                       </a:r>
@@ -4642,7 +4643,7 @@
                         <a:tabLst/>
                       </a:pPr>
                       <a:r>
-                        <a:rPr kumimoji="1" lang="ko-KR" altLang="en-US" sz="1000" b="1" i="0" u="none" strike="noStrike" cap="none" normalizeH="0" baseline="0" dirty="0" err="1">
+                        <a:rPr kumimoji="1" lang="ko-KR" altLang="en-US" sz="1000" b="1" i="0" u="none" strike="noStrike" kern="1200" cap="none" normalizeH="0" baseline="0" dirty="0" err="1">
                           <a:ln>
                             <a:noFill/>
                           </a:ln>
@@ -4652,10 +4653,11 @@
                           <a:effectLst/>
                           <a:latin typeface="나눔고딕" pitchFamily="50" charset="-127"/>
                           <a:ea typeface="나눔고딕" pitchFamily="50" charset="-127"/>
+                          <a:cs typeface="+mn-cs"/>
                         </a:rPr>
                         <a:t>발주처</a:t>
                       </a:r>
-                      <a:endParaRPr kumimoji="1" lang="ko-KR" altLang="en-US" sz="1000" b="1" i="0" u="none" strike="noStrike" cap="none" normalizeH="0" baseline="0" dirty="0">
+                      <a:endParaRPr kumimoji="1" lang="ko-KR" altLang="en-US" sz="1000" b="1" i="0" u="none" strike="noStrike" kern="1200" cap="none" normalizeH="0" baseline="0" dirty="0">
                         <a:ln>
                           <a:noFill/>
                         </a:ln>
@@ -4665,6 +4667,7 @@
                         <a:effectLst/>
                         <a:latin typeface="나눔고딕" pitchFamily="50" charset="-127"/>
                         <a:ea typeface="나눔고딕" pitchFamily="50" charset="-127"/>
+                        <a:cs typeface="+mn-cs"/>
                       </a:endParaRPr>
                     </a:p>
                   </a:txBody>
@@ -4742,7 +4745,7 @@
                         <a:tabLst/>
                       </a:pPr>
                       <a:r>
-                        <a:rPr kumimoji="1" lang="ko-KR" altLang="en-US" sz="1000" b="1" i="0" u="none" strike="noStrike" cap="none" normalizeH="0" baseline="0" dirty="0" err="1">
+                        <a:rPr kumimoji="1" lang="ko-KR" altLang="en-US" sz="1000" b="1" i="0" u="none" strike="noStrike" kern="1200" cap="none" normalizeH="0" baseline="0" dirty="0" err="1">
                           <a:ln>
                             <a:noFill/>
                           </a:ln>
@@ -4752,10 +4755,11 @@
                           <a:effectLst/>
                           <a:latin typeface="나눔고딕" pitchFamily="50" charset="-127"/>
                           <a:ea typeface="나눔고딕" pitchFamily="50" charset="-127"/>
+                          <a:cs typeface="+mn-cs"/>
                         </a:rPr>
                         <a:t>사업명</a:t>
                       </a:r>
-                      <a:endParaRPr kumimoji="1" lang="ko-KR" altLang="en-US" sz="1000" b="1" i="0" u="none" strike="noStrike" cap="none" normalizeH="0" baseline="0" dirty="0">
+                      <a:endParaRPr kumimoji="1" lang="ko-KR" altLang="en-US" sz="1000" b="1" i="0" u="none" strike="noStrike" kern="1200" cap="none" normalizeH="0" baseline="0" dirty="0">
                         <a:ln>
                           <a:noFill/>
                         </a:ln>
@@ -4765,6 +4769,7 @@
                         <a:effectLst/>
                         <a:latin typeface="나눔고딕" pitchFamily="50" charset="-127"/>
                         <a:ea typeface="나눔고딕" pitchFamily="50" charset="-127"/>
+                        <a:cs typeface="+mn-cs"/>
                       </a:endParaRPr>
                     </a:p>
                   </a:txBody>
@@ -4842,7 +4847,7 @@
                         <a:tabLst/>
                       </a:pPr>
                       <a:r>
-                        <a:rPr kumimoji="1" lang="ko-KR" altLang="en-US" sz="1000" b="1" i="0" u="none" strike="noStrike" cap="none" normalizeH="0" baseline="0" dirty="0">
+                        <a:rPr kumimoji="1" lang="ko-KR" altLang="en-US" sz="1000" b="1" i="0" u="none" strike="noStrike" kern="1200" cap="none" normalizeH="0" baseline="0" dirty="0">
                           <a:ln>
                             <a:noFill/>
                           </a:ln>
@@ -4852,6 +4857,7 @@
                           <a:effectLst/>
                           <a:latin typeface="나눔고딕" pitchFamily="50" charset="-127"/>
                           <a:ea typeface="나눔고딕" pitchFamily="50" charset="-127"/>
+                          <a:cs typeface="+mn-cs"/>
                         </a:rPr>
                         <a:t>참여기간</a:t>
                       </a:r>
@@ -4931,7 +4937,7 @@
                         <a:tabLst/>
                       </a:pPr>
                       <a:r>
-                        <a:rPr kumimoji="1" lang="ko-KR" altLang="en-US" sz="1000" b="1" i="0" u="none" strike="noStrike" cap="none" normalizeH="0" baseline="0" dirty="0">
+                        <a:rPr kumimoji="1" lang="ko-KR" altLang="en-US" sz="1000" b="1" i="0" u="none" strike="noStrike" kern="1200" cap="none" normalizeH="0" baseline="0" dirty="0">
                           <a:ln>
                             <a:noFill/>
                           </a:ln>
@@ -4941,6 +4947,7 @@
                           <a:effectLst/>
                           <a:latin typeface="나눔고딕" pitchFamily="50" charset="-127"/>
                           <a:ea typeface="나눔고딕" pitchFamily="50" charset="-127"/>
+                          <a:cs typeface="+mn-cs"/>
                         </a:rPr>
                         <a:t>담당업무</a:t>
                       </a:r>
@@ -5020,7 +5027,7 @@
                         <a:tabLst/>
                       </a:pPr>
                       <a:r>
-                        <a:rPr kumimoji="1" lang="ko-KR" altLang="en-US" sz="1000" b="1" i="0" u="none" strike="noStrike" cap="none" normalizeH="0" baseline="0" dirty="0">
+                        <a:rPr kumimoji="1" lang="ko-KR" altLang="en-US" sz="1000" b="1" i="0" u="none" strike="noStrike" kern="1200" cap="none" normalizeH="0" baseline="0" dirty="0">
                           <a:ln>
                             <a:noFill/>
                           </a:ln>
@@ -5030,6 +5037,7 @@
                           <a:effectLst/>
                           <a:latin typeface="나눔고딕" pitchFamily="50" charset="-127"/>
                           <a:ea typeface="나눔고딕" pitchFamily="50" charset="-127"/>
+                          <a:cs typeface="+mn-cs"/>
                         </a:rPr>
                         <a:t>역할</a:t>
                       </a:r>
@@ -5109,7 +5117,7 @@
                         <a:tabLst/>
                       </a:pPr>
                       <a:r>
-                        <a:rPr kumimoji="1" lang="ko-KR" altLang="en-US" sz="1000" b="1" i="0" u="none" strike="noStrike" cap="none" normalizeH="0" baseline="0" dirty="0">
+                        <a:rPr kumimoji="1" lang="ko-KR" altLang="en-US" sz="1000" b="1" i="0" u="none" strike="noStrike" kern="1200" cap="none" normalizeH="0" baseline="0" dirty="0">
                           <a:ln>
                             <a:noFill/>
                           </a:ln>
@@ -5119,10 +5127,11 @@
                           <a:effectLst/>
                           <a:latin typeface="나눔고딕" pitchFamily="50" charset="-127"/>
                           <a:ea typeface="나눔고딕" pitchFamily="50" charset="-127"/>
+                          <a:cs typeface="+mn-cs"/>
                         </a:rPr>
                         <a:t>적용기술</a:t>
                       </a:r>
-                      <a:endParaRPr kumimoji="1" lang="en-US" altLang="ko-KR" sz="1000" b="1" i="0" u="none" strike="noStrike" cap="none" normalizeH="0" baseline="0" dirty="0">
+                      <a:endParaRPr kumimoji="1" lang="en-US" altLang="ko-KR" sz="1000" b="1" i="0" u="none" strike="noStrike" kern="1200" cap="none" normalizeH="0" baseline="0" dirty="0">
                         <a:ln>
                           <a:noFill/>
                         </a:ln>
@@ -5132,6 +5141,7 @@
                         <a:effectLst/>
                         <a:latin typeface="나눔고딕" pitchFamily="50" charset="-127"/>
                         <a:ea typeface="나눔고딕" pitchFamily="50" charset="-127"/>
+                        <a:cs typeface="+mn-cs"/>
                       </a:endParaRPr>
                     </a:p>
                     <a:p>
@@ -5154,7 +5164,7 @@
                         <a:tabLst/>
                       </a:pPr>
                       <a:r>
-                        <a:rPr kumimoji="1" lang="en-US" altLang="ko-KR" sz="1000" b="1" i="0" u="none" strike="noStrike" cap="none" normalizeH="0" baseline="0" dirty="0">
+                        <a:rPr kumimoji="1" lang="en-US" altLang="ko-KR" sz="1000" b="1" i="0" u="none" strike="noStrike" kern="1200" cap="none" normalizeH="0" baseline="0" dirty="0">
                           <a:ln>
                             <a:noFill/>
                           </a:ln>
@@ -5164,11 +5174,12 @@
                           <a:effectLst/>
                           <a:latin typeface="나눔고딕" pitchFamily="50" charset="-127"/>
                           <a:ea typeface="나눔고딕" pitchFamily="50" charset="-127"/>
+                          <a:cs typeface="+mn-cs"/>
                         </a:rPr>
                         <a:t>(</a:t>
                       </a:r>
                       <a:r>
-                        <a:rPr kumimoji="1" lang="ko-KR" altLang="en-US" sz="1000" b="1" i="0" u="none" strike="noStrike" cap="none" normalizeH="0" baseline="0" dirty="0">
+                        <a:rPr kumimoji="1" lang="ko-KR" altLang="en-US" sz="1000" b="1" i="0" u="none" strike="noStrike" kern="1200" cap="none" normalizeH="0" baseline="0" dirty="0">
                           <a:ln>
                             <a:noFill/>
                           </a:ln>
@@ -5178,11 +5189,12 @@
                           <a:effectLst/>
                           <a:latin typeface="나눔고딕" pitchFamily="50" charset="-127"/>
                           <a:ea typeface="나눔고딕" pitchFamily="50" charset="-127"/>
+                          <a:cs typeface="+mn-cs"/>
                         </a:rPr>
                         <a:t>언어</a:t>
                       </a:r>
                       <a:r>
-                        <a:rPr kumimoji="1" lang="en-US" altLang="ko-KR" sz="1000" b="1" i="0" u="none" strike="noStrike" cap="none" normalizeH="0" baseline="0" dirty="0">
+                        <a:rPr kumimoji="1" lang="en-US" altLang="ko-KR" sz="1000" b="1" i="0" u="none" strike="noStrike" kern="1200" cap="none" normalizeH="0" baseline="0" dirty="0">
                           <a:ln>
                             <a:noFill/>
                           </a:ln>
@@ -5192,11 +5204,12 @@
                           <a:effectLst/>
                           <a:latin typeface="나눔고딕" pitchFamily="50" charset="-127"/>
                           <a:ea typeface="나눔고딕" pitchFamily="50" charset="-127"/>
+                          <a:cs typeface="+mn-cs"/>
                         </a:rPr>
                         <a:t>,Tool </a:t>
                       </a:r>
                       <a:r>
-                        <a:rPr kumimoji="1" lang="ko-KR" altLang="en-US" sz="1000" b="1" i="0" u="none" strike="noStrike" cap="none" normalizeH="0" baseline="0" dirty="0">
+                        <a:rPr kumimoji="1" lang="ko-KR" altLang="en-US" sz="1000" b="1" i="0" u="none" strike="noStrike" kern="1200" cap="none" normalizeH="0" baseline="0" dirty="0">
                           <a:ln>
                             <a:noFill/>
                           </a:ln>
@@ -5206,11 +5219,12 @@
                           <a:effectLst/>
                           <a:latin typeface="나눔고딕" pitchFamily="50" charset="-127"/>
                           <a:ea typeface="나눔고딕" pitchFamily="50" charset="-127"/>
+                          <a:cs typeface="+mn-cs"/>
                         </a:rPr>
                         <a:t>등</a:t>
                       </a:r>
                       <a:r>
-                        <a:rPr kumimoji="1" lang="en-US" altLang="ko-KR" sz="1000" b="1" i="0" u="none" strike="noStrike" cap="none" normalizeH="0" baseline="0" dirty="0">
+                        <a:rPr kumimoji="1" lang="en-US" altLang="ko-KR" sz="1000" b="1" i="0" u="none" strike="noStrike" kern="1200" cap="none" normalizeH="0" baseline="0" dirty="0">
                           <a:ln>
                             <a:noFill/>
                           </a:ln>
@@ -5220,10 +5234,11 @@
                           <a:effectLst/>
                           <a:latin typeface="나눔고딕" pitchFamily="50" charset="-127"/>
                           <a:ea typeface="나눔고딕" pitchFamily="50" charset="-127"/>
+                          <a:cs typeface="+mn-cs"/>
                         </a:rPr>
                         <a:t>)</a:t>
                       </a:r>
-                      <a:endParaRPr kumimoji="1" lang="ko-KR" altLang="en-US" sz="1000" b="1" i="0" u="none" strike="noStrike" cap="none" normalizeH="0" baseline="0" dirty="0">
+                      <a:endParaRPr kumimoji="1" lang="ko-KR" altLang="en-US" sz="1000" b="1" i="0" u="none" strike="noStrike" kern="1200" cap="none" normalizeH="0" baseline="0" dirty="0">
                         <a:ln>
                           <a:noFill/>
                         </a:ln>
@@ -5233,6 +5248,7 @@
                         <a:effectLst/>
                         <a:latin typeface="나눔고딕" pitchFamily="50" charset="-127"/>
                         <a:ea typeface="나눔고딕" pitchFamily="50" charset="-127"/>
+                        <a:cs typeface="+mn-cs"/>
                       </a:endParaRPr>
                     </a:p>
                   </a:txBody>
@@ -5288,7 +5304,7 @@
                 </a:tc>
                 <a:extLst>
                   <a:ext uri="{0D108BD9-81ED-4DB2-BD59-A6C34878D82A}">
-                    <a16:rowId xmlns:a16="http://schemas.microsoft.com/office/drawing/2014/main" xmlns="" val="10000"/>
+                    <a16:rowId xmlns="" xmlns:a16="http://schemas.microsoft.com/office/drawing/2014/main" val="10000"/>
                   </a:ext>
                 </a:extLst>
               </a:tr>
@@ -6046,7 +6062,7 @@
                 </a:tc>
                 <a:extLst>
                   <a:ext uri="{0D108BD9-81ED-4DB2-BD59-A6C34878D82A}">
-                    <a16:rowId xmlns:a16="http://schemas.microsoft.com/office/drawing/2014/main" xmlns="" val="10001"/>
+                    <a16:rowId xmlns="" xmlns:a16="http://schemas.microsoft.com/office/drawing/2014/main" val="10001"/>
                   </a:ext>
                 </a:extLst>
               </a:tr>
@@ -6758,7 +6774,7 @@
                 </a:tc>
                 <a:extLst>
                   <a:ext uri="{0D108BD9-81ED-4DB2-BD59-A6C34878D82A}">
-                    <a16:rowId xmlns:a16="http://schemas.microsoft.com/office/drawing/2014/main" xmlns="" val="10002"/>
+                    <a16:rowId xmlns="" xmlns:a16="http://schemas.microsoft.com/office/drawing/2014/main" val="10002"/>
                   </a:ext>
                 </a:extLst>
               </a:tr>
@@ -7444,7 +7460,7 @@
                 </a:tc>
                 <a:extLst>
                   <a:ext uri="{0D108BD9-81ED-4DB2-BD59-A6C34878D82A}">
-                    <a16:rowId xmlns:a16="http://schemas.microsoft.com/office/drawing/2014/main" xmlns="" val="10003"/>
+                    <a16:rowId xmlns="" xmlns:a16="http://schemas.microsoft.com/office/drawing/2014/main" val="10003"/>
                   </a:ext>
                 </a:extLst>
               </a:tr>
@@ -8141,7 +8157,7 @@
                 </a:tc>
                 <a:extLst>
                   <a:ext uri="{0D108BD9-81ED-4DB2-BD59-A6C34878D82A}">
-                    <a16:rowId xmlns:a16="http://schemas.microsoft.com/office/drawing/2014/main" xmlns="" val="10004"/>
+                    <a16:rowId xmlns="" xmlns:a16="http://schemas.microsoft.com/office/drawing/2014/main" val="10004"/>
                   </a:ext>
                 </a:extLst>
               </a:tr>
@@ -8948,7 +8964,7 @@
                 </a:tc>
                 <a:extLst>
                   <a:ext uri="{0D108BD9-81ED-4DB2-BD59-A6C34878D82A}">
-                    <a16:rowId xmlns:a16="http://schemas.microsoft.com/office/drawing/2014/main" xmlns="" val="10005"/>
+                    <a16:rowId xmlns="" xmlns:a16="http://schemas.microsoft.com/office/drawing/2014/main" val="10005"/>
                   </a:ext>
                 </a:extLst>
               </a:tr>
@@ -9690,7 +9706,7 @@
                 </a:tc>
                 <a:extLst>
                   <a:ext uri="{0D108BD9-81ED-4DB2-BD59-A6C34878D82A}">
-                    <a16:rowId xmlns:a16="http://schemas.microsoft.com/office/drawing/2014/main" xmlns="" val="10006"/>
+                    <a16:rowId xmlns="" xmlns:a16="http://schemas.microsoft.com/office/drawing/2014/main" val="10006"/>
                   </a:ext>
                 </a:extLst>
               </a:tr>
@@ -10432,7 +10448,7 @@
                 </a:tc>
                 <a:extLst>
                   <a:ext uri="{0D108BD9-81ED-4DB2-BD59-A6C34878D82A}">
-                    <a16:rowId xmlns:a16="http://schemas.microsoft.com/office/drawing/2014/main" xmlns="" val="10007"/>
+                    <a16:rowId xmlns="" xmlns:a16="http://schemas.microsoft.com/office/drawing/2014/main" val="10007"/>
                   </a:ext>
                 </a:extLst>
               </a:tr>
@@ -11130,7 +11146,7 @@
                 </a:tc>
                 <a:extLst>
                   <a:ext uri="{0D108BD9-81ED-4DB2-BD59-A6C34878D82A}">
-                    <a16:rowId xmlns:a16="http://schemas.microsoft.com/office/drawing/2014/main" xmlns="" val="10008"/>
+                    <a16:rowId xmlns="" xmlns:a16="http://schemas.microsoft.com/office/drawing/2014/main" val="10008"/>
                   </a:ext>
                 </a:extLst>
               </a:tr>
@@ -11873,7 +11889,7 @@
                 </a:tc>
                 <a:extLst>
                   <a:ext uri="{0D108BD9-81ED-4DB2-BD59-A6C34878D82A}">
-                    <a16:rowId xmlns:a16="http://schemas.microsoft.com/office/drawing/2014/main" xmlns="" val="10009"/>
+                    <a16:rowId xmlns="" xmlns:a16="http://schemas.microsoft.com/office/drawing/2014/main" val="10009"/>
                   </a:ext>
                 </a:extLst>
               </a:tr>
@@ -12616,7 +12632,7 @@
                 </a:tc>
                 <a:extLst>
                   <a:ext uri="{0D108BD9-81ED-4DB2-BD59-A6C34878D82A}">
-                    <a16:rowId xmlns:a16="http://schemas.microsoft.com/office/drawing/2014/main" xmlns="" val="10010"/>
+                    <a16:rowId xmlns="" xmlns:a16="http://schemas.microsoft.com/office/drawing/2014/main" val="10010"/>
                   </a:ext>
                 </a:extLst>
               </a:tr>
@@ -13329,7 +13345,7 @@
                 </a:tc>
                 <a:extLst>
                   <a:ext uri="{0D108BD9-81ED-4DB2-BD59-A6C34878D82A}">
-                    <a16:rowId xmlns:a16="http://schemas.microsoft.com/office/drawing/2014/main" xmlns="" val="10011"/>
+                    <a16:rowId xmlns="" xmlns:a16="http://schemas.microsoft.com/office/drawing/2014/main" val="10011"/>
                   </a:ext>
                 </a:extLst>
               </a:tr>
@@ -14057,7 +14073,7 @@
                 </a:tc>
                 <a:extLst>
                   <a:ext uri="{0D108BD9-81ED-4DB2-BD59-A6C34878D82A}">
-                    <a16:rowId xmlns:a16="http://schemas.microsoft.com/office/drawing/2014/main" xmlns="" val="10012"/>
+                    <a16:rowId xmlns="" xmlns:a16="http://schemas.microsoft.com/office/drawing/2014/main" val="10012"/>
                   </a:ext>
                 </a:extLst>
               </a:tr>
@@ -14104,66 +14120,66 @@
           <p:nvPr>
             <p:extLst>
               <p:ext uri="{D42A27DB-BD31-4B8C-83A1-F6EECF244321}">
-                <p14:modId xmlns:p14="http://schemas.microsoft.com/office/powerpoint/2010/main" val="1337189999"/>
+                <p14:modId xmlns:p14="http://schemas.microsoft.com/office/powerpoint/2010/main" val="3723318448"/>
               </p:ext>
             </p:extLst>
           </p:nvPr>
         </p:nvGraphicFramePr>
         <p:xfrm>
           <a:off x="314027" y="1019511"/>
-          <a:ext cx="9318923" cy="1767085"/>
+          <a:ext cx="9318923" cy="2127978"/>
         </p:xfrm>
         <a:graphic>
           <a:graphicData uri="http://schemas.openxmlformats.org/drawingml/2006/table">
             <a:tbl>
               <a:tblPr/>
               <a:tblGrid>
-                <a:gridCol w="1078168">
+                <a:gridCol w="1209973">
                   <a:extLst>
                     <a:ext uri="{9D8B030D-6E8A-4147-A177-3AD203B41FA5}">
-                      <a16:colId xmlns:a16="http://schemas.microsoft.com/office/drawing/2014/main" xmlns="" val="20000"/>
+                      <a16:colId xmlns="" xmlns:a16="http://schemas.microsoft.com/office/drawing/2014/main" val="20000"/>
                     </a:ext>
                   </a:extLst>
                 </a:gridCol>
-                <a:gridCol w="939113">
+                <a:gridCol w="881449">
                   <a:extLst>
                     <a:ext uri="{9D8B030D-6E8A-4147-A177-3AD203B41FA5}">
-                      <a16:colId xmlns:a16="http://schemas.microsoft.com/office/drawing/2014/main" xmlns="" val="20001"/>
+                      <a16:colId xmlns="" xmlns:a16="http://schemas.microsoft.com/office/drawing/2014/main" val="20001"/>
                     </a:ext>
                   </a:extLst>
                 </a:gridCol>
-                <a:gridCol w="2314833">
+                <a:gridCol w="2290119">
                   <a:extLst>
                     <a:ext uri="{9D8B030D-6E8A-4147-A177-3AD203B41FA5}">
-                      <a16:colId xmlns:a16="http://schemas.microsoft.com/office/drawing/2014/main" xmlns="" val="20002"/>
+                      <a16:colId xmlns="" xmlns:a16="http://schemas.microsoft.com/office/drawing/2014/main" val="20002"/>
                     </a:ext>
                   </a:extLst>
                 </a:gridCol>
-                <a:gridCol w="1285102">
+                <a:gridCol w="1268627">
                   <a:extLst>
                     <a:ext uri="{9D8B030D-6E8A-4147-A177-3AD203B41FA5}">
-                      <a16:colId xmlns:a16="http://schemas.microsoft.com/office/drawing/2014/main" xmlns="" val="20003"/>
+                      <a16:colId xmlns="" xmlns:a16="http://schemas.microsoft.com/office/drawing/2014/main" val="20003"/>
                     </a:ext>
                   </a:extLst>
                 </a:gridCol>
-                <a:gridCol w="724930">
+                <a:gridCol w="733167">
                   <a:extLst>
                     <a:ext uri="{9D8B030D-6E8A-4147-A177-3AD203B41FA5}">
-                      <a16:colId xmlns:a16="http://schemas.microsoft.com/office/drawing/2014/main" xmlns="" val="20004"/>
+                      <a16:colId xmlns="" xmlns:a16="http://schemas.microsoft.com/office/drawing/2014/main" val="20004"/>
                     </a:ext>
                   </a:extLst>
                 </a:gridCol>
-                <a:gridCol w="691978">
+                <a:gridCol w="675503">
                   <a:extLst>
                     <a:ext uri="{9D8B030D-6E8A-4147-A177-3AD203B41FA5}">
-                      <a16:colId xmlns:a16="http://schemas.microsoft.com/office/drawing/2014/main" xmlns="" val="20005"/>
+                      <a16:colId xmlns="" xmlns:a16="http://schemas.microsoft.com/office/drawing/2014/main" val="20005"/>
                     </a:ext>
                   </a:extLst>
                 </a:gridCol>
-                <a:gridCol w="2284799">
+                <a:gridCol w="2260085">
                   <a:extLst>
                     <a:ext uri="{9D8B030D-6E8A-4147-A177-3AD203B41FA5}">
-                      <a16:colId xmlns:a16="http://schemas.microsoft.com/office/drawing/2014/main" xmlns="" val="20006"/>
+                      <a16:colId xmlns="" xmlns:a16="http://schemas.microsoft.com/office/drawing/2014/main" val="20006"/>
                     </a:ext>
                   </a:extLst>
                 </a:gridCol>
@@ -14928,7 +14944,7 @@
                 </a:tc>
                 <a:extLst>
                   <a:ext uri="{0D108BD9-81ED-4DB2-BD59-A6C34878D82A}">
-                    <a16:rowId xmlns:a16="http://schemas.microsoft.com/office/drawing/2014/main" xmlns="" val="10000"/>
+                    <a16:rowId xmlns="" xmlns:a16="http://schemas.microsoft.com/office/drawing/2014/main" val="10000"/>
                   </a:ext>
                 </a:extLst>
               </a:tr>
@@ -15691,7 +15707,7 @@
                 </a:tc>
                 <a:extLst>
                   <a:ext uri="{0D108BD9-81ED-4DB2-BD59-A6C34878D82A}">
-                    <a16:rowId xmlns:a16="http://schemas.microsoft.com/office/drawing/2014/main" xmlns="" val="10001"/>
+                    <a16:rowId xmlns="" xmlns:a16="http://schemas.microsoft.com/office/drawing/2014/main" val="10001"/>
                   </a:ext>
                 </a:extLst>
               </a:tr>
@@ -16417,7 +16433,7 @@
                 </a:tc>
                 <a:extLst>
                   <a:ext uri="{0D108BD9-81ED-4DB2-BD59-A6C34878D82A}">
-                    <a16:rowId xmlns:a16="http://schemas.microsoft.com/office/drawing/2014/main" xmlns="" val="10002"/>
+                    <a16:rowId xmlns="" xmlns:a16="http://schemas.microsoft.com/office/drawing/2014/main" val="10002"/>
                   </a:ext>
                 </a:extLst>
               </a:tr>
@@ -17207,9 +17223,669 @@
                 </a:tc>
                 <a:extLst>
                   <a:ext uri="{0D108BD9-81ED-4DB2-BD59-A6C34878D82A}">
-                    <a16:rowId xmlns:a16="http://schemas.microsoft.com/office/drawing/2014/main" xmlns="" val="10003"/>
+                    <a16:rowId xmlns="" xmlns:a16="http://schemas.microsoft.com/office/drawing/2014/main" val="10003"/>
                   </a:ext>
                 </a:extLst>
+              </a:tr>
+              <a:tr h="360893">
+                <a:tc>
+                  <a:txBody>
+                    <a:bodyPr/>
+                    <a:lstStyle/>
+                    <a:p>
+                      <a:pPr marL="0" marR="0" lvl="0" indent="0" algn="ctr" defTabSz="914400" rtl="0" eaLnBrk="1" fontAlgn="base" latinLnBrk="1" hangingPunct="1">
+                        <a:lnSpc>
+                          <a:spcPts val="1200"/>
+                        </a:lnSpc>
+                        <a:spcBef>
+                          <a:spcPts val="0"/>
+                        </a:spcBef>
+                        <a:spcAft>
+                          <a:spcPts val="0"/>
+                        </a:spcAft>
+                        <a:buClrTx/>
+                        <a:buSzTx/>
+                        <a:buFontTx/>
+                        <a:buNone/>
+                        <a:tabLst/>
+                        <a:defRPr/>
+                      </a:pPr>
+                      <a:r>
+                        <a:rPr kumimoji="1" lang="en-US" altLang="ko-KR" sz="900" b="0" i="0" u="none" strike="noStrike" kern="1200" cap="none" normalizeH="0" baseline="0" smtClean="0">
+                          <a:ln>
+                            <a:noFill/>
+                          </a:ln>
+                          <a:solidFill>
+                            <a:schemeClr val="tx1"/>
+                          </a:solidFill>
+                          <a:effectLst/>
+                          <a:latin typeface="+mn-lt"/>
+                          <a:ea typeface="나눔고딕" pitchFamily="50" charset="-127"/>
+                          <a:cs typeface="+mn-cs"/>
+                        </a:rPr>
+                        <a:t>(</a:t>
+                      </a:r>
+                      <a:r>
+                        <a:rPr kumimoji="1" lang="ko-KR" altLang="en-US" sz="900" b="0" i="0" u="none" strike="noStrike" kern="1200" cap="none" normalizeH="0" baseline="0" smtClean="0">
+                          <a:ln>
+                            <a:noFill/>
+                          </a:ln>
+                          <a:solidFill>
+                            <a:schemeClr val="tx1"/>
+                          </a:solidFill>
+                          <a:effectLst/>
+                          <a:latin typeface="+mn-lt"/>
+                          <a:ea typeface="나눔고딕" pitchFamily="50" charset="-127"/>
+                          <a:cs typeface="+mn-cs"/>
+                        </a:rPr>
+                        <a:t>주</a:t>
+                      </a:r>
+                      <a:r>
+                        <a:rPr kumimoji="1" lang="en-US" altLang="ko-KR" sz="900" b="0" i="0" u="none" strike="noStrike" kern="1200" cap="none" normalizeH="0" baseline="0" smtClean="0">
+                          <a:ln>
+                            <a:noFill/>
+                          </a:ln>
+                          <a:solidFill>
+                            <a:schemeClr val="tx1"/>
+                          </a:solidFill>
+                          <a:effectLst/>
+                          <a:latin typeface="+mn-lt"/>
+                          <a:ea typeface="나눔고딕" pitchFamily="50" charset="-127"/>
+                          <a:cs typeface="+mn-cs"/>
+                        </a:rPr>
+                        <a:t>)</a:t>
+                      </a:r>
+                      <a:r>
+                        <a:rPr kumimoji="1" lang="ko-KR" altLang="en-US" sz="900" b="0" i="0" u="none" strike="noStrike" kern="1200" cap="none" normalizeH="0" baseline="0" smtClean="0">
+                          <a:ln>
+                            <a:noFill/>
+                          </a:ln>
+                          <a:solidFill>
+                            <a:schemeClr val="tx1"/>
+                          </a:solidFill>
+                          <a:effectLst/>
+                          <a:latin typeface="+mn-lt"/>
+                          <a:ea typeface="나눔고딕" pitchFamily="50" charset="-127"/>
+                          <a:cs typeface="+mn-cs"/>
+                        </a:rPr>
+                        <a:t>코너스톤인터랙티브</a:t>
+                      </a:r>
+                      <a:endParaRPr kumimoji="1" lang="en-US" altLang="ko-KR" sz="900" b="0" i="0" u="none" strike="noStrike" kern="1200" cap="none" normalizeH="0" baseline="0" dirty="0">
+                        <a:ln>
+                          <a:noFill/>
+                        </a:ln>
+                        <a:solidFill>
+                          <a:schemeClr val="tx1"/>
+                        </a:solidFill>
+                        <a:effectLst/>
+                        <a:latin typeface="+mn-lt"/>
+                        <a:ea typeface="나눔고딕" pitchFamily="50" charset="-127"/>
+                        <a:cs typeface="+mn-cs"/>
+                      </a:endParaRPr>
+                    </a:p>
+                  </a:txBody>
+                  <a:tcPr marL="13414" marR="13414" marT="15994" marB="15994" anchor="ctr">
+                    <a:lnL w="3175" cap="flat" cmpd="sng" algn="ctr">
+                      <a:solidFill>
+                        <a:schemeClr val="tx1"/>
+                      </a:solidFill>
+                      <a:prstDash val="solid"/>
+                      <a:round/>
+                      <a:headEnd type="none" w="med" len="med"/>
+                      <a:tailEnd type="none" w="med" len="med"/>
+                    </a:lnL>
+                    <a:lnR w="3175" cap="flat" cmpd="sng" algn="ctr">
+                      <a:solidFill>
+                        <a:schemeClr val="tx1"/>
+                      </a:solidFill>
+                      <a:prstDash val="solid"/>
+                      <a:round/>
+                      <a:headEnd type="none" w="med" len="med"/>
+                      <a:tailEnd type="none" w="med" len="med"/>
+                    </a:lnR>
+                    <a:lnT w="3175" cap="flat" cmpd="sng" algn="ctr">
+                      <a:solidFill>
+                        <a:schemeClr val="tx1"/>
+                      </a:solidFill>
+                      <a:prstDash val="solid"/>
+                      <a:round/>
+                      <a:headEnd type="none" w="med" len="med"/>
+                      <a:tailEnd type="none" w="med" len="med"/>
+                    </a:lnT>
+                    <a:lnB w="3175" cap="flat" cmpd="sng" algn="ctr">
+                      <a:solidFill>
+                        <a:schemeClr val="tx1"/>
+                      </a:solidFill>
+                      <a:prstDash val="solid"/>
+                      <a:round/>
+                      <a:headEnd type="none" w="med" len="med"/>
+                      <a:tailEnd type="none" w="med" len="med"/>
+                    </a:lnB>
+                    <a:lnTlToBr>
+                      <a:noFill/>
+                    </a:lnTlToBr>
+                    <a:lnBlToTr>
+                      <a:noFill/>
+                    </a:lnBlToTr>
+                    <a:noFill/>
+                  </a:tcPr>
+                </a:tc>
+                <a:tc>
+                  <a:txBody>
+                    <a:bodyPr/>
+                    <a:lstStyle/>
+                    <a:p>
+                      <a:pPr marL="0" indent="0" algn="ctr" defTabSz="914400" fontAlgn="base">
+                        <a:lnSpc>
+                          <a:spcPct val="100000"/>
+                        </a:lnSpc>
+                        <a:spcBef>
+                          <a:spcPts val="0"/>
+                        </a:spcBef>
+                        <a:spcAft>
+                          <a:spcPts val="0"/>
+                        </a:spcAft>
+                        <a:buFontTx/>
+                        <a:buNone/>
+                      </a:pPr>
+                      <a:r>
+                        <a:rPr lang="ko-KR" altLang="en-US" sz="900" b="0" kern="1200" smtClean="0">
+                          <a:solidFill>
+                            <a:srgbClr val="000000"/>
+                          </a:solidFill>
+                          <a:latin typeface="나눔고딕" charset="0"/>
+                          <a:ea typeface="나눔고딕" charset="0"/>
+                        </a:rPr>
+                        <a:t>현대백화점</a:t>
+                      </a:r>
+                      <a:endParaRPr lang="ko-KR" altLang="en-US" sz="900" b="0" kern="1200" dirty="0">
+                        <a:solidFill>
+                          <a:srgbClr val="000000"/>
+                        </a:solidFill>
+                        <a:latin typeface="나눔고딕" charset="0"/>
+                        <a:ea typeface="나눔고딕" charset="0"/>
+                      </a:endParaRPr>
+                    </a:p>
+                  </a:txBody>
+                  <a:tcPr marL="26829" marR="26829" marT="28893" marB="28893" anchor="ctr">
+                    <a:lnL w="3175" cap="flat" cmpd="sng" algn="ctr">
+                      <a:solidFill>
+                        <a:schemeClr val="tx1"/>
+                      </a:solidFill>
+                      <a:prstDash val="solid"/>
+                      <a:round/>
+                      <a:headEnd type="none" w="med" len="med"/>
+                      <a:tailEnd type="none" w="med" len="med"/>
+                    </a:lnL>
+                    <a:lnR w="3175" cap="flat" cmpd="sng" algn="ctr">
+                      <a:solidFill>
+                        <a:schemeClr val="tx1"/>
+                      </a:solidFill>
+                      <a:prstDash val="solid"/>
+                      <a:round/>
+                      <a:headEnd type="none" w="med" len="med"/>
+                      <a:tailEnd type="none" w="med" len="med"/>
+                    </a:lnR>
+                    <a:lnT w="3175" cap="flat" cmpd="sng" algn="ctr">
+                      <a:solidFill>
+                        <a:schemeClr val="tx1"/>
+                      </a:solidFill>
+                      <a:prstDash val="solid"/>
+                      <a:round/>
+                      <a:headEnd type="none" w="med" len="med"/>
+                      <a:tailEnd type="none" w="med" len="med"/>
+                    </a:lnT>
+                    <a:lnB w="3175" cap="flat" cmpd="sng" algn="ctr">
+                      <a:solidFill>
+                        <a:schemeClr val="tx1"/>
+                      </a:solidFill>
+                      <a:prstDash val="solid"/>
+                      <a:round/>
+                      <a:headEnd type="none" w="med" len="med"/>
+                      <a:tailEnd type="none" w="med" len="med"/>
+                    </a:lnB>
+                    <a:lnTlToBr>
+                      <a:noFill/>
+                    </a:lnTlToBr>
+                    <a:lnBlToTr>
+                      <a:noFill/>
+                    </a:lnBlToTr>
+                    <a:noFill/>
+                  </a:tcPr>
+                </a:tc>
+                <a:tc>
+                  <a:txBody>
+                    <a:bodyPr/>
+                    <a:lstStyle/>
+                    <a:p>
+                      <a:pPr marL="0" indent="0" algn="ctr" defTabSz="914400" fontAlgn="base">
+                        <a:lnSpc>
+                          <a:spcPct val="100000"/>
+                        </a:lnSpc>
+                        <a:spcBef>
+                          <a:spcPts val="0"/>
+                        </a:spcBef>
+                        <a:spcAft>
+                          <a:spcPts val="0"/>
+                        </a:spcAft>
+                        <a:buFontTx/>
+                        <a:buNone/>
+                      </a:pPr>
+                      <a:r>
+                        <a:rPr lang="ko-KR" altLang="en-US" sz="900" b="0" kern="1200" smtClean="0">
+                          <a:solidFill>
+                            <a:srgbClr val="000000"/>
+                          </a:solidFill>
+                          <a:latin typeface="나눔고딕" charset="0"/>
+                          <a:ea typeface="나눔고딕" charset="0"/>
+                        </a:rPr>
+                        <a:t>현대식품관 투홈 구축</a:t>
+                      </a:r>
+                      <a:endParaRPr lang="ko-KR" altLang="en-US" sz="900" b="0" kern="1200" dirty="0">
+                        <a:solidFill>
+                          <a:srgbClr val="000000"/>
+                        </a:solidFill>
+                        <a:latin typeface="나눔고딕" charset="0"/>
+                        <a:ea typeface="나눔고딕" charset="0"/>
+                      </a:endParaRPr>
+                    </a:p>
+                  </a:txBody>
+                  <a:tcPr marL="26829" marR="26829" marT="28893" marB="28893" anchor="ctr">
+                    <a:lnL w="3175" cap="flat" cmpd="sng" algn="ctr">
+                      <a:solidFill>
+                        <a:schemeClr val="tx1"/>
+                      </a:solidFill>
+                      <a:prstDash val="solid"/>
+                      <a:round/>
+                      <a:headEnd type="none" w="med" len="med"/>
+                      <a:tailEnd type="none" w="med" len="med"/>
+                    </a:lnL>
+                    <a:lnR w="3175" cap="flat" cmpd="sng" algn="ctr">
+                      <a:solidFill>
+                        <a:schemeClr val="tx1"/>
+                      </a:solidFill>
+                      <a:prstDash val="solid"/>
+                      <a:round/>
+                      <a:headEnd type="none" w="med" len="med"/>
+                      <a:tailEnd type="none" w="med" len="med"/>
+                    </a:lnR>
+                    <a:lnT w="3175" cap="flat" cmpd="sng" algn="ctr">
+                      <a:solidFill>
+                        <a:schemeClr val="tx1"/>
+                      </a:solidFill>
+                      <a:prstDash val="solid"/>
+                      <a:round/>
+                      <a:headEnd type="none" w="med" len="med"/>
+                      <a:tailEnd type="none" w="med" len="med"/>
+                    </a:lnT>
+                    <a:lnB w="3175" cap="flat" cmpd="sng" algn="ctr">
+                      <a:solidFill>
+                        <a:schemeClr val="tx1"/>
+                      </a:solidFill>
+                      <a:prstDash val="solid"/>
+                      <a:round/>
+                      <a:headEnd type="none" w="med" len="med"/>
+                      <a:tailEnd type="none" w="med" len="med"/>
+                    </a:lnB>
+                    <a:lnTlToBr>
+                      <a:noFill/>
+                    </a:lnTlToBr>
+                    <a:lnBlToTr>
+                      <a:noFill/>
+                    </a:lnBlToTr>
+                    <a:noFill/>
+                  </a:tcPr>
+                </a:tc>
+                <a:tc>
+                  <a:txBody>
+                    <a:bodyPr/>
+                    <a:lstStyle/>
+                    <a:p>
+                      <a:pPr marL="0" marR="0" indent="0" algn="ctr" defTabSz="914400" rtl="0" eaLnBrk="1" fontAlgn="base" latinLnBrk="1" hangingPunct="1">
+                        <a:lnSpc>
+                          <a:spcPct val="100000"/>
+                        </a:lnSpc>
+                        <a:spcBef>
+                          <a:spcPts val="0"/>
+                        </a:spcBef>
+                        <a:spcAft>
+                          <a:spcPts val="0"/>
+                        </a:spcAft>
+                        <a:buClrTx/>
+                        <a:buSzTx/>
+                        <a:buFontTx/>
+                        <a:buNone/>
+                        <a:tabLst/>
+                        <a:defRPr/>
+                      </a:pPr>
+                      <a:r>
+                        <a:rPr lang="en-US" altLang="ko-KR" sz="900" b="0" kern="1200" smtClean="0">
+                          <a:solidFill>
+                            <a:schemeClr val="tx1"/>
+                          </a:solidFill>
+                          <a:latin typeface="나눔고딕" charset="0"/>
+                          <a:ea typeface="나눔고딕" charset="0"/>
+                        </a:rPr>
+                        <a:t>2020.01 ~ 2019.07</a:t>
+                      </a:r>
+                      <a:endParaRPr lang="ko-KR" altLang="en-US" sz="900" b="0" kern="1200" smtClean="0">
+                        <a:solidFill>
+                          <a:schemeClr val="tx1"/>
+                        </a:solidFill>
+                        <a:latin typeface="나눔고딕" charset="0"/>
+                        <a:ea typeface="나눔고딕" charset="0"/>
+                      </a:endParaRPr>
+                    </a:p>
+                  </a:txBody>
+                  <a:tcPr marL="7739" marR="7739" marT="7739" marB="0" anchor="ctr">
+                    <a:lnL w="3175" cap="flat" cmpd="sng" algn="ctr">
+                      <a:solidFill>
+                        <a:schemeClr val="tx1"/>
+                      </a:solidFill>
+                      <a:prstDash val="solid"/>
+                      <a:round/>
+                      <a:headEnd type="none" w="med" len="med"/>
+                      <a:tailEnd type="none" w="med" len="med"/>
+                    </a:lnL>
+                    <a:lnR w="3175" cap="flat" cmpd="sng" algn="ctr">
+                      <a:solidFill>
+                        <a:schemeClr val="tx1"/>
+                      </a:solidFill>
+                      <a:prstDash val="solid"/>
+                      <a:round/>
+                      <a:headEnd type="none" w="med" len="med"/>
+                      <a:tailEnd type="none" w="med" len="med"/>
+                    </a:lnR>
+                    <a:lnT w="3175" cap="flat" cmpd="sng" algn="ctr">
+                      <a:solidFill>
+                        <a:schemeClr val="tx1"/>
+                      </a:solidFill>
+                      <a:prstDash val="solid"/>
+                      <a:round/>
+                      <a:headEnd type="none" w="med" len="med"/>
+                      <a:tailEnd type="none" w="med" len="med"/>
+                    </a:lnT>
+                    <a:lnB w="3175" cap="flat" cmpd="sng" algn="ctr">
+                      <a:solidFill>
+                        <a:schemeClr val="tx1"/>
+                      </a:solidFill>
+                      <a:prstDash val="solid"/>
+                      <a:round/>
+                      <a:headEnd type="none" w="med" len="med"/>
+                      <a:tailEnd type="none" w="med" len="med"/>
+                    </a:lnB>
+                    <a:lnTlToBr>
+                      <a:noFill/>
+                    </a:lnTlToBr>
+                    <a:lnBlToTr>
+                      <a:noFill/>
+                    </a:lnBlToTr>
+                    <a:noFill/>
+                  </a:tcPr>
+                </a:tc>
+                <a:tc>
+                  <a:txBody>
+                    <a:bodyPr/>
+                    <a:lstStyle/>
+                    <a:p>
+                      <a:pPr marL="0" marR="0" indent="0" algn="ctr" defTabSz="914400" rtl="0" eaLnBrk="1" fontAlgn="base" latinLnBrk="1" hangingPunct="1">
+                        <a:lnSpc>
+                          <a:spcPts val="1200"/>
+                        </a:lnSpc>
+                        <a:spcBef>
+                          <a:spcPts val="0"/>
+                        </a:spcBef>
+                        <a:spcAft>
+                          <a:spcPts val="0"/>
+                        </a:spcAft>
+                        <a:buClrTx/>
+                        <a:buSzTx/>
+                        <a:buFontTx/>
+                        <a:buNone/>
+                        <a:tabLst/>
+                        <a:defRPr/>
+                      </a:pPr>
+                      <a:r>
+                        <a:rPr kumimoji="0" lang="ko-KR" altLang="en-US" sz="900" b="0" i="0" u="none" strike="noStrike" kern="1200" cap="none" normalizeH="0" baseline="0" smtClean="0">
+                          <a:ln>
+                            <a:noFill/>
+                          </a:ln>
+                          <a:solidFill>
+                            <a:schemeClr val="tx1"/>
+                          </a:solidFill>
+                          <a:effectLst/>
+                          <a:latin typeface="나눔고딕" charset="0"/>
+                          <a:ea typeface="나눔고딕" charset="0"/>
+                          <a:cs typeface="+mn-cs"/>
+                        </a:rPr>
+                        <a:t>퍼블리싱</a:t>
+                      </a:r>
+                      <a:endParaRPr lang="ko-KR" altLang="en-US" sz="900" b="0" kern="1200" dirty="0">
+                        <a:solidFill>
+                          <a:schemeClr val="tx1"/>
+                        </a:solidFill>
+                        <a:latin typeface="나눔고딕" charset="0"/>
+                        <a:ea typeface="나눔고딕" charset="0"/>
+                      </a:endParaRPr>
+                    </a:p>
+                  </a:txBody>
+                  <a:tcPr marL="7739" marR="7739" marT="7739" marB="0" anchor="ctr">
+                    <a:lnL w="3175" cap="flat" cmpd="sng" algn="ctr">
+                      <a:solidFill>
+                        <a:schemeClr val="tx1"/>
+                      </a:solidFill>
+                      <a:prstDash val="solid"/>
+                      <a:round/>
+                      <a:headEnd type="none" w="med" len="med"/>
+                      <a:tailEnd type="none" w="med" len="med"/>
+                    </a:lnL>
+                    <a:lnR w="3175" cap="flat" cmpd="sng" algn="ctr">
+                      <a:solidFill>
+                        <a:schemeClr val="tx1"/>
+                      </a:solidFill>
+                      <a:prstDash val="solid"/>
+                      <a:round/>
+                      <a:headEnd type="none" w="med" len="med"/>
+                      <a:tailEnd type="none" w="med" len="med"/>
+                    </a:lnR>
+                    <a:lnT w="3175" cap="flat" cmpd="sng" algn="ctr">
+                      <a:solidFill>
+                        <a:schemeClr val="tx1"/>
+                      </a:solidFill>
+                      <a:prstDash val="solid"/>
+                      <a:round/>
+                      <a:headEnd type="none" w="med" len="med"/>
+                      <a:tailEnd type="none" w="med" len="med"/>
+                    </a:lnT>
+                    <a:lnB w="3175" cap="flat" cmpd="sng" algn="ctr">
+                      <a:solidFill>
+                        <a:schemeClr val="tx1"/>
+                      </a:solidFill>
+                      <a:prstDash val="solid"/>
+                      <a:round/>
+                      <a:headEnd type="none" w="med" len="med"/>
+                      <a:tailEnd type="none" w="med" len="med"/>
+                    </a:lnB>
+                    <a:lnTlToBr>
+                      <a:noFill/>
+                    </a:lnTlToBr>
+                    <a:lnBlToTr>
+                      <a:noFill/>
+                    </a:lnBlToTr>
+                    <a:noFill/>
+                  </a:tcPr>
+                </a:tc>
+                <a:tc>
+                  <a:txBody>
+                    <a:bodyPr/>
+                    <a:lstStyle/>
+                    <a:p>
+                      <a:pPr marL="0" indent="0" algn="ctr" defTabSz="914400" fontAlgn="base">
+                        <a:lnSpc>
+                          <a:spcPts val="1200"/>
+                        </a:lnSpc>
+                        <a:spcBef>
+                          <a:spcPts val="0"/>
+                        </a:spcBef>
+                        <a:spcAft>
+                          <a:spcPts val="0"/>
+                        </a:spcAft>
+                        <a:buFontTx/>
+                        <a:buNone/>
+                      </a:pPr>
+                      <a:r>
+                        <a:rPr lang="en-US" altLang="ko-KR" sz="900" b="0" kern="1200" smtClean="0">
+                          <a:solidFill>
+                            <a:schemeClr val="tx1"/>
+                          </a:solidFill>
+                          <a:latin typeface="나눔고딕" charset="0"/>
+                          <a:ea typeface="나눔고딕" charset="0"/>
+                        </a:rPr>
+                        <a:t>Player</a:t>
+                      </a:r>
+                      <a:endParaRPr lang="ko-KR" altLang="en-US" sz="900" b="0" kern="1200" dirty="0">
+                        <a:solidFill>
+                          <a:schemeClr val="tx1"/>
+                        </a:solidFill>
+                        <a:latin typeface="나눔고딕" charset="0"/>
+                        <a:ea typeface="나눔고딕" charset="0"/>
+                      </a:endParaRPr>
+                    </a:p>
+                  </a:txBody>
+                  <a:tcPr marL="26829" marR="26829" marT="28893" marB="28893" anchor="ctr">
+                    <a:lnL w="3175" cap="flat" cmpd="sng" algn="ctr">
+                      <a:solidFill>
+                        <a:schemeClr val="tx1"/>
+                      </a:solidFill>
+                      <a:prstDash val="solid"/>
+                      <a:round/>
+                      <a:headEnd type="none" w="med" len="med"/>
+                      <a:tailEnd type="none" w="med" len="med"/>
+                    </a:lnL>
+                    <a:lnR w="3175" cap="flat" cmpd="sng" algn="ctr">
+                      <a:solidFill>
+                        <a:schemeClr val="tx1"/>
+                      </a:solidFill>
+                      <a:prstDash val="solid"/>
+                      <a:round/>
+                      <a:headEnd type="none" w="med" len="med"/>
+                      <a:tailEnd type="none" w="med" len="med"/>
+                    </a:lnR>
+                    <a:lnT w="3175" cap="flat" cmpd="sng" algn="ctr">
+                      <a:solidFill>
+                        <a:schemeClr val="tx1"/>
+                      </a:solidFill>
+                      <a:prstDash val="solid"/>
+                      <a:round/>
+                      <a:headEnd type="none" w="med" len="med"/>
+                      <a:tailEnd type="none" w="med" len="med"/>
+                    </a:lnT>
+                    <a:lnB w="3175" cap="flat" cmpd="sng" algn="ctr">
+                      <a:solidFill>
+                        <a:schemeClr val="tx1"/>
+                      </a:solidFill>
+                      <a:prstDash val="solid"/>
+                      <a:round/>
+                      <a:headEnd type="none" w="med" len="med"/>
+                      <a:tailEnd type="none" w="med" len="med"/>
+                    </a:lnB>
+                    <a:lnTlToBr>
+                      <a:noFill/>
+                    </a:lnTlToBr>
+                    <a:lnBlToTr>
+                      <a:noFill/>
+                    </a:lnBlToTr>
+                    <a:noFill/>
+                  </a:tcPr>
+                </a:tc>
+                <a:tc>
+                  <a:txBody>
+                    <a:bodyPr/>
+                    <a:lstStyle/>
+                    <a:p>
+                      <a:pPr marL="0" indent="0" algn="ctr" defTabSz="914400" fontAlgn="base">
+                        <a:lnSpc>
+                          <a:spcPct val="100000"/>
+                        </a:lnSpc>
+                        <a:spcBef>
+                          <a:spcPts val="0"/>
+                        </a:spcBef>
+                        <a:spcAft>
+                          <a:spcPts val="0"/>
+                        </a:spcAft>
+                        <a:buFontTx/>
+                        <a:buNone/>
+                      </a:pPr>
+                      <a:r>
+                        <a:rPr kumimoji="0" lang="en-US" altLang="ko-KR" sz="900" b="0" i="0" u="none" strike="noStrike" kern="1200" cap="none" normalizeH="0" baseline="0" smtClean="0">
+                          <a:ln>
+                            <a:noFill/>
+                          </a:ln>
+                          <a:solidFill>
+                            <a:schemeClr val="tx1"/>
+                          </a:solidFill>
+                          <a:effectLst/>
+                          <a:latin typeface="+mn-lt"/>
+                          <a:ea typeface="나눔고딕" pitchFamily="50" charset="-127"/>
+                          <a:cs typeface="맑은 고딕" charset="0"/>
+                        </a:rPr>
+                        <a:t>Html5, css3, jquery, svn</a:t>
+                      </a:r>
+                      <a:endParaRPr lang="ko-KR" altLang="en-US" sz="900" b="0" kern="1200" dirty="0">
+                        <a:solidFill>
+                          <a:schemeClr val="tx1"/>
+                        </a:solidFill>
+                        <a:latin typeface="나눔고딕" charset="0"/>
+                        <a:ea typeface="나눔고딕" charset="0"/>
+                      </a:endParaRPr>
+                    </a:p>
+                  </a:txBody>
+                  <a:tcPr marL="24765" marR="24765" marT="28893" marB="28893" anchor="ctr">
+                    <a:lnL w="3175" cap="flat" cmpd="sng" algn="ctr">
+                      <a:solidFill>
+                        <a:schemeClr val="tx1"/>
+                      </a:solidFill>
+                      <a:prstDash val="solid"/>
+                      <a:round/>
+                      <a:headEnd type="none" w="med" len="med"/>
+                      <a:tailEnd type="none" w="med" len="med"/>
+                    </a:lnL>
+                    <a:lnR w="3175" cap="flat" cmpd="sng" algn="ctr">
+                      <a:solidFill>
+                        <a:schemeClr val="tx1"/>
+                      </a:solidFill>
+                      <a:prstDash val="solid"/>
+                      <a:round/>
+                      <a:headEnd type="none" w="med" len="med"/>
+                      <a:tailEnd type="none" w="med" len="med"/>
+                    </a:lnR>
+                    <a:lnT w="3175" cap="flat" cmpd="sng" algn="ctr">
+                      <a:solidFill>
+                        <a:schemeClr val="tx1"/>
+                      </a:solidFill>
+                      <a:prstDash val="solid"/>
+                      <a:round/>
+                      <a:headEnd type="none" w="med" len="med"/>
+                      <a:tailEnd type="none" w="med" len="med"/>
+                    </a:lnT>
+                    <a:lnB w="3175" cap="flat" cmpd="sng" algn="ctr">
+                      <a:solidFill>
+                        <a:schemeClr val="tx1"/>
+                      </a:solidFill>
+                      <a:prstDash val="solid"/>
+                      <a:round/>
+                      <a:headEnd type="none" w="med" len="med"/>
+                      <a:tailEnd type="none" w="med" len="med"/>
+                    </a:lnB>
+                    <a:lnTlToBr>
+                      <a:noFill/>
+                    </a:lnTlToBr>
+                    <a:lnBlToTr>
+                      <a:noFill/>
+                    </a:lnBlToTr>
+                    <a:noFill/>
+                  </a:tcPr>
+                </a:tc>
               </a:tr>
             </a:tbl>
           </a:graphicData>

--- a/download/career_introduction.pptx
+++ b/download/career_introduction.pptx
@@ -1121,7 +1121,7 @@
           <a:p>
             <a:fld id="{E0BD39A2-E3B7-4CF3-B6E3-D0DEB28CC5C5}" type="datetimeFigureOut">
               <a:rPr lang="ko-KR" altLang="en-US" smtClean="0"/>
-              <a:t>2020-07-02</a:t>
+              <a:t>2020-09-15</a:t>
             </a:fld>
             <a:endParaRPr lang="ko-KR" altLang="en-US"/>
           </a:p>
@@ -1289,7 +1289,7 @@
           <a:p>
             <a:fld id="{E0BD39A2-E3B7-4CF3-B6E3-D0DEB28CC5C5}" type="datetimeFigureOut">
               <a:rPr lang="ko-KR" altLang="en-US" smtClean="0"/>
-              <a:t>2020-07-02</a:t>
+              <a:t>2020-09-15</a:t>
             </a:fld>
             <a:endParaRPr lang="ko-KR" altLang="en-US"/>
           </a:p>
@@ -1467,7 +1467,7 @@
           <a:p>
             <a:fld id="{E0BD39A2-E3B7-4CF3-B6E3-D0DEB28CC5C5}" type="datetimeFigureOut">
               <a:rPr lang="ko-KR" altLang="en-US" smtClean="0"/>
-              <a:t>2020-07-02</a:t>
+              <a:t>2020-09-15</a:t>
             </a:fld>
             <a:endParaRPr lang="ko-KR" altLang="en-US"/>
           </a:p>
@@ -1897,7 +1897,7 @@
           <a:p>
             <a:fld id="{E0BD39A2-E3B7-4CF3-B6E3-D0DEB28CC5C5}" type="datetimeFigureOut">
               <a:rPr lang="ko-KR" altLang="en-US" smtClean="0"/>
-              <a:t>2020-07-02</a:t>
+              <a:t>2020-09-15</a:t>
             </a:fld>
             <a:endParaRPr lang="ko-KR" altLang="en-US"/>
           </a:p>
@@ -2142,7 +2142,7 @@
           <a:p>
             <a:fld id="{E0BD39A2-E3B7-4CF3-B6E3-D0DEB28CC5C5}" type="datetimeFigureOut">
               <a:rPr lang="ko-KR" altLang="en-US" smtClean="0"/>
-              <a:t>2020-07-02</a:t>
+              <a:t>2020-09-15</a:t>
             </a:fld>
             <a:endParaRPr lang="ko-KR" altLang="en-US"/>
           </a:p>
@@ -2427,7 +2427,7 @@
           <a:p>
             <a:fld id="{E0BD39A2-E3B7-4CF3-B6E3-D0DEB28CC5C5}" type="datetimeFigureOut">
               <a:rPr lang="ko-KR" altLang="en-US" smtClean="0"/>
-              <a:t>2020-07-02</a:t>
+              <a:t>2020-09-15</a:t>
             </a:fld>
             <a:endParaRPr lang="ko-KR" altLang="en-US"/>
           </a:p>
@@ -2846,7 +2846,7 @@
           <a:p>
             <a:fld id="{E0BD39A2-E3B7-4CF3-B6E3-D0DEB28CC5C5}" type="datetimeFigureOut">
               <a:rPr lang="ko-KR" altLang="en-US" smtClean="0"/>
-              <a:t>2020-07-02</a:t>
+              <a:t>2020-09-15</a:t>
             </a:fld>
             <a:endParaRPr lang="ko-KR" altLang="en-US"/>
           </a:p>
@@ -2963,7 +2963,7 @@
           <a:p>
             <a:fld id="{E0BD39A2-E3B7-4CF3-B6E3-D0DEB28CC5C5}" type="datetimeFigureOut">
               <a:rPr lang="ko-KR" altLang="en-US" smtClean="0"/>
-              <a:t>2020-07-02</a:t>
+              <a:t>2020-09-15</a:t>
             </a:fld>
             <a:endParaRPr lang="ko-KR" altLang="en-US"/>
           </a:p>
@@ -3058,7 +3058,7 @@
           <a:p>
             <a:fld id="{E0BD39A2-E3B7-4CF3-B6E3-D0DEB28CC5C5}" type="datetimeFigureOut">
               <a:rPr lang="ko-KR" altLang="en-US" smtClean="0"/>
-              <a:t>2020-07-02</a:t>
+              <a:t>2020-09-15</a:t>
             </a:fld>
             <a:endParaRPr lang="ko-KR" altLang="en-US"/>
           </a:p>
@@ -3333,7 +3333,7 @@
           <a:p>
             <a:fld id="{E0BD39A2-E3B7-4CF3-B6E3-D0DEB28CC5C5}" type="datetimeFigureOut">
               <a:rPr lang="ko-KR" altLang="en-US" smtClean="0"/>
-              <a:t>2020-07-02</a:t>
+              <a:t>2020-09-15</a:t>
             </a:fld>
             <a:endParaRPr lang="ko-KR" altLang="en-US"/>
           </a:p>
@@ -3585,7 +3585,7 @@
           <a:p>
             <a:fld id="{E0BD39A2-E3B7-4CF3-B6E3-D0DEB28CC5C5}" type="datetimeFigureOut">
               <a:rPr lang="ko-KR" altLang="en-US" smtClean="0"/>
-              <a:t>2020-07-02</a:t>
+              <a:t>2020-09-15</a:t>
             </a:fld>
             <a:endParaRPr lang="ko-KR" altLang="en-US"/>
           </a:p>
@@ -3796,7 +3796,7 @@
           <a:p>
             <a:fld id="{E0BD39A2-E3B7-4CF3-B6E3-D0DEB28CC5C5}" type="datetimeFigureOut">
               <a:rPr lang="ko-KR" altLang="en-US" smtClean="0"/>
-              <a:t>2020-07-02</a:t>
+              <a:t>2020-09-15</a:t>
             </a:fld>
             <a:endParaRPr lang="ko-KR" altLang="en-US"/>
           </a:p>
@@ -4464,7 +4464,7 @@
           <p:nvPr>
             <p:extLst>
               <p:ext uri="{D42A27DB-BD31-4B8C-83A1-F6EECF244321}">
-                <p14:modId xmlns:p14="http://schemas.microsoft.com/office/powerpoint/2010/main" val="2770673217"/>
+                <p14:modId xmlns:p14="http://schemas.microsoft.com/office/powerpoint/2010/main" val="531392568"/>
               </p:ext>
             </p:extLst>
           </p:nvPr>
@@ -4481,49 +4481,49 @@
                 <a:gridCol w="1209973">
                   <a:extLst>
                     <a:ext uri="{9D8B030D-6E8A-4147-A177-3AD203B41FA5}">
-                      <a16:colId xmlns="" xmlns:a16="http://schemas.microsoft.com/office/drawing/2014/main" val="20000"/>
+                      <a16:colId xmlns:a16="http://schemas.microsoft.com/office/drawing/2014/main" val="20000"/>
                     </a:ext>
                   </a:extLst>
                 </a:gridCol>
-                <a:gridCol w="889686">
+                <a:gridCol w="919942">
                   <a:extLst>
                     <a:ext uri="{9D8B030D-6E8A-4147-A177-3AD203B41FA5}">
-                      <a16:colId xmlns="" xmlns:a16="http://schemas.microsoft.com/office/drawing/2014/main" val="20001"/>
+                      <a16:colId xmlns:a16="http://schemas.microsoft.com/office/drawing/2014/main" val="20001"/>
                     </a:ext>
                   </a:extLst>
                 </a:gridCol>
-                <a:gridCol w="2273644">
+                <a:gridCol w="2243388">
                   <a:extLst>
                     <a:ext uri="{9D8B030D-6E8A-4147-A177-3AD203B41FA5}">
-                      <a16:colId xmlns="" xmlns:a16="http://schemas.microsoft.com/office/drawing/2014/main" val="20002"/>
+                      <a16:colId xmlns:a16="http://schemas.microsoft.com/office/drawing/2014/main" val="20002"/>
                     </a:ext>
                   </a:extLst>
                 </a:gridCol>
                 <a:gridCol w="1276865">
                   <a:extLst>
                     <a:ext uri="{9D8B030D-6E8A-4147-A177-3AD203B41FA5}">
-                      <a16:colId xmlns="" xmlns:a16="http://schemas.microsoft.com/office/drawing/2014/main" val="20003"/>
+                      <a16:colId xmlns:a16="http://schemas.microsoft.com/office/drawing/2014/main" val="20003"/>
                     </a:ext>
                   </a:extLst>
                 </a:gridCol>
                 <a:gridCol w="724929">
                   <a:extLst>
                     <a:ext uri="{9D8B030D-6E8A-4147-A177-3AD203B41FA5}">
-                      <a16:colId xmlns="" xmlns:a16="http://schemas.microsoft.com/office/drawing/2014/main" val="20004"/>
+                      <a16:colId xmlns:a16="http://schemas.microsoft.com/office/drawing/2014/main" val="20004"/>
                     </a:ext>
                   </a:extLst>
                 </a:gridCol>
                 <a:gridCol w="667265">
                   <a:extLst>
                     <a:ext uri="{9D8B030D-6E8A-4147-A177-3AD203B41FA5}">
-                      <a16:colId xmlns="" xmlns:a16="http://schemas.microsoft.com/office/drawing/2014/main" val="20005"/>
+                      <a16:colId xmlns:a16="http://schemas.microsoft.com/office/drawing/2014/main" val="20005"/>
                     </a:ext>
                   </a:extLst>
                 </a:gridCol>
                 <a:gridCol w="2276561">
                   <a:extLst>
                     <a:ext uri="{9D8B030D-6E8A-4147-A177-3AD203B41FA5}">
-                      <a16:colId xmlns="" xmlns:a16="http://schemas.microsoft.com/office/drawing/2014/main" val="20006"/>
+                      <a16:colId xmlns:a16="http://schemas.microsoft.com/office/drawing/2014/main" val="20006"/>
                     </a:ext>
                   </a:extLst>
                 </a:gridCol>
@@ -5304,7 +5304,7 @@
                 </a:tc>
                 <a:extLst>
                   <a:ext uri="{0D108BD9-81ED-4DB2-BD59-A6C34878D82A}">
-                    <a16:rowId xmlns="" xmlns:a16="http://schemas.microsoft.com/office/drawing/2014/main" val="10000"/>
+                    <a16:rowId xmlns:a16="http://schemas.microsoft.com/office/drawing/2014/main" val="10000"/>
                   </a:ext>
                 </a:extLst>
               </a:tr>
@@ -6062,7 +6062,7 @@
                 </a:tc>
                 <a:extLst>
                   <a:ext uri="{0D108BD9-81ED-4DB2-BD59-A6C34878D82A}">
-                    <a16:rowId xmlns="" xmlns:a16="http://schemas.microsoft.com/office/drawing/2014/main" val="10001"/>
+                    <a16:rowId xmlns:a16="http://schemas.microsoft.com/office/drawing/2014/main" val="10001"/>
                   </a:ext>
                 </a:extLst>
               </a:tr>
@@ -6774,7 +6774,7 @@
                 </a:tc>
                 <a:extLst>
                   <a:ext uri="{0D108BD9-81ED-4DB2-BD59-A6C34878D82A}">
-                    <a16:rowId xmlns="" xmlns:a16="http://schemas.microsoft.com/office/drawing/2014/main" val="10002"/>
+                    <a16:rowId xmlns:a16="http://schemas.microsoft.com/office/drawing/2014/main" val="10002"/>
                   </a:ext>
                 </a:extLst>
               </a:tr>
@@ -7460,7 +7460,7 @@
                 </a:tc>
                 <a:extLst>
                   <a:ext uri="{0D108BD9-81ED-4DB2-BD59-A6C34878D82A}">
-                    <a16:rowId xmlns="" xmlns:a16="http://schemas.microsoft.com/office/drawing/2014/main" val="10003"/>
+                    <a16:rowId xmlns:a16="http://schemas.microsoft.com/office/drawing/2014/main" val="10003"/>
                   </a:ext>
                 </a:extLst>
               </a:tr>
@@ -8157,7 +8157,7 @@
                 </a:tc>
                 <a:extLst>
                   <a:ext uri="{0D108BD9-81ED-4DB2-BD59-A6C34878D82A}">
-                    <a16:rowId xmlns="" xmlns:a16="http://schemas.microsoft.com/office/drawing/2014/main" val="10004"/>
+                    <a16:rowId xmlns:a16="http://schemas.microsoft.com/office/drawing/2014/main" val="10004"/>
                   </a:ext>
                 </a:extLst>
               </a:tr>
@@ -8964,7 +8964,7 @@
                 </a:tc>
                 <a:extLst>
                   <a:ext uri="{0D108BD9-81ED-4DB2-BD59-A6C34878D82A}">
-                    <a16:rowId xmlns="" xmlns:a16="http://schemas.microsoft.com/office/drawing/2014/main" val="10005"/>
+                    <a16:rowId xmlns:a16="http://schemas.microsoft.com/office/drawing/2014/main" val="10005"/>
                   </a:ext>
                 </a:extLst>
               </a:tr>
@@ -9706,7 +9706,7 @@
                 </a:tc>
                 <a:extLst>
                   <a:ext uri="{0D108BD9-81ED-4DB2-BD59-A6C34878D82A}">
-                    <a16:rowId xmlns="" xmlns:a16="http://schemas.microsoft.com/office/drawing/2014/main" val="10006"/>
+                    <a16:rowId xmlns:a16="http://schemas.microsoft.com/office/drawing/2014/main" val="10006"/>
                   </a:ext>
                 </a:extLst>
               </a:tr>
@@ -10448,7 +10448,7 @@
                 </a:tc>
                 <a:extLst>
                   <a:ext uri="{0D108BD9-81ED-4DB2-BD59-A6C34878D82A}">
-                    <a16:rowId xmlns="" xmlns:a16="http://schemas.microsoft.com/office/drawing/2014/main" val="10007"/>
+                    <a16:rowId xmlns:a16="http://schemas.microsoft.com/office/drawing/2014/main" val="10007"/>
                   </a:ext>
                 </a:extLst>
               </a:tr>
@@ -11146,7 +11146,7 @@
                 </a:tc>
                 <a:extLst>
                   <a:ext uri="{0D108BD9-81ED-4DB2-BD59-A6C34878D82A}">
-                    <a16:rowId xmlns="" xmlns:a16="http://schemas.microsoft.com/office/drawing/2014/main" val="10008"/>
+                    <a16:rowId xmlns:a16="http://schemas.microsoft.com/office/drawing/2014/main" val="10008"/>
                   </a:ext>
                 </a:extLst>
               </a:tr>
@@ -11889,7 +11889,7 @@
                 </a:tc>
                 <a:extLst>
                   <a:ext uri="{0D108BD9-81ED-4DB2-BD59-A6C34878D82A}">
-                    <a16:rowId xmlns="" xmlns:a16="http://schemas.microsoft.com/office/drawing/2014/main" val="10009"/>
+                    <a16:rowId xmlns:a16="http://schemas.microsoft.com/office/drawing/2014/main" val="10009"/>
                   </a:ext>
                 </a:extLst>
               </a:tr>
@@ -12632,7 +12632,7 @@
                 </a:tc>
                 <a:extLst>
                   <a:ext uri="{0D108BD9-81ED-4DB2-BD59-A6C34878D82A}">
-                    <a16:rowId xmlns="" xmlns:a16="http://schemas.microsoft.com/office/drawing/2014/main" val="10010"/>
+                    <a16:rowId xmlns:a16="http://schemas.microsoft.com/office/drawing/2014/main" val="10010"/>
                   </a:ext>
                 </a:extLst>
               </a:tr>
@@ -13345,7 +13345,7 @@
                 </a:tc>
                 <a:extLst>
                   <a:ext uri="{0D108BD9-81ED-4DB2-BD59-A6C34878D82A}">
-                    <a16:rowId xmlns="" xmlns:a16="http://schemas.microsoft.com/office/drawing/2014/main" val="10011"/>
+                    <a16:rowId xmlns:a16="http://schemas.microsoft.com/office/drawing/2014/main" val="10011"/>
                   </a:ext>
                 </a:extLst>
               </a:tr>
@@ -14073,7 +14073,7 @@
                 </a:tc>
                 <a:extLst>
                   <a:ext uri="{0D108BD9-81ED-4DB2-BD59-A6C34878D82A}">
-                    <a16:rowId xmlns="" xmlns:a16="http://schemas.microsoft.com/office/drawing/2014/main" val="10012"/>
+                    <a16:rowId xmlns:a16="http://schemas.microsoft.com/office/drawing/2014/main" val="10012"/>
                   </a:ext>
                 </a:extLst>
               </a:tr>
@@ -14120,14 +14120,14 @@
           <p:nvPr>
             <p:extLst>
               <p:ext uri="{D42A27DB-BD31-4B8C-83A1-F6EECF244321}">
-                <p14:modId xmlns:p14="http://schemas.microsoft.com/office/powerpoint/2010/main" val="3723318448"/>
+                <p14:modId xmlns:p14="http://schemas.microsoft.com/office/powerpoint/2010/main" val="555325531"/>
               </p:ext>
             </p:extLst>
           </p:nvPr>
         </p:nvGraphicFramePr>
         <p:xfrm>
           <a:off x="314027" y="1019511"/>
-          <a:ext cx="9318923" cy="2127978"/>
+          <a:ext cx="9318923" cy="2488871"/>
         </p:xfrm>
         <a:graphic>
           <a:graphicData uri="http://schemas.openxmlformats.org/drawingml/2006/table">
@@ -14137,49 +14137,49 @@
                 <a:gridCol w="1209973">
                   <a:extLst>
                     <a:ext uri="{9D8B030D-6E8A-4147-A177-3AD203B41FA5}">
-                      <a16:colId xmlns="" xmlns:a16="http://schemas.microsoft.com/office/drawing/2014/main" val="20000"/>
+                      <a16:colId xmlns:a16="http://schemas.microsoft.com/office/drawing/2014/main" val="20000"/>
                     </a:ext>
                   </a:extLst>
                 </a:gridCol>
-                <a:gridCol w="881449">
+                <a:gridCol w="919942">
                   <a:extLst>
                     <a:ext uri="{9D8B030D-6E8A-4147-A177-3AD203B41FA5}">
-                      <a16:colId xmlns="" xmlns:a16="http://schemas.microsoft.com/office/drawing/2014/main" val="20001"/>
+                      <a16:colId xmlns:a16="http://schemas.microsoft.com/office/drawing/2014/main" val="20001"/>
                     </a:ext>
                   </a:extLst>
                 </a:gridCol>
-                <a:gridCol w="2290119">
+                <a:gridCol w="2251626">
                   <a:extLst>
                     <a:ext uri="{9D8B030D-6E8A-4147-A177-3AD203B41FA5}">
-                      <a16:colId xmlns="" xmlns:a16="http://schemas.microsoft.com/office/drawing/2014/main" val="20002"/>
+                      <a16:colId xmlns:a16="http://schemas.microsoft.com/office/drawing/2014/main" val="20002"/>
                     </a:ext>
                   </a:extLst>
                 </a:gridCol>
                 <a:gridCol w="1268627">
                   <a:extLst>
                     <a:ext uri="{9D8B030D-6E8A-4147-A177-3AD203B41FA5}">
-                      <a16:colId xmlns="" xmlns:a16="http://schemas.microsoft.com/office/drawing/2014/main" val="20003"/>
+                      <a16:colId xmlns:a16="http://schemas.microsoft.com/office/drawing/2014/main" val="20003"/>
                     </a:ext>
                   </a:extLst>
                 </a:gridCol>
                 <a:gridCol w="733167">
                   <a:extLst>
                     <a:ext uri="{9D8B030D-6E8A-4147-A177-3AD203B41FA5}">
-                      <a16:colId xmlns="" xmlns:a16="http://schemas.microsoft.com/office/drawing/2014/main" val="20004"/>
+                      <a16:colId xmlns:a16="http://schemas.microsoft.com/office/drawing/2014/main" val="20004"/>
                     </a:ext>
                   </a:extLst>
                 </a:gridCol>
                 <a:gridCol w="675503">
                   <a:extLst>
                     <a:ext uri="{9D8B030D-6E8A-4147-A177-3AD203B41FA5}">
-                      <a16:colId xmlns="" xmlns:a16="http://schemas.microsoft.com/office/drawing/2014/main" val="20005"/>
+                      <a16:colId xmlns:a16="http://schemas.microsoft.com/office/drawing/2014/main" val="20005"/>
                     </a:ext>
                   </a:extLst>
                 </a:gridCol>
                 <a:gridCol w="2260085">
                   <a:extLst>
                     <a:ext uri="{9D8B030D-6E8A-4147-A177-3AD203B41FA5}">
-                      <a16:colId xmlns="" xmlns:a16="http://schemas.microsoft.com/office/drawing/2014/main" val="20006"/>
+                      <a16:colId xmlns:a16="http://schemas.microsoft.com/office/drawing/2014/main" val="20006"/>
                     </a:ext>
                   </a:extLst>
                 </a:gridCol>
@@ -14944,7 +14944,7 @@
                 </a:tc>
                 <a:extLst>
                   <a:ext uri="{0D108BD9-81ED-4DB2-BD59-A6C34878D82A}">
-                    <a16:rowId xmlns="" xmlns:a16="http://schemas.microsoft.com/office/drawing/2014/main" val="10000"/>
+                    <a16:rowId xmlns:a16="http://schemas.microsoft.com/office/drawing/2014/main" val="10000"/>
                   </a:ext>
                 </a:extLst>
               </a:tr>
@@ -15707,7 +15707,7 @@
                 </a:tc>
                 <a:extLst>
                   <a:ext uri="{0D108BD9-81ED-4DB2-BD59-A6C34878D82A}">
-                    <a16:rowId xmlns="" xmlns:a16="http://schemas.microsoft.com/office/drawing/2014/main" val="10001"/>
+                    <a16:rowId xmlns:a16="http://schemas.microsoft.com/office/drawing/2014/main" val="10001"/>
                   </a:ext>
                 </a:extLst>
               </a:tr>
@@ -16433,7 +16433,7 @@
                 </a:tc>
                 <a:extLst>
                   <a:ext uri="{0D108BD9-81ED-4DB2-BD59-A6C34878D82A}">
-                    <a16:rowId xmlns="" xmlns:a16="http://schemas.microsoft.com/office/drawing/2014/main" val="10002"/>
+                    <a16:rowId xmlns:a16="http://schemas.microsoft.com/office/drawing/2014/main" val="10002"/>
                   </a:ext>
                 </a:extLst>
               </a:tr>
@@ -17223,7 +17223,7 @@
                 </a:tc>
                 <a:extLst>
                   <a:ext uri="{0D108BD9-81ED-4DB2-BD59-A6C34878D82A}">
-                    <a16:rowId xmlns="" xmlns:a16="http://schemas.microsoft.com/office/drawing/2014/main" val="10003"/>
+                    <a16:rowId xmlns:a16="http://schemas.microsoft.com/office/drawing/2014/main" val="10003"/>
                   </a:ext>
                 </a:extLst>
               </a:tr>
@@ -17251,7 +17251,7 @@
                         <a:defRPr/>
                       </a:pPr>
                       <a:r>
-                        <a:rPr kumimoji="1" lang="en-US" altLang="ko-KR" sz="900" b="0" i="0" u="none" strike="noStrike" kern="1200" cap="none" normalizeH="0" baseline="0" smtClean="0">
+                        <a:rPr kumimoji="1" lang="en-US" altLang="ko-KR" sz="900" b="0" i="0" u="none" strike="noStrike" kern="1200" cap="none" normalizeH="0" baseline="0" dirty="0" smtClean="0">
                           <a:ln>
                             <a:noFill/>
                           </a:ln>
@@ -17266,7 +17266,7 @@
                         <a:t>(</a:t>
                       </a:r>
                       <a:r>
-                        <a:rPr kumimoji="1" lang="ko-KR" altLang="en-US" sz="900" b="0" i="0" u="none" strike="noStrike" kern="1200" cap="none" normalizeH="0" baseline="0" smtClean="0">
+                        <a:rPr kumimoji="1" lang="ko-KR" altLang="en-US" sz="900" b="0" i="0" u="none" strike="noStrike" kern="1200" cap="none" normalizeH="0" baseline="0" dirty="0" smtClean="0">
                           <a:ln>
                             <a:noFill/>
                           </a:ln>
@@ -17281,7 +17281,7 @@
                         <a:t>주</a:t>
                       </a:r>
                       <a:r>
-                        <a:rPr kumimoji="1" lang="en-US" altLang="ko-KR" sz="900" b="0" i="0" u="none" strike="noStrike" kern="1200" cap="none" normalizeH="0" baseline="0" smtClean="0">
+                        <a:rPr kumimoji="1" lang="en-US" altLang="ko-KR" sz="900" b="0" i="0" u="none" strike="noStrike" kern="1200" cap="none" normalizeH="0" baseline="0" dirty="0" smtClean="0">
                           <a:ln>
                             <a:noFill/>
                           </a:ln>
@@ -17296,7 +17296,7 @@
                         <a:t>)</a:t>
                       </a:r>
                       <a:r>
-                        <a:rPr kumimoji="1" lang="ko-KR" altLang="en-US" sz="900" b="0" i="0" u="none" strike="noStrike" kern="1200" cap="none" normalizeH="0" baseline="0" smtClean="0">
+                        <a:rPr kumimoji="1" lang="ko-KR" altLang="en-US" sz="900" b="0" i="0" u="none" strike="noStrike" kern="1200" cap="none" normalizeH="0" baseline="0" dirty="0" err="1" smtClean="0">
                           <a:ln>
                             <a:noFill/>
                           </a:ln>
@@ -17389,7 +17389,7 @@
                         <a:buNone/>
                       </a:pPr>
                       <a:r>
-                        <a:rPr lang="ko-KR" altLang="en-US" sz="900" b="0" kern="1200" smtClean="0">
+                        <a:rPr lang="ko-KR" altLang="en-US" sz="900" b="0" kern="1200" dirty="0" smtClean="0">
                           <a:solidFill>
                             <a:srgbClr val="000000"/>
                           </a:solidFill>
@@ -17472,14 +17472,44 @@
                         <a:buNone/>
                       </a:pPr>
                       <a:r>
-                        <a:rPr lang="ko-KR" altLang="en-US" sz="900" b="0" kern="1200" smtClean="0">
+                        <a:rPr lang="ko-KR" altLang="en-US" sz="900" b="0" kern="1200" dirty="0" err="1" smtClean="0">
                           <a:solidFill>
                             <a:srgbClr val="000000"/>
                           </a:solidFill>
                           <a:latin typeface="나눔고딕" charset="0"/>
                           <a:ea typeface="나눔고딕" charset="0"/>
                         </a:rPr>
-                        <a:t>현대식품관 투홈 구축</a:t>
+                        <a:t>현대식품관</a:t>
+                      </a:r>
+                      <a:r>
+                        <a:rPr lang="ko-KR" altLang="en-US" sz="900" b="0" kern="1200" dirty="0" smtClean="0">
+                          <a:solidFill>
+                            <a:srgbClr val="000000"/>
+                          </a:solidFill>
+                          <a:latin typeface="나눔고딕" charset="0"/>
+                          <a:ea typeface="나눔고딕" charset="0"/>
+                        </a:rPr>
+                        <a:t> </a:t>
+                      </a:r>
+                      <a:r>
+                        <a:rPr lang="ko-KR" altLang="en-US" sz="900" b="0" kern="1200" dirty="0" err="1" smtClean="0">
+                          <a:solidFill>
+                            <a:srgbClr val="000000"/>
+                          </a:solidFill>
+                          <a:latin typeface="나눔고딕" charset="0"/>
+                          <a:ea typeface="나눔고딕" charset="0"/>
+                        </a:rPr>
+                        <a:t>투홈</a:t>
+                      </a:r>
+                      <a:r>
+                        <a:rPr lang="ko-KR" altLang="en-US" sz="900" b="0" kern="1200" dirty="0" smtClean="0">
+                          <a:solidFill>
+                            <a:srgbClr val="000000"/>
+                          </a:solidFill>
+                          <a:latin typeface="나눔고딕" charset="0"/>
+                          <a:ea typeface="나눔고딕" charset="0"/>
+                        </a:rPr>
+                        <a:t> 구축</a:t>
                       </a:r>
                       <a:endParaRPr lang="ko-KR" altLang="en-US" sz="900" b="0" kern="1200" dirty="0">
                         <a:solidFill>
@@ -17559,16 +17589,26 @@
                         <a:defRPr/>
                       </a:pPr>
                       <a:r>
-                        <a:rPr lang="en-US" altLang="ko-KR" sz="900" b="0" kern="1200" smtClean="0">
+                        <a:rPr lang="en-US" altLang="ko-KR" sz="900" b="0" kern="1200" dirty="0" smtClean="0">
                           <a:solidFill>
                             <a:schemeClr val="tx1"/>
                           </a:solidFill>
                           <a:latin typeface="나눔고딕" charset="0"/>
                           <a:ea typeface="나눔고딕" charset="0"/>
                         </a:rPr>
-                        <a:t>2020.01 ~ 2019.07</a:t>
-                      </a:r>
-                      <a:endParaRPr lang="ko-KR" altLang="en-US" sz="900" b="0" kern="1200" smtClean="0">
+                        <a:t>2020.01 ~ </a:t>
+                      </a:r>
+                      <a:r>
+                        <a:rPr lang="en-US" altLang="ko-KR" sz="900" b="0" kern="1200" dirty="0" smtClean="0">
+                          <a:solidFill>
+                            <a:schemeClr val="tx1"/>
+                          </a:solidFill>
+                          <a:latin typeface="나눔고딕" charset="0"/>
+                          <a:ea typeface="나눔고딕" charset="0"/>
+                        </a:rPr>
+                        <a:t>2020.07</a:t>
+                      </a:r>
+                      <a:endParaRPr lang="ko-KR" altLang="en-US" sz="900" b="0" kern="1200" dirty="0" smtClean="0">
                         <a:solidFill>
                           <a:schemeClr val="tx1"/>
                         </a:solidFill>
@@ -17646,7 +17686,7 @@
                         <a:defRPr/>
                       </a:pPr>
                       <a:r>
-                        <a:rPr kumimoji="0" lang="ko-KR" altLang="en-US" sz="900" b="0" i="0" u="none" strike="noStrike" kern="1200" cap="none" normalizeH="0" baseline="0" smtClean="0">
+                        <a:rPr kumimoji="0" lang="ko-KR" altLang="en-US" sz="900" b="0" i="0" u="none" strike="noStrike" kern="1200" cap="none" normalizeH="0" baseline="0" dirty="0" smtClean="0">
                           <a:ln>
                             <a:noFill/>
                           </a:ln>
@@ -17734,7 +17774,7 @@
                         <a:buNone/>
                       </a:pPr>
                       <a:r>
-                        <a:rPr lang="en-US" altLang="ko-KR" sz="900" b="0" kern="1200" smtClean="0">
+                        <a:rPr lang="en-US" altLang="ko-KR" sz="900" b="0" kern="1200" dirty="0" smtClean="0">
                           <a:solidFill>
                             <a:schemeClr val="tx1"/>
                           </a:solidFill>
@@ -17817,7 +17857,7 @@
                         <a:buNone/>
                       </a:pPr>
                       <a:r>
-                        <a:rPr kumimoji="0" lang="en-US" altLang="ko-KR" sz="900" b="0" i="0" u="none" strike="noStrike" kern="1200" cap="none" normalizeH="0" baseline="0" smtClean="0">
+                        <a:rPr kumimoji="0" lang="en-US" altLang="ko-KR" sz="900" b="0" i="0" u="none" strike="noStrike" kern="1200" cap="none" normalizeH="0" baseline="0" dirty="0" smtClean="0">
                           <a:ln>
                             <a:noFill/>
                           </a:ln>
@@ -17829,7 +17869,52 @@
                           <a:ea typeface="나눔고딕" pitchFamily="50" charset="-127"/>
                           <a:cs typeface="맑은 고딕" charset="0"/>
                         </a:rPr>
-                        <a:t>Html5, css3, jquery, svn</a:t>
+                        <a:t>Html5, css3, </a:t>
+                      </a:r>
+                      <a:r>
+                        <a:rPr kumimoji="0" lang="en-US" altLang="ko-KR" sz="900" b="0" i="0" u="none" strike="noStrike" kern="1200" cap="none" normalizeH="0" baseline="0" dirty="0" err="1" smtClean="0">
+                          <a:ln>
+                            <a:noFill/>
+                          </a:ln>
+                          <a:solidFill>
+                            <a:schemeClr val="tx1"/>
+                          </a:solidFill>
+                          <a:effectLst/>
+                          <a:latin typeface="+mn-lt"/>
+                          <a:ea typeface="나눔고딕" pitchFamily="50" charset="-127"/>
+                          <a:cs typeface="맑은 고딕" charset="0"/>
+                        </a:rPr>
+                        <a:t>jquery</a:t>
+                      </a:r>
+                      <a:r>
+                        <a:rPr kumimoji="0" lang="en-US" altLang="ko-KR" sz="900" b="0" i="0" u="none" strike="noStrike" kern="1200" cap="none" normalizeH="0" baseline="0" dirty="0" smtClean="0">
+                          <a:ln>
+                            <a:noFill/>
+                          </a:ln>
+                          <a:solidFill>
+                            <a:schemeClr val="tx1"/>
+                          </a:solidFill>
+                          <a:effectLst/>
+                          <a:latin typeface="+mn-lt"/>
+                          <a:ea typeface="나눔고딕" pitchFamily="50" charset="-127"/>
+                          <a:cs typeface="맑은 고딕" charset="0"/>
+                        </a:rPr>
+                        <a:t>, </a:t>
+                      </a:r>
+                      <a:r>
+                        <a:rPr kumimoji="0" lang="en-US" altLang="ko-KR" sz="900" b="0" i="0" u="none" strike="noStrike" kern="1200" cap="none" normalizeH="0" baseline="0" dirty="0" err="1" smtClean="0">
+                          <a:ln>
+                            <a:noFill/>
+                          </a:ln>
+                          <a:solidFill>
+                            <a:schemeClr val="tx1"/>
+                          </a:solidFill>
+                          <a:effectLst/>
+                          <a:latin typeface="+mn-lt"/>
+                          <a:ea typeface="나눔고딕" pitchFamily="50" charset="-127"/>
+                          <a:cs typeface="맑은 고딕" charset="0"/>
+                        </a:rPr>
+                        <a:t>svn</a:t>
                       </a:r>
                       <a:endParaRPr lang="ko-KR" altLang="en-US" sz="900" b="0" kern="1200" dirty="0">
                         <a:solidFill>
@@ -17886,6 +17971,766 @@
                     <a:noFill/>
                   </a:tcPr>
                 </a:tc>
+                <a:extLst>
+                  <a:ext uri="{0D108BD9-81ED-4DB2-BD59-A6C34878D82A}">
+                    <a16:rowId xmlns:a16="http://schemas.microsoft.com/office/drawing/2014/main" val="10004"/>
+                  </a:ext>
+                </a:extLst>
+              </a:tr>
+              <a:tr h="360893">
+                <a:tc>
+                  <a:txBody>
+                    <a:bodyPr/>
+                    <a:lstStyle/>
+                    <a:p>
+                      <a:pPr marL="0" marR="0" lvl="0" indent="0" algn="ctr" defTabSz="914400" rtl="0" eaLnBrk="1" fontAlgn="base" latinLnBrk="1" hangingPunct="1">
+                        <a:lnSpc>
+                          <a:spcPts val="1200"/>
+                        </a:lnSpc>
+                        <a:spcBef>
+                          <a:spcPts val="0"/>
+                        </a:spcBef>
+                        <a:spcAft>
+                          <a:spcPts val="0"/>
+                        </a:spcAft>
+                        <a:buClrTx/>
+                        <a:buSzTx/>
+                        <a:buFontTx/>
+                        <a:buNone/>
+                        <a:tabLst/>
+                        <a:defRPr/>
+                      </a:pPr>
+                      <a:r>
+                        <a:rPr kumimoji="1" lang="en-US" altLang="ko-KR" sz="900" b="0" i="0" u="none" strike="noStrike" kern="1200" cap="none" normalizeH="0" baseline="0" dirty="0" smtClean="0">
+                          <a:ln>
+                            <a:noFill/>
+                          </a:ln>
+                          <a:solidFill>
+                            <a:schemeClr val="tx1"/>
+                          </a:solidFill>
+                          <a:effectLst/>
+                          <a:latin typeface="+mn-lt"/>
+                          <a:ea typeface="나눔고딕" pitchFamily="50" charset="-127"/>
+                          <a:cs typeface="+mn-cs"/>
+                        </a:rPr>
+                        <a:t>(</a:t>
+                      </a:r>
+                      <a:r>
+                        <a:rPr kumimoji="1" lang="ko-KR" altLang="en-US" sz="900" b="0" i="0" u="none" strike="noStrike" kern="1200" cap="none" normalizeH="0" baseline="0" dirty="0" smtClean="0">
+                          <a:ln>
+                            <a:noFill/>
+                          </a:ln>
+                          <a:solidFill>
+                            <a:schemeClr val="tx1"/>
+                          </a:solidFill>
+                          <a:effectLst/>
+                          <a:latin typeface="+mn-lt"/>
+                          <a:ea typeface="나눔고딕" pitchFamily="50" charset="-127"/>
+                          <a:cs typeface="+mn-cs"/>
+                        </a:rPr>
+                        <a:t>주</a:t>
+                      </a:r>
+                      <a:r>
+                        <a:rPr kumimoji="1" lang="en-US" altLang="ko-KR" sz="900" b="0" i="0" u="none" strike="noStrike" kern="1200" cap="none" normalizeH="0" baseline="0" dirty="0" smtClean="0">
+                          <a:ln>
+                            <a:noFill/>
+                          </a:ln>
+                          <a:solidFill>
+                            <a:schemeClr val="tx1"/>
+                          </a:solidFill>
+                          <a:effectLst/>
+                          <a:latin typeface="+mn-lt"/>
+                          <a:ea typeface="나눔고딕" pitchFamily="50" charset="-127"/>
+                          <a:cs typeface="+mn-cs"/>
+                        </a:rPr>
+                        <a:t>)</a:t>
+                      </a:r>
+                      <a:r>
+                        <a:rPr kumimoji="1" lang="ko-KR" altLang="en-US" sz="900" b="0" i="0" u="none" strike="noStrike" kern="1200" cap="none" normalizeH="0" baseline="0" dirty="0" err="1" smtClean="0">
+                          <a:ln>
+                            <a:noFill/>
+                          </a:ln>
+                          <a:solidFill>
+                            <a:schemeClr val="tx1"/>
+                          </a:solidFill>
+                          <a:effectLst/>
+                          <a:latin typeface="+mn-lt"/>
+                          <a:ea typeface="나눔고딕" pitchFamily="50" charset="-127"/>
+                          <a:cs typeface="+mn-cs"/>
+                        </a:rPr>
+                        <a:t>유컴패니온</a:t>
+                      </a:r>
+                      <a:endParaRPr kumimoji="1" lang="en-US" altLang="ko-KR" sz="900" b="0" i="0" u="none" strike="noStrike" kern="1200" cap="none" normalizeH="0" baseline="0" dirty="0">
+                        <a:ln>
+                          <a:noFill/>
+                        </a:ln>
+                        <a:solidFill>
+                          <a:schemeClr val="tx1"/>
+                        </a:solidFill>
+                        <a:effectLst/>
+                        <a:latin typeface="+mn-lt"/>
+                        <a:ea typeface="나눔고딕" pitchFamily="50" charset="-127"/>
+                        <a:cs typeface="+mn-cs"/>
+                      </a:endParaRPr>
+                    </a:p>
+                  </a:txBody>
+                  <a:tcPr marL="13414" marR="13414" marT="15994" marB="15994" anchor="ctr">
+                    <a:lnL w="3175" cap="flat" cmpd="sng" algn="ctr">
+                      <a:solidFill>
+                        <a:schemeClr val="tx1"/>
+                      </a:solidFill>
+                      <a:prstDash val="solid"/>
+                      <a:round/>
+                      <a:headEnd type="none" w="med" len="med"/>
+                      <a:tailEnd type="none" w="med" len="med"/>
+                    </a:lnL>
+                    <a:lnR w="3175" cap="flat" cmpd="sng" algn="ctr">
+                      <a:solidFill>
+                        <a:schemeClr val="tx1"/>
+                      </a:solidFill>
+                      <a:prstDash val="solid"/>
+                      <a:round/>
+                      <a:headEnd type="none" w="med" len="med"/>
+                      <a:tailEnd type="none" w="med" len="med"/>
+                    </a:lnR>
+                    <a:lnT w="3175" cap="flat" cmpd="sng" algn="ctr">
+                      <a:solidFill>
+                        <a:schemeClr val="tx1"/>
+                      </a:solidFill>
+                      <a:prstDash val="solid"/>
+                      <a:round/>
+                      <a:headEnd type="none" w="med" len="med"/>
+                      <a:tailEnd type="none" w="med" len="med"/>
+                    </a:lnT>
+                    <a:lnB w="3175" cap="flat" cmpd="sng" algn="ctr">
+                      <a:solidFill>
+                        <a:schemeClr val="tx1"/>
+                      </a:solidFill>
+                      <a:prstDash val="solid"/>
+                      <a:round/>
+                      <a:headEnd type="none" w="med" len="med"/>
+                      <a:tailEnd type="none" w="med" len="med"/>
+                    </a:lnB>
+                    <a:lnTlToBr>
+                      <a:noFill/>
+                    </a:lnTlToBr>
+                    <a:lnBlToTr>
+                      <a:noFill/>
+                    </a:lnBlToTr>
+                    <a:noFill/>
+                  </a:tcPr>
+                </a:tc>
+                <a:tc>
+                  <a:txBody>
+                    <a:bodyPr/>
+                    <a:lstStyle/>
+                    <a:p>
+                      <a:pPr marL="0" indent="0" algn="ctr" defTabSz="914400" fontAlgn="base">
+                        <a:lnSpc>
+                          <a:spcPct val="100000"/>
+                        </a:lnSpc>
+                        <a:spcBef>
+                          <a:spcPts val="0"/>
+                        </a:spcBef>
+                        <a:spcAft>
+                          <a:spcPts val="0"/>
+                        </a:spcAft>
+                        <a:buFontTx/>
+                        <a:buNone/>
+                      </a:pPr>
+                      <a:r>
+                        <a:rPr lang="ko-KR" altLang="en-US" sz="900" b="0" kern="1200" dirty="0" smtClean="0">
+                          <a:solidFill>
+                            <a:srgbClr val="000000"/>
+                          </a:solidFill>
+                          <a:latin typeface="나눔고딕" charset="0"/>
+                          <a:ea typeface="나눔고딕" charset="0"/>
+                        </a:rPr>
+                        <a:t>키움</a:t>
+                      </a:r>
+                      <a:r>
+                        <a:rPr lang="en-US" altLang="ko-KR" sz="900" b="0" kern="1200" dirty="0" smtClean="0">
+                          <a:solidFill>
+                            <a:srgbClr val="000000"/>
+                          </a:solidFill>
+                          <a:latin typeface="나눔고딕" charset="0"/>
+                          <a:ea typeface="나눔고딕" charset="0"/>
+                        </a:rPr>
+                        <a:t>YES</a:t>
+                      </a:r>
+                      <a:r>
+                        <a:rPr lang="ko-KR" altLang="en-US" sz="900" b="0" kern="1200" dirty="0" smtClean="0">
+                          <a:solidFill>
+                            <a:srgbClr val="000000"/>
+                          </a:solidFill>
+                          <a:latin typeface="나눔고딕" charset="0"/>
+                          <a:ea typeface="나눔고딕" charset="0"/>
+                        </a:rPr>
+                        <a:t>저축은행</a:t>
+                      </a:r>
+                      <a:endParaRPr lang="ko-KR" altLang="en-US" sz="900" b="0" kern="1200" dirty="0">
+                        <a:solidFill>
+                          <a:srgbClr val="000000"/>
+                        </a:solidFill>
+                        <a:latin typeface="나눔고딕" charset="0"/>
+                        <a:ea typeface="나눔고딕" charset="0"/>
+                      </a:endParaRPr>
+                    </a:p>
+                  </a:txBody>
+                  <a:tcPr marL="26829" marR="26829" marT="28893" marB="28893" anchor="ctr">
+                    <a:lnL w="3175" cap="flat" cmpd="sng" algn="ctr">
+                      <a:solidFill>
+                        <a:schemeClr val="tx1"/>
+                      </a:solidFill>
+                      <a:prstDash val="solid"/>
+                      <a:round/>
+                      <a:headEnd type="none" w="med" len="med"/>
+                      <a:tailEnd type="none" w="med" len="med"/>
+                    </a:lnL>
+                    <a:lnR w="3175" cap="flat" cmpd="sng" algn="ctr">
+                      <a:solidFill>
+                        <a:schemeClr val="tx1"/>
+                      </a:solidFill>
+                      <a:prstDash val="solid"/>
+                      <a:round/>
+                      <a:headEnd type="none" w="med" len="med"/>
+                      <a:tailEnd type="none" w="med" len="med"/>
+                    </a:lnR>
+                    <a:lnT w="3175" cap="flat" cmpd="sng" algn="ctr">
+                      <a:solidFill>
+                        <a:schemeClr val="tx1"/>
+                      </a:solidFill>
+                      <a:prstDash val="solid"/>
+                      <a:round/>
+                      <a:headEnd type="none" w="med" len="med"/>
+                      <a:tailEnd type="none" w="med" len="med"/>
+                    </a:lnT>
+                    <a:lnB w="3175" cap="flat" cmpd="sng" algn="ctr">
+                      <a:solidFill>
+                        <a:schemeClr val="tx1"/>
+                      </a:solidFill>
+                      <a:prstDash val="solid"/>
+                      <a:round/>
+                      <a:headEnd type="none" w="med" len="med"/>
+                      <a:tailEnd type="none" w="med" len="med"/>
+                    </a:lnB>
+                    <a:lnTlToBr>
+                      <a:noFill/>
+                    </a:lnTlToBr>
+                    <a:lnBlToTr>
+                      <a:noFill/>
+                    </a:lnBlToTr>
+                    <a:noFill/>
+                  </a:tcPr>
+                </a:tc>
+                <a:tc>
+                  <a:txBody>
+                    <a:bodyPr/>
+                    <a:lstStyle/>
+                    <a:p>
+                      <a:pPr marL="0" indent="0" algn="ctr" defTabSz="914400" fontAlgn="base">
+                        <a:lnSpc>
+                          <a:spcPct val="100000"/>
+                        </a:lnSpc>
+                        <a:spcBef>
+                          <a:spcPts val="0"/>
+                        </a:spcBef>
+                        <a:spcAft>
+                          <a:spcPts val="0"/>
+                        </a:spcAft>
+                        <a:buFontTx/>
+                        <a:buNone/>
+                      </a:pPr>
+                      <a:r>
+                        <a:rPr lang="ko-KR" altLang="en-US" sz="900" b="0" kern="1200" dirty="0" smtClean="0">
+                          <a:solidFill>
+                            <a:srgbClr val="000000"/>
+                          </a:solidFill>
+                          <a:latin typeface="나눔고딕" charset="0"/>
+                          <a:ea typeface="나눔고딕" charset="0"/>
+                        </a:rPr>
+                        <a:t>키움</a:t>
+                      </a:r>
+                      <a:r>
+                        <a:rPr lang="en-US" altLang="ko-KR" sz="900" b="0" kern="1200" dirty="0" smtClean="0">
+                          <a:solidFill>
+                            <a:srgbClr val="000000"/>
+                          </a:solidFill>
+                          <a:latin typeface="나눔고딕" charset="0"/>
+                          <a:ea typeface="나눔고딕" charset="0"/>
+                        </a:rPr>
+                        <a:t>YES</a:t>
+                      </a:r>
+                      <a:r>
+                        <a:rPr lang="ko-KR" altLang="en-US" sz="900" b="0" kern="1200" dirty="0" smtClean="0">
+                          <a:solidFill>
+                            <a:srgbClr val="000000"/>
+                          </a:solidFill>
+                          <a:latin typeface="나눔고딕" charset="0"/>
+                          <a:ea typeface="나눔고딕" charset="0"/>
+                        </a:rPr>
+                        <a:t>저축은행 </a:t>
+                      </a:r>
+                      <a:r>
+                        <a:rPr lang="ko-KR" altLang="en-US" sz="900" b="0" kern="1200" dirty="0" err="1" smtClean="0">
+                          <a:solidFill>
+                            <a:srgbClr val="000000"/>
+                          </a:solidFill>
+                          <a:latin typeface="나눔고딕" charset="0"/>
+                          <a:ea typeface="나눔고딕" charset="0"/>
+                        </a:rPr>
+                        <a:t>모바일앱</a:t>
+                      </a:r>
+                      <a:r>
+                        <a:rPr lang="ko-KR" altLang="en-US" sz="900" b="0" kern="1200" dirty="0" smtClean="0">
+                          <a:solidFill>
+                            <a:srgbClr val="000000"/>
+                          </a:solidFill>
+                          <a:latin typeface="나눔고딕" charset="0"/>
+                          <a:ea typeface="나눔고딕" charset="0"/>
+                        </a:rPr>
+                        <a:t> 구축</a:t>
+                      </a:r>
+                      <a:endParaRPr lang="ko-KR" altLang="en-US" sz="900" b="0" kern="1200" dirty="0">
+                        <a:solidFill>
+                          <a:srgbClr val="000000"/>
+                        </a:solidFill>
+                        <a:latin typeface="나눔고딕" charset="0"/>
+                        <a:ea typeface="나눔고딕" charset="0"/>
+                      </a:endParaRPr>
+                    </a:p>
+                  </a:txBody>
+                  <a:tcPr marL="26829" marR="26829" marT="28893" marB="28893" anchor="ctr">
+                    <a:lnL w="3175" cap="flat" cmpd="sng" algn="ctr">
+                      <a:solidFill>
+                        <a:schemeClr val="tx1"/>
+                      </a:solidFill>
+                      <a:prstDash val="solid"/>
+                      <a:round/>
+                      <a:headEnd type="none" w="med" len="med"/>
+                      <a:tailEnd type="none" w="med" len="med"/>
+                    </a:lnL>
+                    <a:lnR w="3175" cap="flat" cmpd="sng" algn="ctr">
+                      <a:solidFill>
+                        <a:schemeClr val="tx1"/>
+                      </a:solidFill>
+                      <a:prstDash val="solid"/>
+                      <a:round/>
+                      <a:headEnd type="none" w="med" len="med"/>
+                      <a:tailEnd type="none" w="med" len="med"/>
+                    </a:lnR>
+                    <a:lnT w="3175" cap="flat" cmpd="sng" algn="ctr">
+                      <a:solidFill>
+                        <a:schemeClr val="tx1"/>
+                      </a:solidFill>
+                      <a:prstDash val="solid"/>
+                      <a:round/>
+                      <a:headEnd type="none" w="med" len="med"/>
+                      <a:tailEnd type="none" w="med" len="med"/>
+                    </a:lnT>
+                    <a:lnB w="3175" cap="flat" cmpd="sng" algn="ctr">
+                      <a:solidFill>
+                        <a:schemeClr val="tx1"/>
+                      </a:solidFill>
+                      <a:prstDash val="solid"/>
+                      <a:round/>
+                      <a:headEnd type="none" w="med" len="med"/>
+                      <a:tailEnd type="none" w="med" len="med"/>
+                    </a:lnB>
+                    <a:lnTlToBr>
+                      <a:noFill/>
+                    </a:lnTlToBr>
+                    <a:lnBlToTr>
+                      <a:noFill/>
+                    </a:lnBlToTr>
+                    <a:noFill/>
+                  </a:tcPr>
+                </a:tc>
+                <a:tc>
+                  <a:txBody>
+                    <a:bodyPr/>
+                    <a:lstStyle/>
+                    <a:p>
+                      <a:pPr marL="0" marR="0" indent="0" algn="ctr" defTabSz="914400" rtl="0" eaLnBrk="1" fontAlgn="base" latinLnBrk="1" hangingPunct="1">
+                        <a:lnSpc>
+                          <a:spcPct val="100000"/>
+                        </a:lnSpc>
+                        <a:spcBef>
+                          <a:spcPts val="0"/>
+                        </a:spcBef>
+                        <a:spcAft>
+                          <a:spcPts val="0"/>
+                        </a:spcAft>
+                        <a:buClrTx/>
+                        <a:buSzTx/>
+                        <a:buFontTx/>
+                        <a:buNone/>
+                        <a:tabLst/>
+                        <a:defRPr/>
+                      </a:pPr>
+                      <a:r>
+                        <a:rPr lang="en-US" altLang="ko-KR" sz="900" b="0" kern="1200" dirty="0" smtClean="0">
+                          <a:solidFill>
+                            <a:schemeClr val="tx1"/>
+                          </a:solidFill>
+                          <a:latin typeface="나눔고딕" charset="0"/>
+                          <a:ea typeface="나눔고딕" charset="0"/>
+                        </a:rPr>
+                        <a:t>2020.08 ~ 2020.09</a:t>
+                      </a:r>
+                      <a:endParaRPr lang="ko-KR" altLang="en-US" sz="900" b="0" kern="1200" dirty="0" smtClean="0">
+                        <a:solidFill>
+                          <a:schemeClr val="tx1"/>
+                        </a:solidFill>
+                        <a:latin typeface="나눔고딕" charset="0"/>
+                        <a:ea typeface="나눔고딕" charset="0"/>
+                      </a:endParaRPr>
+                    </a:p>
+                  </a:txBody>
+                  <a:tcPr marL="7739" marR="7739" marT="7739" marB="0" anchor="ctr">
+                    <a:lnL w="3175" cap="flat" cmpd="sng" algn="ctr">
+                      <a:solidFill>
+                        <a:schemeClr val="tx1"/>
+                      </a:solidFill>
+                      <a:prstDash val="solid"/>
+                      <a:round/>
+                      <a:headEnd type="none" w="med" len="med"/>
+                      <a:tailEnd type="none" w="med" len="med"/>
+                    </a:lnL>
+                    <a:lnR w="3175" cap="flat" cmpd="sng" algn="ctr">
+                      <a:solidFill>
+                        <a:schemeClr val="tx1"/>
+                      </a:solidFill>
+                      <a:prstDash val="solid"/>
+                      <a:round/>
+                      <a:headEnd type="none" w="med" len="med"/>
+                      <a:tailEnd type="none" w="med" len="med"/>
+                    </a:lnR>
+                    <a:lnT w="3175" cap="flat" cmpd="sng" algn="ctr">
+                      <a:solidFill>
+                        <a:schemeClr val="tx1"/>
+                      </a:solidFill>
+                      <a:prstDash val="solid"/>
+                      <a:round/>
+                      <a:headEnd type="none" w="med" len="med"/>
+                      <a:tailEnd type="none" w="med" len="med"/>
+                    </a:lnT>
+                    <a:lnB w="3175" cap="flat" cmpd="sng" algn="ctr">
+                      <a:solidFill>
+                        <a:schemeClr val="tx1"/>
+                      </a:solidFill>
+                      <a:prstDash val="solid"/>
+                      <a:round/>
+                      <a:headEnd type="none" w="med" len="med"/>
+                      <a:tailEnd type="none" w="med" len="med"/>
+                    </a:lnB>
+                    <a:lnTlToBr>
+                      <a:noFill/>
+                    </a:lnTlToBr>
+                    <a:lnBlToTr>
+                      <a:noFill/>
+                    </a:lnBlToTr>
+                    <a:noFill/>
+                  </a:tcPr>
+                </a:tc>
+                <a:tc>
+                  <a:txBody>
+                    <a:bodyPr/>
+                    <a:lstStyle/>
+                    <a:p>
+                      <a:pPr marL="0" marR="0" indent="0" algn="ctr" defTabSz="914400" rtl="0" eaLnBrk="1" fontAlgn="base" latinLnBrk="1" hangingPunct="1">
+                        <a:lnSpc>
+                          <a:spcPts val="1200"/>
+                        </a:lnSpc>
+                        <a:spcBef>
+                          <a:spcPts val="0"/>
+                        </a:spcBef>
+                        <a:spcAft>
+                          <a:spcPts val="0"/>
+                        </a:spcAft>
+                        <a:buClrTx/>
+                        <a:buSzTx/>
+                        <a:buFontTx/>
+                        <a:buNone/>
+                        <a:tabLst/>
+                        <a:defRPr/>
+                      </a:pPr>
+                      <a:r>
+                        <a:rPr kumimoji="0" lang="ko-KR" altLang="en-US" sz="900" b="0" i="0" u="none" strike="noStrike" kern="1200" cap="none" normalizeH="0" baseline="0" dirty="0" smtClean="0">
+                          <a:ln>
+                            <a:noFill/>
+                          </a:ln>
+                          <a:solidFill>
+                            <a:schemeClr val="tx1"/>
+                          </a:solidFill>
+                          <a:effectLst/>
+                          <a:latin typeface="나눔고딕" charset="0"/>
+                          <a:ea typeface="나눔고딕" charset="0"/>
+                          <a:cs typeface="+mn-cs"/>
+                        </a:rPr>
+                        <a:t>퍼블리싱</a:t>
+                      </a:r>
+                      <a:endParaRPr lang="ko-KR" altLang="en-US" sz="900" b="0" kern="1200" dirty="0">
+                        <a:solidFill>
+                          <a:schemeClr val="tx1"/>
+                        </a:solidFill>
+                        <a:latin typeface="나눔고딕" charset="0"/>
+                        <a:ea typeface="나눔고딕" charset="0"/>
+                      </a:endParaRPr>
+                    </a:p>
+                  </a:txBody>
+                  <a:tcPr marL="7739" marR="7739" marT="7739" marB="0" anchor="ctr">
+                    <a:lnL w="3175" cap="flat" cmpd="sng" algn="ctr">
+                      <a:solidFill>
+                        <a:schemeClr val="tx1"/>
+                      </a:solidFill>
+                      <a:prstDash val="solid"/>
+                      <a:round/>
+                      <a:headEnd type="none" w="med" len="med"/>
+                      <a:tailEnd type="none" w="med" len="med"/>
+                    </a:lnL>
+                    <a:lnR w="3175" cap="flat" cmpd="sng" algn="ctr">
+                      <a:solidFill>
+                        <a:schemeClr val="tx1"/>
+                      </a:solidFill>
+                      <a:prstDash val="solid"/>
+                      <a:round/>
+                      <a:headEnd type="none" w="med" len="med"/>
+                      <a:tailEnd type="none" w="med" len="med"/>
+                    </a:lnR>
+                    <a:lnT w="3175" cap="flat" cmpd="sng" algn="ctr">
+                      <a:solidFill>
+                        <a:schemeClr val="tx1"/>
+                      </a:solidFill>
+                      <a:prstDash val="solid"/>
+                      <a:round/>
+                      <a:headEnd type="none" w="med" len="med"/>
+                      <a:tailEnd type="none" w="med" len="med"/>
+                    </a:lnT>
+                    <a:lnB w="3175" cap="flat" cmpd="sng" algn="ctr">
+                      <a:solidFill>
+                        <a:schemeClr val="tx1"/>
+                      </a:solidFill>
+                      <a:prstDash val="solid"/>
+                      <a:round/>
+                      <a:headEnd type="none" w="med" len="med"/>
+                      <a:tailEnd type="none" w="med" len="med"/>
+                    </a:lnB>
+                    <a:lnTlToBr>
+                      <a:noFill/>
+                    </a:lnTlToBr>
+                    <a:lnBlToTr>
+                      <a:noFill/>
+                    </a:lnBlToTr>
+                    <a:noFill/>
+                  </a:tcPr>
+                </a:tc>
+                <a:tc>
+                  <a:txBody>
+                    <a:bodyPr/>
+                    <a:lstStyle/>
+                    <a:p>
+                      <a:pPr marL="0" indent="0" algn="ctr" defTabSz="914400" fontAlgn="base">
+                        <a:lnSpc>
+                          <a:spcPts val="1200"/>
+                        </a:lnSpc>
+                        <a:spcBef>
+                          <a:spcPts val="0"/>
+                        </a:spcBef>
+                        <a:spcAft>
+                          <a:spcPts val="0"/>
+                        </a:spcAft>
+                        <a:buFontTx/>
+                        <a:buNone/>
+                      </a:pPr>
+                      <a:r>
+                        <a:rPr lang="en-US" altLang="ko-KR" sz="900" b="0" kern="1200" dirty="0" smtClean="0">
+                          <a:solidFill>
+                            <a:schemeClr val="tx1"/>
+                          </a:solidFill>
+                          <a:latin typeface="나눔고딕" charset="0"/>
+                          <a:ea typeface="나눔고딕" charset="0"/>
+                        </a:rPr>
+                        <a:t>Player</a:t>
+                      </a:r>
+                      <a:endParaRPr lang="ko-KR" altLang="en-US" sz="900" b="0" kern="1200" dirty="0">
+                        <a:solidFill>
+                          <a:schemeClr val="tx1"/>
+                        </a:solidFill>
+                        <a:latin typeface="나눔고딕" charset="0"/>
+                        <a:ea typeface="나눔고딕" charset="0"/>
+                      </a:endParaRPr>
+                    </a:p>
+                  </a:txBody>
+                  <a:tcPr marL="26829" marR="26829" marT="28893" marB="28893" anchor="ctr">
+                    <a:lnL w="3175" cap="flat" cmpd="sng" algn="ctr">
+                      <a:solidFill>
+                        <a:schemeClr val="tx1"/>
+                      </a:solidFill>
+                      <a:prstDash val="solid"/>
+                      <a:round/>
+                      <a:headEnd type="none" w="med" len="med"/>
+                      <a:tailEnd type="none" w="med" len="med"/>
+                    </a:lnL>
+                    <a:lnR w="3175" cap="flat" cmpd="sng" algn="ctr">
+                      <a:solidFill>
+                        <a:schemeClr val="tx1"/>
+                      </a:solidFill>
+                      <a:prstDash val="solid"/>
+                      <a:round/>
+                      <a:headEnd type="none" w="med" len="med"/>
+                      <a:tailEnd type="none" w="med" len="med"/>
+                    </a:lnR>
+                    <a:lnT w="3175" cap="flat" cmpd="sng" algn="ctr">
+                      <a:solidFill>
+                        <a:schemeClr val="tx1"/>
+                      </a:solidFill>
+                      <a:prstDash val="solid"/>
+                      <a:round/>
+                      <a:headEnd type="none" w="med" len="med"/>
+                      <a:tailEnd type="none" w="med" len="med"/>
+                    </a:lnT>
+                    <a:lnB w="3175" cap="flat" cmpd="sng" algn="ctr">
+                      <a:solidFill>
+                        <a:schemeClr val="tx1"/>
+                      </a:solidFill>
+                      <a:prstDash val="solid"/>
+                      <a:round/>
+                      <a:headEnd type="none" w="med" len="med"/>
+                      <a:tailEnd type="none" w="med" len="med"/>
+                    </a:lnB>
+                    <a:lnTlToBr>
+                      <a:noFill/>
+                    </a:lnTlToBr>
+                    <a:lnBlToTr>
+                      <a:noFill/>
+                    </a:lnBlToTr>
+                    <a:noFill/>
+                  </a:tcPr>
+                </a:tc>
+                <a:tc>
+                  <a:txBody>
+                    <a:bodyPr/>
+                    <a:lstStyle/>
+                    <a:p>
+                      <a:pPr marL="0" indent="0" algn="ctr" defTabSz="914400" fontAlgn="base">
+                        <a:lnSpc>
+                          <a:spcPct val="100000"/>
+                        </a:lnSpc>
+                        <a:spcBef>
+                          <a:spcPts val="0"/>
+                        </a:spcBef>
+                        <a:spcAft>
+                          <a:spcPts val="0"/>
+                        </a:spcAft>
+                        <a:buFontTx/>
+                        <a:buNone/>
+                      </a:pPr>
+                      <a:r>
+                        <a:rPr kumimoji="0" lang="en-US" altLang="ko-KR" sz="900" b="0" i="0" u="none" strike="noStrike" kern="1200" cap="none" normalizeH="0" baseline="0" dirty="0" smtClean="0">
+                          <a:ln>
+                            <a:noFill/>
+                          </a:ln>
+                          <a:solidFill>
+                            <a:schemeClr val="tx1"/>
+                          </a:solidFill>
+                          <a:effectLst/>
+                          <a:latin typeface="+mn-lt"/>
+                          <a:ea typeface="나눔고딕" pitchFamily="50" charset="-127"/>
+                          <a:cs typeface="맑은 고딕" charset="0"/>
+                        </a:rPr>
+                        <a:t>Html5, css3, </a:t>
+                      </a:r>
+                      <a:r>
+                        <a:rPr kumimoji="0" lang="en-US" altLang="ko-KR" sz="900" b="0" i="0" u="none" strike="noStrike" kern="1200" cap="none" normalizeH="0" baseline="0" dirty="0" err="1" smtClean="0">
+                          <a:ln>
+                            <a:noFill/>
+                          </a:ln>
+                          <a:solidFill>
+                            <a:schemeClr val="tx1"/>
+                          </a:solidFill>
+                          <a:effectLst/>
+                          <a:latin typeface="+mn-lt"/>
+                          <a:ea typeface="나눔고딕" pitchFamily="50" charset="-127"/>
+                          <a:cs typeface="맑은 고딕" charset="0"/>
+                        </a:rPr>
+                        <a:t>jquery</a:t>
+                      </a:r>
+                      <a:r>
+                        <a:rPr kumimoji="0" lang="en-US" altLang="ko-KR" sz="900" b="0" i="0" u="none" strike="noStrike" kern="1200" cap="none" normalizeH="0" baseline="0" dirty="0" smtClean="0">
+                          <a:ln>
+                            <a:noFill/>
+                          </a:ln>
+                          <a:solidFill>
+                            <a:schemeClr val="tx1"/>
+                          </a:solidFill>
+                          <a:effectLst/>
+                          <a:latin typeface="+mn-lt"/>
+                          <a:ea typeface="나눔고딕" pitchFamily="50" charset="-127"/>
+                          <a:cs typeface="맑은 고딕" charset="0"/>
+                        </a:rPr>
+                        <a:t>, Adobe XD</a:t>
+                      </a:r>
+                      <a:endParaRPr lang="ko-KR" altLang="en-US" sz="900" b="0" kern="1200" dirty="0">
+                        <a:solidFill>
+                          <a:schemeClr val="tx1"/>
+                        </a:solidFill>
+                        <a:latin typeface="나눔고딕" charset="0"/>
+                        <a:ea typeface="나눔고딕" charset="0"/>
+                      </a:endParaRPr>
+                    </a:p>
+                  </a:txBody>
+                  <a:tcPr marL="24765" marR="24765" marT="28893" marB="28893" anchor="ctr">
+                    <a:lnL w="3175" cap="flat" cmpd="sng" algn="ctr">
+                      <a:solidFill>
+                        <a:schemeClr val="tx1"/>
+                      </a:solidFill>
+                      <a:prstDash val="solid"/>
+                      <a:round/>
+                      <a:headEnd type="none" w="med" len="med"/>
+                      <a:tailEnd type="none" w="med" len="med"/>
+                    </a:lnL>
+                    <a:lnR w="3175" cap="flat" cmpd="sng" algn="ctr">
+                      <a:solidFill>
+                        <a:schemeClr val="tx1"/>
+                      </a:solidFill>
+                      <a:prstDash val="solid"/>
+                      <a:round/>
+                      <a:headEnd type="none" w="med" len="med"/>
+                      <a:tailEnd type="none" w="med" len="med"/>
+                    </a:lnR>
+                    <a:lnT w="3175" cap="flat" cmpd="sng" algn="ctr">
+                      <a:solidFill>
+                        <a:schemeClr val="tx1"/>
+                      </a:solidFill>
+                      <a:prstDash val="solid"/>
+                      <a:round/>
+                      <a:headEnd type="none" w="med" len="med"/>
+                      <a:tailEnd type="none" w="med" len="med"/>
+                    </a:lnT>
+                    <a:lnB w="3175" cap="flat" cmpd="sng" algn="ctr">
+                      <a:solidFill>
+                        <a:schemeClr val="tx1"/>
+                      </a:solidFill>
+                      <a:prstDash val="solid"/>
+                      <a:round/>
+                      <a:headEnd type="none" w="med" len="med"/>
+                      <a:tailEnd type="none" w="med" len="med"/>
+                    </a:lnB>
+                    <a:lnTlToBr>
+                      <a:noFill/>
+                    </a:lnTlToBr>
+                    <a:lnBlToTr>
+                      <a:noFill/>
+                    </a:lnBlToTr>
+                    <a:noFill/>
+                  </a:tcPr>
+                </a:tc>
+                <a:extLst>
+                  <a:ext uri="{0D108BD9-81ED-4DB2-BD59-A6C34878D82A}">
+                    <a16:rowId xmlns:a16="http://schemas.microsoft.com/office/drawing/2014/main" val="1050933217"/>
+                  </a:ext>
+                </a:extLst>
               </a:tr>
             </a:tbl>
           </a:graphicData>

--- a/download/career_introduction.pptx
+++ b/download/career_introduction.pptx
@@ -1121,7 +1121,7 @@
           <a:p>
             <a:fld id="{E0BD39A2-E3B7-4CF3-B6E3-D0DEB28CC5C5}" type="datetimeFigureOut">
               <a:rPr lang="ko-KR" altLang="en-US" smtClean="0"/>
-              <a:t>2020-09-15</a:t>
+              <a:t>2021-02-04</a:t>
             </a:fld>
             <a:endParaRPr lang="ko-KR" altLang="en-US"/>
           </a:p>
@@ -1289,7 +1289,7 @@
           <a:p>
             <a:fld id="{E0BD39A2-E3B7-4CF3-B6E3-D0DEB28CC5C5}" type="datetimeFigureOut">
               <a:rPr lang="ko-KR" altLang="en-US" smtClean="0"/>
-              <a:t>2020-09-15</a:t>
+              <a:t>2021-02-04</a:t>
             </a:fld>
             <a:endParaRPr lang="ko-KR" altLang="en-US"/>
           </a:p>
@@ -1467,7 +1467,7 @@
           <a:p>
             <a:fld id="{E0BD39A2-E3B7-4CF3-B6E3-D0DEB28CC5C5}" type="datetimeFigureOut">
               <a:rPr lang="ko-KR" altLang="en-US" smtClean="0"/>
-              <a:t>2020-09-15</a:t>
+              <a:t>2021-02-04</a:t>
             </a:fld>
             <a:endParaRPr lang="ko-KR" altLang="en-US"/>
           </a:p>
@@ -1897,7 +1897,7 @@
           <a:p>
             <a:fld id="{E0BD39A2-E3B7-4CF3-B6E3-D0DEB28CC5C5}" type="datetimeFigureOut">
               <a:rPr lang="ko-KR" altLang="en-US" smtClean="0"/>
-              <a:t>2020-09-15</a:t>
+              <a:t>2021-02-04</a:t>
             </a:fld>
             <a:endParaRPr lang="ko-KR" altLang="en-US"/>
           </a:p>
@@ -2142,7 +2142,7 @@
           <a:p>
             <a:fld id="{E0BD39A2-E3B7-4CF3-B6E3-D0DEB28CC5C5}" type="datetimeFigureOut">
               <a:rPr lang="ko-KR" altLang="en-US" smtClean="0"/>
-              <a:t>2020-09-15</a:t>
+              <a:t>2021-02-04</a:t>
             </a:fld>
             <a:endParaRPr lang="ko-KR" altLang="en-US"/>
           </a:p>
@@ -2427,7 +2427,7 @@
           <a:p>
             <a:fld id="{E0BD39A2-E3B7-4CF3-B6E3-D0DEB28CC5C5}" type="datetimeFigureOut">
               <a:rPr lang="ko-KR" altLang="en-US" smtClean="0"/>
-              <a:t>2020-09-15</a:t>
+              <a:t>2021-02-04</a:t>
             </a:fld>
             <a:endParaRPr lang="ko-KR" altLang="en-US"/>
           </a:p>
@@ -2846,7 +2846,7 @@
           <a:p>
             <a:fld id="{E0BD39A2-E3B7-4CF3-B6E3-D0DEB28CC5C5}" type="datetimeFigureOut">
               <a:rPr lang="ko-KR" altLang="en-US" smtClean="0"/>
-              <a:t>2020-09-15</a:t>
+              <a:t>2021-02-04</a:t>
             </a:fld>
             <a:endParaRPr lang="ko-KR" altLang="en-US"/>
           </a:p>
@@ -2963,7 +2963,7 @@
           <a:p>
             <a:fld id="{E0BD39A2-E3B7-4CF3-B6E3-D0DEB28CC5C5}" type="datetimeFigureOut">
               <a:rPr lang="ko-KR" altLang="en-US" smtClean="0"/>
-              <a:t>2020-09-15</a:t>
+              <a:t>2021-02-04</a:t>
             </a:fld>
             <a:endParaRPr lang="ko-KR" altLang="en-US"/>
           </a:p>
@@ -3058,7 +3058,7 @@
           <a:p>
             <a:fld id="{E0BD39A2-E3B7-4CF3-B6E3-D0DEB28CC5C5}" type="datetimeFigureOut">
               <a:rPr lang="ko-KR" altLang="en-US" smtClean="0"/>
-              <a:t>2020-09-15</a:t>
+              <a:t>2021-02-04</a:t>
             </a:fld>
             <a:endParaRPr lang="ko-KR" altLang="en-US"/>
           </a:p>
@@ -3333,7 +3333,7 @@
           <a:p>
             <a:fld id="{E0BD39A2-E3B7-4CF3-B6E3-D0DEB28CC5C5}" type="datetimeFigureOut">
               <a:rPr lang="ko-KR" altLang="en-US" smtClean="0"/>
-              <a:t>2020-09-15</a:t>
+              <a:t>2021-02-04</a:t>
             </a:fld>
             <a:endParaRPr lang="ko-KR" altLang="en-US"/>
           </a:p>
@@ -3585,7 +3585,7 @@
           <a:p>
             <a:fld id="{E0BD39A2-E3B7-4CF3-B6E3-D0DEB28CC5C5}" type="datetimeFigureOut">
               <a:rPr lang="ko-KR" altLang="en-US" smtClean="0"/>
-              <a:t>2020-09-15</a:t>
+              <a:t>2021-02-04</a:t>
             </a:fld>
             <a:endParaRPr lang="ko-KR" altLang="en-US"/>
           </a:p>
@@ -3796,7 +3796,7 @@
           <a:p>
             <a:fld id="{E0BD39A2-E3B7-4CF3-B6E3-D0DEB28CC5C5}" type="datetimeFigureOut">
               <a:rPr lang="ko-KR" altLang="en-US" smtClean="0"/>
-              <a:t>2020-09-15</a:t>
+              <a:t>2021-02-04</a:t>
             </a:fld>
             <a:endParaRPr lang="ko-KR" altLang="en-US"/>
           </a:p>
@@ -8597,7 +8597,7 @@
                         <a:tabLst/>
                       </a:pPr>
                       <a:r>
-                        <a:rPr kumimoji="0" lang="ko-KR" altLang="en-US" sz="900" b="0" i="0" u="none" strike="noStrike" kern="1200" cap="none" normalizeH="0" baseline="0" dirty="0" err="1" smtClean="0">
+                        <a:rPr kumimoji="0" lang="ko-KR" altLang="en-US" sz="900" b="0" i="0" u="none" strike="noStrike" kern="1200" cap="none" normalizeH="0" baseline="0" dirty="0" err="1">
                           <a:ln>
                             <a:noFill/>
                           </a:ln>
@@ -9526,7 +9526,7 @@
                         <a:tabLst/>
                       </a:pPr>
                       <a:r>
-                        <a:rPr lang="en-US" altLang="ko-KR" sz="900" b="0" kern="1200" dirty="0" smtClean="0">
+                        <a:rPr lang="en-US" altLang="ko-KR" sz="900" b="0" kern="1200" dirty="0">
                           <a:solidFill>
                             <a:schemeClr val="tx1"/>
                           </a:solidFill>
@@ -10268,7 +10268,7 @@
                         <a:tabLst/>
                       </a:pPr>
                       <a:r>
-                        <a:rPr lang="en-US" altLang="ko-KR" sz="900" b="0" kern="1200" dirty="0" smtClean="0">
+                        <a:rPr lang="en-US" altLang="ko-KR" sz="900" b="0" kern="1200" dirty="0">
                           <a:solidFill>
                             <a:schemeClr val="tx1"/>
                           </a:solidFill>
@@ -10966,7 +10966,7 @@
                         <a:tabLst/>
                       </a:pPr>
                       <a:r>
-                        <a:rPr lang="en-US" altLang="ko-KR" sz="900" b="0" kern="1200" dirty="0" smtClean="0">
+                        <a:rPr lang="en-US" altLang="ko-KR" sz="900" b="0" kern="1200" dirty="0">
                           <a:solidFill>
                             <a:schemeClr val="tx1"/>
                           </a:solidFill>
@@ -11694,7 +11694,7 @@
                         <a:tabLst/>
                       </a:pPr>
                       <a:r>
-                        <a:rPr lang="en-US" altLang="ko-KR" sz="900" b="0" kern="1200" dirty="0" smtClean="0">
+                        <a:rPr lang="en-US" altLang="ko-KR" sz="900" b="0" kern="1200" dirty="0">
                           <a:solidFill>
                             <a:schemeClr val="tx1"/>
                           </a:solidFill>
@@ -12437,7 +12437,7 @@
                         <a:tabLst/>
                       </a:pPr>
                       <a:r>
-                        <a:rPr lang="en-US" altLang="ko-KR" sz="900" b="0" kern="1200" dirty="0" smtClean="0">
+                        <a:rPr lang="en-US" altLang="ko-KR" sz="900" b="0" kern="1200" dirty="0">
                           <a:solidFill>
                             <a:schemeClr val="tx1"/>
                           </a:solidFill>
@@ -14120,14 +14120,14 @@
           <p:nvPr>
             <p:extLst>
               <p:ext uri="{D42A27DB-BD31-4B8C-83A1-F6EECF244321}">
-                <p14:modId xmlns:p14="http://schemas.microsoft.com/office/powerpoint/2010/main" val="555325531"/>
+                <p14:modId xmlns:p14="http://schemas.microsoft.com/office/powerpoint/2010/main" val="1572830266"/>
               </p:ext>
             </p:extLst>
           </p:nvPr>
         </p:nvGraphicFramePr>
         <p:xfrm>
           <a:off x="314027" y="1019511"/>
-          <a:ext cx="9318923" cy="2488871"/>
+          <a:ext cx="9318923" cy="2849764"/>
         </p:xfrm>
         <a:graphic>
           <a:graphicData uri="http://schemas.openxmlformats.org/drawingml/2006/table">
@@ -15114,7 +15114,7 @@
                         <a:defRPr/>
                       </a:pPr>
                       <a:r>
-                        <a:rPr kumimoji="1" lang="ko-KR" altLang="en-US" sz="900" b="0" i="0" u="none" strike="noStrike" kern="1200" cap="none" normalizeH="0" baseline="0" dirty="0" err="1" smtClean="0">
+                        <a:rPr kumimoji="1" lang="ko-KR" altLang="en-US" sz="900" b="0" i="0" u="none" strike="noStrike" kern="1200" cap="none" normalizeH="0" baseline="0" dirty="0" err="1">
                           <a:ln>
                             <a:noFill/>
                           </a:ln>
@@ -15211,7 +15211,7 @@
                         <a:defRPr/>
                       </a:pPr>
                       <a:r>
-                        <a:rPr kumimoji="1" lang="ko-KR" altLang="en-US" sz="900" b="0" i="0" u="none" strike="noStrike" kern="1200" cap="none" normalizeH="0" baseline="0" dirty="0" err="1" smtClean="0">
+                        <a:rPr kumimoji="1" lang="ko-KR" altLang="en-US" sz="900" b="0" i="0" u="none" strike="noStrike" kern="1200" cap="none" normalizeH="0" baseline="0" dirty="0" err="1">
                           <a:ln>
                             <a:noFill/>
                           </a:ln>
@@ -15226,7 +15226,7 @@
                         <a:t>롯데렌터카</a:t>
                       </a:r>
                       <a:r>
-                        <a:rPr kumimoji="1" lang="ko-KR" altLang="en-US" sz="900" b="0" i="0" u="none" strike="noStrike" kern="1200" cap="none" normalizeH="0" baseline="0" dirty="0" smtClean="0">
+                        <a:rPr kumimoji="1" lang="ko-KR" altLang="en-US" sz="900" b="0" i="0" u="none" strike="noStrike" kern="1200" cap="none" normalizeH="0" baseline="0" dirty="0">
                           <a:ln>
                             <a:noFill/>
                           </a:ln>
@@ -15322,34 +15322,14 @@
                         <a:tabLst/>
                       </a:pPr>
                       <a:r>
-                        <a:rPr lang="en-US" altLang="ko-KR" sz="900" b="0" kern="1200" dirty="0" smtClean="0">
+                        <a:rPr lang="en-US" altLang="ko-KR" sz="900" b="0" kern="1200" dirty="0">
                           <a:solidFill>
                             <a:schemeClr val="tx1"/>
                           </a:solidFill>
                           <a:latin typeface="나눔고딕" charset="0"/>
                           <a:ea typeface="나눔고딕" charset="0"/>
                         </a:rPr>
-                        <a:t>2019.02 </a:t>
-                      </a:r>
-                      <a:r>
-                        <a:rPr lang="en-US" altLang="ko-KR" sz="900" b="0" kern="1200" dirty="0">
-                          <a:solidFill>
-                            <a:schemeClr val="tx1"/>
-                          </a:solidFill>
-                          <a:latin typeface="나눔고딕" charset="0"/>
-                          <a:ea typeface="나눔고딕" charset="0"/>
-                        </a:rPr>
-                        <a:t>~ </a:t>
-                      </a:r>
-                      <a:r>
-                        <a:rPr lang="en-US" altLang="ko-KR" sz="900" b="0" kern="1200" dirty="0" smtClean="0">
-                          <a:solidFill>
-                            <a:schemeClr val="tx1"/>
-                          </a:solidFill>
-                          <a:latin typeface="나눔고딕" charset="0"/>
-                          <a:ea typeface="나눔고딕" charset="0"/>
-                        </a:rPr>
-                        <a:t>2019.04</a:t>
+                        <a:t>2019.02 ~ 2019.04</a:t>
                       </a:r>
                       <a:endParaRPr kumimoji="0" lang="en-US" altLang="ko-KR" sz="900" b="0" i="0" u="none" strike="noStrike" cap="none" normalizeH="0" baseline="0" dirty="0">
                         <a:ln>
@@ -15525,7 +15505,7 @@
                         <a:tabLst/>
                       </a:pPr>
                       <a:r>
-                        <a:rPr lang="en-US" altLang="ko-KR" sz="900" b="0" kern="1200" dirty="0" smtClean="0">
+                        <a:rPr lang="en-US" altLang="ko-KR" sz="900" b="0" kern="1200" dirty="0">
                           <a:solidFill>
                             <a:schemeClr val="tx1"/>
                           </a:solidFill>
@@ -15631,7 +15611,7 @@
                         <a:t>Html5, css3, </a:t>
                       </a:r>
                       <a:r>
-                        <a:rPr kumimoji="0" lang="en-US" altLang="ko-KR" sz="900" b="0" i="0" u="none" strike="noStrike" kern="1200" cap="none" normalizeH="0" baseline="0" dirty="0" err="1" smtClean="0">
+                        <a:rPr kumimoji="0" lang="en-US" altLang="ko-KR" sz="900" b="0" i="0" u="none" strike="noStrike" kern="1200" cap="none" normalizeH="0" baseline="0" dirty="0" err="1">
                           <a:ln>
                             <a:noFill/>
                           </a:ln>
@@ -15873,7 +15853,7 @@
                         <a:buNone/>
                       </a:pPr>
                       <a:r>
-                        <a:rPr lang="ko-KR" altLang="en-US" sz="900" b="0" kern="1200" dirty="0" smtClean="0">
+                        <a:rPr lang="ko-KR" altLang="en-US" sz="900" b="0" kern="1200" dirty="0">
                           <a:solidFill>
                             <a:schemeClr val="tx1"/>
                           </a:solidFill>
@@ -15882,13 +15862,6 @@
                         </a:rPr>
                         <a:t>현대카드</a:t>
                       </a:r>
-                      <a:endParaRPr lang="ko-KR" altLang="en-US" sz="900" b="0" kern="1200" dirty="0">
-                        <a:solidFill>
-                          <a:schemeClr val="tx1"/>
-                        </a:solidFill>
-                        <a:latin typeface="나눔고딕" charset="0"/>
-                        <a:ea typeface="나눔고딕" charset="0"/>
-                      </a:endParaRPr>
                     </a:p>
                   </a:txBody>
                   <a:tcPr marL="53658" marR="53658" marT="28893" marB="28893" anchor="ctr">
@@ -15956,7 +15929,7 @@
                         <a:buNone/>
                       </a:pPr>
                       <a:r>
-                        <a:rPr lang="ko-KR" altLang="en-US" sz="900" b="0" kern="1200" dirty="0" smtClean="0">
+                        <a:rPr lang="ko-KR" altLang="en-US" sz="900" b="0" kern="1200" dirty="0">
                           <a:solidFill>
                             <a:schemeClr val="tx1"/>
                           </a:solidFill>
@@ -15965,13 +15938,6 @@
                         </a:rPr>
                         <a:t>현대카드 운영</a:t>
                       </a:r>
-                      <a:endParaRPr lang="ko-KR" altLang="en-US" sz="900" b="0" kern="1200" dirty="0">
-                        <a:solidFill>
-                          <a:schemeClr val="tx1"/>
-                        </a:solidFill>
-                        <a:latin typeface="나눔고딕" charset="0"/>
-                        <a:ea typeface="나눔고딕" charset="0"/>
-                      </a:endParaRPr>
                     </a:p>
                   </a:txBody>
                   <a:tcPr marL="53658" marR="53658" marT="28893" marB="28893" anchor="ctr">
@@ -16039,34 +16005,14 @@
                         <a:buNone/>
                       </a:pPr>
                       <a:r>
-                        <a:rPr lang="en-US" altLang="ko-KR" sz="900" b="0" kern="1200" dirty="0" smtClean="0">
+                        <a:rPr lang="en-US" altLang="ko-KR" sz="900" b="0" kern="1200" dirty="0">
                           <a:solidFill>
                             <a:schemeClr val="tx1"/>
                           </a:solidFill>
                           <a:latin typeface="나눔고딕" charset="0"/>
                           <a:ea typeface="나눔고딕" charset="0"/>
                         </a:rPr>
-                        <a:t>2019.05 </a:t>
-                      </a:r>
-                      <a:r>
-                        <a:rPr lang="en-US" altLang="ko-KR" sz="900" b="0" kern="1200" dirty="0">
-                          <a:solidFill>
-                            <a:schemeClr val="tx1"/>
-                          </a:solidFill>
-                          <a:latin typeface="나눔고딕" charset="0"/>
-                          <a:ea typeface="나눔고딕" charset="0"/>
-                        </a:rPr>
-                        <a:t>~ </a:t>
-                      </a:r>
-                      <a:r>
-                        <a:rPr lang="en-US" altLang="ko-KR" sz="900" b="0" kern="1200" dirty="0" smtClean="0">
-                          <a:solidFill>
-                            <a:schemeClr val="tx1"/>
-                          </a:solidFill>
-                          <a:latin typeface="나눔고딕" charset="0"/>
-                          <a:ea typeface="나눔고딕" charset="0"/>
-                        </a:rPr>
-                        <a:t>2019.10</a:t>
+                        <a:t>2019.05 ~ 2019.10</a:t>
                       </a:r>
                       <a:endParaRPr lang="ko-KR" altLang="en-US" sz="900" b="0" kern="1200" dirty="0">
                         <a:solidFill>
@@ -16332,7 +16278,7 @@
                         <a:t>Html5, css3, </a:t>
                       </a:r>
                       <a:r>
-                        <a:rPr kumimoji="0" lang="en-US" altLang="ko-KR" sz="900" b="0" i="0" u="none" strike="noStrike" kern="1200" cap="none" normalizeH="0" baseline="0" dirty="0" err="1" smtClean="0">
+                        <a:rPr kumimoji="0" lang="en-US" altLang="ko-KR" sz="900" b="0" i="0" u="none" strike="noStrike" kern="1200" cap="none" normalizeH="0" baseline="0" dirty="0" err="1">
                           <a:ln>
                             <a:noFill/>
                           </a:ln>
@@ -16347,7 +16293,7 @@
                         <a:t>jquery</a:t>
                       </a:r>
                       <a:r>
-                        <a:rPr kumimoji="0" lang="en-US" altLang="ko-KR" sz="900" b="0" i="0" u="none" strike="noStrike" kern="1200" cap="none" normalizeH="0" baseline="0" dirty="0" smtClean="0">
+                        <a:rPr kumimoji="0" lang="en-US" altLang="ko-KR" sz="900" b="0" i="0" u="none" strike="noStrike" kern="1200" cap="none" normalizeH="0" baseline="0" dirty="0">
                           <a:ln>
                             <a:noFill/>
                           </a:ln>
@@ -16362,7 +16308,7 @@
                         <a:t>, </a:t>
                       </a:r>
                       <a:r>
-                        <a:rPr kumimoji="0" lang="en-US" altLang="ko-KR" sz="900" b="0" i="0" u="none" strike="noStrike" kern="1200" cap="none" normalizeH="0" baseline="0" dirty="0" err="1" smtClean="0">
+                        <a:rPr kumimoji="0" lang="en-US" altLang="ko-KR" sz="900" b="0" i="0" u="none" strike="noStrike" kern="1200" cap="none" normalizeH="0" baseline="0" dirty="0" err="1">
                           <a:ln>
                             <a:noFill/>
                           </a:ln>
@@ -16599,7 +16545,7 @@
                         <a:buNone/>
                       </a:pPr>
                       <a:r>
-                        <a:rPr lang="ko-KR" altLang="en-US" sz="900" b="0" kern="1200" dirty="0" err="1" smtClean="0">
+                        <a:rPr lang="ko-KR" altLang="en-US" sz="900" b="0" kern="1200" dirty="0" err="1">
                           <a:solidFill>
                             <a:srgbClr val="000000"/>
                           </a:solidFill>
@@ -16682,7 +16628,7 @@
                         <a:buNone/>
                       </a:pPr>
                       <a:r>
-                        <a:rPr lang="ko-KR" altLang="en-US" sz="900" b="0" kern="1200" dirty="0" err="1" smtClean="0">
+                        <a:rPr lang="ko-KR" altLang="en-US" sz="900" b="0" kern="1200" dirty="0" err="1">
                           <a:solidFill>
                             <a:srgbClr val="000000"/>
                           </a:solidFill>
@@ -16692,7 +16638,7 @@
                         <a:t>롯데호텔</a:t>
                       </a:r>
                       <a:r>
-                        <a:rPr lang="ko-KR" altLang="en-US" sz="900" b="0" kern="1200" dirty="0" smtClean="0">
+                        <a:rPr lang="ko-KR" altLang="en-US" sz="900" b="0" kern="1200" dirty="0">
                           <a:solidFill>
                             <a:srgbClr val="000000"/>
                           </a:solidFill>
@@ -16702,7 +16648,7 @@
                         <a:t> 아라일 </a:t>
                       </a:r>
                       <a:r>
-                        <a:rPr lang="ko-KR" altLang="en-US" sz="900" b="0" kern="1200" dirty="0" err="1" smtClean="0">
+                        <a:rPr lang="ko-KR" altLang="en-US" sz="900" b="0" kern="1200" dirty="0" err="1">
                           <a:solidFill>
                             <a:srgbClr val="000000"/>
                           </a:solidFill>
@@ -16712,7 +16658,7 @@
                         <a:t>리조트</a:t>
                       </a:r>
                       <a:r>
-                        <a:rPr lang="ko-KR" altLang="en-US" sz="900" b="0" kern="1200" dirty="0" smtClean="0">
+                        <a:rPr lang="ko-KR" altLang="en-US" sz="900" b="0" kern="1200" dirty="0">
                           <a:solidFill>
                             <a:srgbClr val="000000"/>
                           </a:solidFill>
@@ -16721,13 +16667,6 @@
                         </a:rPr>
                         <a:t> 웹진 구축</a:t>
                       </a:r>
-                      <a:endParaRPr lang="ko-KR" altLang="en-US" sz="900" b="0" kern="1200" dirty="0">
-                        <a:solidFill>
-                          <a:srgbClr val="000000"/>
-                        </a:solidFill>
-                        <a:latin typeface="나눔고딕" charset="0"/>
-                        <a:ea typeface="나눔고딕" charset="0"/>
-                      </a:endParaRPr>
                     </a:p>
                   </a:txBody>
                   <a:tcPr marL="26829" marR="26829" marT="28893" marB="28893" anchor="ctr">
@@ -16799,34 +16738,14 @@
                         <a:defRPr/>
                       </a:pPr>
                       <a:r>
-                        <a:rPr lang="en-US" altLang="ko-KR" sz="900" b="0" kern="1200" dirty="0" smtClean="0">
+                        <a:rPr lang="en-US" altLang="ko-KR" sz="900" b="0" kern="1200" dirty="0">
                           <a:solidFill>
                             <a:schemeClr val="tx1"/>
                           </a:solidFill>
                           <a:latin typeface="나눔고딕" charset="0"/>
                           <a:ea typeface="나눔고딕" charset="0"/>
                         </a:rPr>
-                        <a:t>2019.11 </a:t>
-                      </a:r>
-                      <a:r>
-                        <a:rPr lang="en-US" altLang="ko-KR" sz="900" b="0" kern="1200" dirty="0">
-                          <a:solidFill>
-                            <a:schemeClr val="tx1"/>
-                          </a:solidFill>
-                          <a:latin typeface="나눔고딕" charset="0"/>
-                          <a:ea typeface="나눔고딕" charset="0"/>
-                        </a:rPr>
-                        <a:t>~ </a:t>
-                      </a:r>
-                      <a:r>
-                        <a:rPr lang="en-US" altLang="ko-KR" sz="900" b="0" kern="1200" dirty="0" smtClean="0">
-                          <a:solidFill>
-                            <a:schemeClr val="tx1"/>
-                          </a:solidFill>
-                          <a:latin typeface="나눔고딕" charset="0"/>
-                          <a:ea typeface="나눔고딕" charset="0"/>
-                        </a:rPr>
-                        <a:t>2019.12</a:t>
+                        <a:t>2019.11 ~ 2019.12</a:t>
                       </a:r>
                       <a:endParaRPr lang="ko-KR" altLang="en-US" sz="900" b="0" kern="1200" dirty="0">
                         <a:solidFill>
@@ -16994,7 +16913,7 @@
                         <a:buNone/>
                       </a:pPr>
                       <a:r>
-                        <a:rPr lang="en-US" altLang="ko-KR" sz="900" b="0" kern="1200" dirty="0" smtClean="0">
+                        <a:rPr lang="en-US" altLang="ko-KR" sz="900" b="0" kern="1200" dirty="0">
                           <a:solidFill>
                             <a:schemeClr val="tx1"/>
                           </a:solidFill>
@@ -17092,7 +17011,7 @@
                         <a:t>Html5, css3, </a:t>
                       </a:r>
                       <a:r>
-                        <a:rPr kumimoji="0" lang="en-US" altLang="ko-KR" sz="900" b="0" i="0" u="none" strike="noStrike" kern="1200" cap="none" normalizeH="0" baseline="0" dirty="0" err="1" smtClean="0">
+                        <a:rPr kumimoji="0" lang="en-US" altLang="ko-KR" sz="900" b="0" i="0" u="none" strike="noStrike" kern="1200" cap="none" normalizeH="0" baseline="0" dirty="0" err="1">
                           <a:ln>
                             <a:noFill/>
                           </a:ln>
@@ -17107,7 +17026,7 @@
                         <a:t>jquery</a:t>
                       </a:r>
                       <a:r>
-                        <a:rPr kumimoji="0" lang="en-US" altLang="ko-KR" sz="900" b="0" i="0" u="none" strike="noStrike" kern="1200" cap="none" normalizeH="0" baseline="0" dirty="0" smtClean="0">
+                        <a:rPr kumimoji="0" lang="en-US" altLang="ko-KR" sz="900" b="0" i="0" u="none" strike="noStrike" kern="1200" cap="none" normalizeH="0" baseline="0" dirty="0">
                           <a:ln>
                             <a:noFill/>
                           </a:ln>
@@ -17122,7 +17041,7 @@
                         <a:t>, </a:t>
                       </a:r>
                       <a:r>
-                        <a:rPr kumimoji="0" lang="en-US" altLang="ko-KR" sz="900" b="0" i="0" u="none" strike="noStrike" kern="1200" cap="none" normalizeH="0" baseline="0" dirty="0" err="1" smtClean="0">
+                        <a:rPr kumimoji="0" lang="en-US" altLang="ko-KR" sz="900" b="0" i="0" u="none" strike="noStrike" kern="1200" cap="none" normalizeH="0" baseline="0" dirty="0" err="1">
                           <a:ln>
                             <a:noFill/>
                           </a:ln>
@@ -17137,7 +17056,7 @@
                         <a:t>svn</a:t>
                       </a:r>
                       <a:r>
-                        <a:rPr kumimoji="0" lang="en-US" altLang="ko-KR" sz="900" b="0" i="0" u="none" strike="noStrike" kern="1200" cap="none" normalizeH="0" baseline="0" dirty="0" smtClean="0">
+                        <a:rPr kumimoji="0" lang="en-US" altLang="ko-KR" sz="900" b="0" i="0" u="none" strike="noStrike" kern="1200" cap="none" normalizeH="0" baseline="0" dirty="0">
                           <a:ln>
                             <a:noFill/>
                           </a:ln>
@@ -17152,7 +17071,7 @@
                         <a:t>, </a:t>
                       </a:r>
                       <a:r>
-                        <a:rPr kumimoji="0" lang="en-US" altLang="ko-KR" sz="900" b="0" i="0" u="none" strike="noStrike" kern="1200" cap="none" normalizeH="0" baseline="0" dirty="0" err="1" smtClean="0">
+                        <a:rPr kumimoji="0" lang="en-US" altLang="ko-KR" sz="900" b="0" i="0" u="none" strike="noStrike" kern="1200" cap="none" normalizeH="0" baseline="0" dirty="0" err="1">
                           <a:ln>
                             <a:noFill/>
                           </a:ln>
@@ -17251,7 +17170,7 @@
                         <a:defRPr/>
                       </a:pPr>
                       <a:r>
-                        <a:rPr kumimoji="1" lang="en-US" altLang="ko-KR" sz="900" b="0" i="0" u="none" strike="noStrike" kern="1200" cap="none" normalizeH="0" baseline="0" dirty="0" smtClean="0">
+                        <a:rPr kumimoji="1" lang="en-US" altLang="ko-KR" sz="900" b="0" i="0" u="none" strike="noStrike" kern="1200" cap="none" normalizeH="0" baseline="0" dirty="0">
                           <a:ln>
                             <a:noFill/>
                           </a:ln>
@@ -17266,7 +17185,7 @@
                         <a:t>(</a:t>
                       </a:r>
                       <a:r>
-                        <a:rPr kumimoji="1" lang="ko-KR" altLang="en-US" sz="900" b="0" i="0" u="none" strike="noStrike" kern="1200" cap="none" normalizeH="0" baseline="0" dirty="0" smtClean="0">
+                        <a:rPr kumimoji="1" lang="ko-KR" altLang="en-US" sz="900" b="0" i="0" u="none" strike="noStrike" kern="1200" cap="none" normalizeH="0" baseline="0" dirty="0">
                           <a:ln>
                             <a:noFill/>
                           </a:ln>
@@ -17281,7 +17200,7 @@
                         <a:t>주</a:t>
                       </a:r>
                       <a:r>
-                        <a:rPr kumimoji="1" lang="en-US" altLang="ko-KR" sz="900" b="0" i="0" u="none" strike="noStrike" kern="1200" cap="none" normalizeH="0" baseline="0" dirty="0" smtClean="0">
+                        <a:rPr kumimoji="1" lang="en-US" altLang="ko-KR" sz="900" b="0" i="0" u="none" strike="noStrike" kern="1200" cap="none" normalizeH="0" baseline="0" dirty="0">
                           <a:ln>
                             <a:noFill/>
                           </a:ln>
@@ -17296,7 +17215,7 @@
                         <a:t>)</a:t>
                       </a:r>
                       <a:r>
-                        <a:rPr kumimoji="1" lang="ko-KR" altLang="en-US" sz="900" b="0" i="0" u="none" strike="noStrike" kern="1200" cap="none" normalizeH="0" baseline="0" dirty="0" err="1" smtClean="0">
+                        <a:rPr kumimoji="1" lang="ko-KR" altLang="en-US" sz="900" b="0" i="0" u="none" strike="noStrike" kern="1200" cap="none" normalizeH="0" baseline="0" dirty="0" err="1">
                           <a:ln>
                             <a:noFill/>
                           </a:ln>
@@ -17389,7 +17308,7 @@
                         <a:buNone/>
                       </a:pPr>
                       <a:r>
-                        <a:rPr lang="ko-KR" altLang="en-US" sz="900" b="0" kern="1200" dirty="0" smtClean="0">
+                        <a:rPr lang="ko-KR" altLang="en-US" sz="900" b="0" kern="1200" dirty="0">
                           <a:solidFill>
                             <a:srgbClr val="000000"/>
                           </a:solidFill>
@@ -17398,13 +17317,6 @@
                         </a:rPr>
                         <a:t>현대백화점</a:t>
                       </a:r>
-                      <a:endParaRPr lang="ko-KR" altLang="en-US" sz="900" b="0" kern="1200" dirty="0">
-                        <a:solidFill>
-                          <a:srgbClr val="000000"/>
-                        </a:solidFill>
-                        <a:latin typeface="나눔고딕" charset="0"/>
-                        <a:ea typeface="나눔고딕" charset="0"/>
-                      </a:endParaRPr>
                     </a:p>
                   </a:txBody>
                   <a:tcPr marL="26829" marR="26829" marT="28893" marB="28893" anchor="ctr">
@@ -17472,7 +17384,7 @@
                         <a:buNone/>
                       </a:pPr>
                       <a:r>
-                        <a:rPr lang="ko-KR" altLang="en-US" sz="900" b="0" kern="1200" dirty="0" err="1" smtClean="0">
+                        <a:rPr lang="ko-KR" altLang="en-US" sz="900" b="0" kern="1200" dirty="0" err="1">
                           <a:solidFill>
                             <a:srgbClr val="000000"/>
                           </a:solidFill>
@@ -17482,7 +17394,7 @@
                         <a:t>현대식품관</a:t>
                       </a:r>
                       <a:r>
-                        <a:rPr lang="ko-KR" altLang="en-US" sz="900" b="0" kern="1200" dirty="0" smtClean="0">
+                        <a:rPr lang="ko-KR" altLang="en-US" sz="900" b="0" kern="1200" dirty="0">
                           <a:solidFill>
                             <a:srgbClr val="000000"/>
                           </a:solidFill>
@@ -17492,7 +17404,7 @@
                         <a:t> </a:t>
                       </a:r>
                       <a:r>
-                        <a:rPr lang="ko-KR" altLang="en-US" sz="900" b="0" kern="1200" dirty="0" err="1" smtClean="0">
+                        <a:rPr lang="ko-KR" altLang="en-US" sz="900" b="0" kern="1200" dirty="0" err="1">
                           <a:solidFill>
                             <a:srgbClr val="000000"/>
                           </a:solidFill>
@@ -17502,7 +17414,7 @@
                         <a:t>투홈</a:t>
                       </a:r>
                       <a:r>
-                        <a:rPr lang="ko-KR" altLang="en-US" sz="900" b="0" kern="1200" dirty="0" smtClean="0">
+                        <a:rPr lang="ko-KR" altLang="en-US" sz="900" b="0" kern="1200" dirty="0">
                           <a:solidFill>
                             <a:srgbClr val="000000"/>
                           </a:solidFill>
@@ -17511,13 +17423,6 @@
                         </a:rPr>
                         <a:t> 구축</a:t>
                       </a:r>
-                      <a:endParaRPr lang="ko-KR" altLang="en-US" sz="900" b="0" kern="1200" dirty="0">
-                        <a:solidFill>
-                          <a:srgbClr val="000000"/>
-                        </a:solidFill>
-                        <a:latin typeface="나눔고딕" charset="0"/>
-                        <a:ea typeface="나눔고딕" charset="0"/>
-                      </a:endParaRPr>
                     </a:p>
                   </a:txBody>
                   <a:tcPr marL="26829" marR="26829" marT="28893" marB="28893" anchor="ctr">
@@ -17589,26 +17494,16 @@
                         <a:defRPr/>
                       </a:pPr>
                       <a:r>
-                        <a:rPr lang="en-US" altLang="ko-KR" sz="900" b="0" kern="1200" dirty="0" smtClean="0">
+                        <a:rPr lang="en-US" altLang="ko-KR" sz="900" b="0" kern="1200" dirty="0">
                           <a:solidFill>
                             <a:schemeClr val="tx1"/>
                           </a:solidFill>
                           <a:latin typeface="나눔고딕" charset="0"/>
                           <a:ea typeface="나눔고딕" charset="0"/>
                         </a:rPr>
-                        <a:t>2020.01 ~ </a:t>
-                      </a:r>
-                      <a:r>
-                        <a:rPr lang="en-US" altLang="ko-KR" sz="900" b="0" kern="1200" dirty="0" smtClean="0">
-                          <a:solidFill>
-                            <a:schemeClr val="tx1"/>
-                          </a:solidFill>
-                          <a:latin typeface="나눔고딕" charset="0"/>
-                          <a:ea typeface="나눔고딕" charset="0"/>
-                        </a:rPr>
-                        <a:t>2020.07</a:t>
-                      </a:r>
-                      <a:endParaRPr lang="ko-KR" altLang="en-US" sz="900" b="0" kern="1200" dirty="0" smtClean="0">
+                        <a:t>2020.01 ~ 2020.07</a:t>
+                      </a:r>
+                      <a:endParaRPr lang="ko-KR" altLang="en-US" sz="900" b="0" kern="1200" dirty="0">
                         <a:solidFill>
                           <a:schemeClr val="tx1"/>
                         </a:solidFill>
@@ -17686,7 +17581,7 @@
                         <a:defRPr/>
                       </a:pPr>
                       <a:r>
-                        <a:rPr kumimoji="0" lang="ko-KR" altLang="en-US" sz="900" b="0" i="0" u="none" strike="noStrike" kern="1200" cap="none" normalizeH="0" baseline="0" dirty="0" smtClean="0">
+                        <a:rPr kumimoji="0" lang="ko-KR" altLang="en-US" sz="900" b="0" i="0" u="none" strike="noStrike" kern="1200" cap="none" normalizeH="0" baseline="0" dirty="0">
                           <a:ln>
                             <a:noFill/>
                           </a:ln>
@@ -17774,7 +17669,7 @@
                         <a:buNone/>
                       </a:pPr>
                       <a:r>
-                        <a:rPr lang="en-US" altLang="ko-KR" sz="900" b="0" kern="1200" dirty="0" smtClean="0">
+                        <a:rPr lang="en-US" altLang="ko-KR" sz="900" b="0" kern="1200" dirty="0">
                           <a:solidFill>
                             <a:schemeClr val="tx1"/>
                           </a:solidFill>
@@ -17857,7 +17752,7 @@
                         <a:buNone/>
                       </a:pPr>
                       <a:r>
-                        <a:rPr kumimoji="0" lang="en-US" altLang="ko-KR" sz="900" b="0" i="0" u="none" strike="noStrike" kern="1200" cap="none" normalizeH="0" baseline="0" dirty="0" smtClean="0">
+                        <a:rPr kumimoji="0" lang="en-US" altLang="ko-KR" sz="900" b="0" i="0" u="none" strike="noStrike" kern="1200" cap="none" normalizeH="0" baseline="0" dirty="0">
                           <a:ln>
                             <a:noFill/>
                           </a:ln>
@@ -17872,7 +17767,7 @@
                         <a:t>Html5, css3, </a:t>
                       </a:r>
                       <a:r>
-                        <a:rPr kumimoji="0" lang="en-US" altLang="ko-KR" sz="900" b="0" i="0" u="none" strike="noStrike" kern="1200" cap="none" normalizeH="0" baseline="0" dirty="0" err="1" smtClean="0">
+                        <a:rPr kumimoji="0" lang="en-US" altLang="ko-KR" sz="900" b="0" i="0" u="none" strike="noStrike" kern="1200" cap="none" normalizeH="0" baseline="0" dirty="0" err="1">
                           <a:ln>
                             <a:noFill/>
                           </a:ln>
@@ -17887,7 +17782,7 @@
                         <a:t>jquery</a:t>
                       </a:r>
                       <a:r>
-                        <a:rPr kumimoji="0" lang="en-US" altLang="ko-KR" sz="900" b="0" i="0" u="none" strike="noStrike" kern="1200" cap="none" normalizeH="0" baseline="0" dirty="0" smtClean="0">
+                        <a:rPr kumimoji="0" lang="en-US" altLang="ko-KR" sz="900" b="0" i="0" u="none" strike="noStrike" kern="1200" cap="none" normalizeH="0" baseline="0" dirty="0">
                           <a:ln>
                             <a:noFill/>
                           </a:ln>
@@ -17902,7 +17797,7 @@
                         <a:t>, </a:t>
                       </a:r>
                       <a:r>
-                        <a:rPr kumimoji="0" lang="en-US" altLang="ko-KR" sz="900" b="0" i="0" u="none" strike="noStrike" kern="1200" cap="none" normalizeH="0" baseline="0" dirty="0" err="1" smtClean="0">
+                        <a:rPr kumimoji="0" lang="en-US" altLang="ko-KR" sz="900" b="0" i="0" u="none" strike="noStrike" kern="1200" cap="none" normalizeH="0" baseline="0" dirty="0" err="1">
                           <a:ln>
                             <a:noFill/>
                           </a:ln>
@@ -18001,7 +17896,7 @@
                         <a:defRPr/>
                       </a:pPr>
                       <a:r>
-                        <a:rPr kumimoji="1" lang="en-US" altLang="ko-KR" sz="900" b="0" i="0" u="none" strike="noStrike" kern="1200" cap="none" normalizeH="0" baseline="0" dirty="0" smtClean="0">
+                        <a:rPr kumimoji="1" lang="en-US" altLang="ko-KR" sz="900" b="0" i="0" u="none" strike="noStrike" kern="1200" cap="none" normalizeH="0" baseline="0" dirty="0">
                           <a:ln>
                             <a:noFill/>
                           </a:ln>
@@ -18016,7 +17911,7 @@
                         <a:t>(</a:t>
                       </a:r>
                       <a:r>
-                        <a:rPr kumimoji="1" lang="ko-KR" altLang="en-US" sz="900" b="0" i="0" u="none" strike="noStrike" kern="1200" cap="none" normalizeH="0" baseline="0" dirty="0" smtClean="0">
+                        <a:rPr kumimoji="1" lang="ko-KR" altLang="en-US" sz="900" b="0" i="0" u="none" strike="noStrike" kern="1200" cap="none" normalizeH="0" baseline="0" dirty="0">
                           <a:ln>
                             <a:noFill/>
                           </a:ln>
@@ -18031,7 +17926,7 @@
                         <a:t>주</a:t>
                       </a:r>
                       <a:r>
-                        <a:rPr kumimoji="1" lang="en-US" altLang="ko-KR" sz="900" b="0" i="0" u="none" strike="noStrike" kern="1200" cap="none" normalizeH="0" baseline="0" dirty="0" smtClean="0">
+                        <a:rPr kumimoji="1" lang="en-US" altLang="ko-KR" sz="900" b="0" i="0" u="none" strike="noStrike" kern="1200" cap="none" normalizeH="0" baseline="0" dirty="0">
                           <a:ln>
                             <a:noFill/>
                           </a:ln>
@@ -18046,7 +17941,7 @@
                         <a:t>)</a:t>
                       </a:r>
                       <a:r>
-                        <a:rPr kumimoji="1" lang="ko-KR" altLang="en-US" sz="900" b="0" i="0" u="none" strike="noStrike" kern="1200" cap="none" normalizeH="0" baseline="0" dirty="0" err="1" smtClean="0">
+                        <a:rPr kumimoji="1" lang="ko-KR" altLang="en-US" sz="900" b="0" i="0" u="none" strike="noStrike" kern="1200" cap="none" normalizeH="0" baseline="0" dirty="0" err="1">
                           <a:ln>
                             <a:noFill/>
                           </a:ln>
@@ -18139,7 +18034,7 @@
                         <a:buNone/>
                       </a:pPr>
                       <a:r>
-                        <a:rPr lang="ko-KR" altLang="en-US" sz="900" b="0" kern="1200" dirty="0" smtClean="0">
+                        <a:rPr lang="ko-KR" altLang="en-US" sz="900" b="0" kern="1200" dirty="0">
                           <a:solidFill>
                             <a:srgbClr val="000000"/>
                           </a:solidFill>
@@ -18149,7 +18044,7 @@
                         <a:t>키움</a:t>
                       </a:r>
                       <a:r>
-                        <a:rPr lang="en-US" altLang="ko-KR" sz="900" b="0" kern="1200" dirty="0" smtClean="0">
+                        <a:rPr lang="en-US" altLang="ko-KR" sz="900" b="0" kern="1200" dirty="0">
                           <a:solidFill>
                             <a:srgbClr val="000000"/>
                           </a:solidFill>
@@ -18159,7 +18054,7 @@
                         <a:t>YES</a:t>
                       </a:r>
                       <a:r>
-                        <a:rPr lang="ko-KR" altLang="en-US" sz="900" b="0" kern="1200" dirty="0" smtClean="0">
+                        <a:rPr lang="ko-KR" altLang="en-US" sz="900" b="0" kern="1200" dirty="0">
                           <a:solidFill>
                             <a:srgbClr val="000000"/>
                           </a:solidFill>
@@ -18168,13 +18063,6 @@
                         </a:rPr>
                         <a:t>저축은행</a:t>
                       </a:r>
-                      <a:endParaRPr lang="ko-KR" altLang="en-US" sz="900" b="0" kern="1200" dirty="0">
-                        <a:solidFill>
-                          <a:srgbClr val="000000"/>
-                        </a:solidFill>
-                        <a:latin typeface="나눔고딕" charset="0"/>
-                        <a:ea typeface="나눔고딕" charset="0"/>
-                      </a:endParaRPr>
                     </a:p>
                   </a:txBody>
                   <a:tcPr marL="26829" marR="26829" marT="28893" marB="28893" anchor="ctr">
@@ -18242,7 +18130,7 @@
                         <a:buNone/>
                       </a:pPr>
                       <a:r>
-                        <a:rPr lang="ko-KR" altLang="en-US" sz="900" b="0" kern="1200" dirty="0" smtClean="0">
+                        <a:rPr lang="ko-KR" altLang="en-US" sz="900" b="0" kern="1200" dirty="0">
                           <a:solidFill>
                             <a:srgbClr val="000000"/>
                           </a:solidFill>
@@ -18252,7 +18140,7 @@
                         <a:t>키움</a:t>
                       </a:r>
                       <a:r>
-                        <a:rPr lang="en-US" altLang="ko-KR" sz="900" b="0" kern="1200" dirty="0" smtClean="0">
+                        <a:rPr lang="en-US" altLang="ko-KR" sz="900" b="0" kern="1200" dirty="0">
                           <a:solidFill>
                             <a:srgbClr val="000000"/>
                           </a:solidFill>
@@ -18262,7 +18150,7 @@
                         <a:t>YES</a:t>
                       </a:r>
                       <a:r>
-                        <a:rPr lang="ko-KR" altLang="en-US" sz="900" b="0" kern="1200" dirty="0" smtClean="0">
+                        <a:rPr lang="ko-KR" altLang="en-US" sz="900" b="0" kern="1200" dirty="0">
                           <a:solidFill>
                             <a:srgbClr val="000000"/>
                           </a:solidFill>
@@ -18272,7 +18160,7 @@
                         <a:t>저축은행 </a:t>
                       </a:r>
                       <a:r>
-                        <a:rPr lang="ko-KR" altLang="en-US" sz="900" b="0" kern="1200" dirty="0" err="1" smtClean="0">
+                        <a:rPr lang="ko-KR" altLang="en-US" sz="900" b="0" kern="1200" dirty="0" err="1">
                           <a:solidFill>
                             <a:srgbClr val="000000"/>
                           </a:solidFill>
@@ -18282,7 +18170,7 @@
                         <a:t>모바일앱</a:t>
                       </a:r>
                       <a:r>
-                        <a:rPr lang="ko-KR" altLang="en-US" sz="900" b="0" kern="1200" dirty="0" smtClean="0">
+                        <a:rPr lang="ko-KR" altLang="en-US" sz="900" b="0" kern="1200" dirty="0">
                           <a:solidFill>
                             <a:srgbClr val="000000"/>
                           </a:solidFill>
@@ -18291,13 +18179,6 @@
                         </a:rPr>
                         <a:t> 구축</a:t>
                       </a:r>
-                      <a:endParaRPr lang="ko-KR" altLang="en-US" sz="900" b="0" kern="1200" dirty="0">
-                        <a:solidFill>
-                          <a:srgbClr val="000000"/>
-                        </a:solidFill>
-                        <a:latin typeface="나눔고딕" charset="0"/>
-                        <a:ea typeface="나눔고딕" charset="0"/>
-                      </a:endParaRPr>
                     </a:p>
                   </a:txBody>
                   <a:tcPr marL="26829" marR="26829" marT="28893" marB="28893" anchor="ctr">
@@ -18369,7 +18250,7 @@
                         <a:defRPr/>
                       </a:pPr>
                       <a:r>
-                        <a:rPr lang="en-US" altLang="ko-KR" sz="900" b="0" kern="1200" dirty="0" smtClean="0">
+                        <a:rPr lang="en-US" altLang="ko-KR" sz="900" b="0" kern="1200" dirty="0">
                           <a:solidFill>
                             <a:schemeClr val="tx1"/>
                           </a:solidFill>
@@ -18378,7 +18259,7 @@
                         </a:rPr>
                         <a:t>2020.08 ~ 2020.09</a:t>
                       </a:r>
-                      <a:endParaRPr lang="ko-KR" altLang="en-US" sz="900" b="0" kern="1200" dirty="0" smtClean="0">
+                      <a:endParaRPr lang="ko-KR" altLang="en-US" sz="900" b="0" kern="1200" dirty="0">
                         <a:solidFill>
                           <a:schemeClr val="tx1"/>
                         </a:solidFill>
@@ -18456,7 +18337,7 @@
                         <a:defRPr/>
                       </a:pPr>
                       <a:r>
-                        <a:rPr kumimoji="0" lang="ko-KR" altLang="en-US" sz="900" b="0" i="0" u="none" strike="noStrike" kern="1200" cap="none" normalizeH="0" baseline="0" dirty="0" smtClean="0">
+                        <a:rPr kumimoji="0" lang="ko-KR" altLang="en-US" sz="900" b="0" i="0" u="none" strike="noStrike" kern="1200" cap="none" normalizeH="0" baseline="0" dirty="0">
                           <a:ln>
                             <a:noFill/>
                           </a:ln>
@@ -18544,7 +18425,7 @@
                         <a:buNone/>
                       </a:pPr>
                       <a:r>
-                        <a:rPr lang="en-US" altLang="ko-KR" sz="900" b="0" kern="1200" dirty="0" smtClean="0">
+                        <a:rPr lang="en-US" altLang="ko-KR" sz="900" b="0" kern="1200" dirty="0">
                           <a:solidFill>
                             <a:schemeClr val="tx1"/>
                           </a:solidFill>
@@ -18627,7 +18508,7 @@
                         <a:buNone/>
                       </a:pPr>
                       <a:r>
-                        <a:rPr kumimoji="0" lang="en-US" altLang="ko-KR" sz="900" b="0" i="0" u="none" strike="noStrike" kern="1200" cap="none" normalizeH="0" baseline="0" dirty="0" smtClean="0">
+                        <a:rPr kumimoji="0" lang="en-US" altLang="ko-KR" sz="900" b="0" i="0" u="none" strike="noStrike" kern="1200" cap="none" normalizeH="0" baseline="0" dirty="0">
                           <a:ln>
                             <a:noFill/>
                           </a:ln>
@@ -18642,7 +18523,7 @@
                         <a:t>Html5, css3, </a:t>
                       </a:r>
                       <a:r>
-                        <a:rPr kumimoji="0" lang="en-US" altLang="ko-KR" sz="900" b="0" i="0" u="none" strike="noStrike" kern="1200" cap="none" normalizeH="0" baseline="0" dirty="0" err="1" smtClean="0">
+                        <a:rPr kumimoji="0" lang="en-US" altLang="ko-KR" sz="900" b="0" i="0" u="none" strike="noStrike" kern="1200" cap="none" normalizeH="0" baseline="0" dirty="0" err="1">
                           <a:ln>
                             <a:noFill/>
                           </a:ln>
@@ -18657,7 +18538,7 @@
                         <a:t>jquery</a:t>
                       </a:r>
                       <a:r>
-                        <a:rPr kumimoji="0" lang="en-US" altLang="ko-KR" sz="900" b="0" i="0" u="none" strike="noStrike" kern="1200" cap="none" normalizeH="0" baseline="0" dirty="0" smtClean="0">
+                        <a:rPr kumimoji="0" lang="en-US" altLang="ko-KR" sz="900" b="0" i="0" u="none" strike="noStrike" kern="1200" cap="none" normalizeH="0" baseline="0" dirty="0">
                           <a:ln>
                             <a:noFill/>
                           </a:ln>
@@ -18729,6 +18610,702 @@
                 <a:extLst>
                   <a:ext uri="{0D108BD9-81ED-4DB2-BD59-A6C34878D82A}">
                     <a16:rowId xmlns:a16="http://schemas.microsoft.com/office/drawing/2014/main" val="1050933217"/>
+                  </a:ext>
+                </a:extLst>
+              </a:tr>
+              <a:tr h="360893">
+                <a:tc>
+                  <a:txBody>
+                    <a:bodyPr/>
+                    <a:lstStyle/>
+                    <a:p>
+                      <a:pPr marL="0" marR="0" lvl="0" indent="0" algn="ctr" defTabSz="914400" rtl="0" eaLnBrk="1" fontAlgn="base" latinLnBrk="1" hangingPunct="1">
+                        <a:lnSpc>
+                          <a:spcPts val="1200"/>
+                        </a:lnSpc>
+                        <a:spcBef>
+                          <a:spcPts val="0"/>
+                        </a:spcBef>
+                        <a:spcAft>
+                          <a:spcPts val="0"/>
+                        </a:spcAft>
+                        <a:buClrTx/>
+                        <a:buSzTx/>
+                        <a:buFontTx/>
+                        <a:buNone/>
+                        <a:tabLst/>
+                        <a:defRPr/>
+                      </a:pPr>
+                      <a:r>
+                        <a:rPr kumimoji="1" lang="en-US" altLang="ko-KR" sz="900" b="0" i="0" u="none" strike="noStrike" kern="1200" cap="none" normalizeH="0" baseline="0" dirty="0">
+                          <a:ln>
+                            <a:noFill/>
+                          </a:ln>
+                          <a:solidFill>
+                            <a:schemeClr val="tx1"/>
+                          </a:solidFill>
+                          <a:effectLst/>
+                          <a:latin typeface="+mn-lt"/>
+                          <a:ea typeface="나눔고딕" pitchFamily="50" charset="-127"/>
+                          <a:cs typeface="+mn-cs"/>
+                        </a:rPr>
+                        <a:t>(</a:t>
+                      </a:r>
+                      <a:r>
+                        <a:rPr kumimoji="1" lang="ko-KR" altLang="en-US" sz="900" b="0" i="0" u="none" strike="noStrike" kern="1200" cap="none" normalizeH="0" baseline="0" dirty="0">
+                          <a:ln>
+                            <a:noFill/>
+                          </a:ln>
+                          <a:solidFill>
+                            <a:schemeClr val="tx1"/>
+                          </a:solidFill>
+                          <a:effectLst/>
+                          <a:latin typeface="+mn-lt"/>
+                          <a:ea typeface="나눔고딕" pitchFamily="50" charset="-127"/>
+                          <a:cs typeface="+mn-cs"/>
+                        </a:rPr>
+                        <a:t>주</a:t>
+                      </a:r>
+                      <a:r>
+                        <a:rPr kumimoji="1" lang="en-US" altLang="ko-KR" sz="900" b="0" i="0" u="none" strike="noStrike" kern="1200" cap="none" normalizeH="0" baseline="0" dirty="0">
+                          <a:ln>
+                            <a:noFill/>
+                          </a:ln>
+                          <a:solidFill>
+                            <a:schemeClr val="tx1"/>
+                          </a:solidFill>
+                          <a:effectLst/>
+                          <a:latin typeface="+mn-lt"/>
+                          <a:ea typeface="나눔고딕" pitchFamily="50" charset="-127"/>
+                          <a:cs typeface="+mn-cs"/>
+                        </a:rPr>
+                        <a:t>)</a:t>
+                      </a:r>
+                      <a:r>
+                        <a:rPr kumimoji="1" lang="ko-KR" altLang="en-US" sz="900" b="0" i="0" u="none" strike="noStrike" kern="1200" cap="none" normalizeH="0" baseline="0" dirty="0">
+                          <a:ln>
+                            <a:noFill/>
+                          </a:ln>
+                          <a:solidFill>
+                            <a:schemeClr val="tx1"/>
+                          </a:solidFill>
+                          <a:effectLst/>
+                          <a:latin typeface="+mn-lt"/>
+                          <a:ea typeface="나눔고딕" pitchFamily="50" charset="-127"/>
+                          <a:cs typeface="+mn-cs"/>
+                        </a:rPr>
+                        <a:t>유엔아이컴퍼니</a:t>
+                      </a:r>
+                      <a:endParaRPr kumimoji="1" lang="en-US" altLang="ko-KR" sz="900" b="0" i="0" u="none" strike="noStrike" kern="1200" cap="none" normalizeH="0" baseline="0" dirty="0">
+                        <a:ln>
+                          <a:noFill/>
+                        </a:ln>
+                        <a:solidFill>
+                          <a:schemeClr val="tx1"/>
+                        </a:solidFill>
+                        <a:effectLst/>
+                        <a:latin typeface="+mn-lt"/>
+                        <a:ea typeface="나눔고딕" pitchFamily="50" charset="-127"/>
+                        <a:cs typeface="+mn-cs"/>
+                      </a:endParaRPr>
+                    </a:p>
+                  </a:txBody>
+                  <a:tcPr marL="13414" marR="13414" marT="15994" marB="15994" anchor="ctr">
+                    <a:lnL w="3175" cap="flat" cmpd="sng" algn="ctr">
+                      <a:solidFill>
+                        <a:schemeClr val="tx1"/>
+                      </a:solidFill>
+                      <a:prstDash val="solid"/>
+                      <a:round/>
+                      <a:headEnd type="none" w="med" len="med"/>
+                      <a:tailEnd type="none" w="med" len="med"/>
+                    </a:lnL>
+                    <a:lnR w="3175" cap="flat" cmpd="sng" algn="ctr">
+                      <a:solidFill>
+                        <a:schemeClr val="tx1"/>
+                      </a:solidFill>
+                      <a:prstDash val="solid"/>
+                      <a:round/>
+                      <a:headEnd type="none" w="med" len="med"/>
+                      <a:tailEnd type="none" w="med" len="med"/>
+                    </a:lnR>
+                    <a:lnT w="3175" cap="flat" cmpd="sng" algn="ctr">
+                      <a:solidFill>
+                        <a:schemeClr val="tx1"/>
+                      </a:solidFill>
+                      <a:prstDash val="solid"/>
+                      <a:round/>
+                      <a:headEnd type="none" w="med" len="med"/>
+                      <a:tailEnd type="none" w="med" len="med"/>
+                    </a:lnT>
+                    <a:lnB w="3175" cap="flat" cmpd="sng" algn="ctr">
+                      <a:solidFill>
+                        <a:schemeClr val="tx1"/>
+                      </a:solidFill>
+                      <a:prstDash val="solid"/>
+                      <a:round/>
+                      <a:headEnd type="none" w="med" len="med"/>
+                      <a:tailEnd type="none" w="med" len="med"/>
+                    </a:lnB>
+                    <a:lnTlToBr>
+                      <a:noFill/>
+                    </a:lnTlToBr>
+                    <a:lnBlToTr>
+                      <a:noFill/>
+                    </a:lnBlToTr>
+                    <a:noFill/>
+                  </a:tcPr>
+                </a:tc>
+                <a:tc>
+                  <a:txBody>
+                    <a:bodyPr/>
+                    <a:lstStyle/>
+                    <a:p>
+                      <a:pPr marL="0" indent="0" algn="ctr" defTabSz="914400" fontAlgn="base">
+                        <a:lnSpc>
+                          <a:spcPct val="100000"/>
+                        </a:lnSpc>
+                        <a:spcBef>
+                          <a:spcPts val="0"/>
+                        </a:spcBef>
+                        <a:spcAft>
+                          <a:spcPts val="0"/>
+                        </a:spcAft>
+                        <a:buFontTx/>
+                        <a:buNone/>
+                      </a:pPr>
+                      <a:r>
+                        <a:rPr lang="ko-KR" altLang="en-US" sz="900" b="0" kern="1200" dirty="0">
+                          <a:solidFill>
+                            <a:srgbClr val="000000"/>
+                          </a:solidFill>
+                          <a:latin typeface="나눔고딕" charset="0"/>
+                          <a:ea typeface="나눔고딕" charset="0"/>
+                        </a:rPr>
+                        <a:t>삼성전자</a:t>
+                      </a:r>
+                    </a:p>
+                  </a:txBody>
+                  <a:tcPr marL="26829" marR="26829" marT="28893" marB="28893" anchor="ctr">
+                    <a:lnL w="3175" cap="flat" cmpd="sng" algn="ctr">
+                      <a:solidFill>
+                        <a:schemeClr val="tx1"/>
+                      </a:solidFill>
+                      <a:prstDash val="solid"/>
+                      <a:round/>
+                      <a:headEnd type="none" w="med" len="med"/>
+                      <a:tailEnd type="none" w="med" len="med"/>
+                    </a:lnL>
+                    <a:lnR w="3175" cap="flat" cmpd="sng" algn="ctr">
+                      <a:solidFill>
+                        <a:schemeClr val="tx1"/>
+                      </a:solidFill>
+                      <a:prstDash val="solid"/>
+                      <a:round/>
+                      <a:headEnd type="none" w="med" len="med"/>
+                      <a:tailEnd type="none" w="med" len="med"/>
+                    </a:lnR>
+                    <a:lnT w="3175" cap="flat" cmpd="sng" algn="ctr">
+                      <a:solidFill>
+                        <a:schemeClr val="tx1"/>
+                      </a:solidFill>
+                      <a:prstDash val="solid"/>
+                      <a:round/>
+                      <a:headEnd type="none" w="med" len="med"/>
+                      <a:tailEnd type="none" w="med" len="med"/>
+                    </a:lnT>
+                    <a:lnB w="3175" cap="flat" cmpd="sng" algn="ctr">
+                      <a:solidFill>
+                        <a:schemeClr val="tx1"/>
+                      </a:solidFill>
+                      <a:prstDash val="solid"/>
+                      <a:round/>
+                      <a:headEnd type="none" w="med" len="med"/>
+                      <a:tailEnd type="none" w="med" len="med"/>
+                    </a:lnB>
+                    <a:lnTlToBr>
+                      <a:noFill/>
+                    </a:lnTlToBr>
+                    <a:lnBlToTr>
+                      <a:noFill/>
+                    </a:lnBlToTr>
+                    <a:noFill/>
+                  </a:tcPr>
+                </a:tc>
+                <a:tc>
+                  <a:txBody>
+                    <a:bodyPr/>
+                    <a:lstStyle/>
+                    <a:p>
+                      <a:pPr marL="0" indent="0" algn="ctr" defTabSz="914400" fontAlgn="base">
+                        <a:lnSpc>
+                          <a:spcPct val="100000"/>
+                        </a:lnSpc>
+                        <a:spcBef>
+                          <a:spcPts val="0"/>
+                        </a:spcBef>
+                        <a:spcAft>
+                          <a:spcPts val="0"/>
+                        </a:spcAft>
+                        <a:buFontTx/>
+                        <a:buNone/>
+                      </a:pPr>
+                      <a:r>
+                        <a:rPr lang="ko-KR" altLang="en-US" sz="900" b="0" kern="1200" dirty="0">
+                          <a:solidFill>
+                            <a:srgbClr val="000000"/>
+                          </a:solidFill>
+                          <a:latin typeface="나눔고딕" charset="0"/>
+                          <a:ea typeface="나눔고딕" charset="0"/>
+                        </a:rPr>
+                        <a:t>삼성전자 반도체 공정관리 시스템 구축</a:t>
+                      </a:r>
+                    </a:p>
+                  </a:txBody>
+                  <a:tcPr marL="26829" marR="26829" marT="28893" marB="28893" anchor="ctr">
+                    <a:lnL w="3175" cap="flat" cmpd="sng" algn="ctr">
+                      <a:solidFill>
+                        <a:schemeClr val="tx1"/>
+                      </a:solidFill>
+                      <a:prstDash val="solid"/>
+                      <a:round/>
+                      <a:headEnd type="none" w="med" len="med"/>
+                      <a:tailEnd type="none" w="med" len="med"/>
+                    </a:lnL>
+                    <a:lnR w="3175" cap="flat" cmpd="sng" algn="ctr">
+                      <a:solidFill>
+                        <a:schemeClr val="tx1"/>
+                      </a:solidFill>
+                      <a:prstDash val="solid"/>
+                      <a:round/>
+                      <a:headEnd type="none" w="med" len="med"/>
+                      <a:tailEnd type="none" w="med" len="med"/>
+                    </a:lnR>
+                    <a:lnT w="3175" cap="flat" cmpd="sng" algn="ctr">
+                      <a:solidFill>
+                        <a:schemeClr val="tx1"/>
+                      </a:solidFill>
+                      <a:prstDash val="solid"/>
+                      <a:round/>
+                      <a:headEnd type="none" w="med" len="med"/>
+                      <a:tailEnd type="none" w="med" len="med"/>
+                    </a:lnT>
+                    <a:lnB w="3175" cap="flat" cmpd="sng" algn="ctr">
+                      <a:solidFill>
+                        <a:schemeClr val="tx1"/>
+                      </a:solidFill>
+                      <a:prstDash val="solid"/>
+                      <a:round/>
+                      <a:headEnd type="none" w="med" len="med"/>
+                      <a:tailEnd type="none" w="med" len="med"/>
+                    </a:lnB>
+                    <a:lnTlToBr>
+                      <a:noFill/>
+                    </a:lnTlToBr>
+                    <a:lnBlToTr>
+                      <a:noFill/>
+                    </a:lnBlToTr>
+                    <a:noFill/>
+                  </a:tcPr>
+                </a:tc>
+                <a:tc>
+                  <a:txBody>
+                    <a:bodyPr/>
+                    <a:lstStyle/>
+                    <a:p>
+                      <a:pPr marL="0" marR="0" indent="0" algn="ctr" defTabSz="914400" rtl="0" eaLnBrk="1" fontAlgn="base" latinLnBrk="1" hangingPunct="1">
+                        <a:lnSpc>
+                          <a:spcPct val="100000"/>
+                        </a:lnSpc>
+                        <a:spcBef>
+                          <a:spcPts val="0"/>
+                        </a:spcBef>
+                        <a:spcAft>
+                          <a:spcPts val="0"/>
+                        </a:spcAft>
+                        <a:buClrTx/>
+                        <a:buSzTx/>
+                        <a:buFontTx/>
+                        <a:buNone/>
+                        <a:tabLst/>
+                        <a:defRPr/>
+                      </a:pPr>
+                      <a:r>
+                        <a:rPr lang="en-US" altLang="ko-KR" sz="900" b="0" kern="1200" dirty="0">
+                          <a:solidFill>
+                            <a:schemeClr val="tx1"/>
+                          </a:solidFill>
+                          <a:latin typeface="나눔고딕" charset="0"/>
+                          <a:ea typeface="나눔고딕" charset="0"/>
+                        </a:rPr>
+                        <a:t>2020.10 ~ 2021.03</a:t>
+                      </a:r>
+                      <a:endParaRPr lang="ko-KR" altLang="en-US" sz="900" b="0" kern="1200" dirty="0">
+                        <a:solidFill>
+                          <a:schemeClr val="tx1"/>
+                        </a:solidFill>
+                        <a:latin typeface="나눔고딕" charset="0"/>
+                        <a:ea typeface="나눔고딕" charset="0"/>
+                      </a:endParaRPr>
+                    </a:p>
+                  </a:txBody>
+                  <a:tcPr marL="7739" marR="7739" marT="7739" marB="0" anchor="ctr">
+                    <a:lnL w="3175" cap="flat" cmpd="sng" algn="ctr">
+                      <a:solidFill>
+                        <a:schemeClr val="tx1"/>
+                      </a:solidFill>
+                      <a:prstDash val="solid"/>
+                      <a:round/>
+                      <a:headEnd type="none" w="med" len="med"/>
+                      <a:tailEnd type="none" w="med" len="med"/>
+                    </a:lnL>
+                    <a:lnR w="3175" cap="flat" cmpd="sng" algn="ctr">
+                      <a:solidFill>
+                        <a:schemeClr val="tx1"/>
+                      </a:solidFill>
+                      <a:prstDash val="solid"/>
+                      <a:round/>
+                      <a:headEnd type="none" w="med" len="med"/>
+                      <a:tailEnd type="none" w="med" len="med"/>
+                    </a:lnR>
+                    <a:lnT w="3175" cap="flat" cmpd="sng" algn="ctr">
+                      <a:solidFill>
+                        <a:schemeClr val="tx1"/>
+                      </a:solidFill>
+                      <a:prstDash val="solid"/>
+                      <a:round/>
+                      <a:headEnd type="none" w="med" len="med"/>
+                      <a:tailEnd type="none" w="med" len="med"/>
+                    </a:lnT>
+                    <a:lnB w="3175" cap="flat" cmpd="sng" algn="ctr">
+                      <a:solidFill>
+                        <a:schemeClr val="tx1"/>
+                      </a:solidFill>
+                      <a:prstDash val="solid"/>
+                      <a:round/>
+                      <a:headEnd type="none" w="med" len="med"/>
+                      <a:tailEnd type="none" w="med" len="med"/>
+                    </a:lnB>
+                    <a:lnTlToBr>
+                      <a:noFill/>
+                    </a:lnTlToBr>
+                    <a:lnBlToTr>
+                      <a:noFill/>
+                    </a:lnBlToTr>
+                    <a:noFill/>
+                  </a:tcPr>
+                </a:tc>
+                <a:tc>
+                  <a:txBody>
+                    <a:bodyPr/>
+                    <a:lstStyle/>
+                    <a:p>
+                      <a:pPr marL="0" marR="0" indent="0" algn="ctr" defTabSz="914400" rtl="0" eaLnBrk="1" fontAlgn="base" latinLnBrk="1" hangingPunct="1">
+                        <a:lnSpc>
+                          <a:spcPts val="1200"/>
+                        </a:lnSpc>
+                        <a:spcBef>
+                          <a:spcPts val="0"/>
+                        </a:spcBef>
+                        <a:spcAft>
+                          <a:spcPts val="0"/>
+                        </a:spcAft>
+                        <a:buClrTx/>
+                        <a:buSzTx/>
+                        <a:buFontTx/>
+                        <a:buNone/>
+                        <a:tabLst/>
+                        <a:defRPr/>
+                      </a:pPr>
+                      <a:r>
+                        <a:rPr kumimoji="0" lang="ko-KR" altLang="en-US" sz="900" b="0" i="0" u="none" strike="noStrike" kern="1200" cap="none" normalizeH="0" baseline="0" dirty="0">
+                          <a:ln>
+                            <a:noFill/>
+                          </a:ln>
+                          <a:solidFill>
+                            <a:schemeClr val="tx1"/>
+                          </a:solidFill>
+                          <a:effectLst/>
+                          <a:latin typeface="나눔고딕" charset="0"/>
+                          <a:ea typeface="나눔고딕" charset="0"/>
+                          <a:cs typeface="+mn-cs"/>
+                        </a:rPr>
+                        <a:t>퍼블리싱</a:t>
+                      </a:r>
+                      <a:endParaRPr lang="ko-KR" altLang="en-US" sz="900" b="0" kern="1200" dirty="0">
+                        <a:solidFill>
+                          <a:schemeClr val="tx1"/>
+                        </a:solidFill>
+                        <a:latin typeface="나눔고딕" charset="0"/>
+                        <a:ea typeface="나눔고딕" charset="0"/>
+                      </a:endParaRPr>
+                    </a:p>
+                  </a:txBody>
+                  <a:tcPr marL="7739" marR="7739" marT="7739" marB="0" anchor="ctr">
+                    <a:lnL w="3175" cap="flat" cmpd="sng" algn="ctr">
+                      <a:solidFill>
+                        <a:schemeClr val="tx1"/>
+                      </a:solidFill>
+                      <a:prstDash val="solid"/>
+                      <a:round/>
+                      <a:headEnd type="none" w="med" len="med"/>
+                      <a:tailEnd type="none" w="med" len="med"/>
+                    </a:lnL>
+                    <a:lnR w="3175" cap="flat" cmpd="sng" algn="ctr">
+                      <a:solidFill>
+                        <a:schemeClr val="tx1"/>
+                      </a:solidFill>
+                      <a:prstDash val="solid"/>
+                      <a:round/>
+                      <a:headEnd type="none" w="med" len="med"/>
+                      <a:tailEnd type="none" w="med" len="med"/>
+                    </a:lnR>
+                    <a:lnT w="3175" cap="flat" cmpd="sng" algn="ctr">
+                      <a:solidFill>
+                        <a:schemeClr val="tx1"/>
+                      </a:solidFill>
+                      <a:prstDash val="solid"/>
+                      <a:round/>
+                      <a:headEnd type="none" w="med" len="med"/>
+                      <a:tailEnd type="none" w="med" len="med"/>
+                    </a:lnT>
+                    <a:lnB w="3175" cap="flat" cmpd="sng" algn="ctr">
+                      <a:solidFill>
+                        <a:schemeClr val="tx1"/>
+                      </a:solidFill>
+                      <a:prstDash val="solid"/>
+                      <a:round/>
+                      <a:headEnd type="none" w="med" len="med"/>
+                      <a:tailEnd type="none" w="med" len="med"/>
+                    </a:lnB>
+                    <a:lnTlToBr>
+                      <a:noFill/>
+                    </a:lnTlToBr>
+                    <a:lnBlToTr>
+                      <a:noFill/>
+                    </a:lnBlToTr>
+                    <a:noFill/>
+                  </a:tcPr>
+                </a:tc>
+                <a:tc>
+                  <a:txBody>
+                    <a:bodyPr/>
+                    <a:lstStyle/>
+                    <a:p>
+                      <a:pPr marL="0" indent="0" algn="ctr" defTabSz="914400" fontAlgn="base">
+                        <a:lnSpc>
+                          <a:spcPts val="1200"/>
+                        </a:lnSpc>
+                        <a:spcBef>
+                          <a:spcPts val="0"/>
+                        </a:spcBef>
+                        <a:spcAft>
+                          <a:spcPts val="0"/>
+                        </a:spcAft>
+                        <a:buFontTx/>
+                        <a:buNone/>
+                      </a:pPr>
+                      <a:r>
+                        <a:rPr lang="en-US" altLang="ko-KR" sz="900" b="0" kern="1200" dirty="0">
+                          <a:solidFill>
+                            <a:schemeClr val="tx1"/>
+                          </a:solidFill>
+                          <a:latin typeface="나눔고딕" charset="0"/>
+                          <a:ea typeface="나눔고딕" charset="0"/>
+                        </a:rPr>
+                        <a:t>Player</a:t>
+                      </a:r>
+                      <a:endParaRPr lang="ko-KR" altLang="en-US" sz="900" b="0" kern="1200" dirty="0">
+                        <a:solidFill>
+                          <a:schemeClr val="tx1"/>
+                        </a:solidFill>
+                        <a:latin typeface="나눔고딕" charset="0"/>
+                        <a:ea typeface="나눔고딕" charset="0"/>
+                      </a:endParaRPr>
+                    </a:p>
+                  </a:txBody>
+                  <a:tcPr marL="26829" marR="26829" marT="28893" marB="28893" anchor="ctr">
+                    <a:lnL w="3175" cap="flat" cmpd="sng" algn="ctr">
+                      <a:solidFill>
+                        <a:schemeClr val="tx1"/>
+                      </a:solidFill>
+                      <a:prstDash val="solid"/>
+                      <a:round/>
+                      <a:headEnd type="none" w="med" len="med"/>
+                      <a:tailEnd type="none" w="med" len="med"/>
+                    </a:lnL>
+                    <a:lnR w="3175" cap="flat" cmpd="sng" algn="ctr">
+                      <a:solidFill>
+                        <a:schemeClr val="tx1"/>
+                      </a:solidFill>
+                      <a:prstDash val="solid"/>
+                      <a:round/>
+                      <a:headEnd type="none" w="med" len="med"/>
+                      <a:tailEnd type="none" w="med" len="med"/>
+                    </a:lnR>
+                    <a:lnT w="3175" cap="flat" cmpd="sng" algn="ctr">
+                      <a:solidFill>
+                        <a:schemeClr val="tx1"/>
+                      </a:solidFill>
+                      <a:prstDash val="solid"/>
+                      <a:round/>
+                      <a:headEnd type="none" w="med" len="med"/>
+                      <a:tailEnd type="none" w="med" len="med"/>
+                    </a:lnT>
+                    <a:lnB w="3175" cap="flat" cmpd="sng" algn="ctr">
+                      <a:solidFill>
+                        <a:schemeClr val="tx1"/>
+                      </a:solidFill>
+                      <a:prstDash val="solid"/>
+                      <a:round/>
+                      <a:headEnd type="none" w="med" len="med"/>
+                      <a:tailEnd type="none" w="med" len="med"/>
+                    </a:lnB>
+                    <a:lnTlToBr>
+                      <a:noFill/>
+                    </a:lnTlToBr>
+                    <a:lnBlToTr>
+                      <a:noFill/>
+                    </a:lnBlToTr>
+                    <a:noFill/>
+                  </a:tcPr>
+                </a:tc>
+                <a:tc>
+                  <a:txBody>
+                    <a:bodyPr/>
+                    <a:lstStyle/>
+                    <a:p>
+                      <a:pPr marL="0" indent="0" algn="ctr" defTabSz="914400" fontAlgn="base">
+                        <a:lnSpc>
+                          <a:spcPct val="100000"/>
+                        </a:lnSpc>
+                        <a:spcBef>
+                          <a:spcPts val="0"/>
+                        </a:spcBef>
+                        <a:spcAft>
+                          <a:spcPts val="0"/>
+                        </a:spcAft>
+                        <a:buFontTx/>
+                        <a:buNone/>
+                      </a:pPr>
+                      <a:r>
+                        <a:rPr kumimoji="0" lang="en-US" altLang="ko-KR" sz="900" b="0" i="0" u="none" strike="noStrike" kern="1200" cap="none" normalizeH="0" baseline="0" dirty="0">
+                          <a:ln>
+                            <a:noFill/>
+                          </a:ln>
+                          <a:solidFill>
+                            <a:schemeClr val="tx1"/>
+                          </a:solidFill>
+                          <a:effectLst/>
+                          <a:latin typeface="+mn-lt"/>
+                          <a:ea typeface="나눔고딕" pitchFamily="50" charset="-127"/>
+                          <a:cs typeface="맑은 고딕" charset="0"/>
+                        </a:rPr>
+                        <a:t>Html5, css3, </a:t>
+                      </a:r>
+                      <a:r>
+                        <a:rPr kumimoji="0" lang="en-US" altLang="ko-KR" sz="900" b="0" i="0" u="none" strike="noStrike" kern="1200" cap="none" normalizeH="0" baseline="0" dirty="0" err="1">
+                          <a:ln>
+                            <a:noFill/>
+                          </a:ln>
+                          <a:solidFill>
+                            <a:schemeClr val="tx1"/>
+                          </a:solidFill>
+                          <a:effectLst/>
+                          <a:latin typeface="+mn-lt"/>
+                          <a:ea typeface="나눔고딕" pitchFamily="50" charset="-127"/>
+                          <a:cs typeface="맑은 고딕" charset="0"/>
+                        </a:rPr>
+                        <a:t>jquery</a:t>
+                      </a:r>
+                      <a:r>
+                        <a:rPr kumimoji="0" lang="en-US" altLang="ko-KR" sz="900" b="0" i="0" u="none" strike="noStrike" kern="1200" cap="none" normalizeH="0" baseline="0" dirty="0">
+                          <a:ln>
+                            <a:noFill/>
+                          </a:ln>
+                          <a:solidFill>
+                            <a:schemeClr val="tx1"/>
+                          </a:solidFill>
+                          <a:effectLst/>
+                          <a:latin typeface="+mn-lt"/>
+                          <a:ea typeface="나눔고딕" pitchFamily="50" charset="-127"/>
+                          <a:cs typeface="맑은 고딕" charset="0"/>
+                        </a:rPr>
+                        <a:t>, Adobe XD, </a:t>
+                      </a:r>
+                      <a:r>
+                        <a:rPr kumimoji="0" lang="en-US" altLang="ko-KR" sz="900" b="0" i="0" u="none" strike="noStrike" kern="1200" cap="none" normalizeH="0" baseline="0" dirty="0" err="1">
+                          <a:ln>
+                            <a:noFill/>
+                          </a:ln>
+                          <a:solidFill>
+                            <a:schemeClr val="tx1"/>
+                          </a:solidFill>
+                          <a:effectLst/>
+                          <a:latin typeface="+mn-lt"/>
+                          <a:ea typeface="나눔고딕" pitchFamily="50" charset="-127"/>
+                          <a:cs typeface="맑은 고딕" charset="0"/>
+                        </a:rPr>
+                        <a:t>Nexacro</a:t>
+                      </a:r>
+                      <a:endParaRPr lang="ko-KR" altLang="en-US" sz="900" b="0" kern="1200" dirty="0">
+                        <a:solidFill>
+                          <a:schemeClr val="tx1"/>
+                        </a:solidFill>
+                        <a:latin typeface="나눔고딕" charset="0"/>
+                        <a:ea typeface="나눔고딕" charset="0"/>
+                      </a:endParaRPr>
+                    </a:p>
+                  </a:txBody>
+                  <a:tcPr marL="24765" marR="24765" marT="28893" marB="28893" anchor="ctr">
+                    <a:lnL w="3175" cap="flat" cmpd="sng" algn="ctr">
+                      <a:solidFill>
+                        <a:schemeClr val="tx1"/>
+                      </a:solidFill>
+                      <a:prstDash val="solid"/>
+                      <a:round/>
+                      <a:headEnd type="none" w="med" len="med"/>
+                      <a:tailEnd type="none" w="med" len="med"/>
+                    </a:lnL>
+                    <a:lnR w="3175" cap="flat" cmpd="sng" algn="ctr">
+                      <a:solidFill>
+                        <a:schemeClr val="tx1"/>
+                      </a:solidFill>
+                      <a:prstDash val="solid"/>
+                      <a:round/>
+                      <a:headEnd type="none" w="med" len="med"/>
+                      <a:tailEnd type="none" w="med" len="med"/>
+                    </a:lnR>
+                    <a:lnT w="3175" cap="flat" cmpd="sng" algn="ctr">
+                      <a:solidFill>
+                        <a:schemeClr val="tx1"/>
+                      </a:solidFill>
+                      <a:prstDash val="solid"/>
+                      <a:round/>
+                      <a:headEnd type="none" w="med" len="med"/>
+                      <a:tailEnd type="none" w="med" len="med"/>
+                    </a:lnT>
+                    <a:lnB w="3175" cap="flat" cmpd="sng" algn="ctr">
+                      <a:solidFill>
+                        <a:schemeClr val="tx1"/>
+                      </a:solidFill>
+                      <a:prstDash val="solid"/>
+                      <a:round/>
+                      <a:headEnd type="none" w="med" len="med"/>
+                      <a:tailEnd type="none" w="med" len="med"/>
+                    </a:lnB>
+                    <a:lnTlToBr>
+                      <a:noFill/>
+                    </a:lnTlToBr>
+                    <a:lnBlToTr>
+                      <a:noFill/>
+                    </a:lnBlToTr>
+                    <a:noFill/>
+                  </a:tcPr>
+                </a:tc>
+                <a:extLst>
+                  <a:ext uri="{0D108BD9-81ED-4DB2-BD59-A6C34878D82A}">
+                    <a16:rowId xmlns:a16="http://schemas.microsoft.com/office/drawing/2014/main" val="3672706609"/>
                   </a:ext>
                 </a:extLst>
               </a:tr>

--- a/download/career_introduction.pptx
+++ b/download/career_introduction.pptx
@@ -1121,7 +1121,7 @@
           <a:p>
             <a:fld id="{E0BD39A2-E3B7-4CF3-B6E3-D0DEB28CC5C5}" type="datetimeFigureOut">
               <a:rPr lang="ko-KR" altLang="en-US" smtClean="0"/>
-              <a:t>2021-02-04</a:t>
+              <a:t>2022-10-14</a:t>
             </a:fld>
             <a:endParaRPr lang="ko-KR" altLang="en-US"/>
           </a:p>
@@ -1289,7 +1289,7 @@
           <a:p>
             <a:fld id="{E0BD39A2-E3B7-4CF3-B6E3-D0DEB28CC5C5}" type="datetimeFigureOut">
               <a:rPr lang="ko-KR" altLang="en-US" smtClean="0"/>
-              <a:t>2021-02-04</a:t>
+              <a:t>2022-10-14</a:t>
             </a:fld>
             <a:endParaRPr lang="ko-KR" altLang="en-US"/>
           </a:p>
@@ -1467,7 +1467,7 @@
           <a:p>
             <a:fld id="{E0BD39A2-E3B7-4CF3-B6E3-D0DEB28CC5C5}" type="datetimeFigureOut">
               <a:rPr lang="ko-KR" altLang="en-US" smtClean="0"/>
-              <a:t>2021-02-04</a:t>
+              <a:t>2022-10-14</a:t>
             </a:fld>
             <a:endParaRPr lang="ko-KR" altLang="en-US"/>
           </a:p>
@@ -1897,7 +1897,7 @@
           <a:p>
             <a:fld id="{E0BD39A2-E3B7-4CF3-B6E3-D0DEB28CC5C5}" type="datetimeFigureOut">
               <a:rPr lang="ko-KR" altLang="en-US" smtClean="0"/>
-              <a:t>2021-02-04</a:t>
+              <a:t>2022-10-14</a:t>
             </a:fld>
             <a:endParaRPr lang="ko-KR" altLang="en-US"/>
           </a:p>
@@ -2142,7 +2142,7 @@
           <a:p>
             <a:fld id="{E0BD39A2-E3B7-4CF3-B6E3-D0DEB28CC5C5}" type="datetimeFigureOut">
               <a:rPr lang="ko-KR" altLang="en-US" smtClean="0"/>
-              <a:t>2021-02-04</a:t>
+              <a:t>2022-10-14</a:t>
             </a:fld>
             <a:endParaRPr lang="ko-KR" altLang="en-US"/>
           </a:p>
@@ -2427,7 +2427,7 @@
           <a:p>
             <a:fld id="{E0BD39A2-E3B7-4CF3-B6E3-D0DEB28CC5C5}" type="datetimeFigureOut">
               <a:rPr lang="ko-KR" altLang="en-US" smtClean="0"/>
-              <a:t>2021-02-04</a:t>
+              <a:t>2022-10-14</a:t>
             </a:fld>
             <a:endParaRPr lang="ko-KR" altLang="en-US"/>
           </a:p>
@@ -2846,7 +2846,7 @@
           <a:p>
             <a:fld id="{E0BD39A2-E3B7-4CF3-B6E3-D0DEB28CC5C5}" type="datetimeFigureOut">
               <a:rPr lang="ko-KR" altLang="en-US" smtClean="0"/>
-              <a:t>2021-02-04</a:t>
+              <a:t>2022-10-14</a:t>
             </a:fld>
             <a:endParaRPr lang="ko-KR" altLang="en-US"/>
           </a:p>
@@ -2963,7 +2963,7 @@
           <a:p>
             <a:fld id="{E0BD39A2-E3B7-4CF3-B6E3-D0DEB28CC5C5}" type="datetimeFigureOut">
               <a:rPr lang="ko-KR" altLang="en-US" smtClean="0"/>
-              <a:t>2021-02-04</a:t>
+              <a:t>2022-10-14</a:t>
             </a:fld>
             <a:endParaRPr lang="ko-KR" altLang="en-US"/>
           </a:p>
@@ -3058,7 +3058,7 @@
           <a:p>
             <a:fld id="{E0BD39A2-E3B7-4CF3-B6E3-D0DEB28CC5C5}" type="datetimeFigureOut">
               <a:rPr lang="ko-KR" altLang="en-US" smtClean="0"/>
-              <a:t>2021-02-04</a:t>
+              <a:t>2022-10-14</a:t>
             </a:fld>
             <a:endParaRPr lang="ko-KR" altLang="en-US"/>
           </a:p>
@@ -3333,7 +3333,7 @@
           <a:p>
             <a:fld id="{E0BD39A2-E3B7-4CF3-B6E3-D0DEB28CC5C5}" type="datetimeFigureOut">
               <a:rPr lang="ko-KR" altLang="en-US" smtClean="0"/>
-              <a:t>2021-02-04</a:t>
+              <a:t>2022-10-14</a:t>
             </a:fld>
             <a:endParaRPr lang="ko-KR" altLang="en-US"/>
           </a:p>
@@ -3585,7 +3585,7 @@
           <a:p>
             <a:fld id="{E0BD39A2-E3B7-4CF3-B6E3-D0DEB28CC5C5}" type="datetimeFigureOut">
               <a:rPr lang="ko-KR" altLang="en-US" smtClean="0"/>
-              <a:t>2021-02-04</a:t>
+              <a:t>2022-10-14</a:t>
             </a:fld>
             <a:endParaRPr lang="ko-KR" altLang="en-US"/>
           </a:p>
@@ -3796,7 +3796,7 @@
           <a:p>
             <a:fld id="{E0BD39A2-E3B7-4CF3-B6E3-D0DEB28CC5C5}" type="datetimeFigureOut">
               <a:rPr lang="ko-KR" altLang="en-US" smtClean="0"/>
-              <a:t>2021-02-04</a:t>
+              <a:t>2022-10-14</a:t>
             </a:fld>
             <a:endParaRPr lang="ko-KR" altLang="en-US"/>
           </a:p>
@@ -14120,14 +14120,14 @@
           <p:nvPr>
             <p:extLst>
               <p:ext uri="{D42A27DB-BD31-4B8C-83A1-F6EECF244321}">
-                <p14:modId xmlns:p14="http://schemas.microsoft.com/office/powerpoint/2010/main" val="1572830266"/>
+                <p14:modId xmlns:p14="http://schemas.microsoft.com/office/powerpoint/2010/main" val="1976003282"/>
               </p:ext>
             </p:extLst>
           </p:nvPr>
         </p:nvGraphicFramePr>
         <p:xfrm>
           <a:off x="314027" y="1019511"/>
-          <a:ext cx="9318923" cy="2849764"/>
+          <a:ext cx="9318923" cy="5015122"/>
         </p:xfrm>
         <a:graphic>
           <a:graphicData uri="http://schemas.openxmlformats.org/drawingml/2006/table">
@@ -18938,7 +18938,7 @@
                           <a:latin typeface="나눔고딕" charset="0"/>
                           <a:ea typeface="나눔고딕" charset="0"/>
                         </a:rPr>
-                        <a:t>2020.10 ~ 2021.03</a:t>
+                        <a:t>2020.10 ~ 2021.02</a:t>
                       </a:r>
                       <a:endParaRPr lang="ko-KR" altLang="en-US" sz="900" b="0" kern="1200" dirty="0">
                         <a:solidFill>
@@ -19306,6 +19306,4422 @@
                 <a:extLst>
                   <a:ext uri="{0D108BD9-81ED-4DB2-BD59-A6C34878D82A}">
                     <a16:rowId xmlns:a16="http://schemas.microsoft.com/office/drawing/2014/main" val="3672706609"/>
+                  </a:ext>
+                </a:extLst>
+              </a:tr>
+              <a:tr h="360893">
+                <a:tc>
+                  <a:txBody>
+                    <a:bodyPr/>
+                    <a:lstStyle/>
+                    <a:p>
+                      <a:pPr marL="0" marR="0" lvl="0" indent="0" algn="ctr" defTabSz="914400" rtl="0" eaLnBrk="1" fontAlgn="base" latinLnBrk="1" hangingPunct="1">
+                        <a:lnSpc>
+                          <a:spcPts val="1200"/>
+                        </a:lnSpc>
+                        <a:spcBef>
+                          <a:spcPts val="0"/>
+                        </a:spcBef>
+                        <a:spcAft>
+                          <a:spcPts val="0"/>
+                        </a:spcAft>
+                        <a:buClrTx/>
+                        <a:buSzTx/>
+                        <a:buFontTx/>
+                        <a:buNone/>
+                        <a:tabLst/>
+                        <a:defRPr/>
+                      </a:pPr>
+                      <a:r>
+                        <a:rPr kumimoji="1" lang="en-US" altLang="ko-KR" sz="900" b="0" i="0" u="none" strike="noStrike" kern="1200" cap="none" normalizeH="0" baseline="0" dirty="0">
+                          <a:ln>
+                            <a:noFill/>
+                          </a:ln>
+                          <a:solidFill>
+                            <a:schemeClr val="tx1"/>
+                          </a:solidFill>
+                          <a:effectLst/>
+                          <a:latin typeface="+mn-lt"/>
+                          <a:ea typeface="나눔고딕" pitchFamily="50" charset="-127"/>
+                          <a:cs typeface="+mn-cs"/>
+                        </a:rPr>
+                        <a:t>(</a:t>
+                      </a:r>
+                      <a:r>
+                        <a:rPr kumimoji="1" lang="ko-KR" altLang="en-US" sz="900" b="0" i="0" u="none" strike="noStrike" kern="1200" cap="none" normalizeH="0" baseline="0" dirty="0">
+                          <a:ln>
+                            <a:noFill/>
+                          </a:ln>
+                          <a:solidFill>
+                            <a:schemeClr val="tx1"/>
+                          </a:solidFill>
+                          <a:effectLst/>
+                          <a:latin typeface="+mn-lt"/>
+                          <a:ea typeface="나눔고딕" pitchFamily="50" charset="-127"/>
+                          <a:cs typeface="+mn-cs"/>
+                        </a:rPr>
+                        <a:t>주</a:t>
+                      </a:r>
+                      <a:r>
+                        <a:rPr kumimoji="1" lang="en-US" altLang="ko-KR" sz="900" b="0" i="0" u="none" strike="noStrike" kern="1200" cap="none" normalizeH="0" baseline="0" dirty="0">
+                          <a:ln>
+                            <a:noFill/>
+                          </a:ln>
+                          <a:solidFill>
+                            <a:schemeClr val="tx1"/>
+                          </a:solidFill>
+                          <a:effectLst/>
+                          <a:latin typeface="+mn-lt"/>
+                          <a:ea typeface="나눔고딕" pitchFamily="50" charset="-127"/>
+                          <a:cs typeface="+mn-cs"/>
+                        </a:rPr>
+                        <a:t>)</a:t>
+                      </a:r>
+                      <a:r>
+                        <a:rPr kumimoji="1" lang="ko-KR" altLang="en-US" sz="900" b="0" i="0" u="none" strike="noStrike" kern="1200" cap="none" normalizeH="0" baseline="0" dirty="0" err="1">
+                          <a:ln>
+                            <a:noFill/>
+                          </a:ln>
+                          <a:solidFill>
+                            <a:schemeClr val="tx1"/>
+                          </a:solidFill>
+                          <a:effectLst/>
+                          <a:latin typeface="+mn-lt"/>
+                          <a:ea typeface="나눔고딕" pitchFamily="50" charset="-127"/>
+                          <a:cs typeface="+mn-cs"/>
+                        </a:rPr>
+                        <a:t>엔더스</a:t>
+                      </a:r>
+                      <a:endParaRPr kumimoji="1" lang="en-US" altLang="ko-KR" sz="900" b="0" i="0" u="none" strike="noStrike" kern="1200" cap="none" normalizeH="0" baseline="0" dirty="0">
+                        <a:ln>
+                          <a:noFill/>
+                        </a:ln>
+                        <a:solidFill>
+                          <a:schemeClr val="tx1"/>
+                        </a:solidFill>
+                        <a:effectLst/>
+                        <a:latin typeface="+mn-lt"/>
+                        <a:ea typeface="나눔고딕" pitchFamily="50" charset="-127"/>
+                        <a:cs typeface="+mn-cs"/>
+                      </a:endParaRPr>
+                    </a:p>
+                  </a:txBody>
+                  <a:tcPr marL="13414" marR="13414" marT="15994" marB="15994" anchor="ctr">
+                    <a:lnL w="3175" cap="flat" cmpd="sng" algn="ctr">
+                      <a:solidFill>
+                        <a:schemeClr val="tx1"/>
+                      </a:solidFill>
+                      <a:prstDash val="solid"/>
+                      <a:round/>
+                      <a:headEnd type="none" w="med" len="med"/>
+                      <a:tailEnd type="none" w="med" len="med"/>
+                    </a:lnL>
+                    <a:lnR w="3175" cap="flat" cmpd="sng" algn="ctr">
+                      <a:solidFill>
+                        <a:schemeClr val="tx1"/>
+                      </a:solidFill>
+                      <a:prstDash val="solid"/>
+                      <a:round/>
+                      <a:headEnd type="none" w="med" len="med"/>
+                      <a:tailEnd type="none" w="med" len="med"/>
+                    </a:lnR>
+                    <a:lnT w="3175" cap="flat" cmpd="sng" algn="ctr">
+                      <a:solidFill>
+                        <a:schemeClr val="tx1"/>
+                      </a:solidFill>
+                      <a:prstDash val="solid"/>
+                      <a:round/>
+                      <a:headEnd type="none" w="med" len="med"/>
+                      <a:tailEnd type="none" w="med" len="med"/>
+                    </a:lnT>
+                    <a:lnB w="3175" cap="flat" cmpd="sng" algn="ctr">
+                      <a:solidFill>
+                        <a:schemeClr val="tx1"/>
+                      </a:solidFill>
+                      <a:prstDash val="solid"/>
+                      <a:round/>
+                      <a:headEnd type="none" w="med" len="med"/>
+                      <a:tailEnd type="none" w="med" len="med"/>
+                    </a:lnB>
+                    <a:lnTlToBr>
+                      <a:noFill/>
+                    </a:lnTlToBr>
+                    <a:lnBlToTr>
+                      <a:noFill/>
+                    </a:lnBlToTr>
+                    <a:noFill/>
+                  </a:tcPr>
+                </a:tc>
+                <a:tc>
+                  <a:txBody>
+                    <a:bodyPr/>
+                    <a:lstStyle/>
+                    <a:p>
+                      <a:pPr marL="0" indent="0" algn="ctr" defTabSz="914400" fontAlgn="base">
+                        <a:lnSpc>
+                          <a:spcPct val="100000"/>
+                        </a:lnSpc>
+                        <a:spcBef>
+                          <a:spcPts val="0"/>
+                        </a:spcBef>
+                        <a:spcAft>
+                          <a:spcPts val="0"/>
+                        </a:spcAft>
+                        <a:buFontTx/>
+                        <a:buNone/>
+                      </a:pPr>
+                      <a:r>
+                        <a:rPr lang="ko-KR" altLang="en-US" sz="900" b="0" kern="1200" dirty="0" err="1">
+                          <a:solidFill>
+                            <a:srgbClr val="000000"/>
+                          </a:solidFill>
+                          <a:latin typeface="나눔고딕" charset="0"/>
+                          <a:ea typeface="나눔고딕" charset="0"/>
+                        </a:rPr>
+                        <a:t>암웨이</a:t>
+                      </a:r>
+                      <a:endParaRPr lang="ko-KR" altLang="en-US" sz="900" b="0" kern="1200" dirty="0">
+                        <a:solidFill>
+                          <a:srgbClr val="000000"/>
+                        </a:solidFill>
+                        <a:latin typeface="나눔고딕" charset="0"/>
+                        <a:ea typeface="나눔고딕" charset="0"/>
+                      </a:endParaRPr>
+                    </a:p>
+                  </a:txBody>
+                  <a:tcPr marL="26829" marR="26829" marT="28893" marB="28893" anchor="ctr">
+                    <a:lnL w="3175" cap="flat" cmpd="sng" algn="ctr">
+                      <a:solidFill>
+                        <a:schemeClr val="tx1"/>
+                      </a:solidFill>
+                      <a:prstDash val="solid"/>
+                      <a:round/>
+                      <a:headEnd type="none" w="med" len="med"/>
+                      <a:tailEnd type="none" w="med" len="med"/>
+                    </a:lnL>
+                    <a:lnR w="3175" cap="flat" cmpd="sng" algn="ctr">
+                      <a:solidFill>
+                        <a:schemeClr val="tx1"/>
+                      </a:solidFill>
+                      <a:prstDash val="solid"/>
+                      <a:round/>
+                      <a:headEnd type="none" w="med" len="med"/>
+                      <a:tailEnd type="none" w="med" len="med"/>
+                    </a:lnR>
+                    <a:lnT w="3175" cap="flat" cmpd="sng" algn="ctr">
+                      <a:solidFill>
+                        <a:schemeClr val="tx1"/>
+                      </a:solidFill>
+                      <a:prstDash val="solid"/>
+                      <a:round/>
+                      <a:headEnd type="none" w="med" len="med"/>
+                      <a:tailEnd type="none" w="med" len="med"/>
+                    </a:lnT>
+                    <a:lnB w="3175" cap="flat" cmpd="sng" algn="ctr">
+                      <a:solidFill>
+                        <a:schemeClr val="tx1"/>
+                      </a:solidFill>
+                      <a:prstDash val="solid"/>
+                      <a:round/>
+                      <a:headEnd type="none" w="med" len="med"/>
+                      <a:tailEnd type="none" w="med" len="med"/>
+                    </a:lnB>
+                    <a:lnTlToBr>
+                      <a:noFill/>
+                    </a:lnTlToBr>
+                    <a:lnBlToTr>
+                      <a:noFill/>
+                    </a:lnBlToTr>
+                    <a:noFill/>
+                  </a:tcPr>
+                </a:tc>
+                <a:tc>
+                  <a:txBody>
+                    <a:bodyPr/>
+                    <a:lstStyle/>
+                    <a:p>
+                      <a:pPr marL="0" indent="0" algn="ctr" defTabSz="914400" fontAlgn="base">
+                        <a:lnSpc>
+                          <a:spcPct val="100000"/>
+                        </a:lnSpc>
+                        <a:spcBef>
+                          <a:spcPts val="0"/>
+                        </a:spcBef>
+                        <a:spcAft>
+                          <a:spcPts val="0"/>
+                        </a:spcAft>
+                        <a:buFontTx/>
+                        <a:buNone/>
+                      </a:pPr>
+                      <a:r>
+                        <a:rPr lang="ko-KR" altLang="en-US" sz="900" b="0" kern="1200" dirty="0" err="1">
+                          <a:solidFill>
+                            <a:srgbClr val="000000"/>
+                          </a:solidFill>
+                          <a:latin typeface="나눔고딕" charset="0"/>
+                          <a:ea typeface="나눔고딕" charset="0"/>
+                        </a:rPr>
+                        <a:t>암웨이</a:t>
+                      </a:r>
+                      <a:r>
+                        <a:rPr lang="ko-KR" altLang="en-US" sz="900" b="0" kern="1200" dirty="0">
+                          <a:solidFill>
+                            <a:srgbClr val="000000"/>
+                          </a:solidFill>
+                          <a:latin typeface="나눔고딕" charset="0"/>
+                          <a:ea typeface="나눔고딕" charset="0"/>
+                        </a:rPr>
+                        <a:t> </a:t>
+                      </a:r>
+                      <a:r>
+                        <a:rPr lang="en-US" altLang="ko-KR" sz="900" b="0" kern="1200" dirty="0" err="1">
+                          <a:solidFill>
+                            <a:srgbClr val="000000"/>
+                          </a:solidFill>
+                          <a:latin typeface="나눔고딕" charset="0"/>
+                          <a:ea typeface="나눔고딕" charset="0"/>
+                        </a:rPr>
+                        <a:t>AContent</a:t>
+                      </a:r>
+                      <a:r>
+                        <a:rPr lang="en-US" altLang="ko-KR" sz="900" b="0" kern="1200" dirty="0">
+                          <a:solidFill>
+                            <a:srgbClr val="000000"/>
+                          </a:solidFill>
+                          <a:latin typeface="나눔고딕" charset="0"/>
+                          <a:ea typeface="나눔고딕" charset="0"/>
+                        </a:rPr>
+                        <a:t> </a:t>
+                      </a:r>
+                      <a:r>
+                        <a:rPr lang="ko-KR" altLang="en-US" sz="900" b="0" kern="1200" dirty="0">
+                          <a:solidFill>
+                            <a:srgbClr val="000000"/>
+                          </a:solidFill>
+                          <a:latin typeface="나눔고딕" charset="0"/>
+                          <a:ea typeface="나눔고딕" charset="0"/>
+                        </a:rPr>
+                        <a:t>구축</a:t>
+                      </a:r>
+                    </a:p>
+                  </a:txBody>
+                  <a:tcPr marL="26829" marR="26829" marT="28893" marB="28893" anchor="ctr">
+                    <a:lnL w="3175" cap="flat" cmpd="sng" algn="ctr">
+                      <a:solidFill>
+                        <a:schemeClr val="tx1"/>
+                      </a:solidFill>
+                      <a:prstDash val="solid"/>
+                      <a:round/>
+                      <a:headEnd type="none" w="med" len="med"/>
+                      <a:tailEnd type="none" w="med" len="med"/>
+                    </a:lnL>
+                    <a:lnR w="3175" cap="flat" cmpd="sng" algn="ctr">
+                      <a:solidFill>
+                        <a:schemeClr val="tx1"/>
+                      </a:solidFill>
+                      <a:prstDash val="solid"/>
+                      <a:round/>
+                      <a:headEnd type="none" w="med" len="med"/>
+                      <a:tailEnd type="none" w="med" len="med"/>
+                    </a:lnR>
+                    <a:lnT w="3175" cap="flat" cmpd="sng" algn="ctr">
+                      <a:solidFill>
+                        <a:schemeClr val="tx1"/>
+                      </a:solidFill>
+                      <a:prstDash val="solid"/>
+                      <a:round/>
+                      <a:headEnd type="none" w="med" len="med"/>
+                      <a:tailEnd type="none" w="med" len="med"/>
+                    </a:lnT>
+                    <a:lnB w="3175" cap="flat" cmpd="sng" algn="ctr">
+                      <a:solidFill>
+                        <a:schemeClr val="tx1"/>
+                      </a:solidFill>
+                      <a:prstDash val="solid"/>
+                      <a:round/>
+                      <a:headEnd type="none" w="med" len="med"/>
+                      <a:tailEnd type="none" w="med" len="med"/>
+                    </a:lnB>
+                    <a:lnTlToBr>
+                      <a:noFill/>
+                    </a:lnTlToBr>
+                    <a:lnBlToTr>
+                      <a:noFill/>
+                    </a:lnBlToTr>
+                    <a:noFill/>
+                  </a:tcPr>
+                </a:tc>
+                <a:tc>
+                  <a:txBody>
+                    <a:bodyPr/>
+                    <a:lstStyle/>
+                    <a:p>
+                      <a:pPr marL="0" marR="0" lvl="0" indent="0" algn="ctr" defTabSz="914400" rtl="0" eaLnBrk="1" fontAlgn="base" latinLnBrk="1" hangingPunct="1">
+                        <a:lnSpc>
+                          <a:spcPct val="100000"/>
+                        </a:lnSpc>
+                        <a:spcBef>
+                          <a:spcPts val="0"/>
+                        </a:spcBef>
+                        <a:spcAft>
+                          <a:spcPts val="0"/>
+                        </a:spcAft>
+                        <a:buClrTx/>
+                        <a:buSzTx/>
+                        <a:buFontTx/>
+                        <a:buNone/>
+                        <a:tabLst/>
+                        <a:defRPr/>
+                      </a:pPr>
+                      <a:r>
+                        <a:rPr lang="en-US" altLang="ko-KR" sz="900" b="0" kern="1200" dirty="0">
+                          <a:solidFill>
+                            <a:schemeClr val="tx1"/>
+                          </a:solidFill>
+                          <a:latin typeface="나눔고딕" charset="0"/>
+                          <a:ea typeface="나눔고딕" charset="0"/>
+                        </a:rPr>
+                        <a:t>2021.04 ~ 2021.06</a:t>
+                      </a:r>
+                      <a:endParaRPr lang="ko-KR" altLang="en-US" sz="900" b="0" kern="1200" dirty="0">
+                        <a:solidFill>
+                          <a:schemeClr val="tx1"/>
+                        </a:solidFill>
+                        <a:latin typeface="나눔고딕" charset="0"/>
+                        <a:ea typeface="나눔고딕" charset="0"/>
+                      </a:endParaRPr>
+                    </a:p>
+                  </a:txBody>
+                  <a:tcPr marL="7739" marR="7739" marT="7739" marB="0" anchor="ctr">
+                    <a:lnL w="3175" cap="flat" cmpd="sng" algn="ctr">
+                      <a:solidFill>
+                        <a:schemeClr val="tx1"/>
+                      </a:solidFill>
+                      <a:prstDash val="solid"/>
+                      <a:round/>
+                      <a:headEnd type="none" w="med" len="med"/>
+                      <a:tailEnd type="none" w="med" len="med"/>
+                    </a:lnL>
+                    <a:lnR w="3175" cap="flat" cmpd="sng" algn="ctr">
+                      <a:solidFill>
+                        <a:schemeClr val="tx1"/>
+                      </a:solidFill>
+                      <a:prstDash val="solid"/>
+                      <a:round/>
+                      <a:headEnd type="none" w="med" len="med"/>
+                      <a:tailEnd type="none" w="med" len="med"/>
+                    </a:lnR>
+                    <a:lnT w="3175" cap="flat" cmpd="sng" algn="ctr">
+                      <a:solidFill>
+                        <a:schemeClr val="tx1"/>
+                      </a:solidFill>
+                      <a:prstDash val="solid"/>
+                      <a:round/>
+                      <a:headEnd type="none" w="med" len="med"/>
+                      <a:tailEnd type="none" w="med" len="med"/>
+                    </a:lnT>
+                    <a:lnB w="3175" cap="flat" cmpd="sng" algn="ctr">
+                      <a:solidFill>
+                        <a:schemeClr val="tx1"/>
+                      </a:solidFill>
+                      <a:prstDash val="solid"/>
+                      <a:round/>
+                      <a:headEnd type="none" w="med" len="med"/>
+                      <a:tailEnd type="none" w="med" len="med"/>
+                    </a:lnB>
+                    <a:lnTlToBr>
+                      <a:noFill/>
+                    </a:lnTlToBr>
+                    <a:lnBlToTr>
+                      <a:noFill/>
+                    </a:lnBlToTr>
+                    <a:noFill/>
+                  </a:tcPr>
+                </a:tc>
+                <a:tc>
+                  <a:txBody>
+                    <a:bodyPr/>
+                    <a:lstStyle/>
+                    <a:p>
+                      <a:pPr marL="0" marR="0" indent="0" algn="ctr" defTabSz="914400" rtl="0" eaLnBrk="1" fontAlgn="base" latinLnBrk="1" hangingPunct="1">
+                        <a:lnSpc>
+                          <a:spcPts val="1200"/>
+                        </a:lnSpc>
+                        <a:spcBef>
+                          <a:spcPts val="0"/>
+                        </a:spcBef>
+                        <a:spcAft>
+                          <a:spcPts val="0"/>
+                        </a:spcAft>
+                        <a:buClrTx/>
+                        <a:buSzTx/>
+                        <a:buFontTx/>
+                        <a:buNone/>
+                        <a:tabLst/>
+                        <a:defRPr/>
+                      </a:pPr>
+                      <a:r>
+                        <a:rPr kumimoji="0" lang="ko-KR" altLang="en-US" sz="900" b="0" i="0" u="none" strike="noStrike" kern="1200" cap="none" normalizeH="0" baseline="0" dirty="0">
+                          <a:ln>
+                            <a:noFill/>
+                          </a:ln>
+                          <a:solidFill>
+                            <a:schemeClr val="tx1"/>
+                          </a:solidFill>
+                          <a:effectLst/>
+                          <a:latin typeface="나눔고딕" charset="0"/>
+                          <a:ea typeface="나눔고딕" charset="0"/>
+                          <a:cs typeface="+mn-cs"/>
+                        </a:rPr>
+                        <a:t>퍼블리싱</a:t>
+                      </a:r>
+                      <a:endParaRPr lang="ko-KR" altLang="en-US" sz="900" b="0" kern="1200" dirty="0">
+                        <a:solidFill>
+                          <a:schemeClr val="tx1"/>
+                        </a:solidFill>
+                        <a:latin typeface="나눔고딕" charset="0"/>
+                        <a:ea typeface="나눔고딕" charset="0"/>
+                      </a:endParaRPr>
+                    </a:p>
+                  </a:txBody>
+                  <a:tcPr marL="7739" marR="7739" marT="7739" marB="0" anchor="ctr">
+                    <a:lnL w="3175" cap="flat" cmpd="sng" algn="ctr">
+                      <a:solidFill>
+                        <a:schemeClr val="tx1"/>
+                      </a:solidFill>
+                      <a:prstDash val="solid"/>
+                      <a:round/>
+                      <a:headEnd type="none" w="med" len="med"/>
+                      <a:tailEnd type="none" w="med" len="med"/>
+                    </a:lnL>
+                    <a:lnR w="3175" cap="flat" cmpd="sng" algn="ctr">
+                      <a:solidFill>
+                        <a:schemeClr val="tx1"/>
+                      </a:solidFill>
+                      <a:prstDash val="solid"/>
+                      <a:round/>
+                      <a:headEnd type="none" w="med" len="med"/>
+                      <a:tailEnd type="none" w="med" len="med"/>
+                    </a:lnR>
+                    <a:lnT w="3175" cap="flat" cmpd="sng" algn="ctr">
+                      <a:solidFill>
+                        <a:schemeClr val="tx1"/>
+                      </a:solidFill>
+                      <a:prstDash val="solid"/>
+                      <a:round/>
+                      <a:headEnd type="none" w="med" len="med"/>
+                      <a:tailEnd type="none" w="med" len="med"/>
+                    </a:lnT>
+                    <a:lnB w="3175" cap="flat" cmpd="sng" algn="ctr">
+                      <a:solidFill>
+                        <a:schemeClr val="tx1"/>
+                      </a:solidFill>
+                      <a:prstDash val="solid"/>
+                      <a:round/>
+                      <a:headEnd type="none" w="med" len="med"/>
+                      <a:tailEnd type="none" w="med" len="med"/>
+                    </a:lnB>
+                    <a:lnTlToBr>
+                      <a:noFill/>
+                    </a:lnTlToBr>
+                    <a:lnBlToTr>
+                      <a:noFill/>
+                    </a:lnBlToTr>
+                    <a:noFill/>
+                  </a:tcPr>
+                </a:tc>
+                <a:tc>
+                  <a:txBody>
+                    <a:bodyPr/>
+                    <a:lstStyle/>
+                    <a:p>
+                      <a:pPr marL="0" indent="0" algn="ctr" defTabSz="914400" fontAlgn="base">
+                        <a:lnSpc>
+                          <a:spcPts val="1200"/>
+                        </a:lnSpc>
+                        <a:spcBef>
+                          <a:spcPts val="0"/>
+                        </a:spcBef>
+                        <a:spcAft>
+                          <a:spcPts val="0"/>
+                        </a:spcAft>
+                        <a:buFontTx/>
+                        <a:buNone/>
+                      </a:pPr>
+                      <a:r>
+                        <a:rPr lang="en-US" altLang="ko-KR" sz="900" b="0" kern="1200" dirty="0">
+                          <a:solidFill>
+                            <a:schemeClr val="tx1"/>
+                          </a:solidFill>
+                          <a:latin typeface="나눔고딕" charset="0"/>
+                          <a:ea typeface="나눔고딕" charset="0"/>
+                        </a:rPr>
+                        <a:t>Player</a:t>
+                      </a:r>
+                      <a:endParaRPr lang="ko-KR" altLang="en-US" sz="900" b="0" kern="1200" dirty="0">
+                        <a:solidFill>
+                          <a:schemeClr val="tx1"/>
+                        </a:solidFill>
+                        <a:latin typeface="나눔고딕" charset="0"/>
+                        <a:ea typeface="나눔고딕" charset="0"/>
+                      </a:endParaRPr>
+                    </a:p>
+                  </a:txBody>
+                  <a:tcPr marL="26829" marR="26829" marT="28893" marB="28893" anchor="ctr">
+                    <a:lnL w="3175" cap="flat" cmpd="sng" algn="ctr">
+                      <a:solidFill>
+                        <a:schemeClr val="tx1"/>
+                      </a:solidFill>
+                      <a:prstDash val="solid"/>
+                      <a:round/>
+                      <a:headEnd type="none" w="med" len="med"/>
+                      <a:tailEnd type="none" w="med" len="med"/>
+                    </a:lnL>
+                    <a:lnR w="3175" cap="flat" cmpd="sng" algn="ctr">
+                      <a:solidFill>
+                        <a:schemeClr val="tx1"/>
+                      </a:solidFill>
+                      <a:prstDash val="solid"/>
+                      <a:round/>
+                      <a:headEnd type="none" w="med" len="med"/>
+                      <a:tailEnd type="none" w="med" len="med"/>
+                    </a:lnR>
+                    <a:lnT w="3175" cap="flat" cmpd="sng" algn="ctr">
+                      <a:solidFill>
+                        <a:schemeClr val="tx1"/>
+                      </a:solidFill>
+                      <a:prstDash val="solid"/>
+                      <a:round/>
+                      <a:headEnd type="none" w="med" len="med"/>
+                      <a:tailEnd type="none" w="med" len="med"/>
+                    </a:lnT>
+                    <a:lnB w="3175" cap="flat" cmpd="sng" algn="ctr">
+                      <a:solidFill>
+                        <a:schemeClr val="tx1"/>
+                      </a:solidFill>
+                      <a:prstDash val="solid"/>
+                      <a:round/>
+                      <a:headEnd type="none" w="med" len="med"/>
+                      <a:tailEnd type="none" w="med" len="med"/>
+                    </a:lnB>
+                    <a:lnTlToBr>
+                      <a:noFill/>
+                    </a:lnTlToBr>
+                    <a:lnBlToTr>
+                      <a:noFill/>
+                    </a:lnBlToTr>
+                    <a:noFill/>
+                  </a:tcPr>
+                </a:tc>
+                <a:tc>
+                  <a:txBody>
+                    <a:bodyPr/>
+                    <a:lstStyle/>
+                    <a:p>
+                      <a:pPr marL="0" indent="0" algn="ctr" defTabSz="914400" fontAlgn="base">
+                        <a:lnSpc>
+                          <a:spcPct val="100000"/>
+                        </a:lnSpc>
+                        <a:spcBef>
+                          <a:spcPts val="0"/>
+                        </a:spcBef>
+                        <a:spcAft>
+                          <a:spcPts val="0"/>
+                        </a:spcAft>
+                        <a:buFontTx/>
+                        <a:buNone/>
+                      </a:pPr>
+                      <a:r>
+                        <a:rPr kumimoji="0" lang="en-US" altLang="ko-KR" sz="900" b="0" i="0" u="none" strike="noStrike" kern="1200" cap="none" normalizeH="0" baseline="0" dirty="0">
+                          <a:ln>
+                            <a:noFill/>
+                          </a:ln>
+                          <a:solidFill>
+                            <a:schemeClr val="tx1"/>
+                          </a:solidFill>
+                          <a:effectLst/>
+                          <a:latin typeface="+mn-lt"/>
+                          <a:ea typeface="나눔고딕" pitchFamily="50" charset="-127"/>
+                          <a:cs typeface="맑은 고딕" charset="0"/>
+                        </a:rPr>
+                        <a:t>Html5, </a:t>
+                      </a:r>
+                      <a:r>
+                        <a:rPr kumimoji="0" lang="en-US" altLang="ko-KR" sz="900" b="0" i="0" u="none" strike="noStrike" kern="1200" cap="none" normalizeH="0" baseline="0" dirty="0" err="1">
+                          <a:ln>
+                            <a:noFill/>
+                          </a:ln>
+                          <a:solidFill>
+                            <a:schemeClr val="tx1"/>
+                          </a:solidFill>
+                          <a:effectLst/>
+                          <a:latin typeface="+mn-lt"/>
+                          <a:ea typeface="나눔고딕" pitchFamily="50" charset="-127"/>
+                          <a:cs typeface="맑은 고딕" charset="0"/>
+                        </a:rPr>
+                        <a:t>scss</a:t>
+                      </a:r>
+                      <a:r>
+                        <a:rPr kumimoji="0" lang="en-US" altLang="ko-KR" sz="900" b="0" i="0" u="none" strike="noStrike" kern="1200" cap="none" normalizeH="0" baseline="0" dirty="0">
+                          <a:ln>
+                            <a:noFill/>
+                          </a:ln>
+                          <a:solidFill>
+                            <a:schemeClr val="tx1"/>
+                          </a:solidFill>
+                          <a:effectLst/>
+                          <a:latin typeface="+mn-lt"/>
+                          <a:ea typeface="나눔고딕" pitchFamily="50" charset="-127"/>
+                          <a:cs typeface="맑은 고딕" charset="0"/>
+                        </a:rPr>
+                        <a:t>, </a:t>
+                      </a:r>
+                      <a:r>
+                        <a:rPr kumimoji="0" lang="en-US" altLang="ko-KR" sz="900" b="0" i="0" u="none" strike="noStrike" kern="1200" cap="none" normalizeH="0" baseline="0" dirty="0" err="1">
+                          <a:ln>
+                            <a:noFill/>
+                          </a:ln>
+                          <a:solidFill>
+                            <a:schemeClr val="tx1"/>
+                          </a:solidFill>
+                          <a:effectLst/>
+                          <a:latin typeface="+mn-lt"/>
+                          <a:ea typeface="나눔고딕" pitchFamily="50" charset="-127"/>
+                          <a:cs typeface="맑은 고딕" charset="0"/>
+                        </a:rPr>
+                        <a:t>vue</a:t>
+                      </a:r>
+                      <a:r>
+                        <a:rPr kumimoji="0" lang="ko-KR" altLang="en-US" sz="900" b="0" i="0" u="none" strike="noStrike" kern="1200" cap="none" normalizeH="0" baseline="0" dirty="0">
+                          <a:ln>
+                            <a:noFill/>
+                          </a:ln>
+                          <a:solidFill>
+                            <a:schemeClr val="tx1"/>
+                          </a:solidFill>
+                          <a:effectLst/>
+                          <a:latin typeface="+mn-lt"/>
+                          <a:ea typeface="나눔고딕" pitchFamily="50" charset="-127"/>
+                          <a:cs typeface="맑은 고딕" charset="0"/>
+                        </a:rPr>
+                        <a:t>환경 퍼블리싱</a:t>
+                      </a:r>
+                      <a:r>
+                        <a:rPr kumimoji="0" lang="en-US" altLang="ko-KR" sz="900" b="0" i="0" u="none" strike="noStrike" kern="1200" cap="none" normalizeH="0" baseline="0" dirty="0">
+                          <a:ln>
+                            <a:noFill/>
+                          </a:ln>
+                          <a:solidFill>
+                            <a:schemeClr val="tx1"/>
+                          </a:solidFill>
+                          <a:effectLst/>
+                          <a:latin typeface="+mn-lt"/>
+                          <a:ea typeface="나눔고딕" pitchFamily="50" charset="-127"/>
+                          <a:cs typeface="맑은 고딕" charset="0"/>
+                        </a:rPr>
+                        <a:t>, Adobe XD</a:t>
+                      </a:r>
+                      <a:endParaRPr lang="ko-KR" altLang="en-US" sz="900" b="0" kern="1200" dirty="0">
+                        <a:solidFill>
+                          <a:schemeClr val="tx1"/>
+                        </a:solidFill>
+                        <a:latin typeface="나눔고딕" charset="0"/>
+                        <a:ea typeface="나눔고딕" charset="0"/>
+                      </a:endParaRPr>
+                    </a:p>
+                  </a:txBody>
+                  <a:tcPr marL="24765" marR="24765" marT="28893" marB="28893" anchor="ctr">
+                    <a:lnL w="3175" cap="flat" cmpd="sng" algn="ctr">
+                      <a:solidFill>
+                        <a:schemeClr val="tx1"/>
+                      </a:solidFill>
+                      <a:prstDash val="solid"/>
+                      <a:round/>
+                      <a:headEnd type="none" w="med" len="med"/>
+                      <a:tailEnd type="none" w="med" len="med"/>
+                    </a:lnL>
+                    <a:lnR w="3175" cap="flat" cmpd="sng" algn="ctr">
+                      <a:solidFill>
+                        <a:schemeClr val="tx1"/>
+                      </a:solidFill>
+                      <a:prstDash val="solid"/>
+                      <a:round/>
+                      <a:headEnd type="none" w="med" len="med"/>
+                      <a:tailEnd type="none" w="med" len="med"/>
+                    </a:lnR>
+                    <a:lnT w="3175" cap="flat" cmpd="sng" algn="ctr">
+                      <a:solidFill>
+                        <a:schemeClr val="tx1"/>
+                      </a:solidFill>
+                      <a:prstDash val="solid"/>
+                      <a:round/>
+                      <a:headEnd type="none" w="med" len="med"/>
+                      <a:tailEnd type="none" w="med" len="med"/>
+                    </a:lnT>
+                    <a:lnB w="3175" cap="flat" cmpd="sng" algn="ctr">
+                      <a:solidFill>
+                        <a:schemeClr val="tx1"/>
+                      </a:solidFill>
+                      <a:prstDash val="solid"/>
+                      <a:round/>
+                      <a:headEnd type="none" w="med" len="med"/>
+                      <a:tailEnd type="none" w="med" len="med"/>
+                    </a:lnB>
+                    <a:lnTlToBr>
+                      <a:noFill/>
+                    </a:lnTlToBr>
+                    <a:lnBlToTr>
+                      <a:noFill/>
+                    </a:lnBlToTr>
+                    <a:noFill/>
+                  </a:tcPr>
+                </a:tc>
+                <a:extLst>
+                  <a:ext uri="{0D108BD9-81ED-4DB2-BD59-A6C34878D82A}">
+                    <a16:rowId xmlns:a16="http://schemas.microsoft.com/office/drawing/2014/main" val="3789227788"/>
+                  </a:ext>
+                </a:extLst>
+              </a:tr>
+              <a:tr h="360893">
+                <a:tc>
+                  <a:txBody>
+                    <a:bodyPr/>
+                    <a:lstStyle/>
+                    <a:p>
+                      <a:pPr marL="0" marR="0" lvl="0" indent="0" algn="ctr" defTabSz="914400" rtl="0" eaLnBrk="1" fontAlgn="base" latinLnBrk="1" hangingPunct="1">
+                        <a:lnSpc>
+                          <a:spcPts val="1200"/>
+                        </a:lnSpc>
+                        <a:spcBef>
+                          <a:spcPts val="0"/>
+                        </a:spcBef>
+                        <a:spcAft>
+                          <a:spcPts val="0"/>
+                        </a:spcAft>
+                        <a:buClrTx/>
+                        <a:buSzTx/>
+                        <a:buFontTx/>
+                        <a:buNone/>
+                        <a:tabLst/>
+                        <a:defRPr/>
+                      </a:pPr>
+                      <a:r>
+                        <a:rPr kumimoji="1" lang="en-US" altLang="ko-KR" sz="900" b="0" i="0" u="none" strike="noStrike" kern="1200" cap="none" normalizeH="0" baseline="0" dirty="0">
+                          <a:ln>
+                            <a:noFill/>
+                          </a:ln>
+                          <a:solidFill>
+                            <a:schemeClr val="tx1"/>
+                          </a:solidFill>
+                          <a:effectLst/>
+                          <a:latin typeface="+mn-lt"/>
+                          <a:ea typeface="나눔고딕" pitchFamily="50" charset="-127"/>
+                          <a:cs typeface="+mn-cs"/>
+                        </a:rPr>
+                        <a:t>(</a:t>
+                      </a:r>
+                      <a:r>
+                        <a:rPr kumimoji="1" lang="ko-KR" altLang="en-US" sz="900" b="0" i="0" u="none" strike="noStrike" kern="1200" cap="none" normalizeH="0" baseline="0" dirty="0">
+                          <a:ln>
+                            <a:noFill/>
+                          </a:ln>
+                          <a:solidFill>
+                            <a:schemeClr val="tx1"/>
+                          </a:solidFill>
+                          <a:effectLst/>
+                          <a:latin typeface="+mn-lt"/>
+                          <a:ea typeface="나눔고딕" pitchFamily="50" charset="-127"/>
+                          <a:cs typeface="+mn-cs"/>
+                        </a:rPr>
+                        <a:t>주</a:t>
+                      </a:r>
+                      <a:r>
+                        <a:rPr kumimoji="1" lang="en-US" altLang="ko-KR" sz="900" b="0" i="0" u="none" strike="noStrike" kern="1200" cap="none" normalizeH="0" baseline="0" dirty="0">
+                          <a:ln>
+                            <a:noFill/>
+                          </a:ln>
+                          <a:solidFill>
+                            <a:schemeClr val="tx1"/>
+                          </a:solidFill>
+                          <a:effectLst/>
+                          <a:latin typeface="+mn-lt"/>
+                          <a:ea typeface="나눔고딕" pitchFamily="50" charset="-127"/>
+                          <a:cs typeface="+mn-cs"/>
+                        </a:rPr>
+                        <a:t>)</a:t>
+                      </a:r>
+                      <a:r>
+                        <a:rPr kumimoji="1" lang="ko-KR" altLang="en-US" sz="900" b="0" i="0" u="none" strike="noStrike" kern="1200" cap="none" normalizeH="0" baseline="0" dirty="0" err="1">
+                          <a:ln>
+                            <a:noFill/>
+                          </a:ln>
+                          <a:solidFill>
+                            <a:schemeClr val="tx1"/>
+                          </a:solidFill>
+                          <a:effectLst/>
+                          <a:latin typeface="+mn-lt"/>
+                          <a:ea typeface="나눔고딕" pitchFamily="50" charset="-127"/>
+                          <a:cs typeface="+mn-cs"/>
+                        </a:rPr>
+                        <a:t>엔더스</a:t>
+                      </a:r>
+                      <a:endParaRPr kumimoji="1" lang="en-US" altLang="ko-KR" sz="900" b="0" i="0" u="none" strike="noStrike" kern="1200" cap="none" normalizeH="0" baseline="0" dirty="0">
+                        <a:ln>
+                          <a:noFill/>
+                        </a:ln>
+                        <a:solidFill>
+                          <a:schemeClr val="tx1"/>
+                        </a:solidFill>
+                        <a:effectLst/>
+                        <a:latin typeface="+mn-lt"/>
+                        <a:ea typeface="나눔고딕" pitchFamily="50" charset="-127"/>
+                        <a:cs typeface="+mn-cs"/>
+                      </a:endParaRPr>
+                    </a:p>
+                  </a:txBody>
+                  <a:tcPr marL="13414" marR="13414" marT="15994" marB="15994" anchor="ctr">
+                    <a:lnL w="3175" cap="flat" cmpd="sng" algn="ctr">
+                      <a:solidFill>
+                        <a:schemeClr val="tx1"/>
+                      </a:solidFill>
+                      <a:prstDash val="solid"/>
+                      <a:round/>
+                      <a:headEnd type="none" w="med" len="med"/>
+                      <a:tailEnd type="none" w="med" len="med"/>
+                    </a:lnL>
+                    <a:lnR w="3175" cap="flat" cmpd="sng" algn="ctr">
+                      <a:solidFill>
+                        <a:schemeClr val="tx1"/>
+                      </a:solidFill>
+                      <a:prstDash val="solid"/>
+                      <a:round/>
+                      <a:headEnd type="none" w="med" len="med"/>
+                      <a:tailEnd type="none" w="med" len="med"/>
+                    </a:lnR>
+                    <a:lnT w="3175" cap="flat" cmpd="sng" algn="ctr">
+                      <a:solidFill>
+                        <a:schemeClr val="tx1"/>
+                      </a:solidFill>
+                      <a:prstDash val="solid"/>
+                      <a:round/>
+                      <a:headEnd type="none" w="med" len="med"/>
+                      <a:tailEnd type="none" w="med" len="med"/>
+                    </a:lnT>
+                    <a:lnB w="3175" cap="flat" cmpd="sng" algn="ctr">
+                      <a:solidFill>
+                        <a:schemeClr val="tx1"/>
+                      </a:solidFill>
+                      <a:prstDash val="solid"/>
+                      <a:round/>
+                      <a:headEnd type="none" w="med" len="med"/>
+                      <a:tailEnd type="none" w="med" len="med"/>
+                    </a:lnB>
+                    <a:lnTlToBr>
+                      <a:noFill/>
+                    </a:lnTlToBr>
+                    <a:lnBlToTr>
+                      <a:noFill/>
+                    </a:lnBlToTr>
+                    <a:noFill/>
+                  </a:tcPr>
+                </a:tc>
+                <a:tc>
+                  <a:txBody>
+                    <a:bodyPr/>
+                    <a:lstStyle/>
+                    <a:p>
+                      <a:pPr marL="0" indent="0" algn="ctr" defTabSz="914400" fontAlgn="base">
+                        <a:lnSpc>
+                          <a:spcPct val="100000"/>
+                        </a:lnSpc>
+                        <a:spcBef>
+                          <a:spcPts val="0"/>
+                        </a:spcBef>
+                        <a:spcAft>
+                          <a:spcPts val="0"/>
+                        </a:spcAft>
+                        <a:buFontTx/>
+                        <a:buNone/>
+                      </a:pPr>
+                      <a:r>
+                        <a:rPr lang="ko-KR" altLang="en-US" sz="900" b="0" kern="1200" dirty="0">
+                          <a:solidFill>
+                            <a:srgbClr val="000000"/>
+                          </a:solidFill>
+                          <a:latin typeface="나눔고딕" charset="0"/>
+                          <a:ea typeface="나눔고딕" charset="0"/>
+                        </a:rPr>
+                        <a:t>리만</a:t>
+                      </a:r>
+                    </a:p>
+                  </a:txBody>
+                  <a:tcPr marL="26829" marR="26829" marT="28893" marB="28893" anchor="ctr">
+                    <a:lnL w="3175" cap="flat" cmpd="sng" algn="ctr">
+                      <a:solidFill>
+                        <a:schemeClr val="tx1"/>
+                      </a:solidFill>
+                      <a:prstDash val="solid"/>
+                      <a:round/>
+                      <a:headEnd type="none" w="med" len="med"/>
+                      <a:tailEnd type="none" w="med" len="med"/>
+                    </a:lnL>
+                    <a:lnR w="3175" cap="flat" cmpd="sng" algn="ctr">
+                      <a:solidFill>
+                        <a:schemeClr val="tx1"/>
+                      </a:solidFill>
+                      <a:prstDash val="solid"/>
+                      <a:round/>
+                      <a:headEnd type="none" w="med" len="med"/>
+                      <a:tailEnd type="none" w="med" len="med"/>
+                    </a:lnR>
+                    <a:lnT w="3175" cap="flat" cmpd="sng" algn="ctr">
+                      <a:solidFill>
+                        <a:schemeClr val="tx1"/>
+                      </a:solidFill>
+                      <a:prstDash val="solid"/>
+                      <a:round/>
+                      <a:headEnd type="none" w="med" len="med"/>
+                      <a:tailEnd type="none" w="med" len="med"/>
+                    </a:lnT>
+                    <a:lnB w="3175" cap="flat" cmpd="sng" algn="ctr">
+                      <a:solidFill>
+                        <a:schemeClr val="tx1"/>
+                      </a:solidFill>
+                      <a:prstDash val="solid"/>
+                      <a:round/>
+                      <a:headEnd type="none" w="med" len="med"/>
+                      <a:tailEnd type="none" w="med" len="med"/>
+                    </a:lnB>
+                    <a:lnTlToBr>
+                      <a:noFill/>
+                    </a:lnTlToBr>
+                    <a:lnBlToTr>
+                      <a:noFill/>
+                    </a:lnBlToTr>
+                    <a:noFill/>
+                  </a:tcPr>
+                </a:tc>
+                <a:tc>
+                  <a:txBody>
+                    <a:bodyPr/>
+                    <a:lstStyle/>
+                    <a:p>
+                      <a:pPr marL="0" marR="0" lvl="0" indent="0" algn="ctr" defTabSz="914400" rtl="0" eaLnBrk="1" fontAlgn="base" latinLnBrk="1" hangingPunct="1">
+                        <a:lnSpc>
+                          <a:spcPct val="100000"/>
+                        </a:lnSpc>
+                        <a:spcBef>
+                          <a:spcPts val="0"/>
+                        </a:spcBef>
+                        <a:spcAft>
+                          <a:spcPts val="0"/>
+                        </a:spcAft>
+                        <a:buClrTx/>
+                        <a:buSzTx/>
+                        <a:buFontTx/>
+                        <a:buNone/>
+                        <a:tabLst/>
+                        <a:defRPr/>
+                      </a:pPr>
+                      <a:r>
+                        <a:rPr lang="ko-KR" altLang="en-US" sz="900" b="0" kern="1200" dirty="0">
+                          <a:solidFill>
+                            <a:srgbClr val="000000"/>
+                          </a:solidFill>
+                          <a:latin typeface="나눔고딕" charset="0"/>
+                          <a:ea typeface="나눔고딕" charset="0"/>
+                        </a:rPr>
+                        <a:t>리만 </a:t>
+                      </a:r>
+                      <a:r>
+                        <a:rPr lang="en-US" altLang="ko-KR" sz="900" b="0" kern="1200" dirty="0" err="1">
+                          <a:solidFill>
+                            <a:srgbClr val="000000"/>
+                          </a:solidFill>
+                          <a:latin typeface="나눔고딕" charset="0"/>
+                          <a:ea typeface="나눔고딕" charset="0"/>
+                        </a:rPr>
+                        <a:t>Myoffice</a:t>
+                      </a:r>
+                      <a:r>
+                        <a:rPr lang="en-US" altLang="ko-KR" sz="900" b="0" kern="1200" dirty="0">
+                          <a:solidFill>
+                            <a:srgbClr val="000000"/>
+                          </a:solidFill>
+                          <a:latin typeface="나눔고딕" charset="0"/>
+                          <a:ea typeface="나눔고딕" charset="0"/>
+                        </a:rPr>
+                        <a:t> </a:t>
+                      </a:r>
+                      <a:r>
+                        <a:rPr lang="ko-KR" altLang="en-US" sz="900" b="0" kern="1200" dirty="0">
+                          <a:solidFill>
+                            <a:srgbClr val="000000"/>
+                          </a:solidFill>
+                          <a:latin typeface="나눔고딕" charset="0"/>
+                          <a:ea typeface="나눔고딕" charset="0"/>
+                        </a:rPr>
+                        <a:t>구축 지원</a:t>
+                      </a:r>
+                    </a:p>
+                  </a:txBody>
+                  <a:tcPr marL="26829" marR="26829" marT="28893" marB="28893" anchor="ctr">
+                    <a:lnL w="3175" cap="flat" cmpd="sng" algn="ctr">
+                      <a:solidFill>
+                        <a:schemeClr val="tx1"/>
+                      </a:solidFill>
+                      <a:prstDash val="solid"/>
+                      <a:round/>
+                      <a:headEnd type="none" w="med" len="med"/>
+                      <a:tailEnd type="none" w="med" len="med"/>
+                    </a:lnL>
+                    <a:lnR w="3175" cap="flat" cmpd="sng" algn="ctr">
+                      <a:solidFill>
+                        <a:schemeClr val="tx1"/>
+                      </a:solidFill>
+                      <a:prstDash val="solid"/>
+                      <a:round/>
+                      <a:headEnd type="none" w="med" len="med"/>
+                      <a:tailEnd type="none" w="med" len="med"/>
+                    </a:lnR>
+                    <a:lnT w="3175" cap="flat" cmpd="sng" algn="ctr">
+                      <a:solidFill>
+                        <a:schemeClr val="tx1"/>
+                      </a:solidFill>
+                      <a:prstDash val="solid"/>
+                      <a:round/>
+                      <a:headEnd type="none" w="med" len="med"/>
+                      <a:tailEnd type="none" w="med" len="med"/>
+                    </a:lnT>
+                    <a:lnB w="3175" cap="flat" cmpd="sng" algn="ctr">
+                      <a:solidFill>
+                        <a:schemeClr val="tx1"/>
+                      </a:solidFill>
+                      <a:prstDash val="solid"/>
+                      <a:round/>
+                      <a:headEnd type="none" w="med" len="med"/>
+                      <a:tailEnd type="none" w="med" len="med"/>
+                    </a:lnB>
+                    <a:lnTlToBr>
+                      <a:noFill/>
+                    </a:lnTlToBr>
+                    <a:lnBlToTr>
+                      <a:noFill/>
+                    </a:lnBlToTr>
+                    <a:noFill/>
+                  </a:tcPr>
+                </a:tc>
+                <a:tc>
+                  <a:txBody>
+                    <a:bodyPr/>
+                    <a:lstStyle/>
+                    <a:p>
+                      <a:pPr marL="0" marR="0" indent="0" algn="ctr" defTabSz="914400" rtl="0" eaLnBrk="1" fontAlgn="base" latinLnBrk="1" hangingPunct="1">
+                        <a:lnSpc>
+                          <a:spcPct val="100000"/>
+                        </a:lnSpc>
+                        <a:spcBef>
+                          <a:spcPts val="0"/>
+                        </a:spcBef>
+                        <a:spcAft>
+                          <a:spcPts val="0"/>
+                        </a:spcAft>
+                        <a:buClrTx/>
+                        <a:buSzTx/>
+                        <a:buFontTx/>
+                        <a:buNone/>
+                        <a:tabLst/>
+                        <a:defRPr/>
+                      </a:pPr>
+                      <a:r>
+                        <a:rPr lang="en-US" altLang="ko-KR" sz="900" b="0" kern="1200" dirty="0">
+                          <a:solidFill>
+                            <a:schemeClr val="tx1"/>
+                          </a:solidFill>
+                          <a:latin typeface="나눔고딕" charset="0"/>
+                          <a:ea typeface="나눔고딕" charset="0"/>
+                        </a:rPr>
+                        <a:t>2021.07 ~ 2021.07</a:t>
+                      </a:r>
+                      <a:endParaRPr lang="ko-KR" altLang="en-US" sz="900" b="0" kern="1200" dirty="0">
+                        <a:solidFill>
+                          <a:schemeClr val="tx1"/>
+                        </a:solidFill>
+                        <a:latin typeface="나눔고딕" charset="0"/>
+                        <a:ea typeface="나눔고딕" charset="0"/>
+                      </a:endParaRPr>
+                    </a:p>
+                  </a:txBody>
+                  <a:tcPr marL="7739" marR="7739" marT="7739" marB="0" anchor="ctr">
+                    <a:lnL w="3175" cap="flat" cmpd="sng" algn="ctr">
+                      <a:solidFill>
+                        <a:schemeClr val="tx1"/>
+                      </a:solidFill>
+                      <a:prstDash val="solid"/>
+                      <a:round/>
+                      <a:headEnd type="none" w="med" len="med"/>
+                      <a:tailEnd type="none" w="med" len="med"/>
+                    </a:lnL>
+                    <a:lnR w="3175" cap="flat" cmpd="sng" algn="ctr">
+                      <a:solidFill>
+                        <a:schemeClr val="tx1"/>
+                      </a:solidFill>
+                      <a:prstDash val="solid"/>
+                      <a:round/>
+                      <a:headEnd type="none" w="med" len="med"/>
+                      <a:tailEnd type="none" w="med" len="med"/>
+                    </a:lnR>
+                    <a:lnT w="3175" cap="flat" cmpd="sng" algn="ctr">
+                      <a:solidFill>
+                        <a:schemeClr val="tx1"/>
+                      </a:solidFill>
+                      <a:prstDash val="solid"/>
+                      <a:round/>
+                      <a:headEnd type="none" w="med" len="med"/>
+                      <a:tailEnd type="none" w="med" len="med"/>
+                    </a:lnT>
+                    <a:lnB w="3175" cap="flat" cmpd="sng" algn="ctr">
+                      <a:solidFill>
+                        <a:schemeClr val="tx1"/>
+                      </a:solidFill>
+                      <a:prstDash val="solid"/>
+                      <a:round/>
+                      <a:headEnd type="none" w="med" len="med"/>
+                      <a:tailEnd type="none" w="med" len="med"/>
+                    </a:lnB>
+                    <a:lnTlToBr>
+                      <a:noFill/>
+                    </a:lnTlToBr>
+                    <a:lnBlToTr>
+                      <a:noFill/>
+                    </a:lnBlToTr>
+                    <a:noFill/>
+                  </a:tcPr>
+                </a:tc>
+                <a:tc>
+                  <a:txBody>
+                    <a:bodyPr/>
+                    <a:lstStyle/>
+                    <a:p>
+                      <a:pPr marL="0" marR="0" indent="0" algn="ctr" defTabSz="914400" rtl="0" eaLnBrk="1" fontAlgn="base" latinLnBrk="1" hangingPunct="1">
+                        <a:lnSpc>
+                          <a:spcPts val="1200"/>
+                        </a:lnSpc>
+                        <a:spcBef>
+                          <a:spcPts val="0"/>
+                        </a:spcBef>
+                        <a:spcAft>
+                          <a:spcPts val="0"/>
+                        </a:spcAft>
+                        <a:buClrTx/>
+                        <a:buSzTx/>
+                        <a:buFontTx/>
+                        <a:buNone/>
+                        <a:tabLst/>
+                        <a:defRPr/>
+                      </a:pPr>
+                      <a:r>
+                        <a:rPr kumimoji="0" lang="ko-KR" altLang="en-US" sz="900" b="0" i="0" u="none" strike="noStrike" kern="1200" cap="none" normalizeH="0" baseline="0" dirty="0">
+                          <a:ln>
+                            <a:noFill/>
+                          </a:ln>
+                          <a:solidFill>
+                            <a:schemeClr val="tx1"/>
+                          </a:solidFill>
+                          <a:effectLst/>
+                          <a:latin typeface="나눔고딕" charset="0"/>
+                          <a:ea typeface="나눔고딕" charset="0"/>
+                          <a:cs typeface="+mn-cs"/>
+                        </a:rPr>
+                        <a:t>퍼블리싱</a:t>
+                      </a:r>
+                      <a:endParaRPr lang="ko-KR" altLang="en-US" sz="900" b="0" kern="1200" dirty="0">
+                        <a:solidFill>
+                          <a:schemeClr val="tx1"/>
+                        </a:solidFill>
+                        <a:latin typeface="나눔고딕" charset="0"/>
+                        <a:ea typeface="나눔고딕" charset="0"/>
+                      </a:endParaRPr>
+                    </a:p>
+                  </a:txBody>
+                  <a:tcPr marL="7739" marR="7739" marT="7739" marB="0" anchor="ctr">
+                    <a:lnL w="3175" cap="flat" cmpd="sng" algn="ctr">
+                      <a:solidFill>
+                        <a:schemeClr val="tx1"/>
+                      </a:solidFill>
+                      <a:prstDash val="solid"/>
+                      <a:round/>
+                      <a:headEnd type="none" w="med" len="med"/>
+                      <a:tailEnd type="none" w="med" len="med"/>
+                    </a:lnL>
+                    <a:lnR w="3175" cap="flat" cmpd="sng" algn="ctr">
+                      <a:solidFill>
+                        <a:schemeClr val="tx1"/>
+                      </a:solidFill>
+                      <a:prstDash val="solid"/>
+                      <a:round/>
+                      <a:headEnd type="none" w="med" len="med"/>
+                      <a:tailEnd type="none" w="med" len="med"/>
+                    </a:lnR>
+                    <a:lnT w="3175" cap="flat" cmpd="sng" algn="ctr">
+                      <a:solidFill>
+                        <a:schemeClr val="tx1"/>
+                      </a:solidFill>
+                      <a:prstDash val="solid"/>
+                      <a:round/>
+                      <a:headEnd type="none" w="med" len="med"/>
+                      <a:tailEnd type="none" w="med" len="med"/>
+                    </a:lnT>
+                    <a:lnB w="3175" cap="flat" cmpd="sng" algn="ctr">
+                      <a:solidFill>
+                        <a:schemeClr val="tx1"/>
+                      </a:solidFill>
+                      <a:prstDash val="solid"/>
+                      <a:round/>
+                      <a:headEnd type="none" w="med" len="med"/>
+                      <a:tailEnd type="none" w="med" len="med"/>
+                    </a:lnB>
+                    <a:lnTlToBr>
+                      <a:noFill/>
+                    </a:lnTlToBr>
+                    <a:lnBlToTr>
+                      <a:noFill/>
+                    </a:lnBlToTr>
+                    <a:noFill/>
+                  </a:tcPr>
+                </a:tc>
+                <a:tc>
+                  <a:txBody>
+                    <a:bodyPr/>
+                    <a:lstStyle/>
+                    <a:p>
+                      <a:pPr marL="0" indent="0" algn="ctr" defTabSz="914400" fontAlgn="base">
+                        <a:lnSpc>
+                          <a:spcPts val="1200"/>
+                        </a:lnSpc>
+                        <a:spcBef>
+                          <a:spcPts val="0"/>
+                        </a:spcBef>
+                        <a:spcAft>
+                          <a:spcPts val="0"/>
+                        </a:spcAft>
+                        <a:buFontTx/>
+                        <a:buNone/>
+                      </a:pPr>
+                      <a:r>
+                        <a:rPr lang="en-US" altLang="ko-KR" sz="900" b="0" kern="1200" dirty="0">
+                          <a:solidFill>
+                            <a:schemeClr val="tx1"/>
+                          </a:solidFill>
+                          <a:latin typeface="나눔고딕" charset="0"/>
+                          <a:ea typeface="나눔고딕" charset="0"/>
+                        </a:rPr>
+                        <a:t>Player</a:t>
+                      </a:r>
+                      <a:endParaRPr lang="ko-KR" altLang="en-US" sz="900" b="0" kern="1200" dirty="0">
+                        <a:solidFill>
+                          <a:schemeClr val="tx1"/>
+                        </a:solidFill>
+                        <a:latin typeface="나눔고딕" charset="0"/>
+                        <a:ea typeface="나눔고딕" charset="0"/>
+                      </a:endParaRPr>
+                    </a:p>
+                  </a:txBody>
+                  <a:tcPr marL="26829" marR="26829" marT="28893" marB="28893" anchor="ctr">
+                    <a:lnL w="3175" cap="flat" cmpd="sng" algn="ctr">
+                      <a:solidFill>
+                        <a:schemeClr val="tx1"/>
+                      </a:solidFill>
+                      <a:prstDash val="solid"/>
+                      <a:round/>
+                      <a:headEnd type="none" w="med" len="med"/>
+                      <a:tailEnd type="none" w="med" len="med"/>
+                    </a:lnL>
+                    <a:lnR w="3175" cap="flat" cmpd="sng" algn="ctr">
+                      <a:solidFill>
+                        <a:schemeClr val="tx1"/>
+                      </a:solidFill>
+                      <a:prstDash val="solid"/>
+                      <a:round/>
+                      <a:headEnd type="none" w="med" len="med"/>
+                      <a:tailEnd type="none" w="med" len="med"/>
+                    </a:lnR>
+                    <a:lnT w="3175" cap="flat" cmpd="sng" algn="ctr">
+                      <a:solidFill>
+                        <a:schemeClr val="tx1"/>
+                      </a:solidFill>
+                      <a:prstDash val="solid"/>
+                      <a:round/>
+                      <a:headEnd type="none" w="med" len="med"/>
+                      <a:tailEnd type="none" w="med" len="med"/>
+                    </a:lnT>
+                    <a:lnB w="3175" cap="flat" cmpd="sng" algn="ctr">
+                      <a:solidFill>
+                        <a:schemeClr val="tx1"/>
+                      </a:solidFill>
+                      <a:prstDash val="solid"/>
+                      <a:round/>
+                      <a:headEnd type="none" w="med" len="med"/>
+                      <a:tailEnd type="none" w="med" len="med"/>
+                    </a:lnB>
+                    <a:lnTlToBr>
+                      <a:noFill/>
+                    </a:lnTlToBr>
+                    <a:lnBlToTr>
+                      <a:noFill/>
+                    </a:lnBlToTr>
+                    <a:noFill/>
+                  </a:tcPr>
+                </a:tc>
+                <a:tc>
+                  <a:txBody>
+                    <a:bodyPr/>
+                    <a:lstStyle/>
+                    <a:p>
+                      <a:pPr marL="0" indent="0" algn="ctr" defTabSz="914400" fontAlgn="base">
+                        <a:lnSpc>
+                          <a:spcPct val="100000"/>
+                        </a:lnSpc>
+                        <a:spcBef>
+                          <a:spcPts val="0"/>
+                        </a:spcBef>
+                        <a:spcAft>
+                          <a:spcPts val="0"/>
+                        </a:spcAft>
+                        <a:buFontTx/>
+                        <a:buNone/>
+                      </a:pPr>
+                      <a:r>
+                        <a:rPr kumimoji="0" lang="en-US" altLang="ko-KR" sz="900" b="0" i="0" u="none" strike="noStrike" kern="1200" cap="none" normalizeH="0" baseline="0" dirty="0">
+                          <a:ln>
+                            <a:noFill/>
+                          </a:ln>
+                          <a:solidFill>
+                            <a:schemeClr val="tx1"/>
+                          </a:solidFill>
+                          <a:effectLst/>
+                          <a:latin typeface="+mn-lt"/>
+                          <a:ea typeface="나눔고딕" pitchFamily="50" charset="-127"/>
+                          <a:cs typeface="맑은 고딕" charset="0"/>
+                        </a:rPr>
+                        <a:t>Html5, </a:t>
+                      </a:r>
+                      <a:r>
+                        <a:rPr kumimoji="0" lang="en-US" altLang="ko-KR" sz="900" b="0" i="0" u="none" strike="noStrike" kern="1200" cap="none" normalizeH="0" baseline="0" dirty="0" err="1">
+                          <a:ln>
+                            <a:noFill/>
+                          </a:ln>
+                          <a:solidFill>
+                            <a:schemeClr val="tx1"/>
+                          </a:solidFill>
+                          <a:effectLst/>
+                          <a:latin typeface="+mn-lt"/>
+                          <a:ea typeface="나눔고딕" pitchFamily="50" charset="-127"/>
+                          <a:cs typeface="맑은 고딕" charset="0"/>
+                        </a:rPr>
+                        <a:t>scss</a:t>
+                      </a:r>
+                      <a:r>
+                        <a:rPr kumimoji="0" lang="en-US" altLang="ko-KR" sz="900" b="0" i="0" u="none" strike="noStrike" kern="1200" cap="none" normalizeH="0" baseline="0" dirty="0">
+                          <a:ln>
+                            <a:noFill/>
+                          </a:ln>
+                          <a:solidFill>
+                            <a:schemeClr val="tx1"/>
+                          </a:solidFill>
+                          <a:effectLst/>
+                          <a:latin typeface="+mn-lt"/>
+                          <a:ea typeface="나눔고딕" pitchFamily="50" charset="-127"/>
+                          <a:cs typeface="맑은 고딕" charset="0"/>
+                        </a:rPr>
+                        <a:t>, </a:t>
+                      </a:r>
+                      <a:r>
+                        <a:rPr kumimoji="0" lang="en-US" altLang="ko-KR" sz="900" b="0" i="0" u="none" strike="noStrike" kern="1200" cap="none" normalizeH="0" baseline="0" dirty="0" err="1">
+                          <a:ln>
+                            <a:noFill/>
+                          </a:ln>
+                          <a:solidFill>
+                            <a:schemeClr val="tx1"/>
+                          </a:solidFill>
+                          <a:effectLst/>
+                          <a:latin typeface="+mn-lt"/>
+                          <a:ea typeface="나눔고딕" pitchFamily="50" charset="-127"/>
+                          <a:cs typeface="맑은 고딕" charset="0"/>
+                        </a:rPr>
+                        <a:t>vue</a:t>
+                      </a:r>
+                      <a:r>
+                        <a:rPr kumimoji="0" lang="ko-KR" altLang="en-US" sz="900" b="0" i="0" u="none" strike="noStrike" kern="1200" cap="none" normalizeH="0" baseline="0" dirty="0">
+                          <a:ln>
+                            <a:noFill/>
+                          </a:ln>
+                          <a:solidFill>
+                            <a:schemeClr val="tx1"/>
+                          </a:solidFill>
+                          <a:effectLst/>
+                          <a:latin typeface="+mn-lt"/>
+                          <a:ea typeface="나눔고딕" pitchFamily="50" charset="-127"/>
+                          <a:cs typeface="맑은 고딕" charset="0"/>
+                        </a:rPr>
+                        <a:t>환경 퍼블리싱</a:t>
+                      </a:r>
+                      <a:r>
+                        <a:rPr kumimoji="0" lang="en-US" altLang="ko-KR" sz="900" b="0" i="0" u="none" strike="noStrike" kern="1200" cap="none" normalizeH="0" baseline="0" dirty="0">
+                          <a:ln>
+                            <a:noFill/>
+                          </a:ln>
+                          <a:solidFill>
+                            <a:schemeClr val="tx1"/>
+                          </a:solidFill>
+                          <a:effectLst/>
+                          <a:latin typeface="+mn-lt"/>
+                          <a:ea typeface="나눔고딕" pitchFamily="50" charset="-127"/>
+                          <a:cs typeface="맑은 고딕" charset="0"/>
+                        </a:rPr>
+                        <a:t>, Adobe XD</a:t>
+                      </a:r>
+                      <a:endParaRPr lang="ko-KR" altLang="en-US" sz="900" b="0" kern="1200" dirty="0">
+                        <a:solidFill>
+                          <a:schemeClr val="tx1"/>
+                        </a:solidFill>
+                        <a:latin typeface="나눔고딕" charset="0"/>
+                        <a:ea typeface="나눔고딕" charset="0"/>
+                      </a:endParaRPr>
+                    </a:p>
+                  </a:txBody>
+                  <a:tcPr marL="24765" marR="24765" marT="28893" marB="28893" anchor="ctr">
+                    <a:lnL w="3175" cap="flat" cmpd="sng" algn="ctr">
+                      <a:solidFill>
+                        <a:schemeClr val="tx1"/>
+                      </a:solidFill>
+                      <a:prstDash val="solid"/>
+                      <a:round/>
+                      <a:headEnd type="none" w="med" len="med"/>
+                      <a:tailEnd type="none" w="med" len="med"/>
+                    </a:lnL>
+                    <a:lnR w="3175" cap="flat" cmpd="sng" algn="ctr">
+                      <a:solidFill>
+                        <a:schemeClr val="tx1"/>
+                      </a:solidFill>
+                      <a:prstDash val="solid"/>
+                      <a:round/>
+                      <a:headEnd type="none" w="med" len="med"/>
+                      <a:tailEnd type="none" w="med" len="med"/>
+                    </a:lnR>
+                    <a:lnT w="3175" cap="flat" cmpd="sng" algn="ctr">
+                      <a:solidFill>
+                        <a:schemeClr val="tx1"/>
+                      </a:solidFill>
+                      <a:prstDash val="solid"/>
+                      <a:round/>
+                      <a:headEnd type="none" w="med" len="med"/>
+                      <a:tailEnd type="none" w="med" len="med"/>
+                    </a:lnT>
+                    <a:lnB w="3175" cap="flat" cmpd="sng" algn="ctr">
+                      <a:solidFill>
+                        <a:schemeClr val="tx1"/>
+                      </a:solidFill>
+                      <a:prstDash val="solid"/>
+                      <a:round/>
+                      <a:headEnd type="none" w="med" len="med"/>
+                      <a:tailEnd type="none" w="med" len="med"/>
+                    </a:lnB>
+                    <a:lnTlToBr>
+                      <a:noFill/>
+                    </a:lnTlToBr>
+                    <a:lnBlToTr>
+                      <a:noFill/>
+                    </a:lnBlToTr>
+                    <a:noFill/>
+                  </a:tcPr>
+                </a:tc>
+                <a:extLst>
+                  <a:ext uri="{0D108BD9-81ED-4DB2-BD59-A6C34878D82A}">
+                    <a16:rowId xmlns:a16="http://schemas.microsoft.com/office/drawing/2014/main" val="1300053147"/>
+                  </a:ext>
+                </a:extLst>
+              </a:tr>
+              <a:tr h="360893">
+                <a:tc>
+                  <a:txBody>
+                    <a:bodyPr/>
+                    <a:lstStyle/>
+                    <a:p>
+                      <a:pPr marL="0" marR="0" lvl="0" indent="0" algn="ctr" defTabSz="914400" rtl="0" eaLnBrk="1" fontAlgn="base" latinLnBrk="1" hangingPunct="1">
+                        <a:lnSpc>
+                          <a:spcPts val="1200"/>
+                        </a:lnSpc>
+                        <a:spcBef>
+                          <a:spcPts val="0"/>
+                        </a:spcBef>
+                        <a:spcAft>
+                          <a:spcPts val="0"/>
+                        </a:spcAft>
+                        <a:buClrTx/>
+                        <a:buSzTx/>
+                        <a:buFontTx/>
+                        <a:buNone/>
+                        <a:tabLst/>
+                        <a:defRPr/>
+                      </a:pPr>
+                      <a:r>
+                        <a:rPr kumimoji="1" lang="en-US" altLang="ko-KR" sz="900" b="0" i="0" u="none" strike="noStrike" kern="1200" cap="none" normalizeH="0" baseline="0" dirty="0">
+                          <a:ln>
+                            <a:noFill/>
+                          </a:ln>
+                          <a:solidFill>
+                            <a:schemeClr val="tx1"/>
+                          </a:solidFill>
+                          <a:effectLst/>
+                          <a:latin typeface="+mn-lt"/>
+                          <a:ea typeface="나눔고딕" pitchFamily="50" charset="-127"/>
+                          <a:cs typeface="+mn-cs"/>
+                        </a:rPr>
+                        <a:t>(</a:t>
+                      </a:r>
+                      <a:r>
+                        <a:rPr kumimoji="1" lang="ko-KR" altLang="en-US" sz="900" b="0" i="0" u="none" strike="noStrike" kern="1200" cap="none" normalizeH="0" baseline="0" dirty="0">
+                          <a:ln>
+                            <a:noFill/>
+                          </a:ln>
+                          <a:solidFill>
+                            <a:schemeClr val="tx1"/>
+                          </a:solidFill>
+                          <a:effectLst/>
+                          <a:latin typeface="+mn-lt"/>
+                          <a:ea typeface="나눔고딕" pitchFamily="50" charset="-127"/>
+                          <a:cs typeface="+mn-cs"/>
+                        </a:rPr>
+                        <a:t>주</a:t>
+                      </a:r>
+                      <a:r>
+                        <a:rPr kumimoji="1" lang="en-US" altLang="ko-KR" sz="900" b="0" i="0" u="none" strike="noStrike" kern="1200" cap="none" normalizeH="0" baseline="0" dirty="0">
+                          <a:ln>
+                            <a:noFill/>
+                          </a:ln>
+                          <a:solidFill>
+                            <a:schemeClr val="tx1"/>
+                          </a:solidFill>
+                          <a:effectLst/>
+                          <a:latin typeface="+mn-lt"/>
+                          <a:ea typeface="나눔고딕" pitchFamily="50" charset="-127"/>
+                          <a:cs typeface="+mn-cs"/>
+                        </a:rPr>
+                        <a:t>)</a:t>
+                      </a:r>
+                      <a:r>
+                        <a:rPr kumimoji="1" lang="ko-KR" altLang="en-US" sz="900" b="0" i="0" u="none" strike="noStrike" kern="1200" cap="none" normalizeH="0" baseline="0" dirty="0" err="1">
+                          <a:ln>
+                            <a:noFill/>
+                          </a:ln>
+                          <a:solidFill>
+                            <a:schemeClr val="tx1"/>
+                          </a:solidFill>
+                          <a:effectLst/>
+                          <a:latin typeface="+mn-lt"/>
+                          <a:ea typeface="나눔고딕" pitchFamily="50" charset="-127"/>
+                          <a:cs typeface="+mn-cs"/>
+                        </a:rPr>
+                        <a:t>엔더스</a:t>
+                      </a:r>
+                      <a:endParaRPr kumimoji="1" lang="en-US" altLang="ko-KR" sz="900" b="0" i="0" u="none" strike="noStrike" kern="1200" cap="none" normalizeH="0" baseline="0" dirty="0">
+                        <a:ln>
+                          <a:noFill/>
+                        </a:ln>
+                        <a:solidFill>
+                          <a:schemeClr val="tx1"/>
+                        </a:solidFill>
+                        <a:effectLst/>
+                        <a:latin typeface="+mn-lt"/>
+                        <a:ea typeface="나눔고딕" pitchFamily="50" charset="-127"/>
+                        <a:cs typeface="+mn-cs"/>
+                      </a:endParaRPr>
+                    </a:p>
+                  </a:txBody>
+                  <a:tcPr marL="13414" marR="13414" marT="15994" marB="15994" anchor="ctr">
+                    <a:lnL w="3175" cap="flat" cmpd="sng" algn="ctr">
+                      <a:solidFill>
+                        <a:schemeClr val="tx1"/>
+                      </a:solidFill>
+                      <a:prstDash val="solid"/>
+                      <a:round/>
+                      <a:headEnd type="none" w="med" len="med"/>
+                      <a:tailEnd type="none" w="med" len="med"/>
+                    </a:lnL>
+                    <a:lnR w="3175" cap="flat" cmpd="sng" algn="ctr">
+                      <a:solidFill>
+                        <a:schemeClr val="tx1"/>
+                      </a:solidFill>
+                      <a:prstDash val="solid"/>
+                      <a:round/>
+                      <a:headEnd type="none" w="med" len="med"/>
+                      <a:tailEnd type="none" w="med" len="med"/>
+                    </a:lnR>
+                    <a:lnT w="3175" cap="flat" cmpd="sng" algn="ctr">
+                      <a:solidFill>
+                        <a:schemeClr val="tx1"/>
+                      </a:solidFill>
+                      <a:prstDash val="solid"/>
+                      <a:round/>
+                      <a:headEnd type="none" w="med" len="med"/>
+                      <a:tailEnd type="none" w="med" len="med"/>
+                    </a:lnT>
+                    <a:lnB w="3175" cap="flat" cmpd="sng" algn="ctr">
+                      <a:solidFill>
+                        <a:schemeClr val="tx1"/>
+                      </a:solidFill>
+                      <a:prstDash val="solid"/>
+                      <a:round/>
+                      <a:headEnd type="none" w="med" len="med"/>
+                      <a:tailEnd type="none" w="med" len="med"/>
+                    </a:lnB>
+                    <a:lnTlToBr>
+                      <a:noFill/>
+                    </a:lnTlToBr>
+                    <a:lnBlToTr>
+                      <a:noFill/>
+                    </a:lnBlToTr>
+                    <a:noFill/>
+                  </a:tcPr>
+                </a:tc>
+                <a:tc>
+                  <a:txBody>
+                    <a:bodyPr/>
+                    <a:lstStyle/>
+                    <a:p>
+                      <a:pPr marL="0" indent="0" algn="ctr" defTabSz="914400" fontAlgn="base">
+                        <a:lnSpc>
+                          <a:spcPct val="100000"/>
+                        </a:lnSpc>
+                        <a:spcBef>
+                          <a:spcPts val="0"/>
+                        </a:spcBef>
+                        <a:spcAft>
+                          <a:spcPts val="0"/>
+                        </a:spcAft>
+                        <a:buFontTx/>
+                        <a:buNone/>
+                      </a:pPr>
+                      <a:r>
+                        <a:rPr lang="ko-KR" altLang="en-US" sz="900" b="0" kern="1200" dirty="0">
+                          <a:solidFill>
+                            <a:srgbClr val="000000"/>
+                          </a:solidFill>
+                          <a:latin typeface="나눔고딕" charset="0"/>
+                          <a:ea typeface="나눔고딕" charset="0"/>
+                        </a:rPr>
+                        <a:t>광주은행</a:t>
+                      </a:r>
+                    </a:p>
+                  </a:txBody>
+                  <a:tcPr marL="26829" marR="26829" marT="28893" marB="28893" anchor="ctr">
+                    <a:lnL w="3175" cap="flat" cmpd="sng" algn="ctr">
+                      <a:solidFill>
+                        <a:schemeClr val="tx1"/>
+                      </a:solidFill>
+                      <a:prstDash val="solid"/>
+                      <a:round/>
+                      <a:headEnd type="none" w="med" len="med"/>
+                      <a:tailEnd type="none" w="med" len="med"/>
+                    </a:lnL>
+                    <a:lnR w="3175" cap="flat" cmpd="sng" algn="ctr">
+                      <a:solidFill>
+                        <a:schemeClr val="tx1"/>
+                      </a:solidFill>
+                      <a:prstDash val="solid"/>
+                      <a:round/>
+                      <a:headEnd type="none" w="med" len="med"/>
+                      <a:tailEnd type="none" w="med" len="med"/>
+                    </a:lnR>
+                    <a:lnT w="3175" cap="flat" cmpd="sng" algn="ctr">
+                      <a:solidFill>
+                        <a:schemeClr val="tx1"/>
+                      </a:solidFill>
+                      <a:prstDash val="solid"/>
+                      <a:round/>
+                      <a:headEnd type="none" w="med" len="med"/>
+                      <a:tailEnd type="none" w="med" len="med"/>
+                    </a:lnT>
+                    <a:lnB w="3175" cap="flat" cmpd="sng" algn="ctr">
+                      <a:solidFill>
+                        <a:schemeClr val="tx1"/>
+                      </a:solidFill>
+                      <a:prstDash val="solid"/>
+                      <a:round/>
+                      <a:headEnd type="none" w="med" len="med"/>
+                      <a:tailEnd type="none" w="med" len="med"/>
+                    </a:lnB>
+                    <a:lnTlToBr>
+                      <a:noFill/>
+                    </a:lnTlToBr>
+                    <a:lnBlToTr>
+                      <a:noFill/>
+                    </a:lnBlToTr>
+                    <a:noFill/>
+                  </a:tcPr>
+                </a:tc>
+                <a:tc>
+                  <a:txBody>
+                    <a:bodyPr/>
+                    <a:lstStyle/>
+                    <a:p>
+                      <a:pPr marL="0" marR="0" lvl="0" indent="0" algn="ctr" defTabSz="914400" rtl="0" eaLnBrk="1" fontAlgn="base" latinLnBrk="1" hangingPunct="1">
+                        <a:lnSpc>
+                          <a:spcPct val="100000"/>
+                        </a:lnSpc>
+                        <a:spcBef>
+                          <a:spcPts val="0"/>
+                        </a:spcBef>
+                        <a:spcAft>
+                          <a:spcPts val="0"/>
+                        </a:spcAft>
+                        <a:buClrTx/>
+                        <a:buSzTx/>
+                        <a:buFontTx/>
+                        <a:buNone/>
+                        <a:tabLst/>
+                        <a:defRPr/>
+                      </a:pPr>
+                      <a:r>
+                        <a:rPr lang="en-US" altLang="ko-KR" sz="900" b="0" kern="1200" dirty="0">
+                          <a:solidFill>
+                            <a:srgbClr val="000000"/>
+                          </a:solidFill>
+                          <a:latin typeface="나눔고딕" charset="0"/>
+                          <a:ea typeface="나눔고딕" charset="0"/>
+                        </a:rPr>
+                        <a:t>AXON UMS </a:t>
+                      </a:r>
+                      <a:r>
+                        <a:rPr lang="ko-KR" altLang="en-US" sz="900" b="0" kern="1200" dirty="0">
+                          <a:solidFill>
+                            <a:srgbClr val="000000"/>
+                          </a:solidFill>
+                          <a:latin typeface="나눔고딕" charset="0"/>
+                          <a:ea typeface="나눔고딕" charset="0"/>
+                        </a:rPr>
+                        <a:t>솔루션 구축</a:t>
+                      </a:r>
+                    </a:p>
+                  </a:txBody>
+                  <a:tcPr marL="26829" marR="26829" marT="28893" marB="28893" anchor="ctr">
+                    <a:lnL w="3175" cap="flat" cmpd="sng" algn="ctr">
+                      <a:solidFill>
+                        <a:schemeClr val="tx1"/>
+                      </a:solidFill>
+                      <a:prstDash val="solid"/>
+                      <a:round/>
+                      <a:headEnd type="none" w="med" len="med"/>
+                      <a:tailEnd type="none" w="med" len="med"/>
+                    </a:lnL>
+                    <a:lnR w="3175" cap="flat" cmpd="sng" algn="ctr">
+                      <a:solidFill>
+                        <a:schemeClr val="tx1"/>
+                      </a:solidFill>
+                      <a:prstDash val="solid"/>
+                      <a:round/>
+                      <a:headEnd type="none" w="med" len="med"/>
+                      <a:tailEnd type="none" w="med" len="med"/>
+                    </a:lnR>
+                    <a:lnT w="3175" cap="flat" cmpd="sng" algn="ctr">
+                      <a:solidFill>
+                        <a:schemeClr val="tx1"/>
+                      </a:solidFill>
+                      <a:prstDash val="solid"/>
+                      <a:round/>
+                      <a:headEnd type="none" w="med" len="med"/>
+                      <a:tailEnd type="none" w="med" len="med"/>
+                    </a:lnT>
+                    <a:lnB w="3175" cap="flat" cmpd="sng" algn="ctr">
+                      <a:solidFill>
+                        <a:schemeClr val="tx1"/>
+                      </a:solidFill>
+                      <a:prstDash val="solid"/>
+                      <a:round/>
+                      <a:headEnd type="none" w="med" len="med"/>
+                      <a:tailEnd type="none" w="med" len="med"/>
+                    </a:lnB>
+                    <a:lnTlToBr>
+                      <a:noFill/>
+                    </a:lnTlToBr>
+                    <a:lnBlToTr>
+                      <a:noFill/>
+                    </a:lnBlToTr>
+                    <a:noFill/>
+                  </a:tcPr>
+                </a:tc>
+                <a:tc>
+                  <a:txBody>
+                    <a:bodyPr/>
+                    <a:lstStyle/>
+                    <a:p>
+                      <a:pPr marL="0" marR="0" indent="0" algn="ctr" defTabSz="914400" rtl="0" eaLnBrk="1" fontAlgn="base" latinLnBrk="1" hangingPunct="1">
+                        <a:lnSpc>
+                          <a:spcPct val="100000"/>
+                        </a:lnSpc>
+                        <a:spcBef>
+                          <a:spcPts val="0"/>
+                        </a:spcBef>
+                        <a:spcAft>
+                          <a:spcPts val="0"/>
+                        </a:spcAft>
+                        <a:buClrTx/>
+                        <a:buSzTx/>
+                        <a:buFontTx/>
+                        <a:buNone/>
+                        <a:tabLst/>
+                        <a:defRPr/>
+                      </a:pPr>
+                      <a:r>
+                        <a:rPr lang="en-US" altLang="ko-KR" sz="900" b="0" kern="1200" dirty="0">
+                          <a:solidFill>
+                            <a:schemeClr val="tx1"/>
+                          </a:solidFill>
+                          <a:latin typeface="나눔고딕" charset="0"/>
+                          <a:ea typeface="나눔고딕" charset="0"/>
+                        </a:rPr>
+                        <a:t>2021.08 ~ 2021.12</a:t>
+                      </a:r>
+                      <a:endParaRPr lang="ko-KR" altLang="en-US" sz="900" b="0" kern="1200" dirty="0">
+                        <a:solidFill>
+                          <a:schemeClr val="tx1"/>
+                        </a:solidFill>
+                        <a:latin typeface="나눔고딕" charset="0"/>
+                        <a:ea typeface="나눔고딕" charset="0"/>
+                      </a:endParaRPr>
+                    </a:p>
+                  </a:txBody>
+                  <a:tcPr marL="7739" marR="7739" marT="7739" marB="0" anchor="ctr">
+                    <a:lnL w="3175" cap="flat" cmpd="sng" algn="ctr">
+                      <a:solidFill>
+                        <a:schemeClr val="tx1"/>
+                      </a:solidFill>
+                      <a:prstDash val="solid"/>
+                      <a:round/>
+                      <a:headEnd type="none" w="med" len="med"/>
+                      <a:tailEnd type="none" w="med" len="med"/>
+                    </a:lnL>
+                    <a:lnR w="3175" cap="flat" cmpd="sng" algn="ctr">
+                      <a:solidFill>
+                        <a:schemeClr val="tx1"/>
+                      </a:solidFill>
+                      <a:prstDash val="solid"/>
+                      <a:round/>
+                      <a:headEnd type="none" w="med" len="med"/>
+                      <a:tailEnd type="none" w="med" len="med"/>
+                    </a:lnR>
+                    <a:lnT w="3175" cap="flat" cmpd="sng" algn="ctr">
+                      <a:solidFill>
+                        <a:schemeClr val="tx1"/>
+                      </a:solidFill>
+                      <a:prstDash val="solid"/>
+                      <a:round/>
+                      <a:headEnd type="none" w="med" len="med"/>
+                      <a:tailEnd type="none" w="med" len="med"/>
+                    </a:lnT>
+                    <a:lnB w="3175" cap="flat" cmpd="sng" algn="ctr">
+                      <a:solidFill>
+                        <a:schemeClr val="tx1"/>
+                      </a:solidFill>
+                      <a:prstDash val="solid"/>
+                      <a:round/>
+                      <a:headEnd type="none" w="med" len="med"/>
+                      <a:tailEnd type="none" w="med" len="med"/>
+                    </a:lnB>
+                    <a:lnTlToBr>
+                      <a:noFill/>
+                    </a:lnTlToBr>
+                    <a:lnBlToTr>
+                      <a:noFill/>
+                    </a:lnBlToTr>
+                    <a:noFill/>
+                  </a:tcPr>
+                </a:tc>
+                <a:tc>
+                  <a:txBody>
+                    <a:bodyPr/>
+                    <a:lstStyle/>
+                    <a:p>
+                      <a:pPr marL="0" marR="0" indent="0" algn="ctr" defTabSz="914400" rtl="0" eaLnBrk="1" fontAlgn="base" latinLnBrk="1" hangingPunct="1">
+                        <a:lnSpc>
+                          <a:spcPts val="1200"/>
+                        </a:lnSpc>
+                        <a:spcBef>
+                          <a:spcPts val="0"/>
+                        </a:spcBef>
+                        <a:spcAft>
+                          <a:spcPts val="0"/>
+                        </a:spcAft>
+                        <a:buClrTx/>
+                        <a:buSzTx/>
+                        <a:buFontTx/>
+                        <a:buNone/>
+                        <a:tabLst/>
+                        <a:defRPr/>
+                      </a:pPr>
+                      <a:r>
+                        <a:rPr kumimoji="0" lang="ko-KR" altLang="en-US" sz="900" b="0" i="0" u="none" strike="noStrike" kern="1200" cap="none" normalizeH="0" baseline="0" dirty="0">
+                          <a:ln>
+                            <a:noFill/>
+                          </a:ln>
+                          <a:solidFill>
+                            <a:schemeClr val="tx1"/>
+                          </a:solidFill>
+                          <a:effectLst/>
+                          <a:latin typeface="나눔고딕" charset="0"/>
+                          <a:ea typeface="나눔고딕" charset="0"/>
+                          <a:cs typeface="+mn-cs"/>
+                        </a:rPr>
+                        <a:t>퍼블리싱</a:t>
+                      </a:r>
+                      <a:endParaRPr lang="ko-KR" altLang="en-US" sz="900" b="0" kern="1200" dirty="0">
+                        <a:solidFill>
+                          <a:schemeClr val="tx1"/>
+                        </a:solidFill>
+                        <a:latin typeface="나눔고딕" charset="0"/>
+                        <a:ea typeface="나눔고딕" charset="0"/>
+                      </a:endParaRPr>
+                    </a:p>
+                  </a:txBody>
+                  <a:tcPr marL="7739" marR="7739" marT="7739" marB="0" anchor="ctr">
+                    <a:lnL w="3175" cap="flat" cmpd="sng" algn="ctr">
+                      <a:solidFill>
+                        <a:schemeClr val="tx1"/>
+                      </a:solidFill>
+                      <a:prstDash val="solid"/>
+                      <a:round/>
+                      <a:headEnd type="none" w="med" len="med"/>
+                      <a:tailEnd type="none" w="med" len="med"/>
+                    </a:lnL>
+                    <a:lnR w="3175" cap="flat" cmpd="sng" algn="ctr">
+                      <a:solidFill>
+                        <a:schemeClr val="tx1"/>
+                      </a:solidFill>
+                      <a:prstDash val="solid"/>
+                      <a:round/>
+                      <a:headEnd type="none" w="med" len="med"/>
+                      <a:tailEnd type="none" w="med" len="med"/>
+                    </a:lnR>
+                    <a:lnT w="3175" cap="flat" cmpd="sng" algn="ctr">
+                      <a:solidFill>
+                        <a:schemeClr val="tx1"/>
+                      </a:solidFill>
+                      <a:prstDash val="solid"/>
+                      <a:round/>
+                      <a:headEnd type="none" w="med" len="med"/>
+                      <a:tailEnd type="none" w="med" len="med"/>
+                    </a:lnT>
+                    <a:lnB w="3175" cap="flat" cmpd="sng" algn="ctr">
+                      <a:solidFill>
+                        <a:schemeClr val="tx1"/>
+                      </a:solidFill>
+                      <a:prstDash val="solid"/>
+                      <a:round/>
+                      <a:headEnd type="none" w="med" len="med"/>
+                      <a:tailEnd type="none" w="med" len="med"/>
+                    </a:lnB>
+                    <a:lnTlToBr>
+                      <a:noFill/>
+                    </a:lnTlToBr>
+                    <a:lnBlToTr>
+                      <a:noFill/>
+                    </a:lnBlToTr>
+                    <a:noFill/>
+                  </a:tcPr>
+                </a:tc>
+                <a:tc>
+                  <a:txBody>
+                    <a:bodyPr/>
+                    <a:lstStyle/>
+                    <a:p>
+                      <a:pPr marL="0" indent="0" algn="ctr" defTabSz="914400" fontAlgn="base">
+                        <a:lnSpc>
+                          <a:spcPts val="1200"/>
+                        </a:lnSpc>
+                        <a:spcBef>
+                          <a:spcPts val="0"/>
+                        </a:spcBef>
+                        <a:spcAft>
+                          <a:spcPts val="0"/>
+                        </a:spcAft>
+                        <a:buFontTx/>
+                        <a:buNone/>
+                      </a:pPr>
+                      <a:r>
+                        <a:rPr lang="en-US" altLang="ko-KR" sz="900" b="0" kern="1200" dirty="0">
+                          <a:solidFill>
+                            <a:schemeClr val="tx1"/>
+                          </a:solidFill>
+                          <a:latin typeface="나눔고딕" charset="0"/>
+                          <a:ea typeface="나눔고딕" charset="0"/>
+                        </a:rPr>
+                        <a:t>Player</a:t>
+                      </a:r>
+                      <a:endParaRPr lang="ko-KR" altLang="en-US" sz="900" b="0" kern="1200" dirty="0">
+                        <a:solidFill>
+                          <a:schemeClr val="tx1"/>
+                        </a:solidFill>
+                        <a:latin typeface="나눔고딕" charset="0"/>
+                        <a:ea typeface="나눔고딕" charset="0"/>
+                      </a:endParaRPr>
+                    </a:p>
+                  </a:txBody>
+                  <a:tcPr marL="26829" marR="26829" marT="28893" marB="28893" anchor="ctr">
+                    <a:lnL w="3175" cap="flat" cmpd="sng" algn="ctr">
+                      <a:solidFill>
+                        <a:schemeClr val="tx1"/>
+                      </a:solidFill>
+                      <a:prstDash val="solid"/>
+                      <a:round/>
+                      <a:headEnd type="none" w="med" len="med"/>
+                      <a:tailEnd type="none" w="med" len="med"/>
+                    </a:lnL>
+                    <a:lnR w="3175" cap="flat" cmpd="sng" algn="ctr">
+                      <a:solidFill>
+                        <a:schemeClr val="tx1"/>
+                      </a:solidFill>
+                      <a:prstDash val="solid"/>
+                      <a:round/>
+                      <a:headEnd type="none" w="med" len="med"/>
+                      <a:tailEnd type="none" w="med" len="med"/>
+                    </a:lnR>
+                    <a:lnT w="3175" cap="flat" cmpd="sng" algn="ctr">
+                      <a:solidFill>
+                        <a:schemeClr val="tx1"/>
+                      </a:solidFill>
+                      <a:prstDash val="solid"/>
+                      <a:round/>
+                      <a:headEnd type="none" w="med" len="med"/>
+                      <a:tailEnd type="none" w="med" len="med"/>
+                    </a:lnT>
+                    <a:lnB w="3175" cap="flat" cmpd="sng" algn="ctr">
+                      <a:solidFill>
+                        <a:schemeClr val="tx1"/>
+                      </a:solidFill>
+                      <a:prstDash val="solid"/>
+                      <a:round/>
+                      <a:headEnd type="none" w="med" len="med"/>
+                      <a:tailEnd type="none" w="med" len="med"/>
+                    </a:lnB>
+                    <a:lnTlToBr>
+                      <a:noFill/>
+                    </a:lnTlToBr>
+                    <a:lnBlToTr>
+                      <a:noFill/>
+                    </a:lnBlToTr>
+                    <a:noFill/>
+                  </a:tcPr>
+                </a:tc>
+                <a:tc>
+                  <a:txBody>
+                    <a:bodyPr/>
+                    <a:lstStyle/>
+                    <a:p>
+                      <a:pPr marL="0" indent="0" algn="ctr" defTabSz="914400" fontAlgn="base">
+                        <a:lnSpc>
+                          <a:spcPct val="100000"/>
+                        </a:lnSpc>
+                        <a:spcBef>
+                          <a:spcPts val="0"/>
+                        </a:spcBef>
+                        <a:spcAft>
+                          <a:spcPts val="0"/>
+                        </a:spcAft>
+                        <a:buFontTx/>
+                        <a:buNone/>
+                      </a:pPr>
+                      <a:r>
+                        <a:rPr kumimoji="0" lang="en-US" altLang="ko-KR" sz="900" b="0" i="0" u="none" strike="noStrike" kern="1200" cap="none" normalizeH="0" baseline="0" dirty="0">
+                          <a:ln>
+                            <a:noFill/>
+                          </a:ln>
+                          <a:solidFill>
+                            <a:schemeClr val="tx1"/>
+                          </a:solidFill>
+                          <a:effectLst/>
+                          <a:latin typeface="+mn-lt"/>
+                          <a:ea typeface="나눔고딕" pitchFamily="50" charset="-127"/>
+                          <a:cs typeface="맑은 고딕" charset="0"/>
+                        </a:rPr>
+                        <a:t>Html5, css3, </a:t>
+                      </a:r>
+                      <a:r>
+                        <a:rPr kumimoji="0" lang="en-US" altLang="ko-KR" sz="900" b="0" i="0" u="none" strike="noStrike" kern="1200" cap="none" normalizeH="0" baseline="0" dirty="0" err="1">
+                          <a:ln>
+                            <a:noFill/>
+                          </a:ln>
+                          <a:solidFill>
+                            <a:schemeClr val="tx1"/>
+                          </a:solidFill>
+                          <a:effectLst/>
+                          <a:latin typeface="+mn-lt"/>
+                          <a:ea typeface="나눔고딕" pitchFamily="50" charset="-127"/>
+                          <a:cs typeface="맑은 고딕" charset="0"/>
+                        </a:rPr>
+                        <a:t>jquery</a:t>
+                      </a:r>
+                      <a:r>
+                        <a:rPr kumimoji="0" lang="en-US" altLang="ko-KR" sz="900" b="0" i="0" u="none" strike="noStrike" kern="1200" cap="none" normalizeH="0" baseline="0" dirty="0">
+                          <a:ln>
+                            <a:noFill/>
+                          </a:ln>
+                          <a:solidFill>
+                            <a:schemeClr val="tx1"/>
+                          </a:solidFill>
+                          <a:effectLst/>
+                          <a:latin typeface="+mn-lt"/>
+                          <a:ea typeface="나눔고딕" pitchFamily="50" charset="-127"/>
+                          <a:cs typeface="맑은 고딕" charset="0"/>
+                        </a:rPr>
+                        <a:t>, Adobe XD</a:t>
+                      </a:r>
+                      <a:endParaRPr lang="ko-KR" altLang="en-US" sz="900" b="0" kern="1200" dirty="0">
+                        <a:solidFill>
+                          <a:schemeClr val="tx1"/>
+                        </a:solidFill>
+                        <a:latin typeface="나눔고딕" charset="0"/>
+                        <a:ea typeface="나눔고딕" charset="0"/>
+                      </a:endParaRPr>
+                    </a:p>
+                  </a:txBody>
+                  <a:tcPr marL="24765" marR="24765" marT="28893" marB="28893" anchor="ctr">
+                    <a:lnL w="3175" cap="flat" cmpd="sng" algn="ctr">
+                      <a:solidFill>
+                        <a:schemeClr val="tx1"/>
+                      </a:solidFill>
+                      <a:prstDash val="solid"/>
+                      <a:round/>
+                      <a:headEnd type="none" w="med" len="med"/>
+                      <a:tailEnd type="none" w="med" len="med"/>
+                    </a:lnL>
+                    <a:lnR w="3175" cap="flat" cmpd="sng" algn="ctr">
+                      <a:solidFill>
+                        <a:schemeClr val="tx1"/>
+                      </a:solidFill>
+                      <a:prstDash val="solid"/>
+                      <a:round/>
+                      <a:headEnd type="none" w="med" len="med"/>
+                      <a:tailEnd type="none" w="med" len="med"/>
+                    </a:lnR>
+                    <a:lnT w="3175" cap="flat" cmpd="sng" algn="ctr">
+                      <a:solidFill>
+                        <a:schemeClr val="tx1"/>
+                      </a:solidFill>
+                      <a:prstDash val="solid"/>
+                      <a:round/>
+                      <a:headEnd type="none" w="med" len="med"/>
+                      <a:tailEnd type="none" w="med" len="med"/>
+                    </a:lnT>
+                    <a:lnB w="3175" cap="flat" cmpd="sng" algn="ctr">
+                      <a:solidFill>
+                        <a:schemeClr val="tx1"/>
+                      </a:solidFill>
+                      <a:prstDash val="solid"/>
+                      <a:round/>
+                      <a:headEnd type="none" w="med" len="med"/>
+                      <a:tailEnd type="none" w="med" len="med"/>
+                    </a:lnB>
+                    <a:lnTlToBr>
+                      <a:noFill/>
+                    </a:lnTlToBr>
+                    <a:lnBlToTr>
+                      <a:noFill/>
+                    </a:lnBlToTr>
+                    <a:noFill/>
+                  </a:tcPr>
+                </a:tc>
+                <a:extLst>
+                  <a:ext uri="{0D108BD9-81ED-4DB2-BD59-A6C34878D82A}">
+                    <a16:rowId xmlns:a16="http://schemas.microsoft.com/office/drawing/2014/main" val="1693230860"/>
+                  </a:ext>
+                </a:extLst>
+              </a:tr>
+              <a:tr h="360893">
+                <a:tc>
+                  <a:txBody>
+                    <a:bodyPr/>
+                    <a:lstStyle/>
+                    <a:p>
+                      <a:pPr marL="0" marR="0" lvl="0" indent="0" algn="ctr" defTabSz="914400" rtl="0" eaLnBrk="1" fontAlgn="base" latinLnBrk="1" hangingPunct="1">
+                        <a:lnSpc>
+                          <a:spcPts val="1200"/>
+                        </a:lnSpc>
+                        <a:spcBef>
+                          <a:spcPts val="0"/>
+                        </a:spcBef>
+                        <a:spcAft>
+                          <a:spcPts val="0"/>
+                        </a:spcAft>
+                        <a:buClrTx/>
+                        <a:buSzTx/>
+                        <a:buFontTx/>
+                        <a:buNone/>
+                        <a:tabLst/>
+                        <a:defRPr/>
+                      </a:pPr>
+                      <a:r>
+                        <a:rPr kumimoji="1" lang="en-US" altLang="ko-KR" sz="900" b="0" i="0" u="none" strike="noStrike" kern="1200" cap="none" normalizeH="0" baseline="0" dirty="0">
+                          <a:ln>
+                            <a:noFill/>
+                          </a:ln>
+                          <a:solidFill>
+                            <a:schemeClr val="tx1"/>
+                          </a:solidFill>
+                          <a:effectLst/>
+                          <a:latin typeface="+mn-lt"/>
+                          <a:ea typeface="나눔고딕" pitchFamily="50" charset="-127"/>
+                          <a:cs typeface="+mn-cs"/>
+                        </a:rPr>
+                        <a:t>(</a:t>
+                      </a:r>
+                      <a:r>
+                        <a:rPr kumimoji="1" lang="ko-KR" altLang="en-US" sz="900" b="0" i="0" u="none" strike="noStrike" kern="1200" cap="none" normalizeH="0" baseline="0" dirty="0">
+                          <a:ln>
+                            <a:noFill/>
+                          </a:ln>
+                          <a:solidFill>
+                            <a:schemeClr val="tx1"/>
+                          </a:solidFill>
+                          <a:effectLst/>
+                          <a:latin typeface="+mn-lt"/>
+                          <a:ea typeface="나눔고딕" pitchFamily="50" charset="-127"/>
+                          <a:cs typeface="+mn-cs"/>
+                        </a:rPr>
+                        <a:t>주</a:t>
+                      </a:r>
+                      <a:r>
+                        <a:rPr kumimoji="1" lang="en-US" altLang="ko-KR" sz="900" b="0" i="0" u="none" strike="noStrike" kern="1200" cap="none" normalizeH="0" baseline="0" dirty="0">
+                          <a:ln>
+                            <a:noFill/>
+                          </a:ln>
+                          <a:solidFill>
+                            <a:schemeClr val="tx1"/>
+                          </a:solidFill>
+                          <a:effectLst/>
+                          <a:latin typeface="+mn-lt"/>
+                          <a:ea typeface="나눔고딕" pitchFamily="50" charset="-127"/>
+                          <a:cs typeface="+mn-cs"/>
+                        </a:rPr>
+                        <a:t>)</a:t>
+                      </a:r>
+                      <a:r>
+                        <a:rPr kumimoji="1" lang="ko-KR" altLang="en-US" sz="900" b="0" i="0" u="none" strike="noStrike" kern="1200" cap="none" normalizeH="0" baseline="0" dirty="0" err="1">
+                          <a:ln>
+                            <a:noFill/>
+                          </a:ln>
+                          <a:solidFill>
+                            <a:schemeClr val="tx1"/>
+                          </a:solidFill>
+                          <a:effectLst/>
+                          <a:latin typeface="+mn-lt"/>
+                          <a:ea typeface="나눔고딕" pitchFamily="50" charset="-127"/>
+                          <a:cs typeface="+mn-cs"/>
+                        </a:rPr>
+                        <a:t>엔더스</a:t>
+                      </a:r>
+                      <a:endParaRPr kumimoji="1" lang="en-US" altLang="ko-KR" sz="900" b="0" i="0" u="none" strike="noStrike" kern="1200" cap="none" normalizeH="0" baseline="0" dirty="0">
+                        <a:ln>
+                          <a:noFill/>
+                        </a:ln>
+                        <a:solidFill>
+                          <a:schemeClr val="tx1"/>
+                        </a:solidFill>
+                        <a:effectLst/>
+                        <a:latin typeface="+mn-lt"/>
+                        <a:ea typeface="나눔고딕" pitchFamily="50" charset="-127"/>
+                        <a:cs typeface="+mn-cs"/>
+                      </a:endParaRPr>
+                    </a:p>
+                  </a:txBody>
+                  <a:tcPr marL="13414" marR="13414" marT="15994" marB="15994" anchor="ctr">
+                    <a:lnL w="3175" cap="flat" cmpd="sng" algn="ctr">
+                      <a:solidFill>
+                        <a:schemeClr val="tx1"/>
+                      </a:solidFill>
+                      <a:prstDash val="solid"/>
+                      <a:round/>
+                      <a:headEnd type="none" w="med" len="med"/>
+                      <a:tailEnd type="none" w="med" len="med"/>
+                    </a:lnL>
+                    <a:lnR w="3175" cap="flat" cmpd="sng" algn="ctr">
+                      <a:solidFill>
+                        <a:schemeClr val="tx1"/>
+                      </a:solidFill>
+                      <a:prstDash val="solid"/>
+                      <a:round/>
+                      <a:headEnd type="none" w="med" len="med"/>
+                      <a:tailEnd type="none" w="med" len="med"/>
+                    </a:lnR>
+                    <a:lnT w="3175" cap="flat" cmpd="sng" algn="ctr">
+                      <a:solidFill>
+                        <a:schemeClr val="tx1"/>
+                      </a:solidFill>
+                      <a:prstDash val="solid"/>
+                      <a:round/>
+                      <a:headEnd type="none" w="med" len="med"/>
+                      <a:tailEnd type="none" w="med" len="med"/>
+                    </a:lnT>
+                    <a:lnB w="3175" cap="flat" cmpd="sng" algn="ctr">
+                      <a:solidFill>
+                        <a:schemeClr val="tx1"/>
+                      </a:solidFill>
+                      <a:prstDash val="solid"/>
+                      <a:round/>
+                      <a:headEnd type="none" w="med" len="med"/>
+                      <a:tailEnd type="none" w="med" len="med"/>
+                    </a:lnB>
+                    <a:lnTlToBr>
+                      <a:noFill/>
+                    </a:lnTlToBr>
+                    <a:lnBlToTr>
+                      <a:noFill/>
+                    </a:lnBlToTr>
+                    <a:noFill/>
+                  </a:tcPr>
+                </a:tc>
+                <a:tc>
+                  <a:txBody>
+                    <a:bodyPr/>
+                    <a:lstStyle/>
+                    <a:p>
+                      <a:pPr marL="0" indent="0" algn="ctr" defTabSz="914400" fontAlgn="base">
+                        <a:lnSpc>
+                          <a:spcPct val="100000"/>
+                        </a:lnSpc>
+                        <a:spcBef>
+                          <a:spcPts val="0"/>
+                        </a:spcBef>
+                        <a:spcAft>
+                          <a:spcPts val="0"/>
+                        </a:spcAft>
+                        <a:buFontTx/>
+                        <a:buNone/>
+                      </a:pPr>
+                      <a:r>
+                        <a:rPr lang="ko-KR" altLang="en-US" sz="900" b="0" kern="1200" dirty="0" err="1">
+                          <a:solidFill>
+                            <a:srgbClr val="000000"/>
+                          </a:solidFill>
+                          <a:latin typeface="나눔고딕" charset="0"/>
+                          <a:ea typeface="나눔고딕" charset="0"/>
+                        </a:rPr>
+                        <a:t>암웨이</a:t>
+                      </a:r>
+                      <a:endParaRPr lang="ko-KR" altLang="en-US" sz="900" b="0" kern="1200" dirty="0">
+                        <a:solidFill>
+                          <a:srgbClr val="000000"/>
+                        </a:solidFill>
+                        <a:latin typeface="나눔고딕" charset="0"/>
+                        <a:ea typeface="나눔고딕" charset="0"/>
+                      </a:endParaRPr>
+                    </a:p>
+                  </a:txBody>
+                  <a:tcPr marL="26829" marR="26829" marT="28893" marB="28893" anchor="ctr">
+                    <a:lnL w="3175" cap="flat" cmpd="sng" algn="ctr">
+                      <a:solidFill>
+                        <a:schemeClr val="tx1"/>
+                      </a:solidFill>
+                      <a:prstDash val="solid"/>
+                      <a:round/>
+                      <a:headEnd type="none" w="med" len="med"/>
+                      <a:tailEnd type="none" w="med" len="med"/>
+                    </a:lnL>
+                    <a:lnR w="3175" cap="flat" cmpd="sng" algn="ctr">
+                      <a:solidFill>
+                        <a:schemeClr val="tx1"/>
+                      </a:solidFill>
+                      <a:prstDash val="solid"/>
+                      <a:round/>
+                      <a:headEnd type="none" w="med" len="med"/>
+                      <a:tailEnd type="none" w="med" len="med"/>
+                    </a:lnR>
+                    <a:lnT w="3175" cap="flat" cmpd="sng" algn="ctr">
+                      <a:solidFill>
+                        <a:schemeClr val="tx1"/>
+                      </a:solidFill>
+                      <a:prstDash val="solid"/>
+                      <a:round/>
+                      <a:headEnd type="none" w="med" len="med"/>
+                      <a:tailEnd type="none" w="med" len="med"/>
+                    </a:lnT>
+                    <a:lnB w="3175" cap="flat" cmpd="sng" algn="ctr">
+                      <a:solidFill>
+                        <a:schemeClr val="tx1"/>
+                      </a:solidFill>
+                      <a:prstDash val="solid"/>
+                      <a:round/>
+                      <a:headEnd type="none" w="med" len="med"/>
+                      <a:tailEnd type="none" w="med" len="med"/>
+                    </a:lnB>
+                    <a:lnTlToBr>
+                      <a:noFill/>
+                    </a:lnTlToBr>
+                    <a:lnBlToTr>
+                      <a:noFill/>
+                    </a:lnBlToTr>
+                    <a:noFill/>
+                  </a:tcPr>
+                </a:tc>
+                <a:tc>
+                  <a:txBody>
+                    <a:bodyPr/>
+                    <a:lstStyle/>
+                    <a:p>
+                      <a:pPr marL="0" marR="0" lvl="0" indent="0" algn="ctr" defTabSz="914400" rtl="0" eaLnBrk="1" fontAlgn="base" latinLnBrk="1" hangingPunct="1">
+                        <a:lnSpc>
+                          <a:spcPct val="100000"/>
+                        </a:lnSpc>
+                        <a:spcBef>
+                          <a:spcPts val="0"/>
+                        </a:spcBef>
+                        <a:spcAft>
+                          <a:spcPts val="0"/>
+                        </a:spcAft>
+                        <a:buClrTx/>
+                        <a:buSzTx/>
+                        <a:buFontTx/>
+                        <a:buNone/>
+                        <a:tabLst/>
+                        <a:defRPr/>
+                      </a:pPr>
+                      <a:r>
+                        <a:rPr lang="ko-KR" altLang="en-US" sz="900" b="0" kern="1200" dirty="0" err="1">
+                          <a:solidFill>
+                            <a:srgbClr val="000000"/>
+                          </a:solidFill>
+                          <a:latin typeface="나눔고딕" charset="0"/>
+                          <a:ea typeface="나눔고딕" charset="0"/>
+                        </a:rPr>
+                        <a:t>암웨이</a:t>
+                      </a:r>
+                      <a:r>
+                        <a:rPr lang="ko-KR" altLang="en-US" sz="900" b="0" kern="1200" dirty="0">
+                          <a:solidFill>
+                            <a:srgbClr val="000000"/>
+                          </a:solidFill>
+                          <a:latin typeface="나눔고딕" charset="0"/>
+                          <a:ea typeface="나눔고딕" charset="0"/>
+                        </a:rPr>
+                        <a:t> </a:t>
+                      </a:r>
+                      <a:r>
+                        <a:rPr lang="en-US" altLang="ko-KR" sz="900" b="0" kern="1200" dirty="0" err="1">
+                          <a:solidFill>
+                            <a:srgbClr val="000000"/>
+                          </a:solidFill>
+                          <a:latin typeface="나눔고딕" charset="0"/>
+                          <a:ea typeface="나눔고딕" charset="0"/>
+                        </a:rPr>
+                        <a:t>mylab</a:t>
+                      </a:r>
+                      <a:r>
+                        <a:rPr lang="en-US" altLang="ko-KR" sz="900" b="0" kern="1200" dirty="0">
+                          <a:solidFill>
+                            <a:srgbClr val="000000"/>
+                          </a:solidFill>
+                          <a:latin typeface="나눔고딕" charset="0"/>
+                          <a:ea typeface="나눔고딕" charset="0"/>
+                        </a:rPr>
+                        <a:t> </a:t>
+                      </a:r>
+                      <a:r>
+                        <a:rPr lang="ko-KR" altLang="en-US" sz="900" b="0" kern="1200" dirty="0">
+                          <a:solidFill>
+                            <a:srgbClr val="000000"/>
+                          </a:solidFill>
+                          <a:latin typeface="나눔고딕" charset="0"/>
+                          <a:ea typeface="나눔고딕" charset="0"/>
+                        </a:rPr>
+                        <a:t>구축</a:t>
+                      </a:r>
+                    </a:p>
+                  </a:txBody>
+                  <a:tcPr marL="26829" marR="26829" marT="28893" marB="28893" anchor="ctr">
+                    <a:lnL w="3175" cap="flat" cmpd="sng" algn="ctr">
+                      <a:solidFill>
+                        <a:schemeClr val="tx1"/>
+                      </a:solidFill>
+                      <a:prstDash val="solid"/>
+                      <a:round/>
+                      <a:headEnd type="none" w="med" len="med"/>
+                      <a:tailEnd type="none" w="med" len="med"/>
+                    </a:lnL>
+                    <a:lnR w="3175" cap="flat" cmpd="sng" algn="ctr">
+                      <a:solidFill>
+                        <a:schemeClr val="tx1"/>
+                      </a:solidFill>
+                      <a:prstDash val="solid"/>
+                      <a:round/>
+                      <a:headEnd type="none" w="med" len="med"/>
+                      <a:tailEnd type="none" w="med" len="med"/>
+                    </a:lnR>
+                    <a:lnT w="3175" cap="flat" cmpd="sng" algn="ctr">
+                      <a:solidFill>
+                        <a:schemeClr val="tx1"/>
+                      </a:solidFill>
+                      <a:prstDash val="solid"/>
+                      <a:round/>
+                      <a:headEnd type="none" w="med" len="med"/>
+                      <a:tailEnd type="none" w="med" len="med"/>
+                    </a:lnT>
+                    <a:lnB w="3175" cap="flat" cmpd="sng" algn="ctr">
+                      <a:solidFill>
+                        <a:schemeClr val="tx1"/>
+                      </a:solidFill>
+                      <a:prstDash val="solid"/>
+                      <a:round/>
+                      <a:headEnd type="none" w="med" len="med"/>
+                      <a:tailEnd type="none" w="med" len="med"/>
+                    </a:lnB>
+                    <a:lnTlToBr>
+                      <a:noFill/>
+                    </a:lnTlToBr>
+                    <a:lnBlToTr>
+                      <a:noFill/>
+                    </a:lnBlToTr>
+                    <a:noFill/>
+                  </a:tcPr>
+                </a:tc>
+                <a:tc>
+                  <a:txBody>
+                    <a:bodyPr/>
+                    <a:lstStyle/>
+                    <a:p>
+                      <a:pPr marL="0" marR="0" indent="0" algn="ctr" defTabSz="914400" rtl="0" eaLnBrk="1" fontAlgn="base" latinLnBrk="1" hangingPunct="1">
+                        <a:lnSpc>
+                          <a:spcPct val="100000"/>
+                        </a:lnSpc>
+                        <a:spcBef>
+                          <a:spcPts val="0"/>
+                        </a:spcBef>
+                        <a:spcAft>
+                          <a:spcPts val="0"/>
+                        </a:spcAft>
+                        <a:buClrTx/>
+                        <a:buSzTx/>
+                        <a:buFontTx/>
+                        <a:buNone/>
+                        <a:tabLst/>
+                        <a:defRPr/>
+                      </a:pPr>
+                      <a:r>
+                        <a:rPr lang="en-US" altLang="ko-KR" sz="900" b="0" kern="1200" dirty="0">
+                          <a:solidFill>
+                            <a:schemeClr val="tx1"/>
+                          </a:solidFill>
+                          <a:latin typeface="나눔고딕" charset="0"/>
+                          <a:ea typeface="나눔고딕" charset="0"/>
+                        </a:rPr>
+                        <a:t>2022.01 ~ 2022.04</a:t>
+                      </a:r>
+                      <a:endParaRPr lang="ko-KR" altLang="en-US" sz="900" b="0" kern="1200" dirty="0">
+                        <a:solidFill>
+                          <a:schemeClr val="tx1"/>
+                        </a:solidFill>
+                        <a:latin typeface="나눔고딕" charset="0"/>
+                        <a:ea typeface="나눔고딕" charset="0"/>
+                      </a:endParaRPr>
+                    </a:p>
+                  </a:txBody>
+                  <a:tcPr marL="7739" marR="7739" marT="7739" marB="0" anchor="ctr">
+                    <a:lnL w="3175" cap="flat" cmpd="sng" algn="ctr">
+                      <a:solidFill>
+                        <a:schemeClr val="tx1"/>
+                      </a:solidFill>
+                      <a:prstDash val="solid"/>
+                      <a:round/>
+                      <a:headEnd type="none" w="med" len="med"/>
+                      <a:tailEnd type="none" w="med" len="med"/>
+                    </a:lnL>
+                    <a:lnR w="3175" cap="flat" cmpd="sng" algn="ctr">
+                      <a:solidFill>
+                        <a:schemeClr val="tx1"/>
+                      </a:solidFill>
+                      <a:prstDash val="solid"/>
+                      <a:round/>
+                      <a:headEnd type="none" w="med" len="med"/>
+                      <a:tailEnd type="none" w="med" len="med"/>
+                    </a:lnR>
+                    <a:lnT w="3175" cap="flat" cmpd="sng" algn="ctr">
+                      <a:solidFill>
+                        <a:schemeClr val="tx1"/>
+                      </a:solidFill>
+                      <a:prstDash val="solid"/>
+                      <a:round/>
+                      <a:headEnd type="none" w="med" len="med"/>
+                      <a:tailEnd type="none" w="med" len="med"/>
+                    </a:lnT>
+                    <a:lnB w="3175" cap="flat" cmpd="sng" algn="ctr">
+                      <a:solidFill>
+                        <a:schemeClr val="tx1"/>
+                      </a:solidFill>
+                      <a:prstDash val="solid"/>
+                      <a:round/>
+                      <a:headEnd type="none" w="med" len="med"/>
+                      <a:tailEnd type="none" w="med" len="med"/>
+                    </a:lnB>
+                    <a:lnTlToBr>
+                      <a:noFill/>
+                    </a:lnTlToBr>
+                    <a:lnBlToTr>
+                      <a:noFill/>
+                    </a:lnBlToTr>
+                    <a:noFill/>
+                  </a:tcPr>
+                </a:tc>
+                <a:tc>
+                  <a:txBody>
+                    <a:bodyPr/>
+                    <a:lstStyle/>
+                    <a:p>
+                      <a:pPr marL="0" marR="0" indent="0" algn="ctr" defTabSz="914400" rtl="0" eaLnBrk="1" fontAlgn="base" latinLnBrk="1" hangingPunct="1">
+                        <a:lnSpc>
+                          <a:spcPts val="1200"/>
+                        </a:lnSpc>
+                        <a:spcBef>
+                          <a:spcPts val="0"/>
+                        </a:spcBef>
+                        <a:spcAft>
+                          <a:spcPts val="0"/>
+                        </a:spcAft>
+                        <a:buClrTx/>
+                        <a:buSzTx/>
+                        <a:buFontTx/>
+                        <a:buNone/>
+                        <a:tabLst/>
+                        <a:defRPr/>
+                      </a:pPr>
+                      <a:r>
+                        <a:rPr kumimoji="0" lang="ko-KR" altLang="en-US" sz="900" b="0" i="0" u="none" strike="noStrike" kern="1200" cap="none" normalizeH="0" baseline="0" dirty="0">
+                          <a:ln>
+                            <a:noFill/>
+                          </a:ln>
+                          <a:solidFill>
+                            <a:schemeClr val="tx1"/>
+                          </a:solidFill>
+                          <a:effectLst/>
+                          <a:latin typeface="나눔고딕" charset="0"/>
+                          <a:ea typeface="나눔고딕" charset="0"/>
+                          <a:cs typeface="+mn-cs"/>
+                        </a:rPr>
+                        <a:t>퍼블리싱</a:t>
+                      </a:r>
+                      <a:endParaRPr lang="ko-KR" altLang="en-US" sz="900" b="0" kern="1200" dirty="0">
+                        <a:solidFill>
+                          <a:schemeClr val="tx1"/>
+                        </a:solidFill>
+                        <a:latin typeface="나눔고딕" charset="0"/>
+                        <a:ea typeface="나눔고딕" charset="0"/>
+                      </a:endParaRPr>
+                    </a:p>
+                  </a:txBody>
+                  <a:tcPr marL="7739" marR="7739" marT="7739" marB="0" anchor="ctr">
+                    <a:lnL w="3175" cap="flat" cmpd="sng" algn="ctr">
+                      <a:solidFill>
+                        <a:schemeClr val="tx1"/>
+                      </a:solidFill>
+                      <a:prstDash val="solid"/>
+                      <a:round/>
+                      <a:headEnd type="none" w="med" len="med"/>
+                      <a:tailEnd type="none" w="med" len="med"/>
+                    </a:lnL>
+                    <a:lnR w="3175" cap="flat" cmpd="sng" algn="ctr">
+                      <a:solidFill>
+                        <a:schemeClr val="tx1"/>
+                      </a:solidFill>
+                      <a:prstDash val="solid"/>
+                      <a:round/>
+                      <a:headEnd type="none" w="med" len="med"/>
+                      <a:tailEnd type="none" w="med" len="med"/>
+                    </a:lnR>
+                    <a:lnT w="3175" cap="flat" cmpd="sng" algn="ctr">
+                      <a:solidFill>
+                        <a:schemeClr val="tx1"/>
+                      </a:solidFill>
+                      <a:prstDash val="solid"/>
+                      <a:round/>
+                      <a:headEnd type="none" w="med" len="med"/>
+                      <a:tailEnd type="none" w="med" len="med"/>
+                    </a:lnT>
+                    <a:lnB w="3175" cap="flat" cmpd="sng" algn="ctr">
+                      <a:solidFill>
+                        <a:schemeClr val="tx1"/>
+                      </a:solidFill>
+                      <a:prstDash val="solid"/>
+                      <a:round/>
+                      <a:headEnd type="none" w="med" len="med"/>
+                      <a:tailEnd type="none" w="med" len="med"/>
+                    </a:lnB>
+                    <a:lnTlToBr>
+                      <a:noFill/>
+                    </a:lnTlToBr>
+                    <a:lnBlToTr>
+                      <a:noFill/>
+                    </a:lnBlToTr>
+                    <a:noFill/>
+                  </a:tcPr>
+                </a:tc>
+                <a:tc>
+                  <a:txBody>
+                    <a:bodyPr/>
+                    <a:lstStyle/>
+                    <a:p>
+                      <a:pPr marL="0" indent="0" algn="ctr" defTabSz="914400" fontAlgn="base">
+                        <a:lnSpc>
+                          <a:spcPts val="1200"/>
+                        </a:lnSpc>
+                        <a:spcBef>
+                          <a:spcPts val="0"/>
+                        </a:spcBef>
+                        <a:spcAft>
+                          <a:spcPts val="0"/>
+                        </a:spcAft>
+                        <a:buFontTx/>
+                        <a:buNone/>
+                      </a:pPr>
+                      <a:r>
+                        <a:rPr lang="en-US" altLang="ko-KR" sz="900" b="0" kern="1200" dirty="0">
+                          <a:solidFill>
+                            <a:schemeClr val="tx1"/>
+                          </a:solidFill>
+                          <a:latin typeface="나눔고딕" charset="0"/>
+                          <a:ea typeface="나눔고딕" charset="0"/>
+                        </a:rPr>
+                        <a:t>Player</a:t>
+                      </a:r>
+                      <a:endParaRPr lang="ko-KR" altLang="en-US" sz="900" b="0" kern="1200" dirty="0">
+                        <a:solidFill>
+                          <a:schemeClr val="tx1"/>
+                        </a:solidFill>
+                        <a:latin typeface="나눔고딕" charset="0"/>
+                        <a:ea typeface="나눔고딕" charset="0"/>
+                      </a:endParaRPr>
+                    </a:p>
+                  </a:txBody>
+                  <a:tcPr marL="26829" marR="26829" marT="28893" marB="28893" anchor="ctr">
+                    <a:lnL w="3175" cap="flat" cmpd="sng" algn="ctr">
+                      <a:solidFill>
+                        <a:schemeClr val="tx1"/>
+                      </a:solidFill>
+                      <a:prstDash val="solid"/>
+                      <a:round/>
+                      <a:headEnd type="none" w="med" len="med"/>
+                      <a:tailEnd type="none" w="med" len="med"/>
+                    </a:lnL>
+                    <a:lnR w="3175" cap="flat" cmpd="sng" algn="ctr">
+                      <a:solidFill>
+                        <a:schemeClr val="tx1"/>
+                      </a:solidFill>
+                      <a:prstDash val="solid"/>
+                      <a:round/>
+                      <a:headEnd type="none" w="med" len="med"/>
+                      <a:tailEnd type="none" w="med" len="med"/>
+                    </a:lnR>
+                    <a:lnT w="3175" cap="flat" cmpd="sng" algn="ctr">
+                      <a:solidFill>
+                        <a:schemeClr val="tx1"/>
+                      </a:solidFill>
+                      <a:prstDash val="solid"/>
+                      <a:round/>
+                      <a:headEnd type="none" w="med" len="med"/>
+                      <a:tailEnd type="none" w="med" len="med"/>
+                    </a:lnT>
+                    <a:lnB w="3175" cap="flat" cmpd="sng" algn="ctr">
+                      <a:solidFill>
+                        <a:schemeClr val="tx1"/>
+                      </a:solidFill>
+                      <a:prstDash val="solid"/>
+                      <a:round/>
+                      <a:headEnd type="none" w="med" len="med"/>
+                      <a:tailEnd type="none" w="med" len="med"/>
+                    </a:lnB>
+                    <a:lnTlToBr>
+                      <a:noFill/>
+                    </a:lnTlToBr>
+                    <a:lnBlToTr>
+                      <a:noFill/>
+                    </a:lnBlToTr>
+                    <a:noFill/>
+                  </a:tcPr>
+                </a:tc>
+                <a:tc>
+                  <a:txBody>
+                    <a:bodyPr/>
+                    <a:lstStyle/>
+                    <a:p>
+                      <a:pPr marL="0" indent="0" algn="ctr" defTabSz="914400" fontAlgn="base">
+                        <a:lnSpc>
+                          <a:spcPct val="100000"/>
+                        </a:lnSpc>
+                        <a:spcBef>
+                          <a:spcPts val="0"/>
+                        </a:spcBef>
+                        <a:spcAft>
+                          <a:spcPts val="0"/>
+                        </a:spcAft>
+                        <a:buFontTx/>
+                        <a:buNone/>
+                      </a:pPr>
+                      <a:r>
+                        <a:rPr kumimoji="0" lang="en-US" altLang="ko-KR" sz="900" b="0" i="0" u="none" strike="noStrike" kern="1200" cap="none" normalizeH="0" baseline="0" dirty="0">
+                          <a:ln>
+                            <a:noFill/>
+                          </a:ln>
+                          <a:solidFill>
+                            <a:schemeClr val="tx1"/>
+                          </a:solidFill>
+                          <a:effectLst/>
+                          <a:latin typeface="+mn-lt"/>
+                          <a:ea typeface="나눔고딕" pitchFamily="50" charset="-127"/>
+                          <a:cs typeface="맑은 고딕" charset="0"/>
+                        </a:rPr>
+                        <a:t>Html5, </a:t>
+                      </a:r>
+                      <a:r>
+                        <a:rPr kumimoji="0" lang="en-US" altLang="ko-KR" sz="900" b="0" i="0" u="none" strike="noStrike" kern="1200" cap="none" normalizeH="0" baseline="0" dirty="0" err="1">
+                          <a:ln>
+                            <a:noFill/>
+                          </a:ln>
+                          <a:solidFill>
+                            <a:schemeClr val="tx1"/>
+                          </a:solidFill>
+                          <a:effectLst/>
+                          <a:latin typeface="+mn-lt"/>
+                          <a:ea typeface="나눔고딕" pitchFamily="50" charset="-127"/>
+                          <a:cs typeface="맑은 고딕" charset="0"/>
+                        </a:rPr>
+                        <a:t>scss</a:t>
+                      </a:r>
+                      <a:r>
+                        <a:rPr kumimoji="0" lang="en-US" altLang="ko-KR" sz="900" b="0" i="0" u="none" strike="noStrike" kern="1200" cap="none" normalizeH="0" baseline="0" dirty="0">
+                          <a:ln>
+                            <a:noFill/>
+                          </a:ln>
+                          <a:solidFill>
+                            <a:schemeClr val="tx1"/>
+                          </a:solidFill>
+                          <a:effectLst/>
+                          <a:latin typeface="+mn-lt"/>
+                          <a:ea typeface="나눔고딕" pitchFamily="50" charset="-127"/>
+                          <a:cs typeface="맑은 고딕" charset="0"/>
+                        </a:rPr>
+                        <a:t>, </a:t>
+                      </a:r>
+                      <a:r>
+                        <a:rPr kumimoji="0" lang="en-US" altLang="ko-KR" sz="900" b="0" i="0" u="none" strike="noStrike" kern="1200" cap="none" normalizeH="0" baseline="0" dirty="0" err="1">
+                          <a:ln>
+                            <a:noFill/>
+                          </a:ln>
+                          <a:solidFill>
+                            <a:schemeClr val="tx1"/>
+                          </a:solidFill>
+                          <a:effectLst/>
+                          <a:latin typeface="+mn-lt"/>
+                          <a:ea typeface="나눔고딕" pitchFamily="50" charset="-127"/>
+                          <a:cs typeface="맑은 고딕" charset="0"/>
+                        </a:rPr>
+                        <a:t>vue</a:t>
+                      </a:r>
+                      <a:r>
+                        <a:rPr kumimoji="0" lang="ko-KR" altLang="en-US" sz="900" b="0" i="0" u="none" strike="noStrike" kern="1200" cap="none" normalizeH="0" baseline="0" dirty="0">
+                          <a:ln>
+                            <a:noFill/>
+                          </a:ln>
+                          <a:solidFill>
+                            <a:schemeClr val="tx1"/>
+                          </a:solidFill>
+                          <a:effectLst/>
+                          <a:latin typeface="+mn-lt"/>
+                          <a:ea typeface="나눔고딕" pitchFamily="50" charset="-127"/>
+                          <a:cs typeface="맑은 고딕" charset="0"/>
+                        </a:rPr>
+                        <a:t>환경 퍼블리싱</a:t>
+                      </a:r>
+                      <a:r>
+                        <a:rPr kumimoji="0" lang="en-US" altLang="ko-KR" sz="900" b="0" i="0" u="none" strike="noStrike" kern="1200" cap="none" normalizeH="0" baseline="0" dirty="0">
+                          <a:ln>
+                            <a:noFill/>
+                          </a:ln>
+                          <a:solidFill>
+                            <a:schemeClr val="tx1"/>
+                          </a:solidFill>
+                          <a:effectLst/>
+                          <a:latin typeface="+mn-lt"/>
+                          <a:ea typeface="나눔고딕" pitchFamily="50" charset="-127"/>
+                          <a:cs typeface="맑은 고딕" charset="0"/>
+                        </a:rPr>
+                        <a:t>, Adobe XD</a:t>
+                      </a:r>
+                      <a:endParaRPr lang="ko-KR" altLang="en-US" sz="900" b="0" kern="1200" dirty="0">
+                        <a:solidFill>
+                          <a:schemeClr val="tx1"/>
+                        </a:solidFill>
+                        <a:latin typeface="나눔고딕" charset="0"/>
+                        <a:ea typeface="나눔고딕" charset="0"/>
+                      </a:endParaRPr>
+                    </a:p>
+                  </a:txBody>
+                  <a:tcPr marL="24765" marR="24765" marT="28893" marB="28893" anchor="ctr">
+                    <a:lnL w="3175" cap="flat" cmpd="sng" algn="ctr">
+                      <a:solidFill>
+                        <a:schemeClr val="tx1"/>
+                      </a:solidFill>
+                      <a:prstDash val="solid"/>
+                      <a:round/>
+                      <a:headEnd type="none" w="med" len="med"/>
+                      <a:tailEnd type="none" w="med" len="med"/>
+                    </a:lnL>
+                    <a:lnR w="3175" cap="flat" cmpd="sng" algn="ctr">
+                      <a:solidFill>
+                        <a:schemeClr val="tx1"/>
+                      </a:solidFill>
+                      <a:prstDash val="solid"/>
+                      <a:round/>
+                      <a:headEnd type="none" w="med" len="med"/>
+                      <a:tailEnd type="none" w="med" len="med"/>
+                    </a:lnR>
+                    <a:lnT w="3175" cap="flat" cmpd="sng" algn="ctr">
+                      <a:solidFill>
+                        <a:schemeClr val="tx1"/>
+                      </a:solidFill>
+                      <a:prstDash val="solid"/>
+                      <a:round/>
+                      <a:headEnd type="none" w="med" len="med"/>
+                      <a:tailEnd type="none" w="med" len="med"/>
+                    </a:lnT>
+                    <a:lnB w="3175" cap="flat" cmpd="sng" algn="ctr">
+                      <a:solidFill>
+                        <a:schemeClr val="tx1"/>
+                      </a:solidFill>
+                      <a:prstDash val="solid"/>
+                      <a:round/>
+                      <a:headEnd type="none" w="med" len="med"/>
+                      <a:tailEnd type="none" w="med" len="med"/>
+                    </a:lnB>
+                    <a:lnTlToBr>
+                      <a:noFill/>
+                    </a:lnTlToBr>
+                    <a:lnBlToTr>
+                      <a:noFill/>
+                    </a:lnBlToTr>
+                    <a:noFill/>
+                  </a:tcPr>
+                </a:tc>
+                <a:extLst>
+                  <a:ext uri="{0D108BD9-81ED-4DB2-BD59-A6C34878D82A}">
+                    <a16:rowId xmlns:a16="http://schemas.microsoft.com/office/drawing/2014/main" val="1266856971"/>
+                  </a:ext>
+                </a:extLst>
+              </a:tr>
+              <a:tr h="360893">
+                <a:tc>
+                  <a:txBody>
+                    <a:bodyPr/>
+                    <a:lstStyle/>
+                    <a:p>
+                      <a:pPr marL="0" marR="0" lvl="0" indent="0" algn="ctr" defTabSz="914400" rtl="0" eaLnBrk="1" fontAlgn="base" latinLnBrk="1" hangingPunct="1">
+                        <a:lnSpc>
+                          <a:spcPts val="1200"/>
+                        </a:lnSpc>
+                        <a:spcBef>
+                          <a:spcPts val="0"/>
+                        </a:spcBef>
+                        <a:spcAft>
+                          <a:spcPts val="0"/>
+                        </a:spcAft>
+                        <a:buClrTx/>
+                        <a:buSzTx/>
+                        <a:buFontTx/>
+                        <a:buNone/>
+                        <a:tabLst/>
+                        <a:defRPr/>
+                      </a:pPr>
+                      <a:r>
+                        <a:rPr kumimoji="1" lang="en-US" altLang="ko-KR" sz="900" b="0" i="0" u="none" strike="noStrike" kern="1200" cap="none" normalizeH="0" baseline="0" dirty="0">
+                          <a:ln>
+                            <a:noFill/>
+                          </a:ln>
+                          <a:solidFill>
+                            <a:schemeClr val="tx1"/>
+                          </a:solidFill>
+                          <a:effectLst/>
+                          <a:latin typeface="+mn-lt"/>
+                          <a:ea typeface="나눔고딕" pitchFamily="50" charset="-127"/>
+                          <a:cs typeface="+mn-cs"/>
+                        </a:rPr>
+                        <a:t>(</a:t>
+                      </a:r>
+                      <a:r>
+                        <a:rPr kumimoji="1" lang="ko-KR" altLang="en-US" sz="900" b="0" i="0" u="none" strike="noStrike" kern="1200" cap="none" normalizeH="0" baseline="0" dirty="0">
+                          <a:ln>
+                            <a:noFill/>
+                          </a:ln>
+                          <a:solidFill>
+                            <a:schemeClr val="tx1"/>
+                          </a:solidFill>
+                          <a:effectLst/>
+                          <a:latin typeface="+mn-lt"/>
+                          <a:ea typeface="나눔고딕" pitchFamily="50" charset="-127"/>
+                          <a:cs typeface="+mn-cs"/>
+                        </a:rPr>
+                        <a:t>주</a:t>
+                      </a:r>
+                      <a:r>
+                        <a:rPr kumimoji="1" lang="en-US" altLang="ko-KR" sz="900" b="0" i="0" u="none" strike="noStrike" kern="1200" cap="none" normalizeH="0" baseline="0" dirty="0">
+                          <a:ln>
+                            <a:noFill/>
+                          </a:ln>
+                          <a:solidFill>
+                            <a:schemeClr val="tx1"/>
+                          </a:solidFill>
+                          <a:effectLst/>
+                          <a:latin typeface="+mn-lt"/>
+                          <a:ea typeface="나눔고딕" pitchFamily="50" charset="-127"/>
+                          <a:cs typeface="+mn-cs"/>
+                        </a:rPr>
+                        <a:t>)</a:t>
+                      </a:r>
+                      <a:r>
+                        <a:rPr kumimoji="1" lang="ko-KR" altLang="en-US" sz="900" b="0" i="0" u="none" strike="noStrike" kern="1200" cap="none" normalizeH="0" baseline="0" dirty="0" err="1">
+                          <a:ln>
+                            <a:noFill/>
+                          </a:ln>
+                          <a:solidFill>
+                            <a:schemeClr val="tx1"/>
+                          </a:solidFill>
+                          <a:effectLst/>
+                          <a:latin typeface="+mn-lt"/>
+                          <a:ea typeface="나눔고딕" pitchFamily="50" charset="-127"/>
+                          <a:cs typeface="+mn-cs"/>
+                        </a:rPr>
+                        <a:t>엔더스</a:t>
+                      </a:r>
+                      <a:endParaRPr kumimoji="1" lang="en-US" altLang="ko-KR" sz="900" b="0" i="0" u="none" strike="noStrike" kern="1200" cap="none" normalizeH="0" baseline="0" dirty="0">
+                        <a:ln>
+                          <a:noFill/>
+                        </a:ln>
+                        <a:solidFill>
+                          <a:schemeClr val="tx1"/>
+                        </a:solidFill>
+                        <a:effectLst/>
+                        <a:latin typeface="+mn-lt"/>
+                        <a:ea typeface="나눔고딕" pitchFamily="50" charset="-127"/>
+                        <a:cs typeface="+mn-cs"/>
+                      </a:endParaRPr>
+                    </a:p>
+                  </a:txBody>
+                  <a:tcPr marL="13414" marR="13414" marT="15994" marB="15994" anchor="ctr">
+                    <a:lnL w="3175" cap="flat" cmpd="sng" algn="ctr">
+                      <a:solidFill>
+                        <a:schemeClr val="tx1"/>
+                      </a:solidFill>
+                      <a:prstDash val="solid"/>
+                      <a:round/>
+                      <a:headEnd type="none" w="med" len="med"/>
+                      <a:tailEnd type="none" w="med" len="med"/>
+                    </a:lnL>
+                    <a:lnR w="3175" cap="flat" cmpd="sng" algn="ctr">
+                      <a:solidFill>
+                        <a:schemeClr val="tx1"/>
+                      </a:solidFill>
+                      <a:prstDash val="solid"/>
+                      <a:round/>
+                      <a:headEnd type="none" w="med" len="med"/>
+                      <a:tailEnd type="none" w="med" len="med"/>
+                    </a:lnR>
+                    <a:lnT w="3175" cap="flat" cmpd="sng" algn="ctr">
+                      <a:solidFill>
+                        <a:schemeClr val="tx1"/>
+                      </a:solidFill>
+                      <a:prstDash val="solid"/>
+                      <a:round/>
+                      <a:headEnd type="none" w="med" len="med"/>
+                      <a:tailEnd type="none" w="med" len="med"/>
+                    </a:lnT>
+                    <a:lnB w="3175" cap="flat" cmpd="sng" algn="ctr">
+                      <a:solidFill>
+                        <a:schemeClr val="tx1"/>
+                      </a:solidFill>
+                      <a:prstDash val="solid"/>
+                      <a:round/>
+                      <a:headEnd type="none" w="med" len="med"/>
+                      <a:tailEnd type="none" w="med" len="med"/>
+                    </a:lnB>
+                    <a:lnTlToBr>
+                      <a:noFill/>
+                    </a:lnTlToBr>
+                    <a:lnBlToTr>
+                      <a:noFill/>
+                    </a:lnBlToTr>
+                    <a:noFill/>
+                  </a:tcPr>
+                </a:tc>
+                <a:tc>
+                  <a:txBody>
+                    <a:bodyPr/>
+                    <a:lstStyle/>
+                    <a:p>
+                      <a:pPr marL="0" indent="0" algn="ctr" defTabSz="914400" fontAlgn="base">
+                        <a:lnSpc>
+                          <a:spcPct val="100000"/>
+                        </a:lnSpc>
+                        <a:spcBef>
+                          <a:spcPts val="0"/>
+                        </a:spcBef>
+                        <a:spcAft>
+                          <a:spcPts val="0"/>
+                        </a:spcAft>
+                        <a:buFontTx/>
+                        <a:buNone/>
+                      </a:pPr>
+                      <a:r>
+                        <a:rPr lang="ko-KR" altLang="en-US" sz="900" b="0" kern="1200" dirty="0">
+                          <a:solidFill>
+                            <a:srgbClr val="000000"/>
+                          </a:solidFill>
+                          <a:latin typeface="나눔고딕" charset="0"/>
+                          <a:ea typeface="나눔고딕" charset="0"/>
+                        </a:rPr>
+                        <a:t>리만</a:t>
+                      </a:r>
+                    </a:p>
+                  </a:txBody>
+                  <a:tcPr marL="26829" marR="26829" marT="28893" marB="28893" anchor="ctr">
+                    <a:lnL w="3175" cap="flat" cmpd="sng" algn="ctr">
+                      <a:solidFill>
+                        <a:schemeClr val="tx1"/>
+                      </a:solidFill>
+                      <a:prstDash val="solid"/>
+                      <a:round/>
+                      <a:headEnd type="none" w="med" len="med"/>
+                      <a:tailEnd type="none" w="med" len="med"/>
+                    </a:lnL>
+                    <a:lnR w="3175" cap="flat" cmpd="sng" algn="ctr">
+                      <a:solidFill>
+                        <a:schemeClr val="tx1"/>
+                      </a:solidFill>
+                      <a:prstDash val="solid"/>
+                      <a:round/>
+                      <a:headEnd type="none" w="med" len="med"/>
+                      <a:tailEnd type="none" w="med" len="med"/>
+                    </a:lnR>
+                    <a:lnT w="3175" cap="flat" cmpd="sng" algn="ctr">
+                      <a:solidFill>
+                        <a:schemeClr val="tx1"/>
+                      </a:solidFill>
+                      <a:prstDash val="solid"/>
+                      <a:round/>
+                      <a:headEnd type="none" w="med" len="med"/>
+                      <a:tailEnd type="none" w="med" len="med"/>
+                    </a:lnT>
+                    <a:lnB w="3175" cap="flat" cmpd="sng" algn="ctr">
+                      <a:solidFill>
+                        <a:schemeClr val="tx1"/>
+                      </a:solidFill>
+                      <a:prstDash val="solid"/>
+                      <a:round/>
+                      <a:headEnd type="none" w="med" len="med"/>
+                      <a:tailEnd type="none" w="med" len="med"/>
+                    </a:lnB>
+                    <a:lnTlToBr>
+                      <a:noFill/>
+                    </a:lnTlToBr>
+                    <a:lnBlToTr>
+                      <a:noFill/>
+                    </a:lnBlToTr>
+                    <a:noFill/>
+                  </a:tcPr>
+                </a:tc>
+                <a:tc>
+                  <a:txBody>
+                    <a:bodyPr/>
+                    <a:lstStyle/>
+                    <a:p>
+                      <a:pPr marL="0" marR="0" lvl="0" indent="0" algn="ctr" defTabSz="914400" rtl="0" eaLnBrk="1" fontAlgn="base" latinLnBrk="1" hangingPunct="1">
+                        <a:lnSpc>
+                          <a:spcPct val="100000"/>
+                        </a:lnSpc>
+                        <a:spcBef>
+                          <a:spcPts val="0"/>
+                        </a:spcBef>
+                        <a:spcAft>
+                          <a:spcPts val="0"/>
+                        </a:spcAft>
+                        <a:buClrTx/>
+                        <a:buSzTx/>
+                        <a:buFontTx/>
+                        <a:buNone/>
+                        <a:tabLst/>
+                        <a:defRPr/>
+                      </a:pPr>
+                      <a:r>
+                        <a:rPr lang="ko-KR" altLang="en-US" sz="900" b="0" kern="1200" dirty="0">
+                          <a:solidFill>
+                            <a:srgbClr val="000000"/>
+                          </a:solidFill>
+                          <a:latin typeface="나눔고딕" charset="0"/>
+                          <a:ea typeface="나눔고딕" charset="0"/>
+                        </a:rPr>
+                        <a:t>리만 소비자몰 구축</a:t>
+                      </a:r>
+                    </a:p>
+                  </a:txBody>
+                  <a:tcPr marL="26829" marR="26829" marT="28893" marB="28893" anchor="ctr">
+                    <a:lnL w="3175" cap="flat" cmpd="sng" algn="ctr">
+                      <a:solidFill>
+                        <a:schemeClr val="tx1"/>
+                      </a:solidFill>
+                      <a:prstDash val="solid"/>
+                      <a:round/>
+                      <a:headEnd type="none" w="med" len="med"/>
+                      <a:tailEnd type="none" w="med" len="med"/>
+                    </a:lnL>
+                    <a:lnR w="3175" cap="flat" cmpd="sng" algn="ctr">
+                      <a:solidFill>
+                        <a:schemeClr val="tx1"/>
+                      </a:solidFill>
+                      <a:prstDash val="solid"/>
+                      <a:round/>
+                      <a:headEnd type="none" w="med" len="med"/>
+                      <a:tailEnd type="none" w="med" len="med"/>
+                    </a:lnR>
+                    <a:lnT w="3175" cap="flat" cmpd="sng" algn="ctr">
+                      <a:solidFill>
+                        <a:schemeClr val="tx1"/>
+                      </a:solidFill>
+                      <a:prstDash val="solid"/>
+                      <a:round/>
+                      <a:headEnd type="none" w="med" len="med"/>
+                      <a:tailEnd type="none" w="med" len="med"/>
+                    </a:lnT>
+                    <a:lnB w="3175" cap="flat" cmpd="sng" algn="ctr">
+                      <a:solidFill>
+                        <a:schemeClr val="tx1"/>
+                      </a:solidFill>
+                      <a:prstDash val="solid"/>
+                      <a:round/>
+                      <a:headEnd type="none" w="med" len="med"/>
+                      <a:tailEnd type="none" w="med" len="med"/>
+                    </a:lnB>
+                    <a:lnTlToBr>
+                      <a:noFill/>
+                    </a:lnTlToBr>
+                    <a:lnBlToTr>
+                      <a:noFill/>
+                    </a:lnBlToTr>
+                    <a:noFill/>
+                  </a:tcPr>
+                </a:tc>
+                <a:tc>
+                  <a:txBody>
+                    <a:bodyPr/>
+                    <a:lstStyle/>
+                    <a:p>
+                      <a:pPr marL="0" marR="0" indent="0" algn="ctr" defTabSz="914400" rtl="0" eaLnBrk="1" fontAlgn="base" latinLnBrk="1" hangingPunct="1">
+                        <a:lnSpc>
+                          <a:spcPct val="100000"/>
+                        </a:lnSpc>
+                        <a:spcBef>
+                          <a:spcPts val="0"/>
+                        </a:spcBef>
+                        <a:spcAft>
+                          <a:spcPts val="0"/>
+                        </a:spcAft>
+                        <a:buClrTx/>
+                        <a:buSzTx/>
+                        <a:buFontTx/>
+                        <a:buNone/>
+                        <a:tabLst/>
+                        <a:defRPr/>
+                      </a:pPr>
+                      <a:r>
+                        <a:rPr lang="en-US" altLang="ko-KR" sz="900" b="0" kern="1200" dirty="0">
+                          <a:solidFill>
+                            <a:schemeClr val="tx1"/>
+                          </a:solidFill>
+                          <a:latin typeface="나눔고딕" charset="0"/>
+                          <a:ea typeface="나눔고딕" charset="0"/>
+                        </a:rPr>
+                        <a:t>2022.06 ~ 2022.10</a:t>
+                      </a:r>
+                      <a:endParaRPr lang="ko-KR" altLang="en-US" sz="900" b="0" kern="1200" dirty="0">
+                        <a:solidFill>
+                          <a:schemeClr val="tx1"/>
+                        </a:solidFill>
+                        <a:latin typeface="나눔고딕" charset="0"/>
+                        <a:ea typeface="나눔고딕" charset="0"/>
+                      </a:endParaRPr>
+                    </a:p>
+                  </a:txBody>
+                  <a:tcPr marL="7739" marR="7739" marT="7739" marB="0" anchor="ctr">
+                    <a:lnL w="3175" cap="flat" cmpd="sng" algn="ctr">
+                      <a:solidFill>
+                        <a:schemeClr val="tx1"/>
+                      </a:solidFill>
+                      <a:prstDash val="solid"/>
+                      <a:round/>
+                      <a:headEnd type="none" w="med" len="med"/>
+                      <a:tailEnd type="none" w="med" len="med"/>
+                    </a:lnL>
+                    <a:lnR w="3175" cap="flat" cmpd="sng" algn="ctr">
+                      <a:solidFill>
+                        <a:schemeClr val="tx1"/>
+                      </a:solidFill>
+                      <a:prstDash val="solid"/>
+                      <a:round/>
+                      <a:headEnd type="none" w="med" len="med"/>
+                      <a:tailEnd type="none" w="med" len="med"/>
+                    </a:lnR>
+                    <a:lnT w="3175" cap="flat" cmpd="sng" algn="ctr">
+                      <a:solidFill>
+                        <a:schemeClr val="tx1"/>
+                      </a:solidFill>
+                      <a:prstDash val="solid"/>
+                      <a:round/>
+                      <a:headEnd type="none" w="med" len="med"/>
+                      <a:tailEnd type="none" w="med" len="med"/>
+                    </a:lnT>
+                    <a:lnB w="3175" cap="flat" cmpd="sng" algn="ctr">
+                      <a:solidFill>
+                        <a:schemeClr val="tx1"/>
+                      </a:solidFill>
+                      <a:prstDash val="solid"/>
+                      <a:round/>
+                      <a:headEnd type="none" w="med" len="med"/>
+                      <a:tailEnd type="none" w="med" len="med"/>
+                    </a:lnB>
+                    <a:lnTlToBr>
+                      <a:noFill/>
+                    </a:lnTlToBr>
+                    <a:lnBlToTr>
+                      <a:noFill/>
+                    </a:lnBlToTr>
+                    <a:noFill/>
+                  </a:tcPr>
+                </a:tc>
+                <a:tc>
+                  <a:txBody>
+                    <a:bodyPr/>
+                    <a:lstStyle/>
+                    <a:p>
+                      <a:pPr marL="0" marR="0" indent="0" algn="ctr" defTabSz="914400" rtl="0" eaLnBrk="1" fontAlgn="base" latinLnBrk="1" hangingPunct="1">
+                        <a:lnSpc>
+                          <a:spcPts val="1200"/>
+                        </a:lnSpc>
+                        <a:spcBef>
+                          <a:spcPts val="0"/>
+                        </a:spcBef>
+                        <a:spcAft>
+                          <a:spcPts val="0"/>
+                        </a:spcAft>
+                        <a:buClrTx/>
+                        <a:buSzTx/>
+                        <a:buFontTx/>
+                        <a:buNone/>
+                        <a:tabLst/>
+                        <a:defRPr/>
+                      </a:pPr>
+                      <a:r>
+                        <a:rPr kumimoji="0" lang="ko-KR" altLang="en-US" sz="900" b="0" i="0" u="none" strike="noStrike" kern="1200" cap="none" normalizeH="0" baseline="0" dirty="0">
+                          <a:ln>
+                            <a:noFill/>
+                          </a:ln>
+                          <a:solidFill>
+                            <a:schemeClr val="tx1"/>
+                          </a:solidFill>
+                          <a:effectLst/>
+                          <a:latin typeface="나눔고딕" charset="0"/>
+                          <a:ea typeface="나눔고딕" charset="0"/>
+                          <a:cs typeface="+mn-cs"/>
+                        </a:rPr>
+                        <a:t>퍼블리싱</a:t>
+                      </a:r>
+                      <a:endParaRPr lang="ko-KR" altLang="en-US" sz="900" b="0" kern="1200" dirty="0">
+                        <a:solidFill>
+                          <a:schemeClr val="tx1"/>
+                        </a:solidFill>
+                        <a:latin typeface="나눔고딕" charset="0"/>
+                        <a:ea typeface="나눔고딕" charset="0"/>
+                      </a:endParaRPr>
+                    </a:p>
+                  </a:txBody>
+                  <a:tcPr marL="7739" marR="7739" marT="7739" marB="0" anchor="ctr">
+                    <a:lnL w="3175" cap="flat" cmpd="sng" algn="ctr">
+                      <a:solidFill>
+                        <a:schemeClr val="tx1"/>
+                      </a:solidFill>
+                      <a:prstDash val="solid"/>
+                      <a:round/>
+                      <a:headEnd type="none" w="med" len="med"/>
+                      <a:tailEnd type="none" w="med" len="med"/>
+                    </a:lnL>
+                    <a:lnR w="3175" cap="flat" cmpd="sng" algn="ctr">
+                      <a:solidFill>
+                        <a:schemeClr val="tx1"/>
+                      </a:solidFill>
+                      <a:prstDash val="solid"/>
+                      <a:round/>
+                      <a:headEnd type="none" w="med" len="med"/>
+                      <a:tailEnd type="none" w="med" len="med"/>
+                    </a:lnR>
+                    <a:lnT w="3175" cap="flat" cmpd="sng" algn="ctr">
+                      <a:solidFill>
+                        <a:schemeClr val="tx1"/>
+                      </a:solidFill>
+                      <a:prstDash val="solid"/>
+                      <a:round/>
+                      <a:headEnd type="none" w="med" len="med"/>
+                      <a:tailEnd type="none" w="med" len="med"/>
+                    </a:lnT>
+                    <a:lnB w="3175" cap="flat" cmpd="sng" algn="ctr">
+                      <a:solidFill>
+                        <a:schemeClr val="tx1"/>
+                      </a:solidFill>
+                      <a:prstDash val="solid"/>
+                      <a:round/>
+                      <a:headEnd type="none" w="med" len="med"/>
+                      <a:tailEnd type="none" w="med" len="med"/>
+                    </a:lnB>
+                    <a:lnTlToBr>
+                      <a:noFill/>
+                    </a:lnTlToBr>
+                    <a:lnBlToTr>
+                      <a:noFill/>
+                    </a:lnBlToTr>
+                    <a:noFill/>
+                  </a:tcPr>
+                </a:tc>
+                <a:tc>
+                  <a:txBody>
+                    <a:bodyPr/>
+                    <a:lstStyle/>
+                    <a:p>
+                      <a:pPr marL="0" indent="0" algn="ctr" defTabSz="914400" fontAlgn="base">
+                        <a:lnSpc>
+                          <a:spcPts val="1200"/>
+                        </a:lnSpc>
+                        <a:spcBef>
+                          <a:spcPts val="0"/>
+                        </a:spcBef>
+                        <a:spcAft>
+                          <a:spcPts val="0"/>
+                        </a:spcAft>
+                        <a:buFontTx/>
+                        <a:buNone/>
+                      </a:pPr>
+                      <a:r>
+                        <a:rPr lang="en-US" altLang="ko-KR" sz="900" b="0" kern="1200" dirty="0">
+                          <a:solidFill>
+                            <a:schemeClr val="tx1"/>
+                          </a:solidFill>
+                          <a:latin typeface="나눔고딕" charset="0"/>
+                          <a:ea typeface="나눔고딕" charset="0"/>
+                        </a:rPr>
+                        <a:t>Player</a:t>
+                      </a:r>
+                      <a:endParaRPr lang="ko-KR" altLang="en-US" sz="900" b="0" kern="1200" dirty="0">
+                        <a:solidFill>
+                          <a:schemeClr val="tx1"/>
+                        </a:solidFill>
+                        <a:latin typeface="나눔고딕" charset="0"/>
+                        <a:ea typeface="나눔고딕" charset="0"/>
+                      </a:endParaRPr>
+                    </a:p>
+                  </a:txBody>
+                  <a:tcPr marL="26829" marR="26829" marT="28893" marB="28893" anchor="ctr">
+                    <a:lnL w="3175" cap="flat" cmpd="sng" algn="ctr">
+                      <a:solidFill>
+                        <a:schemeClr val="tx1"/>
+                      </a:solidFill>
+                      <a:prstDash val="solid"/>
+                      <a:round/>
+                      <a:headEnd type="none" w="med" len="med"/>
+                      <a:tailEnd type="none" w="med" len="med"/>
+                    </a:lnL>
+                    <a:lnR w="3175" cap="flat" cmpd="sng" algn="ctr">
+                      <a:solidFill>
+                        <a:schemeClr val="tx1"/>
+                      </a:solidFill>
+                      <a:prstDash val="solid"/>
+                      <a:round/>
+                      <a:headEnd type="none" w="med" len="med"/>
+                      <a:tailEnd type="none" w="med" len="med"/>
+                    </a:lnR>
+                    <a:lnT w="3175" cap="flat" cmpd="sng" algn="ctr">
+                      <a:solidFill>
+                        <a:schemeClr val="tx1"/>
+                      </a:solidFill>
+                      <a:prstDash val="solid"/>
+                      <a:round/>
+                      <a:headEnd type="none" w="med" len="med"/>
+                      <a:tailEnd type="none" w="med" len="med"/>
+                    </a:lnT>
+                    <a:lnB w="3175" cap="flat" cmpd="sng" algn="ctr">
+                      <a:solidFill>
+                        <a:schemeClr val="tx1"/>
+                      </a:solidFill>
+                      <a:prstDash val="solid"/>
+                      <a:round/>
+                      <a:headEnd type="none" w="med" len="med"/>
+                      <a:tailEnd type="none" w="med" len="med"/>
+                    </a:lnB>
+                    <a:lnTlToBr>
+                      <a:noFill/>
+                    </a:lnTlToBr>
+                    <a:lnBlToTr>
+                      <a:noFill/>
+                    </a:lnBlToTr>
+                    <a:noFill/>
+                  </a:tcPr>
+                </a:tc>
+                <a:tc>
+                  <a:txBody>
+                    <a:bodyPr/>
+                    <a:lstStyle/>
+                    <a:p>
+                      <a:pPr marL="0" indent="0" algn="ctr" defTabSz="914400" fontAlgn="base">
+                        <a:lnSpc>
+                          <a:spcPct val="100000"/>
+                        </a:lnSpc>
+                        <a:spcBef>
+                          <a:spcPts val="0"/>
+                        </a:spcBef>
+                        <a:spcAft>
+                          <a:spcPts val="0"/>
+                        </a:spcAft>
+                        <a:buFontTx/>
+                        <a:buNone/>
+                      </a:pPr>
+                      <a:r>
+                        <a:rPr kumimoji="0" lang="en-US" altLang="ko-KR" sz="900" b="0" i="0" u="none" strike="noStrike" kern="1200" cap="none" normalizeH="0" baseline="0" dirty="0">
+                          <a:ln>
+                            <a:noFill/>
+                          </a:ln>
+                          <a:solidFill>
+                            <a:schemeClr val="tx1"/>
+                          </a:solidFill>
+                          <a:effectLst/>
+                          <a:latin typeface="+mn-lt"/>
+                          <a:ea typeface="나눔고딕" pitchFamily="50" charset="-127"/>
+                          <a:cs typeface="맑은 고딕" charset="0"/>
+                        </a:rPr>
+                        <a:t>Html5, </a:t>
+                      </a:r>
+                      <a:r>
+                        <a:rPr kumimoji="0" lang="en-US" altLang="ko-KR" sz="900" b="0" i="0" u="none" strike="noStrike" kern="1200" cap="none" normalizeH="0" baseline="0" dirty="0" err="1">
+                          <a:ln>
+                            <a:noFill/>
+                          </a:ln>
+                          <a:solidFill>
+                            <a:schemeClr val="tx1"/>
+                          </a:solidFill>
+                          <a:effectLst/>
+                          <a:latin typeface="+mn-lt"/>
+                          <a:ea typeface="나눔고딕" pitchFamily="50" charset="-127"/>
+                          <a:cs typeface="맑은 고딕" charset="0"/>
+                        </a:rPr>
+                        <a:t>scss</a:t>
+                      </a:r>
+                      <a:r>
+                        <a:rPr kumimoji="0" lang="en-US" altLang="ko-KR" sz="900" b="0" i="0" u="none" strike="noStrike" kern="1200" cap="none" normalizeH="0" baseline="0" dirty="0">
+                          <a:ln>
+                            <a:noFill/>
+                          </a:ln>
+                          <a:solidFill>
+                            <a:schemeClr val="tx1"/>
+                          </a:solidFill>
+                          <a:effectLst/>
+                          <a:latin typeface="+mn-lt"/>
+                          <a:ea typeface="나눔고딕" pitchFamily="50" charset="-127"/>
+                          <a:cs typeface="맑은 고딕" charset="0"/>
+                        </a:rPr>
+                        <a:t>, </a:t>
+                      </a:r>
+                      <a:r>
+                        <a:rPr kumimoji="0" lang="en-US" altLang="ko-KR" sz="900" b="0" i="0" u="none" strike="noStrike" kern="1200" cap="none" normalizeH="0" baseline="0" dirty="0" err="1">
+                          <a:ln>
+                            <a:noFill/>
+                          </a:ln>
+                          <a:solidFill>
+                            <a:schemeClr val="tx1"/>
+                          </a:solidFill>
+                          <a:effectLst/>
+                          <a:latin typeface="+mn-lt"/>
+                          <a:ea typeface="나눔고딕" pitchFamily="50" charset="-127"/>
+                          <a:cs typeface="맑은 고딕" charset="0"/>
+                        </a:rPr>
+                        <a:t>vue</a:t>
+                      </a:r>
+                      <a:r>
+                        <a:rPr kumimoji="0" lang="ko-KR" altLang="en-US" sz="900" b="0" i="0" u="none" strike="noStrike" kern="1200" cap="none" normalizeH="0" baseline="0" dirty="0">
+                          <a:ln>
+                            <a:noFill/>
+                          </a:ln>
+                          <a:solidFill>
+                            <a:schemeClr val="tx1"/>
+                          </a:solidFill>
+                          <a:effectLst/>
+                          <a:latin typeface="+mn-lt"/>
+                          <a:ea typeface="나눔고딕" pitchFamily="50" charset="-127"/>
+                          <a:cs typeface="맑은 고딕" charset="0"/>
+                        </a:rPr>
+                        <a:t>환경 퍼블리싱</a:t>
+                      </a:r>
+                      <a:r>
+                        <a:rPr kumimoji="0" lang="en-US" altLang="ko-KR" sz="900" b="0" i="0" u="none" strike="noStrike" kern="1200" cap="none" normalizeH="0" baseline="0" dirty="0">
+                          <a:ln>
+                            <a:noFill/>
+                          </a:ln>
+                          <a:solidFill>
+                            <a:schemeClr val="tx1"/>
+                          </a:solidFill>
+                          <a:effectLst/>
+                          <a:latin typeface="+mn-lt"/>
+                          <a:ea typeface="나눔고딕" pitchFamily="50" charset="-127"/>
+                          <a:cs typeface="맑은 고딕" charset="0"/>
+                        </a:rPr>
+                        <a:t>, Adobe XD</a:t>
+                      </a:r>
+                      <a:endParaRPr lang="ko-KR" altLang="en-US" sz="900" b="0" kern="1200" dirty="0">
+                        <a:solidFill>
+                          <a:schemeClr val="tx1"/>
+                        </a:solidFill>
+                        <a:latin typeface="나눔고딕" charset="0"/>
+                        <a:ea typeface="나눔고딕" charset="0"/>
+                      </a:endParaRPr>
+                    </a:p>
+                  </a:txBody>
+                  <a:tcPr marL="24765" marR="24765" marT="28893" marB="28893" anchor="ctr">
+                    <a:lnL w="3175" cap="flat" cmpd="sng" algn="ctr">
+                      <a:solidFill>
+                        <a:schemeClr val="tx1"/>
+                      </a:solidFill>
+                      <a:prstDash val="solid"/>
+                      <a:round/>
+                      <a:headEnd type="none" w="med" len="med"/>
+                      <a:tailEnd type="none" w="med" len="med"/>
+                    </a:lnL>
+                    <a:lnR w="3175" cap="flat" cmpd="sng" algn="ctr">
+                      <a:solidFill>
+                        <a:schemeClr val="tx1"/>
+                      </a:solidFill>
+                      <a:prstDash val="solid"/>
+                      <a:round/>
+                      <a:headEnd type="none" w="med" len="med"/>
+                      <a:tailEnd type="none" w="med" len="med"/>
+                    </a:lnR>
+                    <a:lnT w="3175" cap="flat" cmpd="sng" algn="ctr">
+                      <a:solidFill>
+                        <a:schemeClr val="tx1"/>
+                      </a:solidFill>
+                      <a:prstDash val="solid"/>
+                      <a:round/>
+                      <a:headEnd type="none" w="med" len="med"/>
+                      <a:tailEnd type="none" w="med" len="med"/>
+                    </a:lnT>
+                    <a:lnB w="3175" cap="flat" cmpd="sng" algn="ctr">
+                      <a:solidFill>
+                        <a:schemeClr val="tx1"/>
+                      </a:solidFill>
+                      <a:prstDash val="solid"/>
+                      <a:round/>
+                      <a:headEnd type="none" w="med" len="med"/>
+                      <a:tailEnd type="none" w="med" len="med"/>
+                    </a:lnB>
+                    <a:lnTlToBr>
+                      <a:noFill/>
+                    </a:lnTlToBr>
+                    <a:lnBlToTr>
+                      <a:noFill/>
+                    </a:lnBlToTr>
+                    <a:noFill/>
+                  </a:tcPr>
+                </a:tc>
+                <a:extLst>
+                  <a:ext uri="{0D108BD9-81ED-4DB2-BD59-A6C34878D82A}">
+                    <a16:rowId xmlns:a16="http://schemas.microsoft.com/office/drawing/2014/main" val="159653266"/>
+                  </a:ext>
+                </a:extLst>
+              </a:tr>
+              <a:tr h="360893">
+                <a:tc>
+                  <a:txBody>
+                    <a:bodyPr/>
+                    <a:lstStyle/>
+                    <a:p>
+                      <a:pPr marL="0" marR="0" lvl="0" indent="0" algn="ctr" defTabSz="914400" rtl="0" eaLnBrk="1" fontAlgn="base" latinLnBrk="1" hangingPunct="1">
+                        <a:lnSpc>
+                          <a:spcPts val="1200"/>
+                        </a:lnSpc>
+                        <a:spcBef>
+                          <a:spcPts val="0"/>
+                        </a:spcBef>
+                        <a:spcAft>
+                          <a:spcPts val="0"/>
+                        </a:spcAft>
+                        <a:buClrTx/>
+                        <a:buSzTx/>
+                        <a:buFontTx/>
+                        <a:buNone/>
+                        <a:tabLst/>
+                        <a:defRPr/>
+                      </a:pPr>
+                      <a:r>
+                        <a:rPr kumimoji="1" lang="en-US" altLang="ko-KR" sz="900" b="0" i="0" u="none" strike="noStrike" kern="1200" cap="none" normalizeH="0" baseline="0" dirty="0">
+                          <a:ln>
+                            <a:noFill/>
+                          </a:ln>
+                          <a:solidFill>
+                            <a:schemeClr val="tx1"/>
+                          </a:solidFill>
+                          <a:effectLst/>
+                          <a:latin typeface="+mn-lt"/>
+                          <a:ea typeface="나눔고딕" pitchFamily="50" charset="-127"/>
+                          <a:cs typeface="+mn-cs"/>
+                        </a:rPr>
+                        <a:t>(</a:t>
+                      </a:r>
+                      <a:r>
+                        <a:rPr kumimoji="1" lang="ko-KR" altLang="en-US" sz="900" b="0" i="0" u="none" strike="noStrike" kern="1200" cap="none" normalizeH="0" baseline="0" dirty="0">
+                          <a:ln>
+                            <a:noFill/>
+                          </a:ln>
+                          <a:solidFill>
+                            <a:schemeClr val="tx1"/>
+                          </a:solidFill>
+                          <a:effectLst/>
+                          <a:latin typeface="+mn-lt"/>
+                          <a:ea typeface="나눔고딕" pitchFamily="50" charset="-127"/>
+                          <a:cs typeface="+mn-cs"/>
+                        </a:rPr>
+                        <a:t>주</a:t>
+                      </a:r>
+                      <a:r>
+                        <a:rPr kumimoji="1" lang="en-US" altLang="ko-KR" sz="900" b="0" i="0" u="none" strike="noStrike" kern="1200" cap="none" normalizeH="0" baseline="0" dirty="0">
+                          <a:ln>
+                            <a:noFill/>
+                          </a:ln>
+                          <a:solidFill>
+                            <a:schemeClr val="tx1"/>
+                          </a:solidFill>
+                          <a:effectLst/>
+                          <a:latin typeface="+mn-lt"/>
+                          <a:ea typeface="나눔고딕" pitchFamily="50" charset="-127"/>
+                          <a:cs typeface="+mn-cs"/>
+                        </a:rPr>
+                        <a:t>)</a:t>
+                      </a:r>
+                      <a:r>
+                        <a:rPr kumimoji="1" lang="ko-KR" altLang="en-US" sz="900" b="0" i="0" u="none" strike="noStrike" kern="1200" cap="none" normalizeH="0" baseline="0" dirty="0" err="1">
+                          <a:ln>
+                            <a:noFill/>
+                          </a:ln>
+                          <a:solidFill>
+                            <a:schemeClr val="tx1"/>
+                          </a:solidFill>
+                          <a:effectLst/>
+                          <a:latin typeface="+mn-lt"/>
+                          <a:ea typeface="나눔고딕" pitchFamily="50" charset="-127"/>
+                          <a:cs typeface="+mn-cs"/>
+                        </a:rPr>
+                        <a:t>엔더스</a:t>
+                      </a:r>
+                      <a:endParaRPr kumimoji="1" lang="en-US" altLang="ko-KR" sz="900" b="0" i="0" u="none" strike="noStrike" kern="1200" cap="none" normalizeH="0" baseline="0" dirty="0">
+                        <a:ln>
+                          <a:noFill/>
+                        </a:ln>
+                        <a:solidFill>
+                          <a:schemeClr val="tx1"/>
+                        </a:solidFill>
+                        <a:effectLst/>
+                        <a:latin typeface="+mn-lt"/>
+                        <a:ea typeface="나눔고딕" pitchFamily="50" charset="-127"/>
+                        <a:cs typeface="+mn-cs"/>
+                      </a:endParaRPr>
+                    </a:p>
+                  </a:txBody>
+                  <a:tcPr marL="13414" marR="13414" marT="15994" marB="15994" anchor="ctr">
+                    <a:lnL w="3175" cap="flat" cmpd="sng" algn="ctr">
+                      <a:solidFill>
+                        <a:schemeClr val="tx1"/>
+                      </a:solidFill>
+                      <a:prstDash val="solid"/>
+                      <a:round/>
+                      <a:headEnd type="none" w="med" len="med"/>
+                      <a:tailEnd type="none" w="med" len="med"/>
+                    </a:lnL>
+                    <a:lnR w="3175" cap="flat" cmpd="sng" algn="ctr">
+                      <a:solidFill>
+                        <a:schemeClr val="tx1"/>
+                      </a:solidFill>
+                      <a:prstDash val="solid"/>
+                      <a:round/>
+                      <a:headEnd type="none" w="med" len="med"/>
+                      <a:tailEnd type="none" w="med" len="med"/>
+                    </a:lnR>
+                    <a:lnT w="3175" cap="flat" cmpd="sng" algn="ctr">
+                      <a:solidFill>
+                        <a:schemeClr val="tx1"/>
+                      </a:solidFill>
+                      <a:prstDash val="solid"/>
+                      <a:round/>
+                      <a:headEnd type="none" w="med" len="med"/>
+                      <a:tailEnd type="none" w="med" len="med"/>
+                    </a:lnT>
+                    <a:lnB w="3175" cap="flat" cmpd="sng" algn="ctr">
+                      <a:solidFill>
+                        <a:schemeClr val="tx1"/>
+                      </a:solidFill>
+                      <a:prstDash val="solid"/>
+                      <a:round/>
+                      <a:headEnd type="none" w="med" len="med"/>
+                      <a:tailEnd type="none" w="med" len="med"/>
+                    </a:lnB>
+                    <a:lnTlToBr>
+                      <a:noFill/>
+                    </a:lnTlToBr>
+                    <a:lnBlToTr>
+                      <a:noFill/>
+                    </a:lnBlToTr>
+                    <a:noFill/>
+                  </a:tcPr>
+                </a:tc>
+                <a:tc>
+                  <a:txBody>
+                    <a:bodyPr/>
+                    <a:lstStyle/>
+                    <a:p>
+                      <a:pPr marL="0" indent="0" algn="ctr" defTabSz="914400" fontAlgn="base">
+                        <a:lnSpc>
+                          <a:spcPct val="100000"/>
+                        </a:lnSpc>
+                        <a:spcBef>
+                          <a:spcPts val="0"/>
+                        </a:spcBef>
+                        <a:spcAft>
+                          <a:spcPts val="0"/>
+                        </a:spcAft>
+                        <a:buFontTx/>
+                        <a:buNone/>
+                      </a:pPr>
+                      <a:r>
+                        <a:rPr lang="ko-KR" altLang="en-US" sz="900" b="0" kern="1200" dirty="0">
+                          <a:solidFill>
+                            <a:srgbClr val="000000"/>
+                          </a:solidFill>
+                          <a:latin typeface="나눔고딕" charset="0"/>
+                          <a:ea typeface="나눔고딕" charset="0"/>
+                        </a:rPr>
+                        <a:t>농협투자증권</a:t>
+                      </a:r>
+                    </a:p>
+                  </a:txBody>
+                  <a:tcPr marL="26829" marR="26829" marT="28893" marB="28893" anchor="ctr">
+                    <a:lnL w="3175" cap="flat" cmpd="sng" algn="ctr">
+                      <a:solidFill>
+                        <a:schemeClr val="tx1"/>
+                      </a:solidFill>
+                      <a:prstDash val="solid"/>
+                      <a:round/>
+                      <a:headEnd type="none" w="med" len="med"/>
+                      <a:tailEnd type="none" w="med" len="med"/>
+                    </a:lnL>
+                    <a:lnR w="3175" cap="flat" cmpd="sng" algn="ctr">
+                      <a:solidFill>
+                        <a:schemeClr val="tx1"/>
+                      </a:solidFill>
+                      <a:prstDash val="solid"/>
+                      <a:round/>
+                      <a:headEnd type="none" w="med" len="med"/>
+                      <a:tailEnd type="none" w="med" len="med"/>
+                    </a:lnR>
+                    <a:lnT w="3175" cap="flat" cmpd="sng" algn="ctr">
+                      <a:solidFill>
+                        <a:schemeClr val="tx1"/>
+                      </a:solidFill>
+                      <a:prstDash val="solid"/>
+                      <a:round/>
+                      <a:headEnd type="none" w="med" len="med"/>
+                      <a:tailEnd type="none" w="med" len="med"/>
+                    </a:lnT>
+                    <a:lnB w="3175" cap="flat" cmpd="sng" algn="ctr">
+                      <a:solidFill>
+                        <a:schemeClr val="tx1"/>
+                      </a:solidFill>
+                      <a:prstDash val="solid"/>
+                      <a:round/>
+                      <a:headEnd type="none" w="med" len="med"/>
+                      <a:tailEnd type="none" w="med" len="med"/>
+                    </a:lnB>
+                    <a:lnTlToBr>
+                      <a:noFill/>
+                    </a:lnTlToBr>
+                    <a:lnBlToTr>
+                      <a:noFill/>
+                    </a:lnBlToTr>
+                    <a:noFill/>
+                  </a:tcPr>
+                </a:tc>
+                <a:tc>
+                  <a:txBody>
+                    <a:bodyPr/>
+                    <a:lstStyle/>
+                    <a:p>
+                      <a:pPr marL="0" indent="0" algn="ctr" defTabSz="914400" fontAlgn="base">
+                        <a:lnSpc>
+                          <a:spcPct val="100000"/>
+                        </a:lnSpc>
+                        <a:spcBef>
+                          <a:spcPts val="0"/>
+                        </a:spcBef>
+                        <a:spcAft>
+                          <a:spcPts val="0"/>
+                        </a:spcAft>
+                        <a:buFontTx/>
+                        <a:buNone/>
+                      </a:pPr>
+                      <a:r>
+                        <a:rPr lang="ko-KR" altLang="en-US" sz="900" b="0" kern="1200" dirty="0">
+                          <a:solidFill>
+                            <a:srgbClr val="000000"/>
+                          </a:solidFill>
+                          <a:latin typeface="나눔고딕" charset="0"/>
+                          <a:ea typeface="나눔고딕" charset="0"/>
+                        </a:rPr>
+                        <a:t>농협투자증권 지원</a:t>
+                      </a:r>
+                    </a:p>
+                  </a:txBody>
+                  <a:tcPr marL="26829" marR="26829" marT="28893" marB="28893" anchor="ctr">
+                    <a:lnL w="3175" cap="flat" cmpd="sng" algn="ctr">
+                      <a:solidFill>
+                        <a:schemeClr val="tx1"/>
+                      </a:solidFill>
+                      <a:prstDash val="solid"/>
+                      <a:round/>
+                      <a:headEnd type="none" w="med" len="med"/>
+                      <a:tailEnd type="none" w="med" len="med"/>
+                    </a:lnL>
+                    <a:lnR w="3175" cap="flat" cmpd="sng" algn="ctr">
+                      <a:solidFill>
+                        <a:schemeClr val="tx1"/>
+                      </a:solidFill>
+                      <a:prstDash val="solid"/>
+                      <a:round/>
+                      <a:headEnd type="none" w="med" len="med"/>
+                      <a:tailEnd type="none" w="med" len="med"/>
+                    </a:lnR>
+                    <a:lnT w="3175" cap="flat" cmpd="sng" algn="ctr">
+                      <a:solidFill>
+                        <a:schemeClr val="tx1"/>
+                      </a:solidFill>
+                      <a:prstDash val="solid"/>
+                      <a:round/>
+                      <a:headEnd type="none" w="med" len="med"/>
+                      <a:tailEnd type="none" w="med" len="med"/>
+                    </a:lnT>
+                    <a:lnB w="3175" cap="flat" cmpd="sng" algn="ctr">
+                      <a:solidFill>
+                        <a:schemeClr val="tx1"/>
+                      </a:solidFill>
+                      <a:prstDash val="solid"/>
+                      <a:round/>
+                      <a:headEnd type="none" w="med" len="med"/>
+                      <a:tailEnd type="none" w="med" len="med"/>
+                    </a:lnB>
+                    <a:lnTlToBr>
+                      <a:noFill/>
+                    </a:lnTlToBr>
+                    <a:lnBlToTr>
+                      <a:noFill/>
+                    </a:lnBlToTr>
+                    <a:noFill/>
+                  </a:tcPr>
+                </a:tc>
+                <a:tc>
+                  <a:txBody>
+                    <a:bodyPr/>
+                    <a:lstStyle/>
+                    <a:p>
+                      <a:pPr marL="0" marR="0" indent="0" algn="ctr" defTabSz="914400" rtl="0" eaLnBrk="1" fontAlgn="base" latinLnBrk="1" hangingPunct="1">
+                        <a:lnSpc>
+                          <a:spcPct val="100000"/>
+                        </a:lnSpc>
+                        <a:spcBef>
+                          <a:spcPts val="0"/>
+                        </a:spcBef>
+                        <a:spcAft>
+                          <a:spcPts val="0"/>
+                        </a:spcAft>
+                        <a:buClrTx/>
+                        <a:buSzTx/>
+                        <a:buFontTx/>
+                        <a:buNone/>
+                        <a:tabLst/>
+                        <a:defRPr/>
+                      </a:pPr>
+                      <a:r>
+                        <a:rPr lang="en-US" altLang="ko-KR" sz="900" b="0" kern="1200" dirty="0">
+                          <a:solidFill>
+                            <a:schemeClr val="tx1"/>
+                          </a:solidFill>
+                          <a:latin typeface="나눔고딕" charset="0"/>
+                          <a:ea typeface="나눔고딕" charset="0"/>
+                        </a:rPr>
+                        <a:t>2022.10 ~ 2022.10</a:t>
+                      </a:r>
+                      <a:endParaRPr lang="ko-KR" altLang="en-US" sz="900" b="0" kern="1200" dirty="0">
+                        <a:solidFill>
+                          <a:schemeClr val="tx1"/>
+                        </a:solidFill>
+                        <a:latin typeface="나눔고딕" charset="0"/>
+                        <a:ea typeface="나눔고딕" charset="0"/>
+                      </a:endParaRPr>
+                    </a:p>
+                  </a:txBody>
+                  <a:tcPr marL="7739" marR="7739" marT="7739" marB="0" anchor="ctr">
+                    <a:lnL w="3175" cap="flat" cmpd="sng" algn="ctr">
+                      <a:solidFill>
+                        <a:schemeClr val="tx1"/>
+                      </a:solidFill>
+                      <a:prstDash val="solid"/>
+                      <a:round/>
+                      <a:headEnd type="none" w="med" len="med"/>
+                      <a:tailEnd type="none" w="med" len="med"/>
+                    </a:lnL>
+                    <a:lnR w="3175" cap="flat" cmpd="sng" algn="ctr">
+                      <a:solidFill>
+                        <a:schemeClr val="tx1"/>
+                      </a:solidFill>
+                      <a:prstDash val="solid"/>
+                      <a:round/>
+                      <a:headEnd type="none" w="med" len="med"/>
+                      <a:tailEnd type="none" w="med" len="med"/>
+                    </a:lnR>
+                    <a:lnT w="3175" cap="flat" cmpd="sng" algn="ctr">
+                      <a:solidFill>
+                        <a:schemeClr val="tx1"/>
+                      </a:solidFill>
+                      <a:prstDash val="solid"/>
+                      <a:round/>
+                      <a:headEnd type="none" w="med" len="med"/>
+                      <a:tailEnd type="none" w="med" len="med"/>
+                    </a:lnT>
+                    <a:lnB w="3175" cap="flat" cmpd="sng" algn="ctr">
+                      <a:solidFill>
+                        <a:schemeClr val="tx1"/>
+                      </a:solidFill>
+                      <a:prstDash val="solid"/>
+                      <a:round/>
+                      <a:headEnd type="none" w="med" len="med"/>
+                      <a:tailEnd type="none" w="med" len="med"/>
+                    </a:lnB>
+                    <a:lnTlToBr>
+                      <a:noFill/>
+                    </a:lnTlToBr>
+                    <a:lnBlToTr>
+                      <a:noFill/>
+                    </a:lnBlToTr>
+                    <a:noFill/>
+                  </a:tcPr>
+                </a:tc>
+                <a:tc>
+                  <a:txBody>
+                    <a:bodyPr/>
+                    <a:lstStyle/>
+                    <a:p>
+                      <a:pPr marL="0" marR="0" indent="0" algn="ctr" defTabSz="914400" rtl="0" eaLnBrk="1" fontAlgn="base" latinLnBrk="1" hangingPunct="1">
+                        <a:lnSpc>
+                          <a:spcPts val="1200"/>
+                        </a:lnSpc>
+                        <a:spcBef>
+                          <a:spcPts val="0"/>
+                        </a:spcBef>
+                        <a:spcAft>
+                          <a:spcPts val="0"/>
+                        </a:spcAft>
+                        <a:buClrTx/>
+                        <a:buSzTx/>
+                        <a:buFontTx/>
+                        <a:buNone/>
+                        <a:tabLst/>
+                        <a:defRPr/>
+                      </a:pPr>
+                      <a:r>
+                        <a:rPr kumimoji="0" lang="ko-KR" altLang="en-US" sz="900" b="0" i="0" u="none" strike="noStrike" kern="1200" cap="none" normalizeH="0" baseline="0" dirty="0">
+                          <a:ln>
+                            <a:noFill/>
+                          </a:ln>
+                          <a:solidFill>
+                            <a:schemeClr val="tx1"/>
+                          </a:solidFill>
+                          <a:effectLst/>
+                          <a:latin typeface="나눔고딕" charset="0"/>
+                          <a:ea typeface="나눔고딕" charset="0"/>
+                          <a:cs typeface="+mn-cs"/>
+                        </a:rPr>
+                        <a:t>퍼블리싱</a:t>
+                      </a:r>
+                      <a:endParaRPr lang="ko-KR" altLang="en-US" sz="900" b="0" kern="1200" dirty="0">
+                        <a:solidFill>
+                          <a:schemeClr val="tx1"/>
+                        </a:solidFill>
+                        <a:latin typeface="나눔고딕" charset="0"/>
+                        <a:ea typeface="나눔고딕" charset="0"/>
+                      </a:endParaRPr>
+                    </a:p>
+                  </a:txBody>
+                  <a:tcPr marL="7739" marR="7739" marT="7739" marB="0" anchor="ctr">
+                    <a:lnL w="3175" cap="flat" cmpd="sng" algn="ctr">
+                      <a:solidFill>
+                        <a:schemeClr val="tx1"/>
+                      </a:solidFill>
+                      <a:prstDash val="solid"/>
+                      <a:round/>
+                      <a:headEnd type="none" w="med" len="med"/>
+                      <a:tailEnd type="none" w="med" len="med"/>
+                    </a:lnL>
+                    <a:lnR w="3175" cap="flat" cmpd="sng" algn="ctr">
+                      <a:solidFill>
+                        <a:schemeClr val="tx1"/>
+                      </a:solidFill>
+                      <a:prstDash val="solid"/>
+                      <a:round/>
+                      <a:headEnd type="none" w="med" len="med"/>
+                      <a:tailEnd type="none" w="med" len="med"/>
+                    </a:lnR>
+                    <a:lnT w="3175" cap="flat" cmpd="sng" algn="ctr">
+                      <a:solidFill>
+                        <a:schemeClr val="tx1"/>
+                      </a:solidFill>
+                      <a:prstDash val="solid"/>
+                      <a:round/>
+                      <a:headEnd type="none" w="med" len="med"/>
+                      <a:tailEnd type="none" w="med" len="med"/>
+                    </a:lnT>
+                    <a:lnB w="3175" cap="flat" cmpd="sng" algn="ctr">
+                      <a:solidFill>
+                        <a:schemeClr val="tx1"/>
+                      </a:solidFill>
+                      <a:prstDash val="solid"/>
+                      <a:round/>
+                      <a:headEnd type="none" w="med" len="med"/>
+                      <a:tailEnd type="none" w="med" len="med"/>
+                    </a:lnB>
+                    <a:lnTlToBr>
+                      <a:noFill/>
+                    </a:lnTlToBr>
+                    <a:lnBlToTr>
+                      <a:noFill/>
+                    </a:lnBlToTr>
+                    <a:noFill/>
+                  </a:tcPr>
+                </a:tc>
+                <a:tc>
+                  <a:txBody>
+                    <a:bodyPr/>
+                    <a:lstStyle/>
+                    <a:p>
+                      <a:pPr marL="0" indent="0" algn="ctr" defTabSz="914400" fontAlgn="base">
+                        <a:lnSpc>
+                          <a:spcPts val="1200"/>
+                        </a:lnSpc>
+                        <a:spcBef>
+                          <a:spcPts val="0"/>
+                        </a:spcBef>
+                        <a:spcAft>
+                          <a:spcPts val="0"/>
+                        </a:spcAft>
+                        <a:buFontTx/>
+                        <a:buNone/>
+                      </a:pPr>
+                      <a:r>
+                        <a:rPr lang="en-US" altLang="ko-KR" sz="900" b="0" kern="1200" dirty="0">
+                          <a:solidFill>
+                            <a:schemeClr val="tx1"/>
+                          </a:solidFill>
+                          <a:latin typeface="나눔고딕" charset="0"/>
+                          <a:ea typeface="나눔고딕" charset="0"/>
+                        </a:rPr>
+                        <a:t>Player</a:t>
+                      </a:r>
+                      <a:endParaRPr lang="ko-KR" altLang="en-US" sz="900" b="0" kern="1200" dirty="0">
+                        <a:solidFill>
+                          <a:schemeClr val="tx1"/>
+                        </a:solidFill>
+                        <a:latin typeface="나눔고딕" charset="0"/>
+                        <a:ea typeface="나눔고딕" charset="0"/>
+                      </a:endParaRPr>
+                    </a:p>
+                  </a:txBody>
+                  <a:tcPr marL="26829" marR="26829" marT="28893" marB="28893" anchor="ctr">
+                    <a:lnL w="3175" cap="flat" cmpd="sng" algn="ctr">
+                      <a:solidFill>
+                        <a:schemeClr val="tx1"/>
+                      </a:solidFill>
+                      <a:prstDash val="solid"/>
+                      <a:round/>
+                      <a:headEnd type="none" w="med" len="med"/>
+                      <a:tailEnd type="none" w="med" len="med"/>
+                    </a:lnL>
+                    <a:lnR w="3175" cap="flat" cmpd="sng" algn="ctr">
+                      <a:solidFill>
+                        <a:schemeClr val="tx1"/>
+                      </a:solidFill>
+                      <a:prstDash val="solid"/>
+                      <a:round/>
+                      <a:headEnd type="none" w="med" len="med"/>
+                      <a:tailEnd type="none" w="med" len="med"/>
+                    </a:lnR>
+                    <a:lnT w="3175" cap="flat" cmpd="sng" algn="ctr">
+                      <a:solidFill>
+                        <a:schemeClr val="tx1"/>
+                      </a:solidFill>
+                      <a:prstDash val="solid"/>
+                      <a:round/>
+                      <a:headEnd type="none" w="med" len="med"/>
+                      <a:tailEnd type="none" w="med" len="med"/>
+                    </a:lnT>
+                    <a:lnB w="3175" cap="flat" cmpd="sng" algn="ctr">
+                      <a:solidFill>
+                        <a:schemeClr val="tx1"/>
+                      </a:solidFill>
+                      <a:prstDash val="solid"/>
+                      <a:round/>
+                      <a:headEnd type="none" w="med" len="med"/>
+                      <a:tailEnd type="none" w="med" len="med"/>
+                    </a:lnB>
+                    <a:lnTlToBr>
+                      <a:noFill/>
+                    </a:lnTlToBr>
+                    <a:lnBlToTr>
+                      <a:noFill/>
+                    </a:lnBlToTr>
+                    <a:noFill/>
+                  </a:tcPr>
+                </a:tc>
+                <a:tc>
+                  <a:txBody>
+                    <a:bodyPr/>
+                    <a:lstStyle/>
+                    <a:p>
+                      <a:pPr marL="0" indent="0" algn="ctr" defTabSz="914400" fontAlgn="base">
+                        <a:lnSpc>
+                          <a:spcPct val="100000"/>
+                        </a:lnSpc>
+                        <a:spcBef>
+                          <a:spcPts val="0"/>
+                        </a:spcBef>
+                        <a:spcAft>
+                          <a:spcPts val="0"/>
+                        </a:spcAft>
+                        <a:buFontTx/>
+                        <a:buNone/>
+                      </a:pPr>
+                      <a:r>
+                        <a:rPr kumimoji="0" lang="en-US" altLang="ko-KR" sz="900" b="0" i="0" u="none" strike="noStrike" kern="1200" cap="none" normalizeH="0" baseline="0" dirty="0">
+                          <a:ln>
+                            <a:noFill/>
+                          </a:ln>
+                          <a:solidFill>
+                            <a:schemeClr val="tx1"/>
+                          </a:solidFill>
+                          <a:effectLst/>
+                          <a:latin typeface="+mn-lt"/>
+                          <a:ea typeface="나눔고딕" pitchFamily="50" charset="-127"/>
+                          <a:cs typeface="맑은 고딕" charset="0"/>
+                        </a:rPr>
+                        <a:t>Html5, css3, </a:t>
+                      </a:r>
+                      <a:r>
+                        <a:rPr kumimoji="0" lang="en-US" altLang="ko-KR" sz="900" b="0" i="0" u="none" strike="noStrike" kern="1200" cap="none" normalizeH="0" baseline="0" dirty="0" err="1">
+                          <a:ln>
+                            <a:noFill/>
+                          </a:ln>
+                          <a:solidFill>
+                            <a:schemeClr val="tx1"/>
+                          </a:solidFill>
+                          <a:effectLst/>
+                          <a:latin typeface="+mn-lt"/>
+                          <a:ea typeface="나눔고딕" pitchFamily="50" charset="-127"/>
+                          <a:cs typeface="맑은 고딕" charset="0"/>
+                        </a:rPr>
+                        <a:t>jquery</a:t>
+                      </a:r>
+                      <a:r>
+                        <a:rPr kumimoji="0" lang="en-US" altLang="ko-KR" sz="900" b="0" i="0" u="none" strike="noStrike" kern="1200" cap="none" normalizeH="0" baseline="0" dirty="0">
+                          <a:ln>
+                            <a:noFill/>
+                          </a:ln>
+                          <a:solidFill>
+                            <a:schemeClr val="tx1"/>
+                          </a:solidFill>
+                          <a:effectLst/>
+                          <a:latin typeface="+mn-lt"/>
+                          <a:ea typeface="나눔고딕" pitchFamily="50" charset="-127"/>
+                          <a:cs typeface="맑은 고딕" charset="0"/>
+                        </a:rPr>
+                        <a:t>, Adobe XD</a:t>
+                      </a:r>
+                      <a:endParaRPr lang="ko-KR" altLang="en-US" sz="900" b="0" kern="1200" dirty="0">
+                        <a:solidFill>
+                          <a:schemeClr val="tx1"/>
+                        </a:solidFill>
+                        <a:latin typeface="나눔고딕" charset="0"/>
+                        <a:ea typeface="나눔고딕" charset="0"/>
+                      </a:endParaRPr>
+                    </a:p>
+                  </a:txBody>
+                  <a:tcPr marL="24765" marR="24765" marT="28893" marB="28893" anchor="ctr">
+                    <a:lnL w="3175" cap="flat" cmpd="sng" algn="ctr">
+                      <a:solidFill>
+                        <a:schemeClr val="tx1"/>
+                      </a:solidFill>
+                      <a:prstDash val="solid"/>
+                      <a:round/>
+                      <a:headEnd type="none" w="med" len="med"/>
+                      <a:tailEnd type="none" w="med" len="med"/>
+                    </a:lnL>
+                    <a:lnR w="3175" cap="flat" cmpd="sng" algn="ctr">
+                      <a:solidFill>
+                        <a:schemeClr val="tx1"/>
+                      </a:solidFill>
+                      <a:prstDash val="solid"/>
+                      <a:round/>
+                      <a:headEnd type="none" w="med" len="med"/>
+                      <a:tailEnd type="none" w="med" len="med"/>
+                    </a:lnR>
+                    <a:lnT w="3175" cap="flat" cmpd="sng" algn="ctr">
+                      <a:solidFill>
+                        <a:schemeClr val="tx1"/>
+                      </a:solidFill>
+                      <a:prstDash val="solid"/>
+                      <a:round/>
+                      <a:headEnd type="none" w="med" len="med"/>
+                      <a:tailEnd type="none" w="med" len="med"/>
+                    </a:lnT>
+                    <a:lnB w="3175" cap="flat" cmpd="sng" algn="ctr">
+                      <a:solidFill>
+                        <a:schemeClr val="tx1"/>
+                      </a:solidFill>
+                      <a:prstDash val="solid"/>
+                      <a:round/>
+                      <a:headEnd type="none" w="med" len="med"/>
+                      <a:tailEnd type="none" w="med" len="med"/>
+                    </a:lnB>
+                    <a:lnTlToBr>
+                      <a:noFill/>
+                    </a:lnTlToBr>
+                    <a:lnBlToTr>
+                      <a:noFill/>
+                    </a:lnBlToTr>
+                    <a:noFill/>
+                  </a:tcPr>
+                </a:tc>
+                <a:extLst>
+                  <a:ext uri="{0D108BD9-81ED-4DB2-BD59-A6C34878D82A}">
+                    <a16:rowId xmlns:a16="http://schemas.microsoft.com/office/drawing/2014/main" val="1080628596"/>
                   </a:ext>
                 </a:extLst>
               </a:tr>

--- a/download/career_introduction.pptx
+++ b/download/career_introduction.pptx
@@ -1121,7 +1121,7 @@
           <a:p>
             <a:fld id="{E0BD39A2-E3B7-4CF3-B6E3-D0DEB28CC5C5}" type="datetimeFigureOut">
               <a:rPr lang="ko-KR" altLang="en-US" smtClean="0"/>
-              <a:t>2022-10-14</a:t>
+              <a:t>2022-10-26</a:t>
             </a:fld>
             <a:endParaRPr lang="ko-KR" altLang="en-US"/>
           </a:p>
@@ -1289,7 +1289,7 @@
           <a:p>
             <a:fld id="{E0BD39A2-E3B7-4CF3-B6E3-D0DEB28CC5C5}" type="datetimeFigureOut">
               <a:rPr lang="ko-KR" altLang="en-US" smtClean="0"/>
-              <a:t>2022-10-14</a:t>
+              <a:t>2022-10-26</a:t>
             </a:fld>
             <a:endParaRPr lang="ko-KR" altLang="en-US"/>
           </a:p>
@@ -1467,7 +1467,7 @@
           <a:p>
             <a:fld id="{E0BD39A2-E3B7-4CF3-B6E3-D0DEB28CC5C5}" type="datetimeFigureOut">
               <a:rPr lang="ko-KR" altLang="en-US" smtClean="0"/>
-              <a:t>2022-10-14</a:t>
+              <a:t>2022-10-26</a:t>
             </a:fld>
             <a:endParaRPr lang="ko-KR" altLang="en-US"/>
           </a:p>
@@ -1897,7 +1897,7 @@
           <a:p>
             <a:fld id="{E0BD39A2-E3B7-4CF3-B6E3-D0DEB28CC5C5}" type="datetimeFigureOut">
               <a:rPr lang="ko-KR" altLang="en-US" smtClean="0"/>
-              <a:t>2022-10-14</a:t>
+              <a:t>2022-10-26</a:t>
             </a:fld>
             <a:endParaRPr lang="ko-KR" altLang="en-US"/>
           </a:p>
@@ -2142,7 +2142,7 @@
           <a:p>
             <a:fld id="{E0BD39A2-E3B7-4CF3-B6E3-D0DEB28CC5C5}" type="datetimeFigureOut">
               <a:rPr lang="ko-KR" altLang="en-US" smtClean="0"/>
-              <a:t>2022-10-14</a:t>
+              <a:t>2022-10-26</a:t>
             </a:fld>
             <a:endParaRPr lang="ko-KR" altLang="en-US"/>
           </a:p>
@@ -2427,7 +2427,7 @@
           <a:p>
             <a:fld id="{E0BD39A2-E3B7-4CF3-B6E3-D0DEB28CC5C5}" type="datetimeFigureOut">
               <a:rPr lang="ko-KR" altLang="en-US" smtClean="0"/>
-              <a:t>2022-10-14</a:t>
+              <a:t>2022-10-26</a:t>
             </a:fld>
             <a:endParaRPr lang="ko-KR" altLang="en-US"/>
           </a:p>
@@ -2846,7 +2846,7 @@
           <a:p>
             <a:fld id="{E0BD39A2-E3B7-4CF3-B6E3-D0DEB28CC5C5}" type="datetimeFigureOut">
               <a:rPr lang="ko-KR" altLang="en-US" smtClean="0"/>
-              <a:t>2022-10-14</a:t>
+              <a:t>2022-10-26</a:t>
             </a:fld>
             <a:endParaRPr lang="ko-KR" altLang="en-US"/>
           </a:p>
@@ -2963,7 +2963,7 @@
           <a:p>
             <a:fld id="{E0BD39A2-E3B7-4CF3-B6E3-D0DEB28CC5C5}" type="datetimeFigureOut">
               <a:rPr lang="ko-KR" altLang="en-US" smtClean="0"/>
-              <a:t>2022-10-14</a:t>
+              <a:t>2022-10-26</a:t>
             </a:fld>
             <a:endParaRPr lang="ko-KR" altLang="en-US"/>
           </a:p>
@@ -3058,7 +3058,7 @@
           <a:p>
             <a:fld id="{E0BD39A2-E3B7-4CF3-B6E3-D0DEB28CC5C5}" type="datetimeFigureOut">
               <a:rPr lang="ko-KR" altLang="en-US" smtClean="0"/>
-              <a:t>2022-10-14</a:t>
+              <a:t>2022-10-26</a:t>
             </a:fld>
             <a:endParaRPr lang="ko-KR" altLang="en-US"/>
           </a:p>
@@ -3333,7 +3333,7 @@
           <a:p>
             <a:fld id="{E0BD39A2-E3B7-4CF3-B6E3-D0DEB28CC5C5}" type="datetimeFigureOut">
               <a:rPr lang="ko-KR" altLang="en-US" smtClean="0"/>
-              <a:t>2022-10-14</a:t>
+              <a:t>2022-10-26</a:t>
             </a:fld>
             <a:endParaRPr lang="ko-KR" altLang="en-US"/>
           </a:p>
@@ -3585,7 +3585,7 @@
           <a:p>
             <a:fld id="{E0BD39A2-E3B7-4CF3-B6E3-D0DEB28CC5C5}" type="datetimeFigureOut">
               <a:rPr lang="ko-KR" altLang="en-US" smtClean="0"/>
-              <a:t>2022-10-14</a:t>
+              <a:t>2022-10-26</a:t>
             </a:fld>
             <a:endParaRPr lang="ko-KR" altLang="en-US"/>
           </a:p>
@@ -3796,7 +3796,7 @@
           <a:p>
             <a:fld id="{E0BD39A2-E3B7-4CF3-B6E3-D0DEB28CC5C5}" type="datetimeFigureOut">
               <a:rPr lang="ko-KR" altLang="en-US" smtClean="0"/>
-              <a:t>2022-10-14</a:t>
+              <a:t>2022-10-26</a:t>
             </a:fld>
             <a:endParaRPr lang="ko-KR" altLang="en-US"/>
           </a:p>
@@ -14120,7 +14120,7 @@
           <p:nvPr>
             <p:extLst>
               <p:ext uri="{D42A27DB-BD31-4B8C-83A1-F6EECF244321}">
-                <p14:modId xmlns:p14="http://schemas.microsoft.com/office/powerpoint/2010/main" val="1976003282"/>
+                <p14:modId xmlns:p14="http://schemas.microsoft.com/office/powerpoint/2010/main" val="3667014058"/>
               </p:ext>
             </p:extLst>
           </p:nvPr>
@@ -23635,7 +23635,7 @@
                         <a:t>Html5, css3, </a:t>
                       </a:r>
                       <a:r>
-                        <a:rPr kumimoji="0" lang="en-US" altLang="ko-KR" sz="900" b="0" i="0" u="none" strike="noStrike" kern="1200" cap="none" normalizeH="0" baseline="0" dirty="0" err="1">
+                        <a:rPr kumimoji="0" lang="ko-KR" altLang="en-US" sz="900" b="0" i="0" u="none" strike="noStrike" kern="1200" cap="none" normalizeH="0" baseline="0" dirty="0">
                           <a:ln>
                             <a:noFill/>
                           </a:ln>
@@ -23647,7 +23647,7 @@
                           <a:ea typeface="나눔고딕" pitchFamily="50" charset="-127"/>
                           <a:cs typeface="맑은 고딕" charset="0"/>
                         </a:rPr>
-                        <a:t>jquery</a:t>
+                        <a:t>웹스퀘어</a:t>
                       </a:r>
                       <a:r>
                         <a:rPr kumimoji="0" lang="en-US" altLang="ko-KR" sz="900" b="0" i="0" u="none" strike="noStrike" kern="1200" cap="none" normalizeH="0" baseline="0" dirty="0">

--- a/download/career_introduction.pptx
+++ b/download/career_introduction.pptx
@@ -1121,7 +1121,7 @@
           <a:p>
             <a:fld id="{E0BD39A2-E3B7-4CF3-B6E3-D0DEB28CC5C5}" type="datetimeFigureOut">
               <a:rPr lang="ko-KR" altLang="en-US" smtClean="0"/>
-              <a:t>2022-10-26</a:t>
+              <a:t>2022-12-28</a:t>
             </a:fld>
             <a:endParaRPr lang="ko-KR" altLang="en-US"/>
           </a:p>
@@ -1289,7 +1289,7 @@
           <a:p>
             <a:fld id="{E0BD39A2-E3B7-4CF3-B6E3-D0DEB28CC5C5}" type="datetimeFigureOut">
               <a:rPr lang="ko-KR" altLang="en-US" smtClean="0"/>
-              <a:t>2022-10-26</a:t>
+              <a:t>2022-12-28</a:t>
             </a:fld>
             <a:endParaRPr lang="ko-KR" altLang="en-US"/>
           </a:p>
@@ -1467,7 +1467,7 @@
           <a:p>
             <a:fld id="{E0BD39A2-E3B7-4CF3-B6E3-D0DEB28CC5C5}" type="datetimeFigureOut">
               <a:rPr lang="ko-KR" altLang="en-US" smtClean="0"/>
-              <a:t>2022-10-26</a:t>
+              <a:t>2022-12-28</a:t>
             </a:fld>
             <a:endParaRPr lang="ko-KR" altLang="en-US"/>
           </a:p>
@@ -1897,7 +1897,7 @@
           <a:p>
             <a:fld id="{E0BD39A2-E3B7-4CF3-B6E3-D0DEB28CC5C5}" type="datetimeFigureOut">
               <a:rPr lang="ko-KR" altLang="en-US" smtClean="0"/>
-              <a:t>2022-10-26</a:t>
+              <a:t>2022-12-28</a:t>
             </a:fld>
             <a:endParaRPr lang="ko-KR" altLang="en-US"/>
           </a:p>
@@ -2142,7 +2142,7 @@
           <a:p>
             <a:fld id="{E0BD39A2-E3B7-4CF3-B6E3-D0DEB28CC5C5}" type="datetimeFigureOut">
               <a:rPr lang="ko-KR" altLang="en-US" smtClean="0"/>
-              <a:t>2022-10-26</a:t>
+              <a:t>2022-12-28</a:t>
             </a:fld>
             <a:endParaRPr lang="ko-KR" altLang="en-US"/>
           </a:p>
@@ -2427,7 +2427,7 @@
           <a:p>
             <a:fld id="{E0BD39A2-E3B7-4CF3-B6E3-D0DEB28CC5C5}" type="datetimeFigureOut">
               <a:rPr lang="ko-KR" altLang="en-US" smtClean="0"/>
-              <a:t>2022-10-26</a:t>
+              <a:t>2022-12-28</a:t>
             </a:fld>
             <a:endParaRPr lang="ko-KR" altLang="en-US"/>
           </a:p>
@@ -2846,7 +2846,7 @@
           <a:p>
             <a:fld id="{E0BD39A2-E3B7-4CF3-B6E3-D0DEB28CC5C5}" type="datetimeFigureOut">
               <a:rPr lang="ko-KR" altLang="en-US" smtClean="0"/>
-              <a:t>2022-10-26</a:t>
+              <a:t>2022-12-28</a:t>
             </a:fld>
             <a:endParaRPr lang="ko-KR" altLang="en-US"/>
           </a:p>
@@ -2963,7 +2963,7 @@
           <a:p>
             <a:fld id="{E0BD39A2-E3B7-4CF3-B6E3-D0DEB28CC5C5}" type="datetimeFigureOut">
               <a:rPr lang="ko-KR" altLang="en-US" smtClean="0"/>
-              <a:t>2022-10-26</a:t>
+              <a:t>2022-12-28</a:t>
             </a:fld>
             <a:endParaRPr lang="ko-KR" altLang="en-US"/>
           </a:p>
@@ -3058,7 +3058,7 @@
           <a:p>
             <a:fld id="{E0BD39A2-E3B7-4CF3-B6E3-D0DEB28CC5C5}" type="datetimeFigureOut">
               <a:rPr lang="ko-KR" altLang="en-US" smtClean="0"/>
-              <a:t>2022-10-26</a:t>
+              <a:t>2022-12-28</a:t>
             </a:fld>
             <a:endParaRPr lang="ko-KR" altLang="en-US"/>
           </a:p>
@@ -3333,7 +3333,7 @@
           <a:p>
             <a:fld id="{E0BD39A2-E3B7-4CF3-B6E3-D0DEB28CC5C5}" type="datetimeFigureOut">
               <a:rPr lang="ko-KR" altLang="en-US" smtClean="0"/>
-              <a:t>2022-10-26</a:t>
+              <a:t>2022-12-28</a:t>
             </a:fld>
             <a:endParaRPr lang="ko-KR" altLang="en-US"/>
           </a:p>
@@ -3585,7 +3585,7 @@
           <a:p>
             <a:fld id="{E0BD39A2-E3B7-4CF3-B6E3-D0DEB28CC5C5}" type="datetimeFigureOut">
               <a:rPr lang="ko-KR" altLang="en-US" smtClean="0"/>
-              <a:t>2022-10-26</a:t>
+              <a:t>2022-12-28</a:t>
             </a:fld>
             <a:endParaRPr lang="ko-KR" altLang="en-US"/>
           </a:p>
@@ -3796,7 +3796,7 @@
           <a:p>
             <a:fld id="{E0BD39A2-E3B7-4CF3-B6E3-D0DEB28CC5C5}" type="datetimeFigureOut">
               <a:rPr lang="ko-KR" altLang="en-US" smtClean="0"/>
-              <a:t>2022-10-26</a:t>
+              <a:t>2022-12-28</a:t>
             </a:fld>
             <a:endParaRPr lang="ko-KR" altLang="en-US"/>
           </a:p>
@@ -4464,7 +4464,7 @@
           <p:nvPr>
             <p:extLst>
               <p:ext uri="{D42A27DB-BD31-4B8C-83A1-F6EECF244321}">
-                <p14:modId xmlns:p14="http://schemas.microsoft.com/office/powerpoint/2010/main" val="531392568"/>
+                <p14:modId xmlns:p14="http://schemas.microsoft.com/office/powerpoint/2010/main" val="1888890261"/>
               </p:ext>
             </p:extLst>
           </p:nvPr>
@@ -9133,20 +9133,32 @@
                         <a:tabLst/>
                       </a:pPr>
                       <a:r>
-                        <a:rPr kumimoji="0" lang="ko-KR" altLang="en-US" sz="900" b="0" i="0" u="none" strike="noStrike" cap="none" normalizeH="0" baseline="0" dirty="0">
-                          <a:ln>
-                            <a:noFill/>
-                          </a:ln>
-                          <a:solidFill>
-                            <a:schemeClr val="tx1"/>
-                          </a:solidFill>
-                          <a:effectLst/>
-                          <a:latin typeface="나눔고딕" panose="020D0604000000000000" pitchFamily="50" charset="-127"/>
-                          <a:ea typeface="나눔고딕" panose="020D0604000000000000" pitchFamily="50" charset="-127"/>
-                          <a:cs typeface="맑은 고딕" charset="0"/>
-                        </a:rPr>
-                        <a:t>아모레</a:t>
-                      </a:r>
+                        <a:rPr kumimoji="1" lang="ko-KR" altLang="en-US" sz="900" b="0" i="0" u="none" strike="noStrike" kern="1200" cap="none" normalizeH="0" baseline="0">
+                          <a:ln>
+                            <a:noFill/>
+                          </a:ln>
+                          <a:solidFill>
+                            <a:schemeClr val="tx1"/>
+                          </a:solidFill>
+                          <a:effectLst/>
+                          <a:latin typeface="+mn-lt"/>
+                          <a:ea typeface="나눔고딕" pitchFamily="50" charset="-127"/>
+                          <a:cs typeface="+mn-cs"/>
+                        </a:rPr>
+                        <a:t>아모레퍼시픽</a:t>
+                      </a:r>
+                      <a:endParaRPr kumimoji="0" lang="ko-KR" altLang="en-US" sz="900" b="0" i="0" u="none" strike="noStrike" cap="none" normalizeH="0" baseline="0" dirty="0">
+                        <a:ln>
+                          <a:noFill/>
+                        </a:ln>
+                        <a:solidFill>
+                          <a:schemeClr val="tx1"/>
+                        </a:solidFill>
+                        <a:effectLst/>
+                        <a:latin typeface="나눔고딕" panose="020D0604000000000000" pitchFamily="50" charset="-127"/>
+                        <a:ea typeface="나눔고딕" panose="020D0604000000000000" pitchFamily="50" charset="-127"/>
+                        <a:cs typeface="맑은 고딕" charset="0"/>
+                      </a:endParaRPr>
                     </a:p>
                   </a:txBody>
                   <a:tcPr marL="15337" marR="15337" marT="19938" marB="19938" anchor="ctr" horzOverflow="overflow">
@@ -14120,14 +14132,14 @@
           <p:nvPr>
             <p:extLst>
               <p:ext uri="{D42A27DB-BD31-4B8C-83A1-F6EECF244321}">
-                <p14:modId xmlns:p14="http://schemas.microsoft.com/office/powerpoint/2010/main" val="3667014058"/>
+                <p14:modId xmlns:p14="http://schemas.microsoft.com/office/powerpoint/2010/main" val="964778705"/>
               </p:ext>
             </p:extLst>
           </p:nvPr>
         </p:nvGraphicFramePr>
         <p:xfrm>
           <a:off x="314027" y="1019511"/>
-          <a:ext cx="9318923" cy="5015122"/>
+          <a:ext cx="9318923" cy="5376015"/>
         </p:xfrm>
         <a:graphic>
           <a:graphicData uri="http://schemas.openxmlformats.org/drawingml/2006/table">
@@ -16628,44 +16640,14 @@
                         <a:buNone/>
                       </a:pPr>
                       <a:r>
-                        <a:rPr lang="ko-KR" altLang="en-US" sz="900" b="0" kern="1200" dirty="0" err="1">
+                        <a:rPr lang="ko-KR" altLang="en-US" sz="900" b="0" kern="1200" dirty="0">
                           <a:solidFill>
                             <a:srgbClr val="000000"/>
                           </a:solidFill>
                           <a:latin typeface="나눔고딕" charset="0"/>
                           <a:ea typeface="나눔고딕" charset="0"/>
                         </a:rPr>
-                        <a:t>롯데호텔</a:t>
-                      </a:r>
-                      <a:r>
-                        <a:rPr lang="ko-KR" altLang="en-US" sz="900" b="0" kern="1200" dirty="0">
-                          <a:solidFill>
-                            <a:srgbClr val="000000"/>
-                          </a:solidFill>
-                          <a:latin typeface="나눔고딕" charset="0"/>
-                          <a:ea typeface="나눔고딕" charset="0"/>
-                        </a:rPr>
-                        <a:t> 아라일 </a:t>
-                      </a:r>
-                      <a:r>
-                        <a:rPr lang="ko-KR" altLang="en-US" sz="900" b="0" kern="1200" dirty="0" err="1">
-                          <a:solidFill>
-                            <a:srgbClr val="000000"/>
-                          </a:solidFill>
-                          <a:latin typeface="나눔고딕" charset="0"/>
-                          <a:ea typeface="나눔고딕" charset="0"/>
-                        </a:rPr>
-                        <a:t>리조트</a:t>
-                      </a:r>
-                      <a:r>
-                        <a:rPr lang="ko-KR" altLang="en-US" sz="900" b="0" kern="1200" dirty="0">
-                          <a:solidFill>
-                            <a:srgbClr val="000000"/>
-                          </a:solidFill>
-                          <a:latin typeface="나눔고딕" charset="0"/>
-                          <a:ea typeface="나눔고딕" charset="0"/>
-                        </a:rPr>
-                        <a:t> 웹진 구축</a:t>
+                        <a:t>롯데호텔 아라이 리조트 웹진 구축</a:t>
                       </a:r>
                     </a:p>
                   </a:txBody>
@@ -19856,7 +19838,7 @@
                           <a:latin typeface="나눔고딕" charset="0"/>
                           <a:ea typeface="나눔고딕" charset="0"/>
                         </a:rPr>
-                        <a:t>Player</a:t>
+                        <a:t>PL</a:t>
                       </a:r>
                       <a:endParaRPr lang="ko-KR" altLang="en-US" sz="900" b="0" kern="1200" dirty="0">
                         <a:solidFill>
@@ -21356,7 +21338,7 @@
                           <a:latin typeface="나눔고딕" charset="0"/>
                           <a:ea typeface="나눔고딕" charset="0"/>
                         </a:rPr>
-                        <a:t>Player</a:t>
+                        <a:t>PL</a:t>
                       </a:r>
                       <a:endParaRPr lang="ko-KR" altLang="en-US" sz="900" b="0" kern="1200" dirty="0">
                         <a:solidFill>
@@ -22088,7 +22070,7 @@
                           <a:latin typeface="나눔고딕" charset="0"/>
                           <a:ea typeface="나눔고딕" charset="0"/>
                         </a:rPr>
-                        <a:t>Player</a:t>
+                        <a:t>PL</a:t>
                       </a:r>
                       <a:endParaRPr lang="ko-KR" altLang="en-US" sz="900" b="0" kern="1200" dirty="0">
                         <a:solidFill>
@@ -23722,6 +23704,702 @@
                 <a:extLst>
                   <a:ext uri="{0D108BD9-81ED-4DB2-BD59-A6C34878D82A}">
                     <a16:rowId xmlns:a16="http://schemas.microsoft.com/office/drawing/2014/main" val="1080628596"/>
+                  </a:ext>
+                </a:extLst>
+              </a:tr>
+              <a:tr h="360893">
+                <a:tc>
+                  <a:txBody>
+                    <a:bodyPr/>
+                    <a:lstStyle/>
+                    <a:p>
+                      <a:pPr marL="0" marR="0" lvl="0" indent="0" algn="ctr" defTabSz="914400" rtl="0" eaLnBrk="1" fontAlgn="base" latinLnBrk="1" hangingPunct="1">
+                        <a:lnSpc>
+                          <a:spcPts val="1200"/>
+                        </a:lnSpc>
+                        <a:spcBef>
+                          <a:spcPts val="0"/>
+                        </a:spcBef>
+                        <a:spcAft>
+                          <a:spcPts val="0"/>
+                        </a:spcAft>
+                        <a:buClrTx/>
+                        <a:buSzTx/>
+                        <a:buFontTx/>
+                        <a:buNone/>
+                        <a:tabLst/>
+                        <a:defRPr/>
+                      </a:pPr>
+                      <a:r>
+                        <a:rPr kumimoji="1" lang="ko-KR" altLang="en-US" sz="900" b="0" i="0" u="none" strike="noStrike" kern="1200" cap="none" normalizeH="0" baseline="0" dirty="0">
+                          <a:ln>
+                            <a:noFill/>
+                          </a:ln>
+                          <a:solidFill>
+                            <a:schemeClr val="tx1"/>
+                          </a:solidFill>
+                          <a:effectLst/>
+                          <a:latin typeface="+mn-lt"/>
+                          <a:ea typeface="나눔고딕" pitchFamily="50" charset="-127"/>
+                          <a:cs typeface="+mn-cs"/>
+                        </a:rPr>
+                        <a:t>㈜</a:t>
+                      </a:r>
+                      <a:r>
+                        <a:rPr kumimoji="1" lang="ko-KR" altLang="en-US" sz="900" b="0" i="0" u="none" strike="noStrike" kern="1200" cap="none" normalizeH="0" baseline="0" dirty="0" err="1">
+                          <a:ln>
+                            <a:noFill/>
+                          </a:ln>
+                          <a:solidFill>
+                            <a:schemeClr val="tx1"/>
+                          </a:solidFill>
+                          <a:effectLst/>
+                          <a:latin typeface="+mn-lt"/>
+                          <a:ea typeface="나눔고딕" pitchFamily="50" charset="-127"/>
+                          <a:cs typeface="+mn-cs"/>
+                        </a:rPr>
+                        <a:t>성우아이아이씨티</a:t>
+                      </a:r>
+                      <a:endParaRPr kumimoji="1" lang="en-US" altLang="ko-KR" sz="900" b="0" i="0" u="none" strike="noStrike" kern="1200" cap="none" normalizeH="0" baseline="0" dirty="0">
+                        <a:ln>
+                          <a:noFill/>
+                        </a:ln>
+                        <a:solidFill>
+                          <a:schemeClr val="tx1"/>
+                        </a:solidFill>
+                        <a:effectLst/>
+                        <a:latin typeface="+mn-lt"/>
+                        <a:ea typeface="나눔고딕" pitchFamily="50" charset="-127"/>
+                        <a:cs typeface="+mn-cs"/>
+                      </a:endParaRPr>
+                    </a:p>
+                  </a:txBody>
+                  <a:tcPr marL="13414" marR="13414" marT="15994" marB="15994" anchor="ctr">
+                    <a:lnL w="3175" cap="flat" cmpd="sng" algn="ctr">
+                      <a:solidFill>
+                        <a:schemeClr val="tx1"/>
+                      </a:solidFill>
+                      <a:prstDash val="solid"/>
+                      <a:round/>
+                      <a:headEnd type="none" w="med" len="med"/>
+                      <a:tailEnd type="none" w="med" len="med"/>
+                    </a:lnL>
+                    <a:lnR w="3175" cap="flat" cmpd="sng" algn="ctr">
+                      <a:solidFill>
+                        <a:schemeClr val="tx1"/>
+                      </a:solidFill>
+                      <a:prstDash val="solid"/>
+                      <a:round/>
+                      <a:headEnd type="none" w="med" len="med"/>
+                      <a:tailEnd type="none" w="med" len="med"/>
+                    </a:lnR>
+                    <a:lnT w="3175" cap="flat" cmpd="sng" algn="ctr">
+                      <a:solidFill>
+                        <a:schemeClr val="tx1"/>
+                      </a:solidFill>
+                      <a:prstDash val="solid"/>
+                      <a:round/>
+                      <a:headEnd type="none" w="med" len="med"/>
+                      <a:tailEnd type="none" w="med" len="med"/>
+                    </a:lnT>
+                    <a:lnB w="3175" cap="flat" cmpd="sng" algn="ctr">
+                      <a:solidFill>
+                        <a:schemeClr val="tx1"/>
+                      </a:solidFill>
+                      <a:prstDash val="solid"/>
+                      <a:round/>
+                      <a:headEnd type="none" w="med" len="med"/>
+                      <a:tailEnd type="none" w="med" len="med"/>
+                    </a:lnB>
+                    <a:lnTlToBr>
+                      <a:noFill/>
+                    </a:lnTlToBr>
+                    <a:lnBlToTr>
+                      <a:noFill/>
+                    </a:lnBlToTr>
+                    <a:noFill/>
+                  </a:tcPr>
+                </a:tc>
+                <a:tc>
+                  <a:txBody>
+                    <a:bodyPr/>
+                    <a:lstStyle/>
+                    <a:p>
+                      <a:pPr marL="0" indent="0" algn="ctr" defTabSz="914400" fontAlgn="base">
+                        <a:lnSpc>
+                          <a:spcPct val="100000"/>
+                        </a:lnSpc>
+                        <a:spcBef>
+                          <a:spcPts val="0"/>
+                        </a:spcBef>
+                        <a:spcAft>
+                          <a:spcPts val="0"/>
+                        </a:spcAft>
+                        <a:buFontTx/>
+                        <a:buNone/>
+                      </a:pPr>
+                      <a:r>
+                        <a:rPr lang="ko-KR" altLang="en-US" sz="900" b="0" kern="1200" dirty="0">
+                          <a:solidFill>
+                            <a:srgbClr val="000000"/>
+                          </a:solidFill>
+                          <a:latin typeface="나눔고딕" charset="0"/>
+                          <a:ea typeface="나눔고딕" charset="0"/>
+                        </a:rPr>
+                        <a:t>롯데손해보험</a:t>
+                      </a:r>
+                    </a:p>
+                  </a:txBody>
+                  <a:tcPr marL="26829" marR="26829" marT="28893" marB="28893" anchor="ctr">
+                    <a:lnL w="3175" cap="flat" cmpd="sng" algn="ctr">
+                      <a:solidFill>
+                        <a:schemeClr val="tx1"/>
+                      </a:solidFill>
+                      <a:prstDash val="solid"/>
+                      <a:round/>
+                      <a:headEnd type="none" w="med" len="med"/>
+                      <a:tailEnd type="none" w="med" len="med"/>
+                    </a:lnL>
+                    <a:lnR w="3175" cap="flat" cmpd="sng" algn="ctr">
+                      <a:solidFill>
+                        <a:schemeClr val="tx1"/>
+                      </a:solidFill>
+                      <a:prstDash val="solid"/>
+                      <a:round/>
+                      <a:headEnd type="none" w="med" len="med"/>
+                      <a:tailEnd type="none" w="med" len="med"/>
+                    </a:lnR>
+                    <a:lnT w="3175" cap="flat" cmpd="sng" algn="ctr">
+                      <a:solidFill>
+                        <a:schemeClr val="tx1"/>
+                      </a:solidFill>
+                      <a:prstDash val="solid"/>
+                      <a:round/>
+                      <a:headEnd type="none" w="med" len="med"/>
+                      <a:tailEnd type="none" w="med" len="med"/>
+                    </a:lnT>
+                    <a:lnB w="3175" cap="flat" cmpd="sng" algn="ctr">
+                      <a:solidFill>
+                        <a:schemeClr val="tx1"/>
+                      </a:solidFill>
+                      <a:prstDash val="solid"/>
+                      <a:round/>
+                      <a:headEnd type="none" w="med" len="med"/>
+                      <a:tailEnd type="none" w="med" len="med"/>
+                    </a:lnB>
+                    <a:lnTlToBr>
+                      <a:noFill/>
+                    </a:lnTlToBr>
+                    <a:lnBlToTr>
+                      <a:noFill/>
+                    </a:lnBlToTr>
+                    <a:noFill/>
+                  </a:tcPr>
+                </a:tc>
+                <a:tc>
+                  <a:txBody>
+                    <a:bodyPr/>
+                    <a:lstStyle/>
+                    <a:p>
+                      <a:pPr marL="0" indent="0" algn="ctr" defTabSz="914400" fontAlgn="base">
+                        <a:lnSpc>
+                          <a:spcPct val="100000"/>
+                        </a:lnSpc>
+                        <a:spcBef>
+                          <a:spcPts val="0"/>
+                        </a:spcBef>
+                        <a:spcAft>
+                          <a:spcPts val="0"/>
+                        </a:spcAft>
+                        <a:buFontTx/>
+                        <a:buNone/>
+                      </a:pPr>
+                      <a:r>
+                        <a:rPr lang="ko-KR" altLang="en-US" sz="900" b="0" kern="1200" dirty="0" err="1">
+                          <a:solidFill>
+                            <a:srgbClr val="000000"/>
+                          </a:solidFill>
+                          <a:latin typeface="나눔고딕" charset="0"/>
+                          <a:ea typeface="나눔고딕" charset="0"/>
+                        </a:rPr>
+                        <a:t>챗봇</a:t>
+                      </a:r>
+                      <a:r>
+                        <a:rPr lang="ko-KR" altLang="en-US" sz="900" b="0" kern="1200" dirty="0">
+                          <a:solidFill>
+                            <a:srgbClr val="000000"/>
+                          </a:solidFill>
+                          <a:latin typeface="나눔고딕" charset="0"/>
+                          <a:ea typeface="나눔고딕" charset="0"/>
+                        </a:rPr>
+                        <a:t> </a:t>
+                      </a:r>
+                      <a:r>
+                        <a:rPr lang="en-US" altLang="ko-KR" sz="900" b="0" kern="1200" dirty="0">
+                          <a:solidFill>
+                            <a:srgbClr val="000000"/>
+                          </a:solidFill>
+                          <a:latin typeface="나눔고딕" charset="0"/>
+                          <a:ea typeface="나눔고딕" charset="0"/>
+                        </a:rPr>
+                        <a:t>AI </a:t>
+                      </a:r>
+                      <a:r>
+                        <a:rPr lang="ko-KR" altLang="en-US" sz="900" b="0" kern="1200" dirty="0">
+                          <a:solidFill>
+                            <a:srgbClr val="000000"/>
+                          </a:solidFill>
+                          <a:latin typeface="나눔고딕" charset="0"/>
+                          <a:ea typeface="나눔고딕" charset="0"/>
+                        </a:rPr>
+                        <a:t>시스템 구축</a:t>
+                      </a:r>
+                    </a:p>
+                  </a:txBody>
+                  <a:tcPr marL="26829" marR="26829" marT="28893" marB="28893" anchor="ctr">
+                    <a:lnL w="3175" cap="flat" cmpd="sng" algn="ctr">
+                      <a:solidFill>
+                        <a:schemeClr val="tx1"/>
+                      </a:solidFill>
+                      <a:prstDash val="solid"/>
+                      <a:round/>
+                      <a:headEnd type="none" w="med" len="med"/>
+                      <a:tailEnd type="none" w="med" len="med"/>
+                    </a:lnL>
+                    <a:lnR w="3175" cap="flat" cmpd="sng" algn="ctr">
+                      <a:solidFill>
+                        <a:schemeClr val="tx1"/>
+                      </a:solidFill>
+                      <a:prstDash val="solid"/>
+                      <a:round/>
+                      <a:headEnd type="none" w="med" len="med"/>
+                      <a:tailEnd type="none" w="med" len="med"/>
+                    </a:lnR>
+                    <a:lnT w="3175" cap="flat" cmpd="sng" algn="ctr">
+                      <a:solidFill>
+                        <a:schemeClr val="tx1"/>
+                      </a:solidFill>
+                      <a:prstDash val="solid"/>
+                      <a:round/>
+                      <a:headEnd type="none" w="med" len="med"/>
+                      <a:tailEnd type="none" w="med" len="med"/>
+                    </a:lnT>
+                    <a:lnB w="3175" cap="flat" cmpd="sng" algn="ctr">
+                      <a:solidFill>
+                        <a:schemeClr val="tx1"/>
+                      </a:solidFill>
+                      <a:prstDash val="solid"/>
+                      <a:round/>
+                      <a:headEnd type="none" w="med" len="med"/>
+                      <a:tailEnd type="none" w="med" len="med"/>
+                    </a:lnB>
+                    <a:lnTlToBr>
+                      <a:noFill/>
+                    </a:lnTlToBr>
+                    <a:lnBlToTr>
+                      <a:noFill/>
+                    </a:lnBlToTr>
+                    <a:noFill/>
+                  </a:tcPr>
+                </a:tc>
+                <a:tc>
+                  <a:txBody>
+                    <a:bodyPr/>
+                    <a:lstStyle/>
+                    <a:p>
+                      <a:pPr marL="0" marR="0" indent="0" algn="ctr" defTabSz="914400" rtl="0" eaLnBrk="1" fontAlgn="base" latinLnBrk="1" hangingPunct="1">
+                        <a:lnSpc>
+                          <a:spcPct val="100000"/>
+                        </a:lnSpc>
+                        <a:spcBef>
+                          <a:spcPts val="0"/>
+                        </a:spcBef>
+                        <a:spcAft>
+                          <a:spcPts val="0"/>
+                        </a:spcAft>
+                        <a:buClrTx/>
+                        <a:buSzTx/>
+                        <a:buFontTx/>
+                        <a:buNone/>
+                        <a:tabLst/>
+                        <a:defRPr/>
+                      </a:pPr>
+                      <a:r>
+                        <a:rPr lang="en-US" altLang="ko-KR" sz="900" b="0" kern="1200" dirty="0">
+                          <a:solidFill>
+                            <a:schemeClr val="tx1"/>
+                          </a:solidFill>
+                          <a:latin typeface="나눔고딕" charset="0"/>
+                          <a:ea typeface="나눔고딕" charset="0"/>
+                        </a:rPr>
+                        <a:t>2022.11 ~ 2022.01</a:t>
+                      </a:r>
+                      <a:endParaRPr lang="ko-KR" altLang="en-US" sz="900" b="0" kern="1200" dirty="0">
+                        <a:solidFill>
+                          <a:schemeClr val="tx1"/>
+                        </a:solidFill>
+                        <a:latin typeface="나눔고딕" charset="0"/>
+                        <a:ea typeface="나눔고딕" charset="0"/>
+                      </a:endParaRPr>
+                    </a:p>
+                  </a:txBody>
+                  <a:tcPr marL="7739" marR="7739" marT="7739" marB="0" anchor="ctr">
+                    <a:lnL w="3175" cap="flat" cmpd="sng" algn="ctr">
+                      <a:solidFill>
+                        <a:schemeClr val="tx1"/>
+                      </a:solidFill>
+                      <a:prstDash val="solid"/>
+                      <a:round/>
+                      <a:headEnd type="none" w="med" len="med"/>
+                      <a:tailEnd type="none" w="med" len="med"/>
+                    </a:lnL>
+                    <a:lnR w="3175" cap="flat" cmpd="sng" algn="ctr">
+                      <a:solidFill>
+                        <a:schemeClr val="tx1"/>
+                      </a:solidFill>
+                      <a:prstDash val="solid"/>
+                      <a:round/>
+                      <a:headEnd type="none" w="med" len="med"/>
+                      <a:tailEnd type="none" w="med" len="med"/>
+                    </a:lnR>
+                    <a:lnT w="3175" cap="flat" cmpd="sng" algn="ctr">
+                      <a:solidFill>
+                        <a:schemeClr val="tx1"/>
+                      </a:solidFill>
+                      <a:prstDash val="solid"/>
+                      <a:round/>
+                      <a:headEnd type="none" w="med" len="med"/>
+                      <a:tailEnd type="none" w="med" len="med"/>
+                    </a:lnT>
+                    <a:lnB w="3175" cap="flat" cmpd="sng" algn="ctr">
+                      <a:solidFill>
+                        <a:schemeClr val="tx1"/>
+                      </a:solidFill>
+                      <a:prstDash val="solid"/>
+                      <a:round/>
+                      <a:headEnd type="none" w="med" len="med"/>
+                      <a:tailEnd type="none" w="med" len="med"/>
+                    </a:lnB>
+                    <a:lnTlToBr>
+                      <a:noFill/>
+                    </a:lnTlToBr>
+                    <a:lnBlToTr>
+                      <a:noFill/>
+                    </a:lnBlToTr>
+                    <a:noFill/>
+                  </a:tcPr>
+                </a:tc>
+                <a:tc>
+                  <a:txBody>
+                    <a:bodyPr/>
+                    <a:lstStyle/>
+                    <a:p>
+                      <a:pPr marL="0" marR="0" indent="0" algn="ctr" defTabSz="914400" rtl="0" eaLnBrk="1" fontAlgn="base" latinLnBrk="1" hangingPunct="1">
+                        <a:lnSpc>
+                          <a:spcPts val="1200"/>
+                        </a:lnSpc>
+                        <a:spcBef>
+                          <a:spcPts val="0"/>
+                        </a:spcBef>
+                        <a:spcAft>
+                          <a:spcPts val="0"/>
+                        </a:spcAft>
+                        <a:buClrTx/>
+                        <a:buSzTx/>
+                        <a:buFontTx/>
+                        <a:buNone/>
+                        <a:tabLst/>
+                        <a:defRPr/>
+                      </a:pPr>
+                      <a:r>
+                        <a:rPr kumimoji="0" lang="ko-KR" altLang="en-US" sz="900" b="0" i="0" u="none" strike="noStrike" kern="1200" cap="none" normalizeH="0" baseline="0" dirty="0">
+                          <a:ln>
+                            <a:noFill/>
+                          </a:ln>
+                          <a:solidFill>
+                            <a:schemeClr val="tx1"/>
+                          </a:solidFill>
+                          <a:effectLst/>
+                          <a:latin typeface="나눔고딕" charset="0"/>
+                          <a:ea typeface="나눔고딕" charset="0"/>
+                          <a:cs typeface="+mn-cs"/>
+                        </a:rPr>
+                        <a:t>퍼블리싱</a:t>
+                      </a:r>
+                      <a:endParaRPr lang="ko-KR" altLang="en-US" sz="900" b="0" kern="1200" dirty="0">
+                        <a:solidFill>
+                          <a:schemeClr val="tx1"/>
+                        </a:solidFill>
+                        <a:latin typeface="나눔고딕" charset="0"/>
+                        <a:ea typeface="나눔고딕" charset="0"/>
+                      </a:endParaRPr>
+                    </a:p>
+                  </a:txBody>
+                  <a:tcPr marL="7739" marR="7739" marT="7739" marB="0" anchor="ctr">
+                    <a:lnL w="3175" cap="flat" cmpd="sng" algn="ctr">
+                      <a:solidFill>
+                        <a:schemeClr val="tx1"/>
+                      </a:solidFill>
+                      <a:prstDash val="solid"/>
+                      <a:round/>
+                      <a:headEnd type="none" w="med" len="med"/>
+                      <a:tailEnd type="none" w="med" len="med"/>
+                    </a:lnL>
+                    <a:lnR w="3175" cap="flat" cmpd="sng" algn="ctr">
+                      <a:solidFill>
+                        <a:schemeClr val="tx1"/>
+                      </a:solidFill>
+                      <a:prstDash val="solid"/>
+                      <a:round/>
+                      <a:headEnd type="none" w="med" len="med"/>
+                      <a:tailEnd type="none" w="med" len="med"/>
+                    </a:lnR>
+                    <a:lnT w="3175" cap="flat" cmpd="sng" algn="ctr">
+                      <a:solidFill>
+                        <a:schemeClr val="tx1"/>
+                      </a:solidFill>
+                      <a:prstDash val="solid"/>
+                      <a:round/>
+                      <a:headEnd type="none" w="med" len="med"/>
+                      <a:tailEnd type="none" w="med" len="med"/>
+                    </a:lnT>
+                    <a:lnB w="3175" cap="flat" cmpd="sng" algn="ctr">
+                      <a:solidFill>
+                        <a:schemeClr val="tx1"/>
+                      </a:solidFill>
+                      <a:prstDash val="solid"/>
+                      <a:round/>
+                      <a:headEnd type="none" w="med" len="med"/>
+                      <a:tailEnd type="none" w="med" len="med"/>
+                    </a:lnB>
+                    <a:lnTlToBr>
+                      <a:noFill/>
+                    </a:lnTlToBr>
+                    <a:lnBlToTr>
+                      <a:noFill/>
+                    </a:lnBlToTr>
+                    <a:noFill/>
+                  </a:tcPr>
+                </a:tc>
+                <a:tc>
+                  <a:txBody>
+                    <a:bodyPr/>
+                    <a:lstStyle/>
+                    <a:p>
+                      <a:pPr marL="0" indent="0" algn="ctr" defTabSz="914400" fontAlgn="base">
+                        <a:lnSpc>
+                          <a:spcPts val="1200"/>
+                        </a:lnSpc>
+                        <a:spcBef>
+                          <a:spcPts val="0"/>
+                        </a:spcBef>
+                        <a:spcAft>
+                          <a:spcPts val="0"/>
+                        </a:spcAft>
+                        <a:buFontTx/>
+                        <a:buNone/>
+                      </a:pPr>
+                      <a:r>
+                        <a:rPr lang="en-US" altLang="ko-KR" sz="900" b="0" kern="1200" dirty="0">
+                          <a:solidFill>
+                            <a:schemeClr val="tx1"/>
+                          </a:solidFill>
+                          <a:latin typeface="나눔고딕" charset="0"/>
+                          <a:ea typeface="나눔고딕" charset="0"/>
+                        </a:rPr>
+                        <a:t>PL</a:t>
+                      </a:r>
+                      <a:endParaRPr lang="ko-KR" altLang="en-US" sz="900" b="0" kern="1200" dirty="0">
+                        <a:solidFill>
+                          <a:schemeClr val="tx1"/>
+                        </a:solidFill>
+                        <a:latin typeface="나눔고딕" charset="0"/>
+                        <a:ea typeface="나눔고딕" charset="0"/>
+                      </a:endParaRPr>
+                    </a:p>
+                  </a:txBody>
+                  <a:tcPr marL="26829" marR="26829" marT="28893" marB="28893" anchor="ctr">
+                    <a:lnL w="3175" cap="flat" cmpd="sng" algn="ctr">
+                      <a:solidFill>
+                        <a:schemeClr val="tx1"/>
+                      </a:solidFill>
+                      <a:prstDash val="solid"/>
+                      <a:round/>
+                      <a:headEnd type="none" w="med" len="med"/>
+                      <a:tailEnd type="none" w="med" len="med"/>
+                    </a:lnL>
+                    <a:lnR w="3175" cap="flat" cmpd="sng" algn="ctr">
+                      <a:solidFill>
+                        <a:schemeClr val="tx1"/>
+                      </a:solidFill>
+                      <a:prstDash val="solid"/>
+                      <a:round/>
+                      <a:headEnd type="none" w="med" len="med"/>
+                      <a:tailEnd type="none" w="med" len="med"/>
+                    </a:lnR>
+                    <a:lnT w="3175" cap="flat" cmpd="sng" algn="ctr">
+                      <a:solidFill>
+                        <a:schemeClr val="tx1"/>
+                      </a:solidFill>
+                      <a:prstDash val="solid"/>
+                      <a:round/>
+                      <a:headEnd type="none" w="med" len="med"/>
+                      <a:tailEnd type="none" w="med" len="med"/>
+                    </a:lnT>
+                    <a:lnB w="3175" cap="flat" cmpd="sng" algn="ctr">
+                      <a:solidFill>
+                        <a:schemeClr val="tx1"/>
+                      </a:solidFill>
+                      <a:prstDash val="solid"/>
+                      <a:round/>
+                      <a:headEnd type="none" w="med" len="med"/>
+                      <a:tailEnd type="none" w="med" len="med"/>
+                    </a:lnB>
+                    <a:lnTlToBr>
+                      <a:noFill/>
+                    </a:lnTlToBr>
+                    <a:lnBlToTr>
+                      <a:noFill/>
+                    </a:lnBlToTr>
+                    <a:noFill/>
+                  </a:tcPr>
+                </a:tc>
+                <a:tc>
+                  <a:txBody>
+                    <a:bodyPr/>
+                    <a:lstStyle/>
+                    <a:p>
+                      <a:pPr marL="0" indent="0" algn="ctr" defTabSz="914400" fontAlgn="base">
+                        <a:lnSpc>
+                          <a:spcPct val="100000"/>
+                        </a:lnSpc>
+                        <a:spcBef>
+                          <a:spcPts val="0"/>
+                        </a:spcBef>
+                        <a:spcAft>
+                          <a:spcPts val="0"/>
+                        </a:spcAft>
+                        <a:buFontTx/>
+                        <a:buNone/>
+                      </a:pPr>
+                      <a:r>
+                        <a:rPr kumimoji="0" lang="en-US" altLang="ko-KR" sz="900" b="0" i="0" u="none" strike="noStrike" kern="1200" cap="none" normalizeH="0" baseline="0" dirty="0">
+                          <a:ln>
+                            <a:noFill/>
+                          </a:ln>
+                          <a:solidFill>
+                            <a:schemeClr val="tx1"/>
+                          </a:solidFill>
+                          <a:effectLst/>
+                          <a:latin typeface="+mn-lt"/>
+                          <a:ea typeface="나눔고딕" pitchFamily="50" charset="-127"/>
+                          <a:cs typeface="맑은 고딕" charset="0"/>
+                        </a:rPr>
+                        <a:t>Html5, css3, </a:t>
+                      </a:r>
+                      <a:r>
+                        <a:rPr kumimoji="0" lang="en-US" altLang="ko-KR" sz="900" b="0" i="0" u="none" strike="noStrike" kern="1200" cap="none" normalizeH="0" baseline="0" dirty="0" err="1">
+                          <a:ln>
+                            <a:noFill/>
+                          </a:ln>
+                          <a:solidFill>
+                            <a:schemeClr val="tx1"/>
+                          </a:solidFill>
+                          <a:effectLst/>
+                          <a:latin typeface="+mn-lt"/>
+                          <a:ea typeface="나눔고딕" pitchFamily="50" charset="-127"/>
+                          <a:cs typeface="맑은 고딕" charset="0"/>
+                        </a:rPr>
+                        <a:t>jquery</a:t>
+                      </a:r>
+                      <a:r>
+                        <a:rPr kumimoji="0" lang="en-US" altLang="ko-KR" sz="900" b="0" i="0" u="none" strike="noStrike" kern="1200" cap="none" normalizeH="0" baseline="0" dirty="0">
+                          <a:ln>
+                            <a:noFill/>
+                          </a:ln>
+                          <a:solidFill>
+                            <a:schemeClr val="tx1"/>
+                          </a:solidFill>
+                          <a:effectLst/>
+                          <a:latin typeface="+mn-lt"/>
+                          <a:ea typeface="나눔고딕" pitchFamily="50" charset="-127"/>
+                          <a:cs typeface="맑은 고딕" charset="0"/>
+                        </a:rPr>
+                        <a:t>, </a:t>
+                      </a:r>
+                      <a:r>
+                        <a:rPr kumimoji="0" lang="en-US" altLang="ko-KR" sz="900" b="0" i="0" u="none" strike="noStrike" kern="1200" cap="none" normalizeH="0" baseline="0" dirty="0" err="1">
+                          <a:ln>
+                            <a:noFill/>
+                          </a:ln>
+                          <a:solidFill>
+                            <a:schemeClr val="tx1"/>
+                          </a:solidFill>
+                          <a:effectLst/>
+                          <a:latin typeface="+mn-lt"/>
+                          <a:ea typeface="나눔고딕" pitchFamily="50" charset="-127"/>
+                          <a:cs typeface="맑은 고딕" charset="0"/>
+                        </a:rPr>
+                        <a:t>zeplin</a:t>
+                      </a:r>
+                      <a:endParaRPr lang="ko-KR" altLang="en-US" sz="900" b="0" kern="1200" dirty="0">
+                        <a:solidFill>
+                          <a:schemeClr val="tx1"/>
+                        </a:solidFill>
+                        <a:latin typeface="나눔고딕" charset="0"/>
+                        <a:ea typeface="나눔고딕" charset="0"/>
+                      </a:endParaRPr>
+                    </a:p>
+                  </a:txBody>
+                  <a:tcPr marL="24765" marR="24765" marT="28893" marB="28893" anchor="ctr">
+                    <a:lnL w="3175" cap="flat" cmpd="sng" algn="ctr">
+                      <a:solidFill>
+                        <a:schemeClr val="tx1"/>
+                      </a:solidFill>
+                      <a:prstDash val="solid"/>
+                      <a:round/>
+                      <a:headEnd type="none" w="med" len="med"/>
+                      <a:tailEnd type="none" w="med" len="med"/>
+                    </a:lnL>
+                    <a:lnR w="3175" cap="flat" cmpd="sng" algn="ctr">
+                      <a:solidFill>
+                        <a:schemeClr val="tx1"/>
+                      </a:solidFill>
+                      <a:prstDash val="solid"/>
+                      <a:round/>
+                      <a:headEnd type="none" w="med" len="med"/>
+                      <a:tailEnd type="none" w="med" len="med"/>
+                    </a:lnR>
+                    <a:lnT w="3175" cap="flat" cmpd="sng" algn="ctr">
+                      <a:solidFill>
+                        <a:schemeClr val="tx1"/>
+                      </a:solidFill>
+                      <a:prstDash val="solid"/>
+                      <a:round/>
+                      <a:headEnd type="none" w="med" len="med"/>
+                      <a:tailEnd type="none" w="med" len="med"/>
+                    </a:lnT>
+                    <a:lnB w="3175" cap="flat" cmpd="sng" algn="ctr">
+                      <a:solidFill>
+                        <a:schemeClr val="tx1"/>
+                      </a:solidFill>
+                      <a:prstDash val="solid"/>
+                      <a:round/>
+                      <a:headEnd type="none" w="med" len="med"/>
+                      <a:tailEnd type="none" w="med" len="med"/>
+                    </a:lnB>
+                    <a:lnTlToBr>
+                      <a:noFill/>
+                    </a:lnTlToBr>
+                    <a:lnBlToTr>
+                      <a:noFill/>
+                    </a:lnBlToTr>
+                    <a:noFill/>
+                  </a:tcPr>
+                </a:tc>
+                <a:extLst>
+                  <a:ext uri="{0D108BD9-81ED-4DB2-BD59-A6C34878D82A}">
+                    <a16:rowId xmlns:a16="http://schemas.microsoft.com/office/drawing/2014/main" val="677278792"/>
                   </a:ext>
                 </a:extLst>
               </a:tr>

--- a/download/career_introduction.pptx
+++ b/download/career_introduction.pptx
@@ -1121,7 +1121,7 @@
           <a:p>
             <a:fld id="{E0BD39A2-E3B7-4CF3-B6E3-D0DEB28CC5C5}" type="datetimeFigureOut">
               <a:rPr lang="ko-KR" altLang="en-US" smtClean="0"/>
-              <a:t>2022-12-28</a:t>
+              <a:t>2023-02-21</a:t>
             </a:fld>
             <a:endParaRPr lang="ko-KR" altLang="en-US"/>
           </a:p>
@@ -1289,7 +1289,7 @@
           <a:p>
             <a:fld id="{E0BD39A2-E3B7-4CF3-B6E3-D0DEB28CC5C5}" type="datetimeFigureOut">
               <a:rPr lang="ko-KR" altLang="en-US" smtClean="0"/>
-              <a:t>2022-12-28</a:t>
+              <a:t>2023-02-21</a:t>
             </a:fld>
             <a:endParaRPr lang="ko-KR" altLang="en-US"/>
           </a:p>
@@ -1467,7 +1467,7 @@
           <a:p>
             <a:fld id="{E0BD39A2-E3B7-4CF3-B6E3-D0DEB28CC5C5}" type="datetimeFigureOut">
               <a:rPr lang="ko-KR" altLang="en-US" smtClean="0"/>
-              <a:t>2022-12-28</a:t>
+              <a:t>2023-02-21</a:t>
             </a:fld>
             <a:endParaRPr lang="ko-KR" altLang="en-US"/>
           </a:p>
@@ -1897,7 +1897,7 @@
           <a:p>
             <a:fld id="{E0BD39A2-E3B7-4CF3-B6E3-D0DEB28CC5C5}" type="datetimeFigureOut">
               <a:rPr lang="ko-KR" altLang="en-US" smtClean="0"/>
-              <a:t>2022-12-28</a:t>
+              <a:t>2023-02-21</a:t>
             </a:fld>
             <a:endParaRPr lang="ko-KR" altLang="en-US"/>
           </a:p>
@@ -2142,7 +2142,7 @@
           <a:p>
             <a:fld id="{E0BD39A2-E3B7-4CF3-B6E3-D0DEB28CC5C5}" type="datetimeFigureOut">
               <a:rPr lang="ko-KR" altLang="en-US" smtClean="0"/>
-              <a:t>2022-12-28</a:t>
+              <a:t>2023-02-21</a:t>
             </a:fld>
             <a:endParaRPr lang="ko-KR" altLang="en-US"/>
           </a:p>
@@ -2427,7 +2427,7 @@
           <a:p>
             <a:fld id="{E0BD39A2-E3B7-4CF3-B6E3-D0DEB28CC5C5}" type="datetimeFigureOut">
               <a:rPr lang="ko-KR" altLang="en-US" smtClean="0"/>
-              <a:t>2022-12-28</a:t>
+              <a:t>2023-02-21</a:t>
             </a:fld>
             <a:endParaRPr lang="ko-KR" altLang="en-US"/>
           </a:p>
@@ -2846,7 +2846,7 @@
           <a:p>
             <a:fld id="{E0BD39A2-E3B7-4CF3-B6E3-D0DEB28CC5C5}" type="datetimeFigureOut">
               <a:rPr lang="ko-KR" altLang="en-US" smtClean="0"/>
-              <a:t>2022-12-28</a:t>
+              <a:t>2023-02-21</a:t>
             </a:fld>
             <a:endParaRPr lang="ko-KR" altLang="en-US"/>
           </a:p>
@@ -2963,7 +2963,7 @@
           <a:p>
             <a:fld id="{E0BD39A2-E3B7-4CF3-B6E3-D0DEB28CC5C5}" type="datetimeFigureOut">
               <a:rPr lang="ko-KR" altLang="en-US" smtClean="0"/>
-              <a:t>2022-12-28</a:t>
+              <a:t>2023-02-21</a:t>
             </a:fld>
             <a:endParaRPr lang="ko-KR" altLang="en-US"/>
           </a:p>
@@ -3058,7 +3058,7 @@
           <a:p>
             <a:fld id="{E0BD39A2-E3B7-4CF3-B6E3-D0DEB28CC5C5}" type="datetimeFigureOut">
               <a:rPr lang="ko-KR" altLang="en-US" smtClean="0"/>
-              <a:t>2022-12-28</a:t>
+              <a:t>2023-02-21</a:t>
             </a:fld>
             <a:endParaRPr lang="ko-KR" altLang="en-US"/>
           </a:p>
@@ -3333,7 +3333,7 @@
           <a:p>
             <a:fld id="{E0BD39A2-E3B7-4CF3-B6E3-D0DEB28CC5C5}" type="datetimeFigureOut">
               <a:rPr lang="ko-KR" altLang="en-US" smtClean="0"/>
-              <a:t>2022-12-28</a:t>
+              <a:t>2023-02-21</a:t>
             </a:fld>
             <a:endParaRPr lang="ko-KR" altLang="en-US"/>
           </a:p>
@@ -3585,7 +3585,7 @@
           <a:p>
             <a:fld id="{E0BD39A2-E3B7-4CF3-B6E3-D0DEB28CC5C5}" type="datetimeFigureOut">
               <a:rPr lang="ko-KR" altLang="en-US" smtClean="0"/>
-              <a:t>2022-12-28</a:t>
+              <a:t>2023-02-21</a:t>
             </a:fld>
             <a:endParaRPr lang="ko-KR" altLang="en-US"/>
           </a:p>
@@ -3796,7 +3796,7 @@
           <a:p>
             <a:fld id="{E0BD39A2-E3B7-4CF3-B6E3-D0DEB28CC5C5}" type="datetimeFigureOut">
               <a:rPr lang="ko-KR" altLang="en-US" smtClean="0"/>
-              <a:t>2022-12-28</a:t>
+              <a:t>2023-02-21</a:t>
             </a:fld>
             <a:endParaRPr lang="ko-KR" altLang="en-US"/>
           </a:p>
@@ -14132,7 +14132,7 @@
           <p:nvPr>
             <p:extLst>
               <p:ext uri="{D42A27DB-BD31-4B8C-83A1-F6EECF244321}">
-                <p14:modId xmlns:p14="http://schemas.microsoft.com/office/powerpoint/2010/main" val="964778705"/>
+                <p14:modId xmlns:p14="http://schemas.microsoft.com/office/powerpoint/2010/main" val="409456676"/>
               </p:ext>
             </p:extLst>
           </p:nvPr>
@@ -24032,7 +24032,7 @@
                           <a:latin typeface="나눔고딕" charset="0"/>
                           <a:ea typeface="나눔고딕" charset="0"/>
                         </a:rPr>
-                        <a:t>2022.11 ~ 2022.01</a:t>
+                        <a:t>2022.11 ~ 2022.02</a:t>
                       </a:r>
                       <a:endParaRPr lang="ko-KR" altLang="en-US" sz="900" b="0" kern="1200" dirty="0">
                         <a:solidFill>
@@ -24341,6 +24341,21 @@
                           <a:cs typeface="맑은 고딕" charset="0"/>
                         </a:rPr>
                         <a:t>zeplin</a:t>
+                      </a:r>
+                      <a:r>
+                        <a:rPr kumimoji="0" lang="en-US" altLang="ko-KR" sz="900" b="0" i="0" u="none" strike="noStrike" kern="1200" cap="none" normalizeH="0" baseline="0" dirty="0">
+                          <a:ln>
+                            <a:noFill/>
+                          </a:ln>
+                          <a:solidFill>
+                            <a:schemeClr val="tx1"/>
+                          </a:solidFill>
+                          <a:effectLst/>
+                          <a:latin typeface="+mn-lt"/>
+                          <a:ea typeface="나눔고딕" pitchFamily="50" charset="-127"/>
+                          <a:cs typeface="맑은 고딕" charset="0"/>
+                        </a:rPr>
+                        <a:t>, Adobe XD</a:t>
                       </a:r>
                       <a:endParaRPr lang="ko-KR" altLang="en-US" sz="900" b="0" kern="1200" dirty="0">
                         <a:solidFill>
